--- a/Project Progress Presentaion.pptx
+++ b/Project Progress Presentaion.pptx
@@ -5,7 +5,7 @@
     <p:sldMasterId id="2147483672" r:id="rId1"/>
   </p:sldMasterIdLst>
   <p:notesMasterIdLst>
-    <p:notesMasterId r:id="rId16"/>
+    <p:notesMasterId r:id="rId15"/>
   </p:notesMasterIdLst>
   <p:sldIdLst>
     <p:sldId id="257" r:id="rId2"/>
@@ -13,15 +13,14 @@
     <p:sldId id="259" r:id="rId4"/>
     <p:sldId id="260" r:id="rId5"/>
     <p:sldId id="262" r:id="rId6"/>
-    <p:sldId id="263" r:id="rId7"/>
-    <p:sldId id="264" r:id="rId8"/>
-    <p:sldId id="265" r:id="rId9"/>
-    <p:sldId id="268" r:id="rId10"/>
-    <p:sldId id="266" r:id="rId11"/>
-    <p:sldId id="267" r:id="rId12"/>
-    <p:sldId id="271" r:id="rId13"/>
-    <p:sldId id="269" r:id="rId14"/>
-    <p:sldId id="272" r:id="rId15"/>
+    <p:sldId id="264" r:id="rId7"/>
+    <p:sldId id="265" r:id="rId8"/>
+    <p:sldId id="268" r:id="rId9"/>
+    <p:sldId id="266" r:id="rId10"/>
+    <p:sldId id="267" r:id="rId11"/>
+    <p:sldId id="271" r:id="rId12"/>
+    <p:sldId id="269" r:id="rId13"/>
+    <p:sldId id="272" r:id="rId14"/>
   </p:sldIdLst>
   <p:sldSz cx="12192000" cy="6858000"/>
   <p:notesSz cx="6858000" cy="9144000"/>
@@ -120,6 +119,11 @@
       </a:defRPr>
     </a:lvl9pPr>
   </p:defaultTextStyle>
+  <p:extLst>
+    <p:ext uri="{EFAFB233-063F-42B5-8137-9DF3F51BA10A}">
+      <p15:sldGuideLst xmlns:p15="http://schemas.microsoft.com/office/powerpoint/2012/main"/>
+    </p:ext>
+  </p:extLst>
 </p:presentation>
 </file>
 
@@ -905,6 +909,753 @@
 </dgm:colorsDef>
 </file>
 
+<file path=ppt/diagrams/colors2.xml><?xml version="1.0" encoding="utf-8"?>
+<dgm:colorsDef xmlns:dgm="http://schemas.openxmlformats.org/drawingml/2006/diagram" xmlns:a="http://schemas.openxmlformats.org/drawingml/2006/main" uniqueId="urn:microsoft.com/office/officeart/2005/8/colors/accent1_2">
+  <dgm:title val=""/>
+  <dgm:desc val=""/>
+  <dgm:catLst>
+    <dgm:cat type="accent1" pri="11200"/>
+  </dgm:catLst>
+  <dgm:styleLbl name="node0">
+    <dgm:fillClrLst meth="repeat">
+      <a:schemeClr val="accent1"/>
+    </dgm:fillClrLst>
+    <dgm:linClrLst meth="repeat">
+      <a:schemeClr val="lt1"/>
+    </dgm:linClrLst>
+    <dgm:effectClrLst/>
+    <dgm:txLinClrLst/>
+    <dgm:txFillClrLst/>
+    <dgm:txEffectClrLst/>
+  </dgm:styleLbl>
+  <dgm:styleLbl name="alignNode1">
+    <dgm:fillClrLst meth="repeat">
+      <a:schemeClr val="accent1"/>
+    </dgm:fillClrLst>
+    <dgm:linClrLst meth="repeat">
+      <a:schemeClr val="accent1"/>
+    </dgm:linClrLst>
+    <dgm:effectClrLst/>
+    <dgm:txLinClrLst/>
+    <dgm:txFillClrLst/>
+    <dgm:txEffectClrLst/>
+  </dgm:styleLbl>
+  <dgm:styleLbl name="node1">
+    <dgm:fillClrLst meth="repeat">
+      <a:schemeClr val="accent1"/>
+    </dgm:fillClrLst>
+    <dgm:linClrLst meth="repeat">
+      <a:schemeClr val="lt1"/>
+    </dgm:linClrLst>
+    <dgm:effectClrLst/>
+    <dgm:txLinClrLst/>
+    <dgm:txFillClrLst/>
+    <dgm:txEffectClrLst/>
+  </dgm:styleLbl>
+  <dgm:styleLbl name="lnNode1">
+    <dgm:fillClrLst meth="repeat">
+      <a:schemeClr val="accent1"/>
+    </dgm:fillClrLst>
+    <dgm:linClrLst meth="repeat">
+      <a:schemeClr val="lt1"/>
+    </dgm:linClrLst>
+    <dgm:effectClrLst/>
+    <dgm:txLinClrLst/>
+    <dgm:txFillClrLst/>
+    <dgm:txEffectClrLst/>
+  </dgm:styleLbl>
+  <dgm:styleLbl name="vennNode1">
+    <dgm:fillClrLst meth="repeat">
+      <a:schemeClr val="accent1">
+        <a:alpha val="50000"/>
+      </a:schemeClr>
+    </dgm:fillClrLst>
+    <dgm:linClrLst meth="repeat">
+      <a:schemeClr val="lt1"/>
+    </dgm:linClrLst>
+    <dgm:effectClrLst/>
+    <dgm:txLinClrLst/>
+    <dgm:txFillClrLst/>
+    <dgm:txEffectClrLst/>
+  </dgm:styleLbl>
+  <dgm:styleLbl name="node2">
+    <dgm:fillClrLst meth="repeat">
+      <a:schemeClr val="accent1"/>
+    </dgm:fillClrLst>
+    <dgm:linClrLst meth="repeat">
+      <a:schemeClr val="lt1"/>
+    </dgm:linClrLst>
+    <dgm:effectClrLst/>
+    <dgm:txLinClrLst/>
+    <dgm:txFillClrLst/>
+    <dgm:txEffectClrLst/>
+  </dgm:styleLbl>
+  <dgm:styleLbl name="node3">
+    <dgm:fillClrLst meth="repeat">
+      <a:schemeClr val="accent1"/>
+    </dgm:fillClrLst>
+    <dgm:linClrLst meth="repeat">
+      <a:schemeClr val="lt1"/>
+    </dgm:linClrLst>
+    <dgm:effectClrLst/>
+    <dgm:txLinClrLst/>
+    <dgm:txFillClrLst/>
+    <dgm:txEffectClrLst/>
+  </dgm:styleLbl>
+  <dgm:styleLbl name="node4">
+    <dgm:fillClrLst meth="repeat">
+      <a:schemeClr val="accent1"/>
+    </dgm:fillClrLst>
+    <dgm:linClrLst meth="repeat">
+      <a:schemeClr val="lt1"/>
+    </dgm:linClrLst>
+    <dgm:effectClrLst/>
+    <dgm:txLinClrLst/>
+    <dgm:txFillClrLst/>
+    <dgm:txEffectClrLst/>
+  </dgm:styleLbl>
+  <dgm:styleLbl name="fgImgPlace1">
+    <dgm:fillClrLst meth="repeat">
+      <a:schemeClr val="accent1">
+        <a:tint val="50000"/>
+      </a:schemeClr>
+    </dgm:fillClrLst>
+    <dgm:linClrLst meth="repeat">
+      <a:schemeClr val="lt1"/>
+    </dgm:linClrLst>
+    <dgm:effectClrLst/>
+    <dgm:txLinClrLst/>
+    <dgm:txFillClrLst meth="repeat">
+      <a:schemeClr val="lt1"/>
+    </dgm:txFillClrLst>
+    <dgm:txEffectClrLst/>
+  </dgm:styleLbl>
+  <dgm:styleLbl name="alignImgPlace1">
+    <dgm:fillClrLst meth="repeat">
+      <a:schemeClr val="accent1">
+        <a:tint val="50000"/>
+      </a:schemeClr>
+    </dgm:fillClrLst>
+    <dgm:linClrLst meth="repeat">
+      <a:schemeClr val="lt1"/>
+    </dgm:linClrLst>
+    <dgm:effectClrLst/>
+    <dgm:txLinClrLst/>
+    <dgm:txFillClrLst meth="repeat">
+      <a:schemeClr val="lt1"/>
+    </dgm:txFillClrLst>
+    <dgm:txEffectClrLst/>
+  </dgm:styleLbl>
+  <dgm:styleLbl name="bgImgPlace1">
+    <dgm:fillClrLst meth="repeat">
+      <a:schemeClr val="accent1">
+        <a:tint val="50000"/>
+      </a:schemeClr>
+    </dgm:fillClrLst>
+    <dgm:linClrLst meth="repeat">
+      <a:schemeClr val="lt1"/>
+    </dgm:linClrLst>
+    <dgm:effectClrLst/>
+    <dgm:txLinClrLst/>
+    <dgm:txFillClrLst meth="repeat">
+      <a:schemeClr val="lt1"/>
+    </dgm:txFillClrLst>
+    <dgm:txEffectClrLst/>
+  </dgm:styleLbl>
+  <dgm:styleLbl name="sibTrans2D1">
+    <dgm:fillClrLst meth="repeat">
+      <a:schemeClr val="accent1">
+        <a:tint val="60000"/>
+      </a:schemeClr>
+    </dgm:fillClrLst>
+    <dgm:linClrLst meth="repeat">
+      <a:schemeClr val="accent1">
+        <a:tint val="60000"/>
+      </a:schemeClr>
+    </dgm:linClrLst>
+    <dgm:effectClrLst/>
+    <dgm:txLinClrLst/>
+    <dgm:txFillClrLst/>
+    <dgm:txEffectClrLst/>
+  </dgm:styleLbl>
+  <dgm:styleLbl name="fgSibTrans2D1">
+    <dgm:fillClrLst meth="repeat">
+      <a:schemeClr val="accent1">
+        <a:tint val="60000"/>
+      </a:schemeClr>
+    </dgm:fillClrLst>
+    <dgm:linClrLst meth="repeat">
+      <a:schemeClr val="accent1">
+        <a:tint val="60000"/>
+      </a:schemeClr>
+    </dgm:linClrLst>
+    <dgm:effectClrLst/>
+    <dgm:txLinClrLst/>
+    <dgm:txFillClrLst/>
+    <dgm:txEffectClrLst/>
+  </dgm:styleLbl>
+  <dgm:styleLbl name="bgSibTrans2D1">
+    <dgm:fillClrLst meth="repeat">
+      <a:schemeClr val="accent1">
+        <a:tint val="60000"/>
+      </a:schemeClr>
+    </dgm:fillClrLst>
+    <dgm:linClrLst meth="repeat">
+      <a:schemeClr val="accent1">
+        <a:tint val="60000"/>
+      </a:schemeClr>
+    </dgm:linClrLst>
+    <dgm:effectClrLst/>
+    <dgm:txLinClrLst/>
+    <dgm:txFillClrLst/>
+    <dgm:txEffectClrLst/>
+  </dgm:styleLbl>
+  <dgm:styleLbl name="sibTrans1D1">
+    <dgm:fillClrLst meth="repeat">
+      <a:schemeClr val="accent1"/>
+    </dgm:fillClrLst>
+    <dgm:linClrLst meth="repeat">
+      <a:schemeClr val="accent1"/>
+    </dgm:linClrLst>
+    <dgm:effectClrLst/>
+    <dgm:txLinClrLst/>
+    <dgm:txFillClrLst meth="repeat">
+      <a:schemeClr val="tx1"/>
+    </dgm:txFillClrLst>
+    <dgm:txEffectClrLst/>
+  </dgm:styleLbl>
+  <dgm:styleLbl name="callout">
+    <dgm:fillClrLst meth="repeat">
+      <a:schemeClr val="accent1"/>
+    </dgm:fillClrLst>
+    <dgm:linClrLst meth="repeat">
+      <a:schemeClr val="accent1">
+        <a:tint val="50000"/>
+      </a:schemeClr>
+    </dgm:linClrLst>
+    <dgm:effectClrLst/>
+    <dgm:txLinClrLst/>
+    <dgm:txFillClrLst meth="repeat">
+      <a:schemeClr val="tx1"/>
+    </dgm:txFillClrLst>
+    <dgm:txEffectClrLst/>
+  </dgm:styleLbl>
+  <dgm:styleLbl name="asst0">
+    <dgm:fillClrLst meth="repeat">
+      <a:schemeClr val="accent1"/>
+    </dgm:fillClrLst>
+    <dgm:linClrLst meth="repeat">
+      <a:schemeClr val="lt1"/>
+    </dgm:linClrLst>
+    <dgm:effectClrLst/>
+    <dgm:txLinClrLst/>
+    <dgm:txFillClrLst/>
+    <dgm:txEffectClrLst/>
+  </dgm:styleLbl>
+  <dgm:styleLbl name="asst1">
+    <dgm:fillClrLst meth="repeat">
+      <a:schemeClr val="accent1"/>
+    </dgm:fillClrLst>
+    <dgm:linClrLst meth="repeat">
+      <a:schemeClr val="lt1"/>
+    </dgm:linClrLst>
+    <dgm:effectClrLst/>
+    <dgm:txLinClrLst/>
+    <dgm:txFillClrLst/>
+    <dgm:txEffectClrLst/>
+  </dgm:styleLbl>
+  <dgm:styleLbl name="asst2">
+    <dgm:fillClrLst meth="repeat">
+      <a:schemeClr val="accent1"/>
+    </dgm:fillClrLst>
+    <dgm:linClrLst meth="repeat">
+      <a:schemeClr val="lt1"/>
+    </dgm:linClrLst>
+    <dgm:effectClrLst/>
+    <dgm:txLinClrLst/>
+    <dgm:txFillClrLst/>
+    <dgm:txEffectClrLst/>
+  </dgm:styleLbl>
+  <dgm:styleLbl name="asst3">
+    <dgm:fillClrLst meth="repeat">
+      <a:schemeClr val="accent1"/>
+    </dgm:fillClrLst>
+    <dgm:linClrLst meth="repeat">
+      <a:schemeClr val="lt1"/>
+    </dgm:linClrLst>
+    <dgm:effectClrLst/>
+    <dgm:txLinClrLst/>
+    <dgm:txFillClrLst/>
+    <dgm:txEffectClrLst/>
+  </dgm:styleLbl>
+  <dgm:styleLbl name="asst4">
+    <dgm:fillClrLst meth="repeat">
+      <a:schemeClr val="accent1"/>
+    </dgm:fillClrLst>
+    <dgm:linClrLst meth="repeat">
+      <a:schemeClr val="lt1"/>
+    </dgm:linClrLst>
+    <dgm:effectClrLst/>
+    <dgm:txLinClrLst/>
+    <dgm:txFillClrLst/>
+    <dgm:txEffectClrLst/>
+  </dgm:styleLbl>
+  <dgm:styleLbl name="parChTrans2D1">
+    <dgm:fillClrLst meth="repeat">
+      <a:schemeClr val="accent1">
+        <a:tint val="60000"/>
+      </a:schemeClr>
+    </dgm:fillClrLst>
+    <dgm:linClrLst meth="repeat">
+      <a:schemeClr val="accent1">
+        <a:tint val="60000"/>
+      </a:schemeClr>
+    </dgm:linClrLst>
+    <dgm:effectClrLst/>
+    <dgm:txLinClrLst/>
+    <dgm:txFillClrLst meth="repeat">
+      <a:schemeClr val="lt1"/>
+    </dgm:txFillClrLst>
+    <dgm:txEffectClrLst/>
+  </dgm:styleLbl>
+  <dgm:styleLbl name="parChTrans2D2">
+    <dgm:fillClrLst meth="repeat">
+      <a:schemeClr val="accent1"/>
+    </dgm:fillClrLst>
+    <dgm:linClrLst meth="repeat">
+      <a:schemeClr val="accent1"/>
+    </dgm:linClrLst>
+    <dgm:effectClrLst/>
+    <dgm:txLinClrLst/>
+    <dgm:txFillClrLst meth="repeat">
+      <a:schemeClr val="lt1"/>
+    </dgm:txFillClrLst>
+    <dgm:txEffectClrLst/>
+  </dgm:styleLbl>
+  <dgm:styleLbl name="parChTrans2D3">
+    <dgm:fillClrLst meth="repeat">
+      <a:schemeClr val="accent1"/>
+    </dgm:fillClrLst>
+    <dgm:linClrLst meth="repeat">
+      <a:schemeClr val="accent1"/>
+    </dgm:linClrLst>
+    <dgm:effectClrLst/>
+    <dgm:txLinClrLst/>
+    <dgm:txFillClrLst meth="repeat">
+      <a:schemeClr val="lt1"/>
+    </dgm:txFillClrLst>
+    <dgm:txEffectClrLst/>
+  </dgm:styleLbl>
+  <dgm:styleLbl name="parChTrans2D4">
+    <dgm:fillClrLst meth="repeat">
+      <a:schemeClr val="accent1"/>
+    </dgm:fillClrLst>
+    <dgm:linClrLst meth="repeat">
+      <a:schemeClr val="accent1"/>
+    </dgm:linClrLst>
+    <dgm:effectClrLst/>
+    <dgm:txLinClrLst/>
+    <dgm:txFillClrLst meth="repeat">
+      <a:schemeClr val="lt1"/>
+    </dgm:txFillClrLst>
+    <dgm:txEffectClrLst/>
+  </dgm:styleLbl>
+  <dgm:styleLbl name="parChTrans1D1">
+    <dgm:fillClrLst meth="repeat">
+      <a:schemeClr val="accent1"/>
+    </dgm:fillClrLst>
+    <dgm:linClrLst meth="repeat">
+      <a:schemeClr val="accent1">
+        <a:shade val="60000"/>
+      </a:schemeClr>
+    </dgm:linClrLst>
+    <dgm:effectClrLst/>
+    <dgm:txLinClrLst/>
+    <dgm:txFillClrLst meth="repeat">
+      <a:schemeClr val="tx1"/>
+    </dgm:txFillClrLst>
+    <dgm:txEffectClrLst/>
+  </dgm:styleLbl>
+  <dgm:styleLbl name="parChTrans1D2">
+    <dgm:fillClrLst meth="repeat">
+      <a:schemeClr val="accent1"/>
+    </dgm:fillClrLst>
+    <dgm:linClrLst meth="repeat">
+      <a:schemeClr val="accent1">
+        <a:shade val="60000"/>
+      </a:schemeClr>
+    </dgm:linClrLst>
+    <dgm:effectClrLst/>
+    <dgm:txLinClrLst/>
+    <dgm:txFillClrLst meth="repeat">
+      <a:schemeClr val="tx1"/>
+    </dgm:txFillClrLst>
+    <dgm:txEffectClrLst/>
+  </dgm:styleLbl>
+  <dgm:styleLbl name="parChTrans1D3">
+    <dgm:fillClrLst meth="repeat">
+      <a:schemeClr val="accent1"/>
+    </dgm:fillClrLst>
+    <dgm:linClrLst meth="repeat">
+      <a:schemeClr val="accent1">
+        <a:shade val="80000"/>
+      </a:schemeClr>
+    </dgm:linClrLst>
+    <dgm:effectClrLst/>
+    <dgm:txLinClrLst/>
+    <dgm:txFillClrLst meth="repeat">
+      <a:schemeClr val="tx1"/>
+    </dgm:txFillClrLst>
+    <dgm:txEffectClrLst/>
+  </dgm:styleLbl>
+  <dgm:styleLbl name="parChTrans1D4">
+    <dgm:fillClrLst meth="repeat">
+      <a:schemeClr val="accent1"/>
+    </dgm:fillClrLst>
+    <dgm:linClrLst meth="repeat">
+      <a:schemeClr val="accent1">
+        <a:shade val="80000"/>
+      </a:schemeClr>
+    </dgm:linClrLst>
+    <dgm:effectClrLst/>
+    <dgm:txLinClrLst/>
+    <dgm:txFillClrLst meth="repeat">
+      <a:schemeClr val="tx1"/>
+    </dgm:txFillClrLst>
+    <dgm:txEffectClrLst/>
+  </dgm:styleLbl>
+  <dgm:styleLbl name="fgAcc1">
+    <dgm:fillClrLst meth="repeat">
+      <a:schemeClr val="lt1">
+        <a:alpha val="90000"/>
+      </a:schemeClr>
+    </dgm:fillClrLst>
+    <dgm:linClrLst meth="repeat">
+      <a:schemeClr val="accent1"/>
+    </dgm:linClrLst>
+    <dgm:effectClrLst/>
+    <dgm:txLinClrLst/>
+    <dgm:txFillClrLst meth="repeat">
+      <a:schemeClr val="dk1"/>
+    </dgm:txFillClrLst>
+    <dgm:txEffectClrLst/>
+  </dgm:styleLbl>
+  <dgm:styleLbl name="conFgAcc1">
+    <dgm:fillClrLst meth="repeat">
+      <a:schemeClr val="lt1">
+        <a:alpha val="90000"/>
+      </a:schemeClr>
+    </dgm:fillClrLst>
+    <dgm:linClrLst meth="repeat">
+      <a:schemeClr val="accent1"/>
+    </dgm:linClrLst>
+    <dgm:effectClrLst/>
+    <dgm:txLinClrLst/>
+    <dgm:txFillClrLst meth="repeat">
+      <a:schemeClr val="dk1"/>
+    </dgm:txFillClrLst>
+    <dgm:txEffectClrLst/>
+  </dgm:styleLbl>
+  <dgm:styleLbl name="alignAcc1">
+    <dgm:fillClrLst meth="repeat">
+      <a:schemeClr val="lt1">
+        <a:alpha val="90000"/>
+      </a:schemeClr>
+    </dgm:fillClrLst>
+    <dgm:linClrLst meth="repeat">
+      <a:schemeClr val="accent1"/>
+    </dgm:linClrLst>
+    <dgm:effectClrLst/>
+    <dgm:txLinClrLst/>
+    <dgm:txFillClrLst meth="repeat">
+      <a:schemeClr val="dk1"/>
+    </dgm:txFillClrLst>
+    <dgm:txEffectClrLst/>
+  </dgm:styleLbl>
+  <dgm:styleLbl name="trAlignAcc1">
+    <dgm:fillClrLst meth="repeat">
+      <a:schemeClr val="lt1">
+        <a:alpha val="40000"/>
+      </a:schemeClr>
+    </dgm:fillClrLst>
+    <dgm:linClrLst meth="repeat">
+      <a:schemeClr val="accent1"/>
+    </dgm:linClrLst>
+    <dgm:effectClrLst/>
+    <dgm:txLinClrLst/>
+    <dgm:txFillClrLst meth="repeat">
+      <a:schemeClr val="dk1"/>
+    </dgm:txFillClrLst>
+    <dgm:txEffectClrLst/>
+  </dgm:styleLbl>
+  <dgm:styleLbl name="bgAcc1">
+    <dgm:fillClrLst meth="repeat">
+      <a:schemeClr val="lt1">
+        <a:alpha val="90000"/>
+      </a:schemeClr>
+    </dgm:fillClrLst>
+    <dgm:linClrLst meth="repeat">
+      <a:schemeClr val="accent1"/>
+    </dgm:linClrLst>
+    <dgm:effectClrLst/>
+    <dgm:txLinClrLst/>
+    <dgm:txFillClrLst meth="repeat">
+      <a:schemeClr val="dk1"/>
+    </dgm:txFillClrLst>
+    <dgm:txEffectClrLst/>
+  </dgm:styleLbl>
+  <dgm:styleLbl name="solidFgAcc1">
+    <dgm:fillClrLst meth="repeat">
+      <a:schemeClr val="lt1"/>
+    </dgm:fillClrLst>
+    <dgm:linClrLst meth="repeat">
+      <a:schemeClr val="accent1"/>
+    </dgm:linClrLst>
+    <dgm:effectClrLst/>
+    <dgm:txLinClrLst/>
+    <dgm:txFillClrLst meth="repeat">
+      <a:schemeClr val="dk1"/>
+    </dgm:txFillClrLst>
+    <dgm:txEffectClrLst/>
+  </dgm:styleLbl>
+  <dgm:styleLbl name="solidAlignAcc1">
+    <dgm:fillClrLst meth="repeat">
+      <a:schemeClr val="lt1"/>
+    </dgm:fillClrLst>
+    <dgm:linClrLst meth="repeat">
+      <a:schemeClr val="accent1"/>
+    </dgm:linClrLst>
+    <dgm:effectClrLst/>
+    <dgm:txLinClrLst/>
+    <dgm:txFillClrLst meth="repeat">
+      <a:schemeClr val="dk1"/>
+    </dgm:txFillClrLst>
+    <dgm:txEffectClrLst/>
+  </dgm:styleLbl>
+  <dgm:styleLbl name="solidBgAcc1">
+    <dgm:fillClrLst meth="repeat">
+      <a:schemeClr val="lt1"/>
+    </dgm:fillClrLst>
+    <dgm:linClrLst meth="repeat">
+      <a:schemeClr val="accent1"/>
+    </dgm:linClrLst>
+    <dgm:effectClrLst/>
+    <dgm:txLinClrLst/>
+    <dgm:txFillClrLst meth="repeat">
+      <a:schemeClr val="dk1"/>
+    </dgm:txFillClrLst>
+    <dgm:txEffectClrLst/>
+  </dgm:styleLbl>
+  <dgm:styleLbl name="fgAccFollowNode1">
+    <dgm:fillClrLst meth="repeat">
+      <a:schemeClr val="accent1">
+        <a:alpha val="90000"/>
+        <a:tint val="40000"/>
+      </a:schemeClr>
+    </dgm:fillClrLst>
+    <dgm:linClrLst meth="repeat">
+      <a:schemeClr val="accent1">
+        <a:alpha val="90000"/>
+        <a:tint val="40000"/>
+      </a:schemeClr>
+    </dgm:linClrLst>
+    <dgm:effectClrLst/>
+    <dgm:txLinClrLst/>
+    <dgm:txFillClrLst meth="repeat">
+      <a:schemeClr val="dk1"/>
+    </dgm:txFillClrLst>
+    <dgm:txEffectClrLst/>
+  </dgm:styleLbl>
+  <dgm:styleLbl name="alignAccFollowNode1">
+    <dgm:fillClrLst meth="repeat">
+      <a:schemeClr val="accent1">
+        <a:alpha val="90000"/>
+        <a:tint val="40000"/>
+      </a:schemeClr>
+    </dgm:fillClrLst>
+    <dgm:linClrLst meth="repeat">
+      <a:schemeClr val="accent1">
+        <a:alpha val="90000"/>
+        <a:tint val="40000"/>
+      </a:schemeClr>
+    </dgm:linClrLst>
+    <dgm:effectClrLst/>
+    <dgm:txLinClrLst/>
+    <dgm:txFillClrLst meth="repeat">
+      <a:schemeClr val="dk1"/>
+    </dgm:txFillClrLst>
+    <dgm:txEffectClrLst/>
+  </dgm:styleLbl>
+  <dgm:styleLbl name="bgAccFollowNode1">
+    <dgm:fillClrLst meth="repeat">
+      <a:schemeClr val="accent1">
+        <a:alpha val="90000"/>
+        <a:tint val="40000"/>
+      </a:schemeClr>
+    </dgm:fillClrLst>
+    <dgm:linClrLst meth="repeat">
+      <a:schemeClr val="accent1">
+        <a:alpha val="90000"/>
+        <a:tint val="40000"/>
+      </a:schemeClr>
+    </dgm:linClrLst>
+    <dgm:effectClrLst/>
+    <dgm:txLinClrLst/>
+    <dgm:txFillClrLst meth="repeat">
+      <a:schemeClr val="dk1"/>
+    </dgm:txFillClrLst>
+    <dgm:txEffectClrLst/>
+  </dgm:styleLbl>
+  <dgm:styleLbl name="fgAcc0">
+    <dgm:fillClrLst meth="repeat">
+      <a:schemeClr val="lt1">
+        <a:alpha val="90000"/>
+      </a:schemeClr>
+    </dgm:fillClrLst>
+    <dgm:linClrLst meth="repeat">
+      <a:schemeClr val="accent1"/>
+    </dgm:linClrLst>
+    <dgm:effectClrLst/>
+    <dgm:txLinClrLst/>
+    <dgm:txFillClrLst meth="repeat">
+      <a:schemeClr val="dk1"/>
+    </dgm:txFillClrLst>
+    <dgm:txEffectClrLst/>
+  </dgm:styleLbl>
+  <dgm:styleLbl name="fgAcc2">
+    <dgm:fillClrLst meth="repeat">
+      <a:schemeClr val="lt1">
+        <a:alpha val="90000"/>
+      </a:schemeClr>
+    </dgm:fillClrLst>
+    <dgm:linClrLst meth="repeat">
+      <a:schemeClr val="accent1"/>
+    </dgm:linClrLst>
+    <dgm:effectClrLst/>
+    <dgm:txLinClrLst/>
+    <dgm:txFillClrLst meth="repeat">
+      <a:schemeClr val="dk1"/>
+    </dgm:txFillClrLst>
+    <dgm:txEffectClrLst/>
+  </dgm:styleLbl>
+  <dgm:styleLbl name="fgAcc3">
+    <dgm:fillClrLst meth="repeat">
+      <a:schemeClr val="lt1">
+        <a:alpha val="90000"/>
+      </a:schemeClr>
+    </dgm:fillClrLst>
+    <dgm:linClrLst meth="repeat">
+      <a:schemeClr val="accent1"/>
+    </dgm:linClrLst>
+    <dgm:effectClrLst/>
+    <dgm:txLinClrLst/>
+    <dgm:txFillClrLst meth="repeat">
+      <a:schemeClr val="dk1"/>
+    </dgm:txFillClrLst>
+    <dgm:txEffectClrLst/>
+  </dgm:styleLbl>
+  <dgm:styleLbl name="fgAcc4">
+    <dgm:fillClrLst meth="repeat">
+      <a:schemeClr val="lt1">
+        <a:alpha val="90000"/>
+      </a:schemeClr>
+    </dgm:fillClrLst>
+    <dgm:linClrLst meth="repeat">
+      <a:schemeClr val="accent1"/>
+    </dgm:linClrLst>
+    <dgm:effectClrLst/>
+    <dgm:txLinClrLst/>
+    <dgm:txFillClrLst meth="repeat">
+      <a:schemeClr val="dk1"/>
+    </dgm:txFillClrLst>
+    <dgm:txEffectClrLst/>
+  </dgm:styleLbl>
+  <dgm:styleLbl name="bgShp">
+    <dgm:fillClrLst meth="repeat">
+      <a:schemeClr val="accent1">
+        <a:tint val="40000"/>
+      </a:schemeClr>
+    </dgm:fillClrLst>
+    <dgm:linClrLst meth="repeat">
+      <a:schemeClr val="accent1"/>
+    </dgm:linClrLst>
+    <dgm:effectClrLst/>
+    <dgm:txLinClrLst/>
+    <dgm:txFillClrLst meth="repeat">
+      <a:schemeClr val="dk1"/>
+    </dgm:txFillClrLst>
+    <dgm:txEffectClrLst/>
+  </dgm:styleLbl>
+  <dgm:styleLbl name="dkBgShp">
+    <dgm:fillClrLst meth="repeat">
+      <a:schemeClr val="accent1">
+        <a:shade val="80000"/>
+      </a:schemeClr>
+    </dgm:fillClrLst>
+    <dgm:linClrLst meth="repeat">
+      <a:schemeClr val="accent1"/>
+    </dgm:linClrLst>
+    <dgm:effectClrLst/>
+    <dgm:txLinClrLst/>
+    <dgm:txFillClrLst meth="repeat">
+      <a:schemeClr val="lt1"/>
+    </dgm:txFillClrLst>
+    <dgm:txEffectClrLst/>
+  </dgm:styleLbl>
+  <dgm:styleLbl name="trBgShp">
+    <dgm:fillClrLst meth="repeat">
+      <a:schemeClr val="accent1">
+        <a:tint val="50000"/>
+        <a:alpha val="40000"/>
+      </a:schemeClr>
+    </dgm:fillClrLst>
+    <dgm:linClrLst meth="repeat">
+      <a:schemeClr val="accent1"/>
+    </dgm:linClrLst>
+    <dgm:effectClrLst/>
+    <dgm:txLinClrLst/>
+    <dgm:txFillClrLst meth="repeat">
+      <a:schemeClr val="lt1"/>
+    </dgm:txFillClrLst>
+    <dgm:txEffectClrLst/>
+  </dgm:styleLbl>
+  <dgm:styleLbl name="fgShp">
+    <dgm:fillClrLst meth="repeat">
+      <a:schemeClr val="accent1">
+        <a:tint val="60000"/>
+      </a:schemeClr>
+    </dgm:fillClrLst>
+    <dgm:linClrLst meth="repeat">
+      <a:schemeClr val="lt1"/>
+    </dgm:linClrLst>
+    <dgm:effectClrLst/>
+    <dgm:txLinClrLst/>
+    <dgm:txFillClrLst meth="repeat">
+      <a:schemeClr val="dk1"/>
+    </dgm:txFillClrLst>
+    <dgm:txEffectClrLst/>
+  </dgm:styleLbl>
+  <dgm:styleLbl name="revTx">
+    <dgm:fillClrLst meth="repeat">
+      <a:schemeClr val="lt1">
+        <a:alpha val="0"/>
+      </a:schemeClr>
+    </dgm:fillClrLst>
+    <dgm:linClrLst meth="repeat">
+      <a:schemeClr val="dk1">
+        <a:alpha val="0"/>
+      </a:schemeClr>
+    </dgm:linClrLst>
+    <dgm:effectClrLst/>
+    <dgm:txLinClrLst/>
+    <dgm:txFillClrLst meth="repeat">
+      <a:schemeClr val="tx1"/>
+    </dgm:txFillClrLst>
+    <dgm:txEffectClrLst/>
+  </dgm:styleLbl>
+</dgm:colorsDef>
+</file>
+
 <file path=ppt/diagrams/data1.xml><?xml version="1.0" encoding="utf-8"?>
 <dgm:dataModel xmlns:dgm="http://schemas.openxmlformats.org/drawingml/2006/diagram" xmlns:a="http://schemas.openxmlformats.org/drawingml/2006/main">
   <dgm:ptLst>
@@ -927,10 +1678,9 @@
         <a:lstStyle/>
         <a:p>
           <a:r>
-            <a:rPr lang="en-US" b="1" dirty="0" smtClean="0"/>
+            <a:rPr lang="en-US" b="1" dirty="0"/>
             <a:t>Dynamic Driving Conditions</a:t>
           </a:r>
-          <a:endParaRPr lang="en-US" b="1" dirty="0"/>
         </a:p>
       </dgm:t>
     </dgm:pt>
@@ -964,10 +1714,9 @@
         <a:lstStyle/>
         <a:p>
           <a:r>
-            <a:rPr lang="en-US" dirty="0" smtClean="0"/>
+            <a:rPr lang="en-US" dirty="0"/>
             <a:t>Increase and decrease the speed of the vehicle based on the driving and traffic conditions</a:t>
           </a:r>
-          <a:endParaRPr lang="en-US" dirty="0"/>
         </a:p>
       </dgm:t>
     </dgm:pt>
@@ -1001,10 +1750,9 @@
         <a:lstStyle/>
         <a:p>
           <a:r>
-            <a:rPr lang="en-US" b="1" dirty="0" smtClean="0"/>
+            <a:rPr lang="en-US" b="1" dirty="0"/>
             <a:t>Ensure Controllability of Vehicle</a:t>
           </a:r>
-          <a:endParaRPr lang="en-US" b="1" dirty="0"/>
         </a:p>
       </dgm:t>
     </dgm:pt>
@@ -1038,10 +1786,9 @@
         <a:lstStyle/>
         <a:p>
           <a:r>
-            <a:rPr lang="en-US" dirty="0" smtClean="0"/>
+            <a:rPr lang="en-US" dirty="0"/>
             <a:t>Determine the Good Acceleration and Turn thresholds that maintains stability of the vehicle  </a:t>
           </a:r>
-          <a:endParaRPr lang="en-US" dirty="0"/>
         </a:p>
       </dgm:t>
     </dgm:pt>
@@ -1075,10 +1822,9 @@
         <a:lstStyle/>
         <a:p>
           <a:r>
-            <a:rPr lang="en-US" b="1" dirty="0" smtClean="0"/>
+            <a:rPr lang="en-US" b="1" dirty="0"/>
             <a:t>Collision Free  and Law Full driving plan</a:t>
           </a:r>
-          <a:endParaRPr lang="en-US" b="1" dirty="0"/>
         </a:p>
       </dgm:t>
     </dgm:pt>
@@ -1112,10 +1858,9 @@
         <a:lstStyle/>
         <a:p>
           <a:r>
-            <a:rPr lang="en-US" dirty="0" smtClean="0"/>
+            <a:rPr lang="en-US" dirty="0"/>
             <a:t>Identify obstacles in  path and perceive the position of surrounding objects </a:t>
           </a:r>
-          <a:endParaRPr lang="en-US" dirty="0"/>
         </a:p>
       </dgm:t>
     </dgm:pt>
@@ -1149,10 +1894,9 @@
         <a:lstStyle/>
         <a:p>
           <a:r>
-            <a:rPr lang="en-US" b="1" dirty="0" smtClean="0"/>
+            <a:rPr lang="en-US" b="1" dirty="0"/>
             <a:t>Execute and Actuate right driving plan</a:t>
           </a:r>
-          <a:endParaRPr lang="en-US" b="1" dirty="0"/>
         </a:p>
       </dgm:t>
     </dgm:pt>
@@ -1186,18 +1930,17 @@
         <a:lstStyle/>
         <a:p>
           <a:r>
-            <a:rPr lang="en-US" dirty="0" smtClean="0"/>
+            <a:rPr lang="en-US" dirty="0"/>
             <a:t>Combine the driving plan  and </a:t>
           </a:r>
           <a:r>
-            <a:rPr lang="en-US" dirty="0" err="1" smtClean="0"/>
+            <a:rPr lang="en-US" dirty="0" err="1"/>
             <a:t>Egomotion</a:t>
           </a:r>
           <a:r>
-            <a:rPr lang="en-US" dirty="0" smtClean="0"/>
+            <a:rPr lang="en-US" dirty="0"/>
             <a:t> to control motion actuators</a:t>
           </a:r>
-          <a:endParaRPr lang="en-US" dirty="0"/>
         </a:p>
       </dgm:t>
     </dgm:pt>
@@ -1231,10 +1974,9 @@
         <a:lstStyle/>
         <a:p>
           <a:r>
-            <a:rPr lang="en-US" b="1" dirty="0" smtClean="0"/>
+            <a:rPr lang="en-US" b="1" dirty="0"/>
             <a:t>Dynamic Lane Merge System</a:t>
           </a:r>
-          <a:endParaRPr lang="en-US" b="1" dirty="0"/>
         </a:p>
       </dgm:t>
     </dgm:pt>
@@ -1268,10 +2010,9 @@
         <a:lstStyle/>
         <a:p>
           <a:r>
-            <a:rPr lang="en-US" dirty="0" smtClean="0"/>
+            <a:rPr lang="en-US" dirty="0"/>
             <a:t>Perform lateral control to maintain lane and execute seamless lane change</a:t>
           </a:r>
-          <a:endParaRPr lang="en-US" dirty="0"/>
         </a:p>
       </dgm:t>
     </dgm:pt>
@@ -1314,13 +2055,6 @@
         </dgm:presLayoutVars>
       </dgm:prSet>
       <dgm:spPr/>
-      <dgm:t>
-        <a:bodyPr/>
-        <a:lstStyle/>
-        <a:p>
-          <a:endParaRPr lang="en-US"/>
-        </a:p>
-      </dgm:t>
     </dgm:pt>
     <dgm:pt modelId="{4656F6B9-0B5C-4A8C-8068-E41621E2757F}" type="pres">
       <dgm:prSet presAssocID="{F441001E-6347-43AB-ACFD-650031A5166E}" presName="childText" presStyleLbl="revTx" presStyleIdx="0" presStyleCnt="5">
@@ -1329,13 +2063,6 @@
         </dgm:presLayoutVars>
       </dgm:prSet>
       <dgm:spPr/>
-      <dgm:t>
-        <a:bodyPr/>
-        <a:lstStyle/>
-        <a:p>
-          <a:endParaRPr lang="en-US"/>
-        </a:p>
-      </dgm:t>
     </dgm:pt>
     <dgm:pt modelId="{B6AF7AD7-3201-4241-BDA7-8D8F37824F30}" type="pres">
       <dgm:prSet presAssocID="{A1BF7326-E5BD-408F-8482-FEB1A58EFE63}" presName="parentText" presStyleLbl="node1" presStyleIdx="1" presStyleCnt="5" custLinFactNeighborX="0" custLinFactNeighborY="-8765">
@@ -1345,13 +2072,6 @@
         </dgm:presLayoutVars>
       </dgm:prSet>
       <dgm:spPr/>
-      <dgm:t>
-        <a:bodyPr/>
-        <a:lstStyle/>
-        <a:p>
-          <a:endParaRPr lang="en-US"/>
-        </a:p>
-      </dgm:t>
     </dgm:pt>
     <dgm:pt modelId="{D6EC59F5-0F4B-46C9-A10F-274F2A83C0F7}" type="pres">
       <dgm:prSet presAssocID="{A1BF7326-E5BD-408F-8482-FEB1A58EFE63}" presName="childText" presStyleLbl="revTx" presStyleIdx="1" presStyleCnt="5">
@@ -1360,13 +2080,6 @@
         </dgm:presLayoutVars>
       </dgm:prSet>
       <dgm:spPr/>
-      <dgm:t>
-        <a:bodyPr/>
-        <a:lstStyle/>
-        <a:p>
-          <a:endParaRPr lang="en-US"/>
-        </a:p>
-      </dgm:t>
     </dgm:pt>
     <dgm:pt modelId="{89E08625-7F36-4A1F-8391-7D72A0885382}" type="pres">
       <dgm:prSet presAssocID="{FCC5EB99-0189-455A-919F-64281EE814A9}" presName="parentText" presStyleLbl="node1" presStyleIdx="2" presStyleCnt="5">
@@ -1376,13 +2089,6 @@
         </dgm:presLayoutVars>
       </dgm:prSet>
       <dgm:spPr/>
-      <dgm:t>
-        <a:bodyPr/>
-        <a:lstStyle/>
-        <a:p>
-          <a:endParaRPr lang="en-US"/>
-        </a:p>
-      </dgm:t>
     </dgm:pt>
     <dgm:pt modelId="{364220FD-3EF2-422A-A322-24ECEF43A84F}" type="pres">
       <dgm:prSet presAssocID="{FCC5EB99-0189-455A-919F-64281EE814A9}" presName="childText" presStyleLbl="revTx" presStyleIdx="2" presStyleCnt="5">
@@ -1391,13 +2097,6 @@
         </dgm:presLayoutVars>
       </dgm:prSet>
       <dgm:spPr/>
-      <dgm:t>
-        <a:bodyPr/>
-        <a:lstStyle/>
-        <a:p>
-          <a:endParaRPr lang="en-US"/>
-        </a:p>
-      </dgm:t>
     </dgm:pt>
     <dgm:pt modelId="{16B7D458-1B62-466B-B995-BFD685185481}" type="pres">
       <dgm:prSet presAssocID="{0CC4204E-4E00-4F80-995D-90AB35516B41}" presName="parentText" presStyleLbl="node1" presStyleIdx="3" presStyleCnt="5">
@@ -1407,13 +2106,6 @@
         </dgm:presLayoutVars>
       </dgm:prSet>
       <dgm:spPr/>
-      <dgm:t>
-        <a:bodyPr/>
-        <a:lstStyle/>
-        <a:p>
-          <a:endParaRPr lang="en-US"/>
-        </a:p>
-      </dgm:t>
     </dgm:pt>
     <dgm:pt modelId="{C4521C3D-B2A1-4494-B726-FC4A19209F83}" type="pres">
       <dgm:prSet presAssocID="{0CC4204E-4E00-4F80-995D-90AB35516B41}" presName="childText" presStyleLbl="revTx" presStyleIdx="3" presStyleCnt="5">
@@ -1422,13 +2114,6 @@
         </dgm:presLayoutVars>
       </dgm:prSet>
       <dgm:spPr/>
-      <dgm:t>
-        <a:bodyPr/>
-        <a:lstStyle/>
-        <a:p>
-          <a:endParaRPr lang="en-US"/>
-        </a:p>
-      </dgm:t>
     </dgm:pt>
     <dgm:pt modelId="{43CAB317-6D3E-4B76-9DF6-07B4AFBFE786}" type="pres">
       <dgm:prSet presAssocID="{B27C3A9F-9554-47AE-98C9-07C67B84D136}" presName="parentText" presStyleLbl="node1" presStyleIdx="4" presStyleCnt="5">
@@ -1438,13 +2123,6 @@
         </dgm:presLayoutVars>
       </dgm:prSet>
       <dgm:spPr/>
-      <dgm:t>
-        <a:bodyPr/>
-        <a:lstStyle/>
-        <a:p>
-          <a:endParaRPr lang="en-US"/>
-        </a:p>
-      </dgm:t>
     </dgm:pt>
     <dgm:pt modelId="{B0240379-8454-4965-AB02-BE8DFBA46394}" type="pres">
       <dgm:prSet presAssocID="{B27C3A9F-9554-47AE-98C9-07C67B84D136}" presName="childText" presStyleLbl="revTx" presStyleIdx="4" presStyleCnt="5">
@@ -1453,37 +2131,30 @@
         </dgm:presLayoutVars>
       </dgm:prSet>
       <dgm:spPr/>
-      <dgm:t>
-        <a:bodyPr/>
-        <a:lstStyle/>
-        <a:p>
-          <a:endParaRPr lang="en-US"/>
-        </a:p>
-      </dgm:t>
     </dgm:pt>
   </dgm:ptLst>
   <dgm:cxnLst>
+    <dgm:cxn modelId="{9C22230A-0B82-465F-AEE4-A6C34F5E92A2}" type="presOf" srcId="{0CC4204E-4E00-4F80-995D-90AB35516B41}" destId="{16B7D458-1B62-466B-B995-BFD685185481}" srcOrd="0" destOrd="0" presId="urn:microsoft.com/office/officeart/2005/8/layout/vList2"/>
+    <dgm:cxn modelId="{1BC2E42B-898A-4F5C-8DD5-107F0BAA7FF8}" type="presOf" srcId="{A1BF7326-E5BD-408F-8482-FEB1A58EFE63}" destId="{B6AF7AD7-3201-4241-BDA7-8D8F37824F30}" srcOrd="0" destOrd="0" presId="urn:microsoft.com/office/officeart/2005/8/layout/vList2"/>
+    <dgm:cxn modelId="{C5DD8E2E-F430-4337-8F07-8798D114E6CC}" type="presOf" srcId="{B04D8804-C673-4D58-AC97-87128E74436D}" destId="{4656F6B9-0B5C-4A8C-8068-E41621E2757F}" srcOrd="0" destOrd="0" presId="urn:microsoft.com/office/officeart/2005/8/layout/vList2"/>
+    <dgm:cxn modelId="{2C41B037-D81C-4062-A03D-B8557585D702}" srcId="{7E2D2691-3D14-43E6-A9E5-BC35CA444289}" destId="{A1BF7326-E5BD-408F-8482-FEB1A58EFE63}" srcOrd="1" destOrd="0" parTransId="{1570DF23-8435-4C8E-9C47-2C1D5280E57E}" sibTransId="{745C0054-9109-432E-912C-8BA46F5D1555}"/>
+    <dgm:cxn modelId="{8AD9573A-0E89-45DA-966A-F77F34486D5D}" type="presOf" srcId="{7E2D2691-3D14-43E6-A9E5-BC35CA444289}" destId="{99CD70DE-6DD2-4790-B082-E21E45F152DF}" srcOrd="0" destOrd="0" presId="urn:microsoft.com/office/officeart/2005/8/layout/vList2"/>
+    <dgm:cxn modelId="{E1E0205B-C3A1-43F4-9CCA-6B46E5D3205D}" srcId="{7E2D2691-3D14-43E6-A9E5-BC35CA444289}" destId="{F441001E-6347-43AB-ACFD-650031A5166E}" srcOrd="0" destOrd="0" parTransId="{BB88FC40-CA33-4FCB-99F4-1B15F81D4E4D}" sibTransId="{FEC5D3AD-D5AC-4588-BAD7-7A8B5ABE885C}"/>
+    <dgm:cxn modelId="{AB224B5D-638A-4610-B76B-7563C0EB4425}" srcId="{F441001E-6347-43AB-ACFD-650031A5166E}" destId="{B04D8804-C673-4D58-AC97-87128E74436D}" srcOrd="0" destOrd="0" parTransId="{CBA0C92B-DC3C-41DB-BF4B-C053D005493C}" sibTransId="{CAD975A7-4278-4180-A594-3AF0C336E0EE}"/>
+    <dgm:cxn modelId="{5AA24149-10ED-4E9F-9D3C-F9C97ADF90D7}" type="presOf" srcId="{E8F56E97-412C-4172-AD8E-2F0E80656ED4}" destId="{C4521C3D-B2A1-4494-B726-FC4A19209F83}" srcOrd="0" destOrd="0" presId="urn:microsoft.com/office/officeart/2005/8/layout/vList2"/>
+    <dgm:cxn modelId="{38448A4A-E07F-4F73-8EA7-FB10D94F4A0A}" type="presOf" srcId="{F441001E-6347-43AB-ACFD-650031A5166E}" destId="{734875A9-DF35-4D71-BCAF-AB0B128F1338}" srcOrd="0" destOrd="0" presId="urn:microsoft.com/office/officeart/2005/8/layout/vList2"/>
+    <dgm:cxn modelId="{FE0D4B4E-BF13-4814-8090-6EC54296BF5E}" type="presOf" srcId="{D491DCF7-538A-4B90-92D1-426BA86D1D17}" destId="{B0240379-8454-4965-AB02-BE8DFBA46394}" srcOrd="0" destOrd="0" presId="urn:microsoft.com/office/officeart/2005/8/layout/vList2"/>
+    <dgm:cxn modelId="{DDA54052-C3A0-4BCA-9F70-2AF94A0D99D9}" type="presOf" srcId="{FCC5EB99-0189-455A-919F-64281EE814A9}" destId="{89E08625-7F36-4A1F-8391-7D72A0885382}" srcOrd="0" destOrd="0" presId="urn:microsoft.com/office/officeart/2005/8/layout/vList2"/>
+    <dgm:cxn modelId="{B0A8CD52-C694-4546-A707-6316E28B1073}" srcId="{0CC4204E-4E00-4F80-995D-90AB35516B41}" destId="{E8F56E97-412C-4172-AD8E-2F0E80656ED4}" srcOrd="0" destOrd="0" parTransId="{56C5B4C6-DF60-48AC-9923-7805C6E467DA}" sibTransId="{9B5A7948-72D6-4F6E-A9C6-C18FD16C3D46}"/>
+    <dgm:cxn modelId="{207A5791-2587-41DE-90AF-55660FB289AD}" type="presOf" srcId="{B27C3A9F-9554-47AE-98C9-07C67B84D136}" destId="{43CAB317-6D3E-4B76-9DF6-07B4AFBFE786}" srcOrd="0" destOrd="0" presId="urn:microsoft.com/office/officeart/2005/8/layout/vList2"/>
+    <dgm:cxn modelId="{8BD83AAB-3124-4F59-9148-540A2086CAB0}" srcId="{7E2D2691-3D14-43E6-A9E5-BC35CA444289}" destId="{0CC4204E-4E00-4F80-995D-90AB35516B41}" srcOrd="3" destOrd="0" parTransId="{1783D2AA-78D8-48B2-85F3-F3FD5F89F5A6}" sibTransId="{7365EEC1-146B-4853-B0CE-51A0D184F9DE}"/>
+    <dgm:cxn modelId="{50EBE8B7-253C-4EA9-885B-44451D9F335C}" srcId="{A1BF7326-E5BD-408F-8482-FEB1A58EFE63}" destId="{61225D35-1412-4845-B52E-AFD17D919B42}" srcOrd="0" destOrd="0" parTransId="{EA240431-4D0B-4B5C-B7F9-37EE175D155C}" sibTransId="{1D0E24DE-4F75-465E-9361-60FD3B10E0C9}"/>
+    <dgm:cxn modelId="{AEC5C7B9-C968-4F78-81B6-FA00F2826EA8}" type="presOf" srcId="{9DB47A99-8901-4143-9EFE-5688CF9DEBE0}" destId="{364220FD-3EF2-422A-A322-24ECEF43A84F}" srcOrd="0" destOrd="0" presId="urn:microsoft.com/office/officeart/2005/8/layout/vList2"/>
+    <dgm:cxn modelId="{D93B20BD-BBFF-46E5-B2C8-F668C2D1426B}" srcId="{B27C3A9F-9554-47AE-98C9-07C67B84D136}" destId="{D491DCF7-538A-4B90-92D1-426BA86D1D17}" srcOrd="0" destOrd="0" parTransId="{2082CA8E-ADF5-462A-A1B7-DF851BA421A7}" sibTransId="{7C2E1EDD-93B5-4108-8ECC-B4FEBF7F4B46}"/>
+    <dgm:cxn modelId="{748345C2-24A7-4E65-9F0B-F3B1EF4166B8}" srcId="{FCC5EB99-0189-455A-919F-64281EE814A9}" destId="{9DB47A99-8901-4143-9EFE-5688CF9DEBE0}" srcOrd="0" destOrd="0" parTransId="{52773EE8-BFD8-44C9-913C-FB11E9D3E1A0}" sibTransId="{3CB05F45-EC10-415D-A533-56C963484BFE}"/>
+    <dgm:cxn modelId="{A6DEA6C7-F274-42DC-9808-E794B349EC74}" type="presOf" srcId="{61225D35-1412-4845-B52E-AFD17D919B42}" destId="{D6EC59F5-0F4B-46C9-A10F-274F2A83C0F7}" srcOrd="0" destOrd="0" presId="urn:microsoft.com/office/officeart/2005/8/layout/vList2"/>
     <dgm:cxn modelId="{0AA675D1-0E99-402B-9118-A5AE46E6DC44}" srcId="{7E2D2691-3D14-43E6-A9E5-BC35CA444289}" destId="{FCC5EB99-0189-455A-919F-64281EE814A9}" srcOrd="2" destOrd="0" parTransId="{6E87FE38-6CBC-4750-A421-7E24FA7BCAA7}" sibTransId="{FA512BC8-B086-43CD-B45D-BC1E48BF854A}"/>
-    <dgm:cxn modelId="{5AA24149-10ED-4E9F-9D3C-F9C97ADF90D7}" type="presOf" srcId="{E8F56E97-412C-4172-AD8E-2F0E80656ED4}" destId="{C4521C3D-B2A1-4494-B726-FC4A19209F83}" srcOrd="0" destOrd="0" presId="urn:microsoft.com/office/officeart/2005/8/layout/vList2"/>
-    <dgm:cxn modelId="{AEC5C7B9-C968-4F78-81B6-FA00F2826EA8}" type="presOf" srcId="{9DB47A99-8901-4143-9EFE-5688CF9DEBE0}" destId="{364220FD-3EF2-422A-A322-24ECEF43A84F}" srcOrd="0" destOrd="0" presId="urn:microsoft.com/office/officeart/2005/8/layout/vList2"/>
-    <dgm:cxn modelId="{AB224B5D-638A-4610-B76B-7563C0EB4425}" srcId="{F441001E-6347-43AB-ACFD-650031A5166E}" destId="{B04D8804-C673-4D58-AC97-87128E74436D}" srcOrd="0" destOrd="0" parTransId="{CBA0C92B-DC3C-41DB-BF4B-C053D005493C}" sibTransId="{CAD975A7-4278-4180-A594-3AF0C336E0EE}"/>
-    <dgm:cxn modelId="{D93B20BD-BBFF-46E5-B2C8-F668C2D1426B}" srcId="{B27C3A9F-9554-47AE-98C9-07C67B84D136}" destId="{D491DCF7-538A-4B90-92D1-426BA86D1D17}" srcOrd="0" destOrd="0" parTransId="{2082CA8E-ADF5-462A-A1B7-DF851BA421A7}" sibTransId="{7C2E1EDD-93B5-4108-8ECC-B4FEBF7F4B46}"/>
-    <dgm:cxn modelId="{DDA54052-C3A0-4BCA-9F70-2AF94A0D99D9}" type="presOf" srcId="{FCC5EB99-0189-455A-919F-64281EE814A9}" destId="{89E08625-7F36-4A1F-8391-7D72A0885382}" srcOrd="0" destOrd="0" presId="urn:microsoft.com/office/officeart/2005/8/layout/vList2"/>
-    <dgm:cxn modelId="{38448A4A-E07F-4F73-8EA7-FB10D94F4A0A}" type="presOf" srcId="{F441001E-6347-43AB-ACFD-650031A5166E}" destId="{734875A9-DF35-4D71-BCAF-AB0B128F1338}" srcOrd="0" destOrd="0" presId="urn:microsoft.com/office/officeart/2005/8/layout/vList2"/>
-    <dgm:cxn modelId="{B0A8CD52-C694-4546-A707-6316E28B1073}" srcId="{0CC4204E-4E00-4F80-995D-90AB35516B41}" destId="{E8F56E97-412C-4172-AD8E-2F0E80656ED4}" srcOrd="0" destOrd="0" parTransId="{56C5B4C6-DF60-48AC-9923-7805C6E467DA}" sibTransId="{9B5A7948-72D6-4F6E-A9C6-C18FD16C3D46}"/>
-    <dgm:cxn modelId="{FE0D4B4E-BF13-4814-8090-6EC54296BF5E}" type="presOf" srcId="{D491DCF7-538A-4B90-92D1-426BA86D1D17}" destId="{B0240379-8454-4965-AB02-BE8DFBA46394}" srcOrd="0" destOrd="0" presId="urn:microsoft.com/office/officeart/2005/8/layout/vList2"/>
-    <dgm:cxn modelId="{C5DD8E2E-F430-4337-8F07-8798D114E6CC}" type="presOf" srcId="{B04D8804-C673-4D58-AC97-87128E74436D}" destId="{4656F6B9-0B5C-4A8C-8068-E41621E2757F}" srcOrd="0" destOrd="0" presId="urn:microsoft.com/office/officeart/2005/8/layout/vList2"/>
-    <dgm:cxn modelId="{1BC2E42B-898A-4F5C-8DD5-107F0BAA7FF8}" type="presOf" srcId="{A1BF7326-E5BD-408F-8482-FEB1A58EFE63}" destId="{B6AF7AD7-3201-4241-BDA7-8D8F37824F30}" srcOrd="0" destOrd="0" presId="urn:microsoft.com/office/officeart/2005/8/layout/vList2"/>
-    <dgm:cxn modelId="{50EBE8B7-253C-4EA9-885B-44451D9F335C}" srcId="{A1BF7326-E5BD-408F-8482-FEB1A58EFE63}" destId="{61225D35-1412-4845-B52E-AFD17D919B42}" srcOrd="0" destOrd="0" parTransId="{EA240431-4D0B-4B5C-B7F9-37EE175D155C}" sibTransId="{1D0E24DE-4F75-465E-9361-60FD3B10E0C9}"/>
-    <dgm:cxn modelId="{8BD83AAB-3124-4F59-9148-540A2086CAB0}" srcId="{7E2D2691-3D14-43E6-A9E5-BC35CA444289}" destId="{0CC4204E-4E00-4F80-995D-90AB35516B41}" srcOrd="3" destOrd="0" parTransId="{1783D2AA-78D8-48B2-85F3-F3FD5F89F5A6}" sibTransId="{7365EEC1-146B-4853-B0CE-51A0D184F9DE}"/>
-    <dgm:cxn modelId="{E1E0205B-C3A1-43F4-9CCA-6B46E5D3205D}" srcId="{7E2D2691-3D14-43E6-A9E5-BC35CA444289}" destId="{F441001E-6347-43AB-ACFD-650031A5166E}" srcOrd="0" destOrd="0" parTransId="{BB88FC40-CA33-4FCB-99F4-1B15F81D4E4D}" sibTransId="{FEC5D3AD-D5AC-4588-BAD7-7A8B5ABE885C}"/>
-    <dgm:cxn modelId="{A6DEA6C7-F274-42DC-9808-E794B349EC74}" type="presOf" srcId="{61225D35-1412-4845-B52E-AFD17D919B42}" destId="{D6EC59F5-0F4B-46C9-A10F-274F2A83C0F7}" srcOrd="0" destOrd="0" presId="urn:microsoft.com/office/officeart/2005/8/layout/vList2"/>
-    <dgm:cxn modelId="{207A5791-2587-41DE-90AF-55660FB289AD}" type="presOf" srcId="{B27C3A9F-9554-47AE-98C9-07C67B84D136}" destId="{43CAB317-6D3E-4B76-9DF6-07B4AFBFE786}" srcOrd="0" destOrd="0" presId="urn:microsoft.com/office/officeart/2005/8/layout/vList2"/>
-    <dgm:cxn modelId="{9C22230A-0B82-465F-AEE4-A6C34F5E92A2}" type="presOf" srcId="{0CC4204E-4E00-4F80-995D-90AB35516B41}" destId="{16B7D458-1B62-466B-B995-BFD685185481}" srcOrd="0" destOrd="0" presId="urn:microsoft.com/office/officeart/2005/8/layout/vList2"/>
-    <dgm:cxn modelId="{8AD9573A-0E89-45DA-966A-F77F34486D5D}" type="presOf" srcId="{7E2D2691-3D14-43E6-A9E5-BC35CA444289}" destId="{99CD70DE-6DD2-4790-B082-E21E45F152DF}" srcOrd="0" destOrd="0" presId="urn:microsoft.com/office/officeart/2005/8/layout/vList2"/>
     <dgm:cxn modelId="{B072A1EE-11EF-408B-B0FF-52491FA2895F}" srcId="{7E2D2691-3D14-43E6-A9E5-BC35CA444289}" destId="{B27C3A9F-9554-47AE-98C9-07C67B84D136}" srcOrd="4" destOrd="0" parTransId="{CE41282A-FDFE-4415-A517-6543734A3B52}" sibTransId="{AA938921-ADD6-4017-8229-1A7734A2CC4F}"/>
-    <dgm:cxn modelId="{748345C2-24A7-4E65-9F0B-F3B1EF4166B8}" srcId="{FCC5EB99-0189-455A-919F-64281EE814A9}" destId="{9DB47A99-8901-4143-9EFE-5688CF9DEBE0}" srcOrd="0" destOrd="0" parTransId="{52773EE8-BFD8-44C9-913C-FB11E9D3E1A0}" sibTransId="{3CB05F45-EC10-415D-A533-56C963484BFE}"/>
-    <dgm:cxn modelId="{2C41B037-D81C-4062-A03D-B8557585D702}" srcId="{7E2D2691-3D14-43E6-A9E5-BC35CA444289}" destId="{A1BF7326-E5BD-408F-8482-FEB1A58EFE63}" srcOrd="1" destOrd="0" parTransId="{1570DF23-8435-4C8E-9C47-2C1D5280E57E}" sibTransId="{745C0054-9109-432E-912C-8BA46F5D1555}"/>
     <dgm:cxn modelId="{8F86CCC5-AC6A-4B9B-BCD8-491172ABADD5}" type="presParOf" srcId="{99CD70DE-6DD2-4790-B082-E21E45F152DF}" destId="{734875A9-DF35-4D71-BCAF-AB0B128F1338}" srcOrd="0" destOrd="0" presId="urn:microsoft.com/office/officeart/2005/8/layout/vList2"/>
     <dgm:cxn modelId="{6EAD4DBC-47F6-41D0-8911-C1B37E4A7277}" type="presParOf" srcId="{99CD70DE-6DD2-4790-B082-E21E45F152DF}" destId="{4656F6B9-0B5C-4A8C-8068-E41621E2757F}" srcOrd="1" destOrd="0" presId="urn:microsoft.com/office/officeart/2005/8/layout/vList2"/>
     <dgm:cxn modelId="{A8D7F5AC-FBB1-4022-B093-91B5BD140ACC}" type="presParOf" srcId="{99CD70DE-6DD2-4790-B082-E21E45F152DF}" destId="{B6AF7AD7-3201-4241-BDA7-8D8F37824F30}" srcOrd="2" destOrd="0" presId="urn:microsoft.com/office/officeart/2005/8/layout/vList2"/>
@@ -1494,6 +2165,145 @@
     <dgm:cxn modelId="{F7B02EA5-79FF-43D7-9E2A-D70099158775}" type="presParOf" srcId="{99CD70DE-6DD2-4790-B082-E21E45F152DF}" destId="{C4521C3D-B2A1-4494-B726-FC4A19209F83}" srcOrd="7" destOrd="0" presId="urn:microsoft.com/office/officeart/2005/8/layout/vList2"/>
     <dgm:cxn modelId="{C863EB43-7116-4D12-AD2F-EBAE9495DFF3}" type="presParOf" srcId="{99CD70DE-6DD2-4790-B082-E21E45F152DF}" destId="{43CAB317-6D3E-4B76-9DF6-07B4AFBFE786}" srcOrd="8" destOrd="0" presId="urn:microsoft.com/office/officeart/2005/8/layout/vList2"/>
     <dgm:cxn modelId="{E8B0E455-2D23-4C70-92E4-81E3C038B82C}" type="presParOf" srcId="{99CD70DE-6DD2-4790-B082-E21E45F152DF}" destId="{B0240379-8454-4965-AB02-BE8DFBA46394}" srcOrd="9" destOrd="0" presId="urn:microsoft.com/office/officeart/2005/8/layout/vList2"/>
+  </dgm:cxnLst>
+  <dgm:bg/>
+  <dgm:whole/>
+  <dgm:extLst>
+    <a:ext uri="http://schemas.microsoft.com/office/drawing/2008/diagram">
+      <dsp:dataModelExt xmlns:dsp="http://schemas.microsoft.com/office/drawing/2008/diagram" relId="rId6" minVer="http://schemas.openxmlformats.org/drawingml/2006/diagram"/>
+    </a:ext>
+  </dgm:extLst>
+</dgm:dataModel>
+</file>
+
+<file path=ppt/diagrams/data2.xml><?xml version="1.0" encoding="utf-8"?>
+<dgm:dataModel xmlns:dgm="http://schemas.openxmlformats.org/drawingml/2006/diagram" xmlns:a="http://schemas.openxmlformats.org/drawingml/2006/main">
+  <dgm:ptLst>
+    <dgm:pt modelId="{7CB6D944-A413-42EB-8CA6-0AE50AA67C5C}" type="doc">
+      <dgm:prSet loTypeId="urn:microsoft.com/office/officeart/2005/8/layout/process4" loCatId="process" qsTypeId="urn:microsoft.com/office/officeart/2005/8/quickstyle/simple1" qsCatId="simple" csTypeId="urn:microsoft.com/office/officeart/2005/8/colors/accent1_2" csCatId="accent1"/>
+      <dgm:spPr/>
+      <dgm:t>
+        <a:bodyPr/>
+        <a:lstStyle/>
+        <a:p>
+          <a:endParaRPr lang="en-US"/>
+        </a:p>
+      </dgm:t>
+    </dgm:pt>
+    <dgm:pt modelId="{E8C77936-1DE1-49F9-9AD4-FE7E7306073A}">
+      <dgm:prSet/>
+      <dgm:spPr/>
+      <dgm:t>
+        <a:bodyPr/>
+        <a:lstStyle/>
+        <a:p>
+          <a:r>
+            <a:rPr lang="en-US"/>
+            <a:t>Generates the targets for the model to represent and the requirements to verify against.</a:t>
+          </a:r>
+        </a:p>
+      </dgm:t>
+    </dgm:pt>
+    <dgm:pt modelId="{493F0BD5-6DD9-46CA-A8C4-7342BAB3A64E}" type="parTrans" cxnId="{D126EEDC-D987-4D4A-B25C-6C15C7C7382A}">
+      <dgm:prSet/>
+      <dgm:spPr/>
+      <dgm:t>
+        <a:bodyPr/>
+        <a:lstStyle/>
+        <a:p>
+          <a:endParaRPr lang="en-US"/>
+        </a:p>
+      </dgm:t>
+    </dgm:pt>
+    <dgm:pt modelId="{86822A0C-542D-4AEC-921A-CD43766A160E}" type="sibTrans" cxnId="{D126EEDC-D987-4D4A-B25C-6C15C7C7382A}">
+      <dgm:prSet/>
+      <dgm:spPr/>
+      <dgm:t>
+        <a:bodyPr/>
+        <a:lstStyle/>
+        <a:p>
+          <a:endParaRPr lang="en-US"/>
+        </a:p>
+      </dgm:t>
+    </dgm:pt>
+    <dgm:pt modelId="{AC6F1025-A925-4362-A2CF-6BD2FAEF3E74}">
+      <dgm:prSet/>
+      <dgm:spPr/>
+      <dgm:t>
+        <a:bodyPr/>
+        <a:lstStyle/>
+        <a:p>
+          <a:r>
+            <a:rPr lang="en-US" dirty="0"/>
+            <a:t>Specify the test to run among many tests.</a:t>
+          </a:r>
+        </a:p>
+      </dgm:t>
+    </dgm:pt>
+    <dgm:pt modelId="{7B8C3022-D12A-46DA-A026-40987CC23A84}" type="parTrans" cxnId="{A5BFAE79-F84C-44E1-84BC-CD33E4403BAD}">
+      <dgm:prSet/>
+      <dgm:spPr/>
+      <dgm:t>
+        <a:bodyPr/>
+        <a:lstStyle/>
+        <a:p>
+          <a:endParaRPr lang="en-US"/>
+        </a:p>
+      </dgm:t>
+    </dgm:pt>
+    <dgm:pt modelId="{06DD5E00-C16E-4E4C-ABFA-6BDF59458F08}" type="sibTrans" cxnId="{A5BFAE79-F84C-44E1-84BC-CD33E4403BAD}">
+      <dgm:prSet/>
+      <dgm:spPr/>
+      <dgm:t>
+        <a:bodyPr/>
+        <a:lstStyle/>
+        <a:p>
+          <a:endParaRPr lang="en-US"/>
+        </a:p>
+      </dgm:t>
+    </dgm:pt>
+    <dgm:pt modelId="{4CEF0223-F980-40D8-B0F2-FE8A45407289}" type="pres">
+      <dgm:prSet presAssocID="{7CB6D944-A413-42EB-8CA6-0AE50AA67C5C}" presName="Name0" presStyleCnt="0">
+        <dgm:presLayoutVars>
+          <dgm:dir/>
+          <dgm:animLvl val="lvl"/>
+          <dgm:resizeHandles val="exact"/>
+        </dgm:presLayoutVars>
+      </dgm:prSet>
+      <dgm:spPr/>
+    </dgm:pt>
+    <dgm:pt modelId="{BD2E4AC9-9DFB-42D4-B1BD-A257BA7C5060}" type="pres">
+      <dgm:prSet presAssocID="{AC6F1025-A925-4362-A2CF-6BD2FAEF3E74}" presName="boxAndChildren" presStyleCnt="0"/>
+      <dgm:spPr/>
+    </dgm:pt>
+    <dgm:pt modelId="{FFA5F1D1-1C8E-4EB2-B221-03B863503387}" type="pres">
+      <dgm:prSet presAssocID="{AC6F1025-A925-4362-A2CF-6BD2FAEF3E74}" presName="parentTextBox" presStyleLbl="node1" presStyleIdx="0" presStyleCnt="2"/>
+      <dgm:spPr/>
+    </dgm:pt>
+    <dgm:pt modelId="{C96449D7-AAD4-4C94-96D9-35810084E17E}" type="pres">
+      <dgm:prSet presAssocID="{86822A0C-542D-4AEC-921A-CD43766A160E}" presName="sp" presStyleCnt="0"/>
+      <dgm:spPr/>
+    </dgm:pt>
+    <dgm:pt modelId="{6EDBE6EB-2C67-4955-9013-094B1D4C7518}" type="pres">
+      <dgm:prSet presAssocID="{E8C77936-1DE1-49F9-9AD4-FE7E7306073A}" presName="arrowAndChildren" presStyleCnt="0"/>
+      <dgm:spPr/>
+    </dgm:pt>
+    <dgm:pt modelId="{51D411FA-7A18-4940-99A6-23B1EF0E5600}" type="pres">
+      <dgm:prSet presAssocID="{E8C77936-1DE1-49F9-9AD4-FE7E7306073A}" presName="parentTextArrow" presStyleLbl="node1" presStyleIdx="1" presStyleCnt="2"/>
+      <dgm:spPr/>
+    </dgm:pt>
+  </dgm:ptLst>
+  <dgm:cxnLst>
+    <dgm:cxn modelId="{A816F776-D156-43E1-805F-1FAA2EA18C0D}" type="presOf" srcId="{7CB6D944-A413-42EB-8CA6-0AE50AA67C5C}" destId="{4CEF0223-F980-40D8-B0F2-FE8A45407289}" srcOrd="0" destOrd="0" presId="urn:microsoft.com/office/officeart/2005/8/layout/process4"/>
+    <dgm:cxn modelId="{A5BFAE79-F84C-44E1-84BC-CD33E4403BAD}" srcId="{7CB6D944-A413-42EB-8CA6-0AE50AA67C5C}" destId="{AC6F1025-A925-4362-A2CF-6BD2FAEF3E74}" srcOrd="1" destOrd="0" parTransId="{7B8C3022-D12A-46DA-A026-40987CC23A84}" sibTransId="{06DD5E00-C16E-4E4C-ABFA-6BDF59458F08}"/>
+    <dgm:cxn modelId="{D9499382-FBA3-4899-989A-D2DFC41AE812}" type="presOf" srcId="{E8C77936-1DE1-49F9-9AD4-FE7E7306073A}" destId="{51D411FA-7A18-4940-99A6-23B1EF0E5600}" srcOrd="0" destOrd="0" presId="urn:microsoft.com/office/officeart/2005/8/layout/process4"/>
+    <dgm:cxn modelId="{0BD96892-9FF0-4B94-BA88-614496AFA234}" type="presOf" srcId="{AC6F1025-A925-4362-A2CF-6BD2FAEF3E74}" destId="{FFA5F1D1-1C8E-4EB2-B221-03B863503387}" srcOrd="0" destOrd="0" presId="urn:microsoft.com/office/officeart/2005/8/layout/process4"/>
+    <dgm:cxn modelId="{D126EEDC-D987-4D4A-B25C-6C15C7C7382A}" srcId="{7CB6D944-A413-42EB-8CA6-0AE50AA67C5C}" destId="{E8C77936-1DE1-49F9-9AD4-FE7E7306073A}" srcOrd="0" destOrd="0" parTransId="{493F0BD5-6DD9-46CA-A8C4-7342BAB3A64E}" sibTransId="{86822A0C-542D-4AEC-921A-CD43766A160E}"/>
+    <dgm:cxn modelId="{74C677DC-C565-44A4-9762-4D66F25877B9}" type="presParOf" srcId="{4CEF0223-F980-40D8-B0F2-FE8A45407289}" destId="{BD2E4AC9-9DFB-42D4-B1BD-A257BA7C5060}" srcOrd="0" destOrd="0" presId="urn:microsoft.com/office/officeart/2005/8/layout/process4"/>
+    <dgm:cxn modelId="{CAB44BD5-A9FF-4587-9431-5BE04A8037F1}" type="presParOf" srcId="{BD2E4AC9-9DFB-42D4-B1BD-A257BA7C5060}" destId="{FFA5F1D1-1C8E-4EB2-B221-03B863503387}" srcOrd="0" destOrd="0" presId="urn:microsoft.com/office/officeart/2005/8/layout/process4"/>
+    <dgm:cxn modelId="{86D30AAD-1608-4034-A745-89E4F4664F96}" type="presParOf" srcId="{4CEF0223-F980-40D8-B0F2-FE8A45407289}" destId="{C96449D7-AAD4-4C94-96D9-35810084E17E}" srcOrd="1" destOrd="0" presId="urn:microsoft.com/office/officeart/2005/8/layout/process4"/>
+    <dgm:cxn modelId="{6E3FBEBA-1C8A-4733-B672-CFD966C87CE3}" type="presParOf" srcId="{4CEF0223-F980-40D8-B0F2-FE8A45407289}" destId="{6EDBE6EB-2C67-4955-9013-094B1D4C7518}" srcOrd="2" destOrd="0" presId="urn:microsoft.com/office/officeart/2005/8/layout/process4"/>
+    <dgm:cxn modelId="{F77F59BC-404F-40B8-A4BE-76EAABE8A707}" type="presParOf" srcId="{6EDBE6EB-2C67-4955-9013-094B1D4C7518}" destId="{51D411FA-7A18-4940-99A6-23B1EF0E5600}" srcOrd="0" destOrd="0" presId="urn:microsoft.com/office/officeart/2005/8/layout/process4"/>
   </dgm:cxnLst>
   <dgm:bg/>
   <dgm:whole/>
@@ -1567,7 +2377,7 @@
         </a:bodyPr>
         <a:lstStyle/>
         <a:p>
-          <a:pPr lvl="0" algn="l" defTabSz="933450">
+          <a:pPr marL="0" lvl="0" indent="0" algn="l" defTabSz="933450">
             <a:lnSpc>
               <a:spcPct val="90000"/>
             </a:lnSpc>
@@ -1577,12 +2387,12 @@
             <a:spcAft>
               <a:spcPct val="35000"/>
             </a:spcAft>
+            <a:buNone/>
           </a:pPr>
           <a:r>
-            <a:rPr lang="en-US" sz="2100" b="1" kern="1200" dirty="0" smtClean="0"/>
+            <a:rPr lang="en-US" sz="2100" b="1" kern="1200" dirty="0"/>
             <a:t>Dynamic Driving Conditions</a:t>
           </a:r>
-          <a:endParaRPr lang="en-US" sz="2100" b="1" kern="1200" dirty="0"/>
         </a:p>
       </dsp:txBody>
       <dsp:txXfrm>
@@ -1637,13 +2447,12 @@
             <a:spcAft>
               <a:spcPct val="20000"/>
             </a:spcAft>
-            <a:buChar char="••"/>
+            <a:buChar char="•"/>
           </a:pPr>
           <a:r>
-            <a:rPr lang="en-US" sz="1600" kern="1200" dirty="0" smtClean="0"/>
+            <a:rPr lang="en-US" sz="1600" kern="1200" dirty="0"/>
             <a:t>Increase and decrease the speed of the vehicle based on the driving and traffic conditions</a:t>
           </a:r>
-          <a:endParaRPr lang="en-US" sz="1600" kern="1200" dirty="0"/>
         </a:p>
       </dsp:txBody>
       <dsp:txXfrm>
@@ -1705,7 +2514,7 @@
         </a:bodyPr>
         <a:lstStyle/>
         <a:p>
-          <a:pPr lvl="0" algn="l" defTabSz="933450">
+          <a:pPr marL="0" lvl="0" indent="0" algn="l" defTabSz="933450">
             <a:lnSpc>
               <a:spcPct val="90000"/>
             </a:lnSpc>
@@ -1715,12 +2524,12 @@
             <a:spcAft>
               <a:spcPct val="35000"/>
             </a:spcAft>
+            <a:buNone/>
           </a:pPr>
           <a:r>
-            <a:rPr lang="en-US" sz="2100" b="1" kern="1200" dirty="0" smtClean="0"/>
+            <a:rPr lang="en-US" sz="2100" b="1" kern="1200" dirty="0"/>
             <a:t>Ensure Controllability of Vehicle</a:t>
           </a:r>
-          <a:endParaRPr lang="en-US" sz="2100" b="1" kern="1200" dirty="0"/>
         </a:p>
       </dsp:txBody>
       <dsp:txXfrm>
@@ -1775,13 +2584,12 @@
             <a:spcAft>
               <a:spcPct val="20000"/>
             </a:spcAft>
-            <a:buChar char="••"/>
+            <a:buChar char="•"/>
           </a:pPr>
           <a:r>
-            <a:rPr lang="en-US" sz="1600" kern="1200" dirty="0" smtClean="0"/>
+            <a:rPr lang="en-US" sz="1600" kern="1200" dirty="0"/>
             <a:t>Determine the Good Acceleration and Turn thresholds that maintains stability of the vehicle  </a:t>
           </a:r>
-          <a:endParaRPr lang="en-US" sz="1600" kern="1200" dirty="0"/>
         </a:p>
       </dsp:txBody>
       <dsp:txXfrm>
@@ -1843,7 +2651,7 @@
         </a:bodyPr>
         <a:lstStyle/>
         <a:p>
-          <a:pPr lvl="0" algn="l" defTabSz="933450">
+          <a:pPr marL="0" lvl="0" indent="0" algn="l" defTabSz="933450">
             <a:lnSpc>
               <a:spcPct val="90000"/>
             </a:lnSpc>
@@ -1853,12 +2661,12 @@
             <a:spcAft>
               <a:spcPct val="35000"/>
             </a:spcAft>
+            <a:buNone/>
           </a:pPr>
           <a:r>
-            <a:rPr lang="en-US" sz="2100" b="1" kern="1200" dirty="0" smtClean="0"/>
+            <a:rPr lang="en-US" sz="2100" b="1" kern="1200" dirty="0"/>
             <a:t>Collision Free  and Law Full driving plan</a:t>
           </a:r>
-          <a:endParaRPr lang="en-US" sz="2100" b="1" kern="1200" dirty="0"/>
         </a:p>
       </dsp:txBody>
       <dsp:txXfrm>
@@ -1913,13 +2721,12 @@
             <a:spcAft>
               <a:spcPct val="20000"/>
             </a:spcAft>
-            <a:buChar char="••"/>
+            <a:buChar char="•"/>
           </a:pPr>
           <a:r>
-            <a:rPr lang="en-US" sz="1600" kern="1200" dirty="0" smtClean="0"/>
+            <a:rPr lang="en-US" sz="1600" kern="1200" dirty="0"/>
             <a:t>Identify obstacles in  path and perceive the position of surrounding objects </a:t>
           </a:r>
-          <a:endParaRPr lang="en-US" sz="1600" kern="1200" dirty="0"/>
         </a:p>
       </dsp:txBody>
       <dsp:txXfrm>
@@ -1981,7 +2788,7 @@
         </a:bodyPr>
         <a:lstStyle/>
         <a:p>
-          <a:pPr lvl="0" algn="l" defTabSz="933450">
+          <a:pPr marL="0" lvl="0" indent="0" algn="l" defTabSz="933450">
             <a:lnSpc>
               <a:spcPct val="90000"/>
             </a:lnSpc>
@@ -1991,12 +2798,12 @@
             <a:spcAft>
               <a:spcPct val="35000"/>
             </a:spcAft>
+            <a:buNone/>
           </a:pPr>
           <a:r>
-            <a:rPr lang="en-US" sz="2100" b="1" kern="1200" dirty="0" smtClean="0"/>
+            <a:rPr lang="en-US" sz="2100" b="1" kern="1200" dirty="0"/>
             <a:t>Dynamic Lane Merge System</a:t>
           </a:r>
-          <a:endParaRPr lang="en-US" sz="2100" b="1" kern="1200" dirty="0"/>
         </a:p>
       </dsp:txBody>
       <dsp:txXfrm>
@@ -2051,13 +2858,12 @@
             <a:spcAft>
               <a:spcPct val="20000"/>
             </a:spcAft>
-            <a:buChar char="••"/>
+            <a:buChar char="•"/>
           </a:pPr>
           <a:r>
-            <a:rPr lang="en-US" sz="1600" kern="1200" dirty="0" smtClean="0"/>
+            <a:rPr lang="en-US" sz="1600" kern="1200" dirty="0"/>
             <a:t>Perform lateral control to maintain lane and execute seamless lane change</a:t>
           </a:r>
-          <a:endParaRPr lang="en-US" sz="1600" kern="1200" dirty="0"/>
         </a:p>
       </dsp:txBody>
       <dsp:txXfrm>
@@ -2119,7 +2925,7 @@
         </a:bodyPr>
         <a:lstStyle/>
         <a:p>
-          <a:pPr lvl="0" algn="l" defTabSz="933450">
+          <a:pPr marL="0" lvl="0" indent="0" algn="l" defTabSz="933450">
             <a:lnSpc>
               <a:spcPct val="90000"/>
             </a:lnSpc>
@@ -2129,12 +2935,12 @@
             <a:spcAft>
               <a:spcPct val="35000"/>
             </a:spcAft>
+            <a:buNone/>
           </a:pPr>
           <a:r>
-            <a:rPr lang="en-US" sz="2100" b="1" kern="1200" dirty="0" smtClean="0"/>
+            <a:rPr lang="en-US" sz="2100" b="1" kern="1200" dirty="0"/>
             <a:t>Execute and Actuate right driving plan</a:t>
           </a:r>
-          <a:endParaRPr lang="en-US" sz="2100" b="1" kern="1200" dirty="0"/>
         </a:p>
       </dsp:txBody>
       <dsp:txXfrm>
@@ -2189,26 +2995,191 @@
             <a:spcAft>
               <a:spcPct val="20000"/>
             </a:spcAft>
-            <a:buChar char="••"/>
+            <a:buChar char="•"/>
           </a:pPr>
           <a:r>
-            <a:rPr lang="en-US" sz="1600" kern="1200" dirty="0" smtClean="0"/>
+            <a:rPr lang="en-US" sz="1600" kern="1200" dirty="0"/>
             <a:t>Combine the driving plan  and </a:t>
           </a:r>
           <a:r>
-            <a:rPr lang="en-US" sz="1600" kern="1200" dirty="0" err="1" smtClean="0"/>
+            <a:rPr lang="en-US" sz="1600" kern="1200" dirty="0" err="1"/>
             <a:t>Egomotion</a:t>
           </a:r>
           <a:r>
-            <a:rPr lang="en-US" sz="1600" kern="1200" dirty="0" smtClean="0"/>
+            <a:rPr lang="en-US" sz="1600" kern="1200" dirty="0"/>
             <a:t> to control motion actuators</a:t>
           </a:r>
-          <a:endParaRPr lang="en-US" sz="1600" kern="1200" dirty="0"/>
         </a:p>
       </dsp:txBody>
       <dsp:txXfrm>
         <a:off x="0" y="3972026"/>
         <a:ext cx="10058399" cy="347760"/>
+      </dsp:txXfrm>
+    </dsp:sp>
+  </dsp:spTree>
+</dsp:drawing>
+</file>
+
+<file path=ppt/diagrams/drawing2.xml><?xml version="1.0" encoding="utf-8"?>
+<dsp:drawing xmlns:dgm="http://schemas.openxmlformats.org/drawingml/2006/diagram" xmlns:dsp="http://schemas.microsoft.com/office/drawing/2008/diagram" xmlns:a="http://schemas.openxmlformats.org/drawingml/2006/main">
+  <dsp:spTree>
+    <dsp:nvGrpSpPr>
+      <dsp:cNvPr id="0" name=""/>
+      <dsp:cNvGrpSpPr/>
+    </dsp:nvGrpSpPr>
+    <dsp:grpSpPr/>
+    <dsp:sp modelId="{FFA5F1D1-1C8E-4EB2-B221-03B863503387}">
+      <dsp:nvSpPr>
+        <dsp:cNvPr id="0" name=""/>
+        <dsp:cNvSpPr/>
+      </dsp:nvSpPr>
+      <dsp:spPr>
+        <a:xfrm>
+          <a:off x="0" y="2204578"/>
+          <a:ext cx="5977938" cy="1446441"/>
+        </a:xfrm>
+        <a:prstGeom prst="rect">
+          <a:avLst/>
+        </a:prstGeom>
+        <a:solidFill>
+          <a:schemeClr val="accent1">
+            <a:hueOff val="0"/>
+            <a:satOff val="0"/>
+            <a:lumOff val="0"/>
+            <a:alphaOff val="0"/>
+          </a:schemeClr>
+        </a:solidFill>
+        <a:ln w="15875" cap="flat" cmpd="sng" algn="ctr">
+          <a:solidFill>
+            <a:schemeClr val="lt1">
+              <a:hueOff val="0"/>
+              <a:satOff val="0"/>
+              <a:lumOff val="0"/>
+              <a:alphaOff val="0"/>
+            </a:schemeClr>
+          </a:solidFill>
+          <a:prstDash val="solid"/>
+        </a:ln>
+        <a:effectLst/>
+      </dsp:spPr>
+      <dsp:style>
+        <a:lnRef idx="2">
+          <a:scrgbClr r="0" g="0" b="0"/>
+        </a:lnRef>
+        <a:fillRef idx="1">
+          <a:scrgbClr r="0" g="0" b="0"/>
+        </a:fillRef>
+        <a:effectRef idx="0">
+          <a:scrgbClr r="0" g="0" b="0"/>
+        </a:effectRef>
+        <a:fontRef idx="minor">
+          <a:schemeClr val="lt1"/>
+        </a:fontRef>
+      </dsp:style>
+      <dsp:txBody>
+        <a:bodyPr spcFirstLastPara="0" vert="horz" wrap="square" lIns="177800" tIns="177800" rIns="177800" bIns="177800" numCol="1" spcCol="1270" anchor="ctr" anchorCtr="0">
+          <a:noAutofit/>
+        </a:bodyPr>
+        <a:lstStyle/>
+        <a:p>
+          <a:pPr marL="0" lvl="0" indent="0" algn="ctr" defTabSz="1111250">
+            <a:lnSpc>
+              <a:spcPct val="90000"/>
+            </a:lnSpc>
+            <a:spcBef>
+              <a:spcPct val="0"/>
+            </a:spcBef>
+            <a:spcAft>
+              <a:spcPct val="35000"/>
+            </a:spcAft>
+            <a:buNone/>
+          </a:pPr>
+          <a:r>
+            <a:rPr lang="en-US" sz="2500" kern="1200" dirty="0"/>
+            <a:t>Specify the test to run among many tests.</a:t>
+          </a:r>
+        </a:p>
+      </dsp:txBody>
+      <dsp:txXfrm>
+        <a:off x="0" y="2204578"/>
+        <a:ext cx="5977938" cy="1446441"/>
+      </dsp:txXfrm>
+    </dsp:sp>
+    <dsp:sp modelId="{51D411FA-7A18-4940-99A6-23B1EF0E5600}">
+      <dsp:nvSpPr>
+        <dsp:cNvPr id="0" name=""/>
+        <dsp:cNvSpPr/>
+      </dsp:nvSpPr>
+      <dsp:spPr>
+        <a:xfrm rot="10800000">
+          <a:off x="0" y="1647"/>
+          <a:ext cx="5977938" cy="2224627"/>
+        </a:xfrm>
+        <a:prstGeom prst="upArrowCallout">
+          <a:avLst/>
+        </a:prstGeom>
+        <a:solidFill>
+          <a:schemeClr val="accent1">
+            <a:hueOff val="0"/>
+            <a:satOff val="0"/>
+            <a:lumOff val="0"/>
+            <a:alphaOff val="0"/>
+          </a:schemeClr>
+        </a:solidFill>
+        <a:ln w="15875" cap="flat" cmpd="sng" algn="ctr">
+          <a:solidFill>
+            <a:schemeClr val="lt1">
+              <a:hueOff val="0"/>
+              <a:satOff val="0"/>
+              <a:lumOff val="0"/>
+              <a:alphaOff val="0"/>
+            </a:schemeClr>
+          </a:solidFill>
+          <a:prstDash val="solid"/>
+        </a:ln>
+        <a:effectLst/>
+      </dsp:spPr>
+      <dsp:style>
+        <a:lnRef idx="2">
+          <a:scrgbClr r="0" g="0" b="0"/>
+        </a:lnRef>
+        <a:fillRef idx="1">
+          <a:scrgbClr r="0" g="0" b="0"/>
+        </a:fillRef>
+        <a:effectRef idx="0">
+          <a:scrgbClr r="0" g="0" b="0"/>
+        </a:effectRef>
+        <a:fontRef idx="minor">
+          <a:schemeClr val="lt1"/>
+        </a:fontRef>
+      </dsp:style>
+      <dsp:txBody>
+        <a:bodyPr spcFirstLastPara="0" vert="horz" wrap="square" lIns="177800" tIns="177800" rIns="177800" bIns="177800" numCol="1" spcCol="1270" anchor="ctr" anchorCtr="0">
+          <a:noAutofit/>
+        </a:bodyPr>
+        <a:lstStyle/>
+        <a:p>
+          <a:pPr marL="0" lvl="0" indent="0" algn="ctr" defTabSz="1111250">
+            <a:lnSpc>
+              <a:spcPct val="90000"/>
+            </a:lnSpc>
+            <a:spcBef>
+              <a:spcPct val="0"/>
+            </a:spcBef>
+            <a:spcAft>
+              <a:spcPct val="35000"/>
+            </a:spcAft>
+            <a:buNone/>
+          </a:pPr>
+          <a:r>
+            <a:rPr lang="en-US" sz="2500" kern="1200"/>
+            <a:t>Generates the targets for the model to represent and the requirements to verify against.</a:t>
+          </a:r>
+        </a:p>
+      </dsp:txBody>
+      <dsp:txXfrm rot="10800000">
+        <a:off x="0" y="1647"/>
+        <a:ext cx="5977938" cy="1445496"/>
       </dsp:txXfrm>
     </dsp:sp>
   </dsp:spTree>
@@ -2382,7 +3353,1394 @@
 </dgm:layoutDef>
 </file>
 
+<file path=ppt/diagrams/layout2.xml><?xml version="1.0" encoding="utf-8"?>
+<dgm:layoutDef xmlns:dgm="http://schemas.openxmlformats.org/drawingml/2006/diagram" xmlns:a="http://schemas.openxmlformats.org/drawingml/2006/main" uniqueId="urn:microsoft.com/office/officeart/2005/8/layout/process4">
+  <dgm:title val=""/>
+  <dgm:desc val=""/>
+  <dgm:catLst>
+    <dgm:cat type="process" pri="16000"/>
+    <dgm:cat type="list" pri="20000"/>
+  </dgm:catLst>
+  <dgm:sampData>
+    <dgm:dataModel>
+      <dgm:ptLst>
+        <dgm:pt modelId="0" type="doc"/>
+        <dgm:pt modelId="1">
+          <dgm:prSet phldr="1"/>
+        </dgm:pt>
+        <dgm:pt modelId="11">
+          <dgm:prSet phldr="1"/>
+        </dgm:pt>
+        <dgm:pt modelId="12">
+          <dgm:prSet phldr="1"/>
+        </dgm:pt>
+        <dgm:pt modelId="2">
+          <dgm:prSet phldr="1"/>
+        </dgm:pt>
+        <dgm:pt modelId="21">
+          <dgm:prSet phldr="1"/>
+        </dgm:pt>
+        <dgm:pt modelId="22">
+          <dgm:prSet phldr="1"/>
+        </dgm:pt>
+        <dgm:pt modelId="3">
+          <dgm:prSet phldr="1"/>
+        </dgm:pt>
+        <dgm:pt modelId="31">
+          <dgm:prSet phldr="1"/>
+        </dgm:pt>
+        <dgm:pt modelId="32">
+          <dgm:prSet phldr="1"/>
+        </dgm:pt>
+      </dgm:ptLst>
+      <dgm:cxnLst>
+        <dgm:cxn modelId="4" srcId="0" destId="1" srcOrd="0" destOrd="0"/>
+        <dgm:cxn modelId="5" srcId="0" destId="2" srcOrd="1" destOrd="0"/>
+        <dgm:cxn modelId="6" srcId="0" destId="3" srcOrd="2" destOrd="0"/>
+        <dgm:cxn modelId="13" srcId="1" destId="11" srcOrd="0" destOrd="0"/>
+        <dgm:cxn modelId="14" srcId="1" destId="12" srcOrd="1" destOrd="0"/>
+        <dgm:cxn modelId="23" srcId="2" destId="21" srcOrd="0" destOrd="0"/>
+        <dgm:cxn modelId="24" srcId="2" destId="22" srcOrd="1" destOrd="0"/>
+        <dgm:cxn modelId="33" srcId="3" destId="31" srcOrd="0" destOrd="0"/>
+        <dgm:cxn modelId="34" srcId="3" destId="32" srcOrd="1" destOrd="0"/>
+      </dgm:cxnLst>
+      <dgm:bg/>
+      <dgm:whole/>
+    </dgm:dataModel>
+  </dgm:sampData>
+  <dgm:styleData>
+    <dgm:dataModel>
+      <dgm:ptLst>
+        <dgm:pt modelId="0" type="doc"/>
+        <dgm:pt modelId="1"/>
+        <dgm:pt modelId="11"/>
+        <dgm:pt modelId="2"/>
+        <dgm:pt modelId="21"/>
+      </dgm:ptLst>
+      <dgm:cxnLst>
+        <dgm:cxn modelId="4" srcId="0" destId="1" srcOrd="0" destOrd="0"/>
+        <dgm:cxn modelId="5" srcId="0" destId="2" srcOrd="1" destOrd="0"/>
+        <dgm:cxn modelId="13" srcId="1" destId="11" srcOrd="0" destOrd="0"/>
+        <dgm:cxn modelId="23" srcId="2" destId="21" srcOrd="0" destOrd="0"/>
+      </dgm:cxnLst>
+      <dgm:bg/>
+      <dgm:whole/>
+    </dgm:dataModel>
+  </dgm:styleData>
+  <dgm:clrData>
+    <dgm:dataModel>
+      <dgm:ptLst>
+        <dgm:pt modelId="0" type="doc"/>
+        <dgm:pt modelId="1"/>
+        <dgm:pt modelId="11"/>
+        <dgm:pt modelId="2"/>
+        <dgm:pt modelId="21"/>
+        <dgm:pt modelId="3"/>
+        <dgm:pt modelId="31"/>
+        <dgm:pt modelId="4"/>
+        <dgm:pt modelId="41"/>
+      </dgm:ptLst>
+      <dgm:cxnLst>
+        <dgm:cxn modelId="5" srcId="0" destId="1" srcOrd="0" destOrd="0"/>
+        <dgm:cxn modelId="6" srcId="0" destId="2" srcOrd="1" destOrd="0"/>
+        <dgm:cxn modelId="7" srcId="0" destId="3" srcOrd="2" destOrd="0"/>
+        <dgm:cxn modelId="8" srcId="0" destId="4" srcOrd="3" destOrd="0"/>
+        <dgm:cxn modelId="13" srcId="1" destId="11" srcOrd="0" destOrd="0"/>
+        <dgm:cxn modelId="23" srcId="2" destId="21" srcOrd="0" destOrd="0"/>
+        <dgm:cxn modelId="33" srcId="3" destId="31" srcOrd="0" destOrd="0"/>
+        <dgm:cxn modelId="43" srcId="4" destId="41" srcOrd="0" destOrd="0"/>
+      </dgm:cxnLst>
+      <dgm:bg/>
+      <dgm:whole/>
+    </dgm:dataModel>
+  </dgm:clrData>
+  <dgm:layoutNode name="Name0">
+    <dgm:varLst>
+      <dgm:dir/>
+      <dgm:animLvl val="lvl"/>
+      <dgm:resizeHandles val="exact"/>
+    </dgm:varLst>
+    <dgm:alg type="lin">
+      <dgm:param type="linDir" val="fromB"/>
+    </dgm:alg>
+    <dgm:shape xmlns:r="http://schemas.openxmlformats.org/officeDocument/2006/relationships" r:blip="">
+      <dgm:adjLst/>
+    </dgm:shape>
+    <dgm:presOf/>
+    <dgm:constrLst>
+      <dgm:constr type="h" for="ch" forName="boxAndChildren" refType="h"/>
+      <dgm:constr type="h" for="ch" forName="arrowAndChildren" refType="h" refFor="ch" refForName="boxAndChildren" op="equ" fact="1.538"/>
+      <dgm:constr type="w" for="ch" forName="arrowAndChildren" refType="w"/>
+      <dgm:constr type="w" for="ch" forName="boxAndChildren" refType="w"/>
+      <dgm:constr type="h" for="ch" forName="sp" refType="h" fact="-0.015"/>
+      <dgm:constr type="primFontSz" for="des" forName="parentTextBox" val="65"/>
+      <dgm:constr type="primFontSz" for="des" forName="parentTextArrow" refType="primFontSz" refFor="des" refForName="parentTextBox" op="equ"/>
+      <dgm:constr type="primFontSz" for="des" forName="childTextArrow" val="65"/>
+      <dgm:constr type="primFontSz" for="des" forName="childTextBox" refType="primFontSz" refFor="des" refForName="childTextArrow" op="equ"/>
+    </dgm:constrLst>
+    <dgm:ruleLst/>
+    <dgm:forEach name="Name1" axis="ch" ptType="node" st="-1" step="-1">
+      <dgm:choose name="Name2">
+        <dgm:if name="Name3" axis="self" ptType="node" func="revPos" op="equ" val="1">
+          <dgm:layoutNode name="boxAndChildren">
+            <dgm:alg type="composite"/>
+            <dgm:shape xmlns:r="http://schemas.openxmlformats.org/officeDocument/2006/relationships" r:blip="">
+              <dgm:adjLst/>
+            </dgm:shape>
+            <dgm:presOf/>
+            <dgm:choose name="Name4">
+              <dgm:if name="Name5" axis="ch" ptType="node" func="cnt" op="gte" val="1">
+                <dgm:constrLst>
+                  <dgm:constr type="w" for="ch" forName="parentTextBox" refType="w"/>
+                  <dgm:constr type="h" for="ch" forName="parentTextBox" refType="h" fact="0.54"/>
+                  <dgm:constr type="t" for="ch" forName="parentTextBox"/>
+                  <dgm:constr type="w" for="ch" forName="entireBox" refType="w"/>
+                  <dgm:constr type="h" for="ch" forName="entireBox" refType="h"/>
+                  <dgm:constr type="w" for="ch" forName="descendantBox" refType="w"/>
+                  <dgm:constr type="b" for="ch" forName="descendantBox" refType="h" fact="0.98"/>
+                  <dgm:constr type="h" for="ch" forName="descendantBox" refType="h" fact="0.46"/>
+                </dgm:constrLst>
+              </dgm:if>
+              <dgm:else name="Name6">
+                <dgm:constrLst>
+                  <dgm:constr type="w" for="ch" forName="parentTextBox" refType="w"/>
+                  <dgm:constr type="h" for="ch" forName="parentTextBox" refType="h"/>
+                </dgm:constrLst>
+              </dgm:else>
+            </dgm:choose>
+            <dgm:ruleLst/>
+            <dgm:layoutNode name="parentTextBox">
+              <dgm:alg type="tx"/>
+              <dgm:choose name="Name7">
+                <dgm:if name="Name8" axis="ch" ptType="node" func="cnt" op="gte" val="1">
+                  <dgm:shape xmlns:r="http://schemas.openxmlformats.org/officeDocument/2006/relationships" type="rect" r:blip="" zOrderOff="1" hideGeom="1">
+                    <dgm:adjLst/>
+                  </dgm:shape>
+                </dgm:if>
+                <dgm:else name="Name9">
+                  <dgm:shape xmlns:r="http://schemas.openxmlformats.org/officeDocument/2006/relationships" type="rect" r:blip="">
+                    <dgm:adjLst/>
+                  </dgm:shape>
+                </dgm:else>
+              </dgm:choose>
+              <dgm:presOf axis="self"/>
+              <dgm:constrLst/>
+              <dgm:ruleLst>
+                <dgm:rule type="primFontSz" val="5" fact="NaN" max="NaN"/>
+              </dgm:ruleLst>
+            </dgm:layoutNode>
+            <dgm:choose name="Name10">
+              <dgm:if name="Name11" axis="ch" ptType="node" func="cnt" op="gte" val="1">
+                <dgm:layoutNode name="entireBox">
+                  <dgm:alg type="sp"/>
+                  <dgm:shape xmlns:r="http://schemas.openxmlformats.org/officeDocument/2006/relationships" type="rect" r:blip="">
+                    <dgm:adjLst/>
+                  </dgm:shape>
+                  <dgm:presOf axis="self"/>
+                  <dgm:constrLst/>
+                  <dgm:ruleLst/>
+                </dgm:layoutNode>
+                <dgm:layoutNode name="descendantBox" styleLbl="fgAccFollowNode1">
+                  <dgm:choose name="Name12">
+                    <dgm:if name="Name13" func="var" arg="dir" op="equ" val="norm">
+                      <dgm:alg type="lin"/>
+                    </dgm:if>
+                    <dgm:else name="Name14">
+                      <dgm:alg type="lin">
+                        <dgm:param type="linDir" val="fromR"/>
+                      </dgm:alg>
+                    </dgm:else>
+                  </dgm:choose>
+                  <dgm:shape xmlns:r="http://schemas.openxmlformats.org/officeDocument/2006/relationships" r:blip="">
+                    <dgm:adjLst/>
+                  </dgm:shape>
+                  <dgm:presOf/>
+                  <dgm:constrLst>
+                    <dgm:constr type="w" for="ch" forName="childTextBox" refType="w"/>
+                    <dgm:constr type="h" for="ch" forName="childTextBox" refType="h"/>
+                  </dgm:constrLst>
+                  <dgm:ruleLst/>
+                  <dgm:forEach name="Name15" axis="ch" ptType="node">
+                    <dgm:layoutNode name="childTextBox" styleLbl="fgAccFollowNode1">
+                      <dgm:varLst>
+                        <dgm:bulletEnabled val="1"/>
+                      </dgm:varLst>
+                      <dgm:alg type="tx"/>
+                      <dgm:shape xmlns:r="http://schemas.openxmlformats.org/officeDocument/2006/relationships" type="rect" r:blip="">
+                        <dgm:adjLst/>
+                      </dgm:shape>
+                      <dgm:presOf axis="desOrSelf" ptType="node"/>
+                      <dgm:constrLst>
+                        <dgm:constr type="tMarg" refType="primFontSz" fact="0.1"/>
+                        <dgm:constr type="bMarg" refType="primFontSz" fact="0.1"/>
+                      </dgm:constrLst>
+                      <dgm:ruleLst>
+                        <dgm:rule type="primFontSz" val="5" fact="NaN" max="NaN"/>
+                      </dgm:ruleLst>
+                    </dgm:layoutNode>
+                  </dgm:forEach>
+                </dgm:layoutNode>
+              </dgm:if>
+              <dgm:else name="Name16"/>
+            </dgm:choose>
+          </dgm:layoutNode>
+        </dgm:if>
+        <dgm:else name="Name17">
+          <dgm:layoutNode name="arrowAndChildren">
+            <dgm:alg type="composite"/>
+            <dgm:shape xmlns:r="http://schemas.openxmlformats.org/officeDocument/2006/relationships" r:blip="">
+              <dgm:adjLst/>
+            </dgm:shape>
+            <dgm:presOf/>
+            <dgm:choose name="Name18">
+              <dgm:if name="Name19" axis="ch" ptType="node" func="cnt" op="gte" val="1">
+                <dgm:constrLst>
+                  <dgm:constr type="w" for="ch" forName="parentTextArrow" refType="w"/>
+                  <dgm:constr type="t" for="ch" forName="parentTextArrow"/>
+                  <dgm:constr type="h" for="ch" forName="parentTextArrow" refType="h" fact="0.351"/>
+                  <dgm:constr type="w" for="ch" forName="arrow" refType="w"/>
+                  <dgm:constr type="h" for="ch" forName="arrow" refType="h"/>
+                  <dgm:constr type="w" for="ch" forName="descendantArrow" refType="w"/>
+                  <dgm:constr type="b" for="ch" forName="descendantArrow" refType="h" fact="0.65"/>
+                  <dgm:constr type="h" for="ch" forName="descendantArrow" refType="h" fact="0.299"/>
+                </dgm:constrLst>
+              </dgm:if>
+              <dgm:else name="Name20">
+                <dgm:constrLst>
+                  <dgm:constr type="w" for="ch" forName="parentTextArrow" refType="w"/>
+                  <dgm:constr type="h" for="ch" forName="parentTextArrow" refType="h"/>
+                </dgm:constrLst>
+              </dgm:else>
+            </dgm:choose>
+            <dgm:ruleLst/>
+            <dgm:layoutNode name="parentTextArrow">
+              <dgm:alg type="tx"/>
+              <dgm:choose name="Name21">
+                <dgm:if name="Name22" axis="ch" ptType="node" func="cnt" op="gte" val="1">
+                  <dgm:shape xmlns:r="http://schemas.openxmlformats.org/officeDocument/2006/relationships" type="rect" r:blip="" zOrderOff="1" hideGeom="1">
+                    <dgm:adjLst/>
+                  </dgm:shape>
+                </dgm:if>
+                <dgm:else name="Name23">
+                  <dgm:shape xmlns:r="http://schemas.openxmlformats.org/officeDocument/2006/relationships" rot="180" type="upArrowCallout" r:blip="">
+                    <dgm:adjLst/>
+                  </dgm:shape>
+                </dgm:else>
+              </dgm:choose>
+              <dgm:presOf axis="self"/>
+              <dgm:constrLst/>
+              <dgm:ruleLst>
+                <dgm:rule type="primFontSz" val="5" fact="NaN" max="NaN"/>
+              </dgm:ruleLst>
+            </dgm:layoutNode>
+            <dgm:choose name="Name24">
+              <dgm:if name="Name25" axis="ch" ptType="node" func="cnt" op="gte" val="1">
+                <dgm:layoutNode name="arrow">
+                  <dgm:alg type="sp"/>
+                  <dgm:shape xmlns:r="http://schemas.openxmlformats.org/officeDocument/2006/relationships" rot="180" type="upArrowCallout" r:blip="">
+                    <dgm:adjLst/>
+                  </dgm:shape>
+                  <dgm:presOf axis="self"/>
+                  <dgm:constrLst/>
+                  <dgm:ruleLst/>
+                </dgm:layoutNode>
+                <dgm:layoutNode name="descendantArrow">
+                  <dgm:choose name="Name26">
+                    <dgm:if name="Name27" func="var" arg="dir" op="equ" val="norm">
+                      <dgm:alg type="lin"/>
+                    </dgm:if>
+                    <dgm:else name="Name28">
+                      <dgm:alg type="lin">
+                        <dgm:param type="linDir" val="fromR"/>
+                      </dgm:alg>
+                    </dgm:else>
+                  </dgm:choose>
+                  <dgm:shape xmlns:r="http://schemas.openxmlformats.org/officeDocument/2006/relationships" r:blip="">
+                    <dgm:adjLst/>
+                  </dgm:shape>
+                  <dgm:presOf/>
+                  <dgm:constrLst>
+                    <dgm:constr type="w" for="ch" forName="childTextArrow" refType="w"/>
+                    <dgm:constr type="h" for="ch" forName="childTextArrow" refType="h"/>
+                  </dgm:constrLst>
+                  <dgm:ruleLst/>
+                  <dgm:forEach name="Name29" axis="ch" ptType="node">
+                    <dgm:layoutNode name="childTextArrow" styleLbl="fgAccFollowNode1">
+                      <dgm:varLst>
+                        <dgm:bulletEnabled val="1"/>
+                      </dgm:varLst>
+                      <dgm:alg type="tx"/>
+                      <dgm:shape xmlns:r="http://schemas.openxmlformats.org/officeDocument/2006/relationships" type="rect" r:blip="">
+                        <dgm:adjLst/>
+                      </dgm:shape>
+                      <dgm:presOf axis="desOrSelf" ptType="node"/>
+                      <dgm:constrLst>
+                        <dgm:constr type="tMarg" refType="primFontSz" fact="0.1"/>
+                        <dgm:constr type="bMarg" refType="primFontSz" fact="0.1"/>
+                      </dgm:constrLst>
+                      <dgm:ruleLst>
+                        <dgm:rule type="primFontSz" val="5" fact="NaN" max="NaN"/>
+                      </dgm:ruleLst>
+                    </dgm:layoutNode>
+                  </dgm:forEach>
+                </dgm:layoutNode>
+              </dgm:if>
+              <dgm:else name="Name30"/>
+            </dgm:choose>
+          </dgm:layoutNode>
+        </dgm:else>
+      </dgm:choose>
+      <dgm:forEach name="Name31" axis="precedSib" ptType="sibTrans" st="-1" cnt="1">
+        <dgm:layoutNode name="sp">
+          <dgm:alg type="sp"/>
+          <dgm:shape xmlns:r="http://schemas.openxmlformats.org/officeDocument/2006/relationships" r:blip="">
+            <dgm:adjLst/>
+          </dgm:shape>
+          <dgm:presOf axis="self"/>
+          <dgm:constrLst/>
+          <dgm:ruleLst/>
+        </dgm:layoutNode>
+      </dgm:forEach>
+    </dgm:forEach>
+  </dgm:layoutNode>
+</dgm:layoutDef>
+</file>
+
 <file path=ppt/diagrams/quickStyle1.xml><?xml version="1.0" encoding="utf-8"?>
+<dgm:styleDef xmlns:dgm="http://schemas.openxmlformats.org/drawingml/2006/diagram" xmlns:a="http://schemas.openxmlformats.org/drawingml/2006/main" uniqueId="urn:microsoft.com/office/officeart/2005/8/quickstyle/simple1">
+  <dgm:title val=""/>
+  <dgm:desc val=""/>
+  <dgm:catLst>
+    <dgm:cat type="simple" pri="10100"/>
+  </dgm:catLst>
+  <dgm:scene3d>
+    <a:camera prst="orthographicFront"/>
+    <a:lightRig rig="threePt" dir="t"/>
+  </dgm:scene3d>
+  <dgm:styleLbl name="node0">
+    <dgm:scene3d>
+      <a:camera prst="orthographicFront"/>
+      <a:lightRig rig="threePt" dir="t"/>
+    </dgm:scene3d>
+    <dgm:sp3d/>
+    <dgm:txPr/>
+    <dgm:style>
+      <a:lnRef idx="2">
+        <a:scrgbClr r="0" g="0" b="0"/>
+      </a:lnRef>
+      <a:fillRef idx="1">
+        <a:scrgbClr r="0" g="0" b="0"/>
+      </a:fillRef>
+      <a:effectRef idx="0">
+        <a:scrgbClr r="0" g="0" b="0"/>
+      </a:effectRef>
+      <a:fontRef idx="minor">
+        <a:schemeClr val="lt1"/>
+      </a:fontRef>
+    </dgm:style>
+  </dgm:styleLbl>
+  <dgm:styleLbl name="lnNode1">
+    <dgm:scene3d>
+      <a:camera prst="orthographicFront"/>
+      <a:lightRig rig="threePt" dir="t"/>
+    </dgm:scene3d>
+    <dgm:sp3d/>
+    <dgm:txPr/>
+    <dgm:style>
+      <a:lnRef idx="2">
+        <a:scrgbClr r="0" g="0" b="0"/>
+      </a:lnRef>
+      <a:fillRef idx="1">
+        <a:scrgbClr r="0" g="0" b="0"/>
+      </a:fillRef>
+      <a:effectRef idx="0">
+        <a:scrgbClr r="0" g="0" b="0"/>
+      </a:effectRef>
+      <a:fontRef idx="minor">
+        <a:schemeClr val="lt1"/>
+      </a:fontRef>
+    </dgm:style>
+  </dgm:styleLbl>
+  <dgm:styleLbl name="vennNode1">
+    <dgm:scene3d>
+      <a:camera prst="orthographicFront"/>
+      <a:lightRig rig="threePt" dir="t"/>
+    </dgm:scene3d>
+    <dgm:sp3d/>
+    <dgm:txPr/>
+    <dgm:style>
+      <a:lnRef idx="2">
+        <a:scrgbClr r="0" g="0" b="0"/>
+      </a:lnRef>
+      <a:fillRef idx="1">
+        <a:scrgbClr r="0" g="0" b="0"/>
+      </a:fillRef>
+      <a:effectRef idx="0">
+        <a:scrgbClr r="0" g="0" b="0"/>
+      </a:effectRef>
+      <a:fontRef idx="minor">
+        <a:schemeClr val="tx1"/>
+      </a:fontRef>
+    </dgm:style>
+  </dgm:styleLbl>
+  <dgm:styleLbl name="alignNode1">
+    <dgm:scene3d>
+      <a:camera prst="orthographicFront"/>
+      <a:lightRig rig="threePt" dir="t"/>
+    </dgm:scene3d>
+    <dgm:sp3d/>
+    <dgm:txPr/>
+    <dgm:style>
+      <a:lnRef idx="2">
+        <a:scrgbClr r="0" g="0" b="0"/>
+      </a:lnRef>
+      <a:fillRef idx="1">
+        <a:scrgbClr r="0" g="0" b="0"/>
+      </a:fillRef>
+      <a:effectRef idx="0">
+        <a:scrgbClr r="0" g="0" b="0"/>
+      </a:effectRef>
+      <a:fontRef idx="minor">
+        <a:schemeClr val="lt1"/>
+      </a:fontRef>
+    </dgm:style>
+  </dgm:styleLbl>
+  <dgm:styleLbl name="node1">
+    <dgm:scene3d>
+      <a:camera prst="orthographicFront"/>
+      <a:lightRig rig="threePt" dir="t"/>
+    </dgm:scene3d>
+    <dgm:sp3d/>
+    <dgm:txPr/>
+    <dgm:style>
+      <a:lnRef idx="2">
+        <a:scrgbClr r="0" g="0" b="0"/>
+      </a:lnRef>
+      <a:fillRef idx="1">
+        <a:scrgbClr r="0" g="0" b="0"/>
+      </a:fillRef>
+      <a:effectRef idx="0">
+        <a:scrgbClr r="0" g="0" b="0"/>
+      </a:effectRef>
+      <a:fontRef idx="minor">
+        <a:schemeClr val="lt1"/>
+      </a:fontRef>
+    </dgm:style>
+  </dgm:styleLbl>
+  <dgm:styleLbl name="node2">
+    <dgm:scene3d>
+      <a:camera prst="orthographicFront"/>
+      <a:lightRig rig="threePt" dir="t"/>
+    </dgm:scene3d>
+    <dgm:sp3d/>
+    <dgm:txPr/>
+    <dgm:style>
+      <a:lnRef idx="2">
+        <a:scrgbClr r="0" g="0" b="0"/>
+      </a:lnRef>
+      <a:fillRef idx="1">
+        <a:scrgbClr r="0" g="0" b="0"/>
+      </a:fillRef>
+      <a:effectRef idx="0">
+        <a:scrgbClr r="0" g="0" b="0"/>
+      </a:effectRef>
+      <a:fontRef idx="minor">
+        <a:schemeClr val="lt1"/>
+      </a:fontRef>
+    </dgm:style>
+  </dgm:styleLbl>
+  <dgm:styleLbl name="node3">
+    <dgm:scene3d>
+      <a:camera prst="orthographicFront"/>
+      <a:lightRig rig="threePt" dir="t"/>
+    </dgm:scene3d>
+    <dgm:sp3d/>
+    <dgm:txPr/>
+    <dgm:style>
+      <a:lnRef idx="2">
+        <a:scrgbClr r="0" g="0" b="0"/>
+      </a:lnRef>
+      <a:fillRef idx="1">
+        <a:scrgbClr r="0" g="0" b="0"/>
+      </a:fillRef>
+      <a:effectRef idx="0">
+        <a:scrgbClr r="0" g="0" b="0"/>
+      </a:effectRef>
+      <a:fontRef idx="minor">
+        <a:schemeClr val="lt1"/>
+      </a:fontRef>
+    </dgm:style>
+  </dgm:styleLbl>
+  <dgm:styleLbl name="node4">
+    <dgm:scene3d>
+      <a:camera prst="orthographicFront"/>
+      <a:lightRig rig="threePt" dir="t"/>
+    </dgm:scene3d>
+    <dgm:sp3d/>
+    <dgm:txPr/>
+    <dgm:style>
+      <a:lnRef idx="2">
+        <a:scrgbClr r="0" g="0" b="0"/>
+      </a:lnRef>
+      <a:fillRef idx="1">
+        <a:scrgbClr r="0" g="0" b="0"/>
+      </a:fillRef>
+      <a:effectRef idx="0">
+        <a:scrgbClr r="0" g="0" b="0"/>
+      </a:effectRef>
+      <a:fontRef idx="minor">
+        <a:schemeClr val="lt1"/>
+      </a:fontRef>
+    </dgm:style>
+  </dgm:styleLbl>
+  <dgm:styleLbl name="fgImgPlace1">
+    <dgm:scene3d>
+      <a:camera prst="orthographicFront"/>
+      <a:lightRig rig="threePt" dir="t"/>
+    </dgm:scene3d>
+    <dgm:sp3d/>
+    <dgm:txPr/>
+    <dgm:style>
+      <a:lnRef idx="2">
+        <a:scrgbClr r="0" g="0" b="0"/>
+      </a:lnRef>
+      <a:fillRef idx="1">
+        <a:scrgbClr r="0" g="0" b="0"/>
+      </a:fillRef>
+      <a:effectRef idx="0">
+        <a:scrgbClr r="0" g="0" b="0"/>
+      </a:effectRef>
+      <a:fontRef idx="minor"/>
+    </dgm:style>
+  </dgm:styleLbl>
+  <dgm:styleLbl name="alignImgPlace1">
+    <dgm:scene3d>
+      <a:camera prst="orthographicFront"/>
+      <a:lightRig rig="threePt" dir="t"/>
+    </dgm:scene3d>
+    <dgm:sp3d/>
+    <dgm:txPr/>
+    <dgm:style>
+      <a:lnRef idx="2">
+        <a:scrgbClr r="0" g="0" b="0"/>
+      </a:lnRef>
+      <a:fillRef idx="1">
+        <a:scrgbClr r="0" g="0" b="0"/>
+      </a:fillRef>
+      <a:effectRef idx="0">
+        <a:scrgbClr r="0" g="0" b="0"/>
+      </a:effectRef>
+      <a:fontRef idx="minor"/>
+    </dgm:style>
+  </dgm:styleLbl>
+  <dgm:styleLbl name="bgImgPlace1">
+    <dgm:scene3d>
+      <a:camera prst="orthographicFront"/>
+      <a:lightRig rig="threePt" dir="t"/>
+    </dgm:scene3d>
+    <dgm:sp3d/>
+    <dgm:txPr/>
+    <dgm:style>
+      <a:lnRef idx="2">
+        <a:scrgbClr r="0" g="0" b="0"/>
+      </a:lnRef>
+      <a:fillRef idx="1">
+        <a:scrgbClr r="0" g="0" b="0"/>
+      </a:fillRef>
+      <a:effectRef idx="0">
+        <a:scrgbClr r="0" g="0" b="0"/>
+      </a:effectRef>
+      <a:fontRef idx="minor"/>
+    </dgm:style>
+  </dgm:styleLbl>
+  <dgm:styleLbl name="sibTrans2D1">
+    <dgm:scene3d>
+      <a:camera prst="orthographicFront"/>
+      <a:lightRig rig="threePt" dir="t"/>
+    </dgm:scene3d>
+    <dgm:sp3d/>
+    <dgm:txPr/>
+    <dgm:style>
+      <a:lnRef idx="0">
+        <a:scrgbClr r="0" g="0" b="0"/>
+      </a:lnRef>
+      <a:fillRef idx="1">
+        <a:scrgbClr r="0" g="0" b="0"/>
+      </a:fillRef>
+      <a:effectRef idx="0">
+        <a:scrgbClr r="0" g="0" b="0"/>
+      </a:effectRef>
+      <a:fontRef idx="minor">
+        <a:schemeClr val="lt1"/>
+      </a:fontRef>
+    </dgm:style>
+  </dgm:styleLbl>
+  <dgm:styleLbl name="fgSibTrans2D1">
+    <dgm:scene3d>
+      <a:camera prst="orthographicFront"/>
+      <a:lightRig rig="threePt" dir="t"/>
+    </dgm:scene3d>
+    <dgm:sp3d/>
+    <dgm:txPr/>
+    <dgm:style>
+      <a:lnRef idx="0">
+        <a:scrgbClr r="0" g="0" b="0"/>
+      </a:lnRef>
+      <a:fillRef idx="1">
+        <a:scrgbClr r="0" g="0" b="0"/>
+      </a:fillRef>
+      <a:effectRef idx="0">
+        <a:scrgbClr r="0" g="0" b="0"/>
+      </a:effectRef>
+      <a:fontRef idx="minor">
+        <a:schemeClr val="lt1"/>
+      </a:fontRef>
+    </dgm:style>
+  </dgm:styleLbl>
+  <dgm:styleLbl name="bgSibTrans2D1">
+    <dgm:scene3d>
+      <a:camera prst="orthographicFront"/>
+      <a:lightRig rig="threePt" dir="t"/>
+    </dgm:scene3d>
+    <dgm:sp3d/>
+    <dgm:txPr/>
+    <dgm:style>
+      <a:lnRef idx="0">
+        <a:scrgbClr r="0" g="0" b="0"/>
+      </a:lnRef>
+      <a:fillRef idx="1">
+        <a:scrgbClr r="0" g="0" b="0"/>
+      </a:fillRef>
+      <a:effectRef idx="0">
+        <a:scrgbClr r="0" g="0" b="0"/>
+      </a:effectRef>
+      <a:fontRef idx="minor">
+        <a:schemeClr val="lt1"/>
+      </a:fontRef>
+    </dgm:style>
+  </dgm:styleLbl>
+  <dgm:styleLbl name="sibTrans1D1">
+    <dgm:scene3d>
+      <a:camera prst="orthographicFront"/>
+      <a:lightRig rig="threePt" dir="t"/>
+    </dgm:scene3d>
+    <dgm:sp3d/>
+    <dgm:txPr/>
+    <dgm:style>
+      <a:lnRef idx="1">
+        <a:scrgbClr r="0" g="0" b="0"/>
+      </a:lnRef>
+      <a:fillRef idx="0">
+        <a:scrgbClr r="0" g="0" b="0"/>
+      </a:fillRef>
+      <a:effectRef idx="0">
+        <a:scrgbClr r="0" g="0" b="0"/>
+      </a:effectRef>
+      <a:fontRef idx="minor"/>
+    </dgm:style>
+  </dgm:styleLbl>
+  <dgm:styleLbl name="callout">
+    <dgm:scene3d>
+      <a:camera prst="orthographicFront"/>
+      <a:lightRig rig="threePt" dir="t"/>
+    </dgm:scene3d>
+    <dgm:sp3d/>
+    <dgm:txPr/>
+    <dgm:style>
+      <a:lnRef idx="2">
+        <a:scrgbClr r="0" g="0" b="0"/>
+      </a:lnRef>
+      <a:fillRef idx="1">
+        <a:scrgbClr r="0" g="0" b="0"/>
+      </a:fillRef>
+      <a:effectRef idx="0">
+        <a:scrgbClr r="0" g="0" b="0"/>
+      </a:effectRef>
+      <a:fontRef idx="minor"/>
+    </dgm:style>
+  </dgm:styleLbl>
+  <dgm:styleLbl name="asst0">
+    <dgm:scene3d>
+      <a:camera prst="orthographicFront"/>
+      <a:lightRig rig="threePt" dir="t"/>
+    </dgm:scene3d>
+    <dgm:sp3d/>
+    <dgm:txPr/>
+    <dgm:style>
+      <a:lnRef idx="2">
+        <a:scrgbClr r="0" g="0" b="0"/>
+      </a:lnRef>
+      <a:fillRef idx="1">
+        <a:scrgbClr r="0" g="0" b="0"/>
+      </a:fillRef>
+      <a:effectRef idx="0">
+        <a:scrgbClr r="0" g="0" b="0"/>
+      </a:effectRef>
+      <a:fontRef idx="minor">
+        <a:schemeClr val="lt1"/>
+      </a:fontRef>
+    </dgm:style>
+  </dgm:styleLbl>
+  <dgm:styleLbl name="asst1">
+    <dgm:scene3d>
+      <a:camera prst="orthographicFront"/>
+      <a:lightRig rig="threePt" dir="t"/>
+    </dgm:scene3d>
+    <dgm:sp3d/>
+    <dgm:txPr/>
+    <dgm:style>
+      <a:lnRef idx="2">
+        <a:scrgbClr r="0" g="0" b="0"/>
+      </a:lnRef>
+      <a:fillRef idx="1">
+        <a:scrgbClr r="0" g="0" b="0"/>
+      </a:fillRef>
+      <a:effectRef idx="0">
+        <a:scrgbClr r="0" g="0" b="0"/>
+      </a:effectRef>
+      <a:fontRef idx="minor">
+        <a:schemeClr val="lt1"/>
+      </a:fontRef>
+    </dgm:style>
+  </dgm:styleLbl>
+  <dgm:styleLbl name="asst2">
+    <dgm:scene3d>
+      <a:camera prst="orthographicFront"/>
+      <a:lightRig rig="threePt" dir="t"/>
+    </dgm:scene3d>
+    <dgm:sp3d/>
+    <dgm:txPr/>
+    <dgm:style>
+      <a:lnRef idx="2">
+        <a:scrgbClr r="0" g="0" b="0"/>
+      </a:lnRef>
+      <a:fillRef idx="1">
+        <a:scrgbClr r="0" g="0" b="0"/>
+      </a:fillRef>
+      <a:effectRef idx="0">
+        <a:scrgbClr r="0" g="0" b="0"/>
+      </a:effectRef>
+      <a:fontRef idx="minor">
+        <a:schemeClr val="lt1"/>
+      </a:fontRef>
+    </dgm:style>
+  </dgm:styleLbl>
+  <dgm:styleLbl name="asst3">
+    <dgm:scene3d>
+      <a:camera prst="orthographicFront"/>
+      <a:lightRig rig="threePt" dir="t"/>
+    </dgm:scene3d>
+    <dgm:sp3d/>
+    <dgm:txPr/>
+    <dgm:style>
+      <a:lnRef idx="2">
+        <a:scrgbClr r="0" g="0" b="0"/>
+      </a:lnRef>
+      <a:fillRef idx="1">
+        <a:scrgbClr r="0" g="0" b="0"/>
+      </a:fillRef>
+      <a:effectRef idx="0">
+        <a:scrgbClr r="0" g="0" b="0"/>
+      </a:effectRef>
+      <a:fontRef idx="minor">
+        <a:schemeClr val="lt1"/>
+      </a:fontRef>
+    </dgm:style>
+  </dgm:styleLbl>
+  <dgm:styleLbl name="asst4">
+    <dgm:scene3d>
+      <a:camera prst="orthographicFront"/>
+      <a:lightRig rig="threePt" dir="t"/>
+    </dgm:scene3d>
+    <dgm:sp3d/>
+    <dgm:txPr/>
+    <dgm:style>
+      <a:lnRef idx="2">
+        <a:scrgbClr r="0" g="0" b="0"/>
+      </a:lnRef>
+      <a:fillRef idx="1">
+        <a:scrgbClr r="0" g="0" b="0"/>
+      </a:fillRef>
+      <a:effectRef idx="0">
+        <a:scrgbClr r="0" g="0" b="0"/>
+      </a:effectRef>
+      <a:fontRef idx="minor">
+        <a:schemeClr val="lt1"/>
+      </a:fontRef>
+    </dgm:style>
+  </dgm:styleLbl>
+  <dgm:styleLbl name="parChTrans2D1">
+    <dgm:scene3d>
+      <a:camera prst="orthographicFront"/>
+      <a:lightRig rig="threePt" dir="t"/>
+    </dgm:scene3d>
+    <dgm:sp3d/>
+    <dgm:txPr/>
+    <dgm:style>
+      <a:lnRef idx="2">
+        <a:scrgbClr r="0" g="0" b="0"/>
+      </a:lnRef>
+      <a:fillRef idx="1">
+        <a:scrgbClr r="0" g="0" b="0"/>
+      </a:fillRef>
+      <a:effectRef idx="0">
+        <a:scrgbClr r="0" g="0" b="0"/>
+      </a:effectRef>
+      <a:fontRef idx="minor">
+        <a:schemeClr val="lt1"/>
+      </a:fontRef>
+    </dgm:style>
+  </dgm:styleLbl>
+  <dgm:styleLbl name="parChTrans2D2">
+    <dgm:scene3d>
+      <a:camera prst="orthographicFront"/>
+      <a:lightRig rig="threePt" dir="t"/>
+    </dgm:scene3d>
+    <dgm:sp3d/>
+    <dgm:txPr/>
+    <dgm:style>
+      <a:lnRef idx="2">
+        <a:scrgbClr r="0" g="0" b="0"/>
+      </a:lnRef>
+      <a:fillRef idx="1">
+        <a:scrgbClr r="0" g="0" b="0"/>
+      </a:fillRef>
+      <a:effectRef idx="0">
+        <a:scrgbClr r="0" g="0" b="0"/>
+      </a:effectRef>
+      <a:fontRef idx="minor">
+        <a:schemeClr val="lt1"/>
+      </a:fontRef>
+    </dgm:style>
+  </dgm:styleLbl>
+  <dgm:styleLbl name="parChTrans2D3">
+    <dgm:scene3d>
+      <a:camera prst="orthographicFront"/>
+      <a:lightRig rig="threePt" dir="t"/>
+    </dgm:scene3d>
+    <dgm:sp3d/>
+    <dgm:txPr/>
+    <dgm:style>
+      <a:lnRef idx="2">
+        <a:scrgbClr r="0" g="0" b="0"/>
+      </a:lnRef>
+      <a:fillRef idx="1">
+        <a:scrgbClr r="0" g="0" b="0"/>
+      </a:fillRef>
+      <a:effectRef idx="0">
+        <a:scrgbClr r="0" g="0" b="0"/>
+      </a:effectRef>
+      <a:fontRef idx="minor">
+        <a:schemeClr val="lt1"/>
+      </a:fontRef>
+    </dgm:style>
+  </dgm:styleLbl>
+  <dgm:styleLbl name="parChTrans2D4">
+    <dgm:scene3d>
+      <a:camera prst="orthographicFront"/>
+      <a:lightRig rig="threePt" dir="t"/>
+    </dgm:scene3d>
+    <dgm:sp3d/>
+    <dgm:txPr/>
+    <dgm:style>
+      <a:lnRef idx="2">
+        <a:scrgbClr r="0" g="0" b="0"/>
+      </a:lnRef>
+      <a:fillRef idx="1">
+        <a:scrgbClr r="0" g="0" b="0"/>
+      </a:fillRef>
+      <a:effectRef idx="0">
+        <a:scrgbClr r="0" g="0" b="0"/>
+      </a:effectRef>
+      <a:fontRef idx="minor">
+        <a:schemeClr val="lt1"/>
+      </a:fontRef>
+    </dgm:style>
+  </dgm:styleLbl>
+  <dgm:styleLbl name="parChTrans1D1">
+    <dgm:scene3d>
+      <a:camera prst="orthographicFront"/>
+      <a:lightRig rig="threePt" dir="t"/>
+    </dgm:scene3d>
+    <dgm:sp3d/>
+    <dgm:txPr/>
+    <dgm:style>
+      <a:lnRef idx="2">
+        <a:scrgbClr r="0" g="0" b="0"/>
+      </a:lnRef>
+      <a:fillRef idx="0">
+        <a:scrgbClr r="0" g="0" b="0"/>
+      </a:fillRef>
+      <a:effectRef idx="0">
+        <a:scrgbClr r="0" g="0" b="0"/>
+      </a:effectRef>
+      <a:fontRef idx="minor"/>
+    </dgm:style>
+  </dgm:styleLbl>
+  <dgm:styleLbl name="parChTrans1D2">
+    <dgm:scene3d>
+      <a:camera prst="orthographicFront"/>
+      <a:lightRig rig="threePt" dir="t"/>
+    </dgm:scene3d>
+    <dgm:sp3d/>
+    <dgm:txPr/>
+    <dgm:style>
+      <a:lnRef idx="2">
+        <a:scrgbClr r="0" g="0" b="0"/>
+      </a:lnRef>
+      <a:fillRef idx="0">
+        <a:scrgbClr r="0" g="0" b="0"/>
+      </a:fillRef>
+      <a:effectRef idx="0">
+        <a:scrgbClr r="0" g="0" b="0"/>
+      </a:effectRef>
+      <a:fontRef idx="minor"/>
+    </dgm:style>
+  </dgm:styleLbl>
+  <dgm:styleLbl name="parChTrans1D3">
+    <dgm:scene3d>
+      <a:camera prst="orthographicFront"/>
+      <a:lightRig rig="threePt" dir="t"/>
+    </dgm:scene3d>
+    <dgm:sp3d/>
+    <dgm:txPr/>
+    <dgm:style>
+      <a:lnRef idx="2">
+        <a:scrgbClr r="0" g="0" b="0"/>
+      </a:lnRef>
+      <a:fillRef idx="0">
+        <a:scrgbClr r="0" g="0" b="0"/>
+      </a:fillRef>
+      <a:effectRef idx="0">
+        <a:scrgbClr r="0" g="0" b="0"/>
+      </a:effectRef>
+      <a:fontRef idx="minor"/>
+    </dgm:style>
+  </dgm:styleLbl>
+  <dgm:styleLbl name="parChTrans1D4">
+    <dgm:scene3d>
+      <a:camera prst="orthographicFront"/>
+      <a:lightRig rig="threePt" dir="t"/>
+    </dgm:scene3d>
+    <dgm:sp3d/>
+    <dgm:txPr/>
+    <dgm:style>
+      <a:lnRef idx="2">
+        <a:scrgbClr r="0" g="0" b="0"/>
+      </a:lnRef>
+      <a:fillRef idx="0">
+        <a:scrgbClr r="0" g="0" b="0"/>
+      </a:fillRef>
+      <a:effectRef idx="0">
+        <a:scrgbClr r="0" g="0" b="0"/>
+      </a:effectRef>
+      <a:fontRef idx="minor"/>
+    </dgm:style>
+  </dgm:styleLbl>
+  <dgm:styleLbl name="fgAcc1">
+    <dgm:scene3d>
+      <a:camera prst="orthographicFront"/>
+      <a:lightRig rig="threePt" dir="t"/>
+    </dgm:scene3d>
+    <dgm:sp3d/>
+    <dgm:txPr/>
+    <dgm:style>
+      <a:lnRef idx="2">
+        <a:scrgbClr r="0" g="0" b="0"/>
+      </a:lnRef>
+      <a:fillRef idx="1">
+        <a:scrgbClr r="0" g="0" b="0"/>
+      </a:fillRef>
+      <a:effectRef idx="0">
+        <a:scrgbClr r="0" g="0" b="0"/>
+      </a:effectRef>
+      <a:fontRef idx="minor"/>
+    </dgm:style>
+  </dgm:styleLbl>
+  <dgm:styleLbl name="conFgAcc1">
+    <dgm:scene3d>
+      <a:camera prst="orthographicFront"/>
+      <a:lightRig rig="threePt" dir="t"/>
+    </dgm:scene3d>
+    <dgm:sp3d/>
+    <dgm:txPr/>
+    <dgm:style>
+      <a:lnRef idx="2">
+        <a:scrgbClr r="0" g="0" b="0"/>
+      </a:lnRef>
+      <a:fillRef idx="1">
+        <a:scrgbClr r="0" g="0" b="0"/>
+      </a:fillRef>
+      <a:effectRef idx="0">
+        <a:scrgbClr r="0" g="0" b="0"/>
+      </a:effectRef>
+      <a:fontRef idx="minor"/>
+    </dgm:style>
+  </dgm:styleLbl>
+  <dgm:styleLbl name="alignAcc1">
+    <dgm:scene3d>
+      <a:camera prst="orthographicFront"/>
+      <a:lightRig rig="threePt" dir="t"/>
+    </dgm:scene3d>
+    <dgm:sp3d/>
+    <dgm:txPr/>
+    <dgm:style>
+      <a:lnRef idx="2">
+        <a:scrgbClr r="0" g="0" b="0"/>
+      </a:lnRef>
+      <a:fillRef idx="1">
+        <a:scrgbClr r="0" g="0" b="0"/>
+      </a:fillRef>
+      <a:effectRef idx="0">
+        <a:scrgbClr r="0" g="0" b="0"/>
+      </a:effectRef>
+      <a:fontRef idx="minor"/>
+    </dgm:style>
+  </dgm:styleLbl>
+  <dgm:styleLbl name="trAlignAcc1">
+    <dgm:scene3d>
+      <a:camera prst="orthographicFront"/>
+      <a:lightRig rig="threePt" dir="t"/>
+    </dgm:scene3d>
+    <dgm:sp3d/>
+    <dgm:txPr/>
+    <dgm:style>
+      <a:lnRef idx="1">
+        <a:scrgbClr r="0" g="0" b="0"/>
+      </a:lnRef>
+      <a:fillRef idx="1">
+        <a:scrgbClr r="0" g="0" b="0"/>
+      </a:fillRef>
+      <a:effectRef idx="0">
+        <a:scrgbClr r="0" g="0" b="0"/>
+      </a:effectRef>
+      <a:fontRef idx="minor"/>
+    </dgm:style>
+  </dgm:styleLbl>
+  <dgm:styleLbl name="bgAcc1">
+    <dgm:scene3d>
+      <a:camera prst="orthographicFront"/>
+      <a:lightRig rig="threePt" dir="t"/>
+    </dgm:scene3d>
+    <dgm:sp3d/>
+    <dgm:txPr/>
+    <dgm:style>
+      <a:lnRef idx="2">
+        <a:scrgbClr r="0" g="0" b="0"/>
+      </a:lnRef>
+      <a:fillRef idx="1">
+        <a:scrgbClr r="0" g="0" b="0"/>
+      </a:fillRef>
+      <a:effectRef idx="0">
+        <a:scrgbClr r="0" g="0" b="0"/>
+      </a:effectRef>
+      <a:fontRef idx="minor"/>
+    </dgm:style>
+  </dgm:styleLbl>
+  <dgm:styleLbl name="solidFgAcc1">
+    <dgm:scene3d>
+      <a:camera prst="orthographicFront"/>
+      <a:lightRig rig="threePt" dir="t"/>
+    </dgm:scene3d>
+    <dgm:sp3d/>
+    <dgm:txPr/>
+    <dgm:style>
+      <a:lnRef idx="2">
+        <a:scrgbClr r="0" g="0" b="0"/>
+      </a:lnRef>
+      <a:fillRef idx="1">
+        <a:scrgbClr r="0" g="0" b="0"/>
+      </a:fillRef>
+      <a:effectRef idx="0">
+        <a:scrgbClr r="0" g="0" b="0"/>
+      </a:effectRef>
+      <a:fontRef idx="minor"/>
+    </dgm:style>
+  </dgm:styleLbl>
+  <dgm:styleLbl name="solidAlignAcc1">
+    <dgm:scene3d>
+      <a:camera prst="orthographicFront"/>
+      <a:lightRig rig="threePt" dir="t"/>
+    </dgm:scene3d>
+    <dgm:sp3d/>
+    <dgm:txPr/>
+    <dgm:style>
+      <a:lnRef idx="2">
+        <a:scrgbClr r="0" g="0" b="0"/>
+      </a:lnRef>
+      <a:fillRef idx="1">
+        <a:scrgbClr r="0" g="0" b="0"/>
+      </a:fillRef>
+      <a:effectRef idx="0">
+        <a:scrgbClr r="0" g="0" b="0"/>
+      </a:effectRef>
+      <a:fontRef idx="minor"/>
+    </dgm:style>
+  </dgm:styleLbl>
+  <dgm:styleLbl name="solidBgAcc1">
+    <dgm:scene3d>
+      <a:camera prst="orthographicFront"/>
+      <a:lightRig rig="threePt" dir="t"/>
+    </dgm:scene3d>
+    <dgm:sp3d/>
+    <dgm:txPr/>
+    <dgm:style>
+      <a:lnRef idx="2">
+        <a:scrgbClr r="0" g="0" b="0"/>
+      </a:lnRef>
+      <a:fillRef idx="1">
+        <a:scrgbClr r="0" g="0" b="0"/>
+      </a:fillRef>
+      <a:effectRef idx="0">
+        <a:scrgbClr r="0" g="0" b="0"/>
+      </a:effectRef>
+      <a:fontRef idx="minor"/>
+    </dgm:style>
+  </dgm:styleLbl>
+  <dgm:styleLbl name="fgAccFollowNode1">
+    <dgm:scene3d>
+      <a:camera prst="orthographicFront"/>
+      <a:lightRig rig="threePt" dir="t"/>
+    </dgm:scene3d>
+    <dgm:sp3d/>
+    <dgm:txPr/>
+    <dgm:style>
+      <a:lnRef idx="2">
+        <a:scrgbClr r="0" g="0" b="0"/>
+      </a:lnRef>
+      <a:fillRef idx="1">
+        <a:scrgbClr r="0" g="0" b="0"/>
+      </a:fillRef>
+      <a:effectRef idx="0">
+        <a:scrgbClr r="0" g="0" b="0"/>
+      </a:effectRef>
+      <a:fontRef idx="minor"/>
+    </dgm:style>
+  </dgm:styleLbl>
+  <dgm:styleLbl name="alignAccFollowNode1">
+    <dgm:scene3d>
+      <a:camera prst="orthographicFront"/>
+      <a:lightRig rig="threePt" dir="t"/>
+    </dgm:scene3d>
+    <dgm:sp3d/>
+    <dgm:txPr/>
+    <dgm:style>
+      <a:lnRef idx="2">
+        <a:scrgbClr r="0" g="0" b="0"/>
+      </a:lnRef>
+      <a:fillRef idx="1">
+        <a:scrgbClr r="0" g="0" b="0"/>
+      </a:fillRef>
+      <a:effectRef idx="0">
+        <a:scrgbClr r="0" g="0" b="0"/>
+      </a:effectRef>
+      <a:fontRef idx="minor"/>
+    </dgm:style>
+  </dgm:styleLbl>
+  <dgm:styleLbl name="bgAccFollowNode1">
+    <dgm:scene3d>
+      <a:camera prst="orthographicFront"/>
+      <a:lightRig rig="threePt" dir="t"/>
+    </dgm:scene3d>
+    <dgm:sp3d/>
+    <dgm:txPr/>
+    <dgm:style>
+      <a:lnRef idx="2">
+        <a:scrgbClr r="0" g="0" b="0"/>
+      </a:lnRef>
+      <a:fillRef idx="1">
+        <a:scrgbClr r="0" g="0" b="0"/>
+      </a:fillRef>
+      <a:effectRef idx="0">
+        <a:scrgbClr r="0" g="0" b="0"/>
+      </a:effectRef>
+      <a:fontRef idx="minor"/>
+    </dgm:style>
+  </dgm:styleLbl>
+  <dgm:styleLbl name="fgAcc0">
+    <dgm:scene3d>
+      <a:camera prst="orthographicFront"/>
+      <a:lightRig rig="threePt" dir="t"/>
+    </dgm:scene3d>
+    <dgm:sp3d/>
+    <dgm:txPr/>
+    <dgm:style>
+      <a:lnRef idx="2">
+        <a:scrgbClr r="0" g="0" b="0"/>
+      </a:lnRef>
+      <a:fillRef idx="1">
+        <a:scrgbClr r="0" g="0" b="0"/>
+      </a:fillRef>
+      <a:effectRef idx="0">
+        <a:scrgbClr r="0" g="0" b="0"/>
+      </a:effectRef>
+      <a:fontRef idx="minor"/>
+    </dgm:style>
+  </dgm:styleLbl>
+  <dgm:styleLbl name="fgAcc2">
+    <dgm:scene3d>
+      <a:camera prst="orthographicFront"/>
+      <a:lightRig rig="threePt" dir="t"/>
+    </dgm:scene3d>
+    <dgm:sp3d/>
+    <dgm:txPr/>
+    <dgm:style>
+      <a:lnRef idx="2">
+        <a:scrgbClr r="0" g="0" b="0"/>
+      </a:lnRef>
+      <a:fillRef idx="1">
+        <a:scrgbClr r="0" g="0" b="0"/>
+      </a:fillRef>
+      <a:effectRef idx="0">
+        <a:scrgbClr r="0" g="0" b="0"/>
+      </a:effectRef>
+      <a:fontRef idx="minor"/>
+    </dgm:style>
+  </dgm:styleLbl>
+  <dgm:styleLbl name="fgAcc3">
+    <dgm:scene3d>
+      <a:camera prst="orthographicFront"/>
+      <a:lightRig rig="threePt" dir="t"/>
+    </dgm:scene3d>
+    <dgm:sp3d/>
+    <dgm:txPr/>
+    <dgm:style>
+      <a:lnRef idx="2">
+        <a:scrgbClr r="0" g="0" b="0"/>
+      </a:lnRef>
+      <a:fillRef idx="1">
+        <a:scrgbClr r="0" g="0" b="0"/>
+      </a:fillRef>
+      <a:effectRef idx="0">
+        <a:scrgbClr r="0" g="0" b="0"/>
+      </a:effectRef>
+      <a:fontRef idx="minor"/>
+    </dgm:style>
+  </dgm:styleLbl>
+  <dgm:styleLbl name="fgAcc4">
+    <dgm:scene3d>
+      <a:camera prst="orthographicFront"/>
+      <a:lightRig rig="threePt" dir="t"/>
+    </dgm:scene3d>
+    <dgm:sp3d/>
+    <dgm:txPr/>
+    <dgm:style>
+      <a:lnRef idx="2">
+        <a:scrgbClr r="0" g="0" b="0"/>
+      </a:lnRef>
+      <a:fillRef idx="1">
+        <a:scrgbClr r="0" g="0" b="0"/>
+      </a:fillRef>
+      <a:effectRef idx="0">
+        <a:scrgbClr r="0" g="0" b="0"/>
+      </a:effectRef>
+      <a:fontRef idx="minor"/>
+    </dgm:style>
+  </dgm:styleLbl>
+  <dgm:styleLbl name="bgShp">
+    <dgm:scene3d>
+      <a:camera prst="orthographicFront"/>
+      <a:lightRig rig="threePt" dir="t"/>
+    </dgm:scene3d>
+    <dgm:sp3d/>
+    <dgm:txPr/>
+    <dgm:style>
+      <a:lnRef idx="0">
+        <a:scrgbClr r="0" g="0" b="0"/>
+      </a:lnRef>
+      <a:fillRef idx="1">
+        <a:scrgbClr r="0" g="0" b="0"/>
+      </a:fillRef>
+      <a:effectRef idx="0">
+        <a:scrgbClr r="0" g="0" b="0"/>
+      </a:effectRef>
+      <a:fontRef idx="minor"/>
+    </dgm:style>
+  </dgm:styleLbl>
+  <dgm:styleLbl name="dkBgShp">
+    <dgm:scene3d>
+      <a:camera prst="orthographicFront"/>
+      <a:lightRig rig="threePt" dir="t"/>
+    </dgm:scene3d>
+    <dgm:sp3d/>
+    <dgm:txPr/>
+    <dgm:style>
+      <a:lnRef idx="0">
+        <a:scrgbClr r="0" g="0" b="0"/>
+      </a:lnRef>
+      <a:fillRef idx="1">
+        <a:scrgbClr r="0" g="0" b="0"/>
+      </a:fillRef>
+      <a:effectRef idx="0">
+        <a:scrgbClr r="0" g="0" b="0"/>
+      </a:effectRef>
+      <a:fontRef idx="minor"/>
+    </dgm:style>
+  </dgm:styleLbl>
+  <dgm:styleLbl name="trBgShp">
+    <dgm:scene3d>
+      <a:camera prst="orthographicFront"/>
+      <a:lightRig rig="threePt" dir="t"/>
+    </dgm:scene3d>
+    <dgm:sp3d/>
+    <dgm:txPr/>
+    <dgm:style>
+      <a:lnRef idx="0">
+        <a:scrgbClr r="0" g="0" b="0"/>
+      </a:lnRef>
+      <a:fillRef idx="1">
+        <a:scrgbClr r="0" g="0" b="0"/>
+      </a:fillRef>
+      <a:effectRef idx="0">
+        <a:scrgbClr r="0" g="0" b="0"/>
+      </a:effectRef>
+      <a:fontRef idx="minor"/>
+    </dgm:style>
+  </dgm:styleLbl>
+  <dgm:styleLbl name="fgShp">
+    <dgm:scene3d>
+      <a:camera prst="orthographicFront"/>
+      <a:lightRig rig="threePt" dir="t"/>
+    </dgm:scene3d>
+    <dgm:sp3d/>
+    <dgm:txPr/>
+    <dgm:style>
+      <a:lnRef idx="2">
+        <a:scrgbClr r="0" g="0" b="0"/>
+      </a:lnRef>
+      <a:fillRef idx="1">
+        <a:scrgbClr r="0" g="0" b="0"/>
+      </a:fillRef>
+      <a:effectRef idx="0">
+        <a:scrgbClr r="0" g="0" b="0"/>
+      </a:effectRef>
+      <a:fontRef idx="minor"/>
+    </dgm:style>
+  </dgm:styleLbl>
+  <dgm:styleLbl name="revTx">
+    <dgm:scene3d>
+      <a:camera prst="orthographicFront"/>
+      <a:lightRig rig="threePt" dir="t"/>
+    </dgm:scene3d>
+    <dgm:sp3d/>
+    <dgm:txPr/>
+    <dgm:style>
+      <a:lnRef idx="0">
+        <a:scrgbClr r="0" g="0" b="0"/>
+      </a:lnRef>
+      <a:fillRef idx="0">
+        <a:scrgbClr r="0" g="0" b="0"/>
+      </a:fillRef>
+      <a:effectRef idx="0">
+        <a:scrgbClr r="0" g="0" b="0"/>
+      </a:effectRef>
+      <a:fontRef idx="minor"/>
+    </dgm:style>
+  </dgm:styleLbl>
+</dgm:styleDef>
+</file>
+
+<file path=ppt/diagrams/quickStyle2.xml><?xml version="1.0" encoding="utf-8"?>
 <dgm:styleDef xmlns:dgm="http://schemas.openxmlformats.org/drawingml/2006/diagram" xmlns:a="http://schemas.openxmlformats.org/drawingml/2006/main" uniqueId="urn:microsoft.com/office/officeart/2005/8/quickstyle/simple1">
   <dgm:title val=""/>
   <dgm:desc val=""/>
@@ -3498,7 +5856,7 @@
           <a:p>
             <a:fld id="{E8C32C30-3C9C-4889-B4A5-49526D5A29D4}" type="datetimeFigureOut">
               <a:rPr lang="en-IN" smtClean="0"/>
-              <a:t>08-04-2022</a:t>
+              <a:t>09-04-2022</a:t>
             </a:fld>
             <a:endParaRPr lang="en-IN"/>
           </a:p>
@@ -3562,35 +5920,35 @@
           <a:p>
             <a:pPr lvl="0"/>
             <a:r>
-              <a:rPr lang="en-US" smtClean="0"/>
+              <a:rPr lang="en-US"/>
               <a:t>Edit Master text styles</a:t>
             </a:r>
           </a:p>
           <a:p>
             <a:pPr lvl="1"/>
             <a:r>
-              <a:rPr lang="en-US" smtClean="0"/>
+              <a:rPr lang="en-US"/>
               <a:t>Second level</a:t>
             </a:r>
           </a:p>
           <a:p>
             <a:pPr lvl="2"/>
             <a:r>
-              <a:rPr lang="en-US" smtClean="0"/>
+              <a:rPr lang="en-US"/>
               <a:t>Third level</a:t>
             </a:r>
           </a:p>
           <a:p>
             <a:pPr lvl="3"/>
             <a:r>
-              <a:rPr lang="en-US" smtClean="0"/>
+              <a:rPr lang="en-US"/>
               <a:t>Fourth level</a:t>
             </a:r>
           </a:p>
           <a:p>
             <a:pPr lvl="4"/>
             <a:r>
-              <a:rPr lang="en-US" smtClean="0"/>
+              <a:rPr lang="en-US"/>
               <a:t>Fifth level</a:t>
             </a:r>
             <a:endParaRPr lang="en-IN"/>
@@ -3896,7 +6254,7 @@
           </a:lstStyle>
           <a:p>
             <a:r>
-              <a:rPr lang="en-US" smtClean="0"/>
+              <a:rPr lang="en-US"/>
               <a:t>Click to edit Master title style</a:t>
             </a:r>
             <a:endParaRPr lang="en-US" dirty="0"/>
@@ -3968,7 +6326,7 @@
           </a:lstStyle>
           <a:p>
             <a:r>
-              <a:rPr lang="en-US" smtClean="0"/>
+              <a:rPr lang="en-US"/>
               <a:t>Click to edit Master subtitle style</a:t>
             </a:r>
             <a:endParaRPr lang="en-US" dirty="0"/>
@@ -3992,7 +6350,7 @@
           <a:p>
             <a:fld id="{E4D174B4-0779-4249-B768-C3159E9D88C9}" type="datetime1">
               <a:rPr lang="en-IN" smtClean="0"/>
-              <a:t>08-04-2022</a:t>
+              <a:t>09-04-2022</a:t>
             </a:fld>
             <a:endParaRPr lang="en-IN"/>
           </a:p>
@@ -4124,7 +6482,7 @@
           <a:lstStyle/>
           <a:p>
             <a:r>
-              <a:rPr lang="en-US" smtClean="0"/>
+              <a:rPr lang="en-US"/>
               <a:t>Click to edit Master title style</a:t>
             </a:r>
             <a:endParaRPr lang="en-US" dirty="0"/>
@@ -4148,35 +6506,35 @@
           <a:p>
             <a:pPr lvl="0"/>
             <a:r>
-              <a:rPr lang="en-US" smtClean="0"/>
+              <a:rPr lang="en-US"/>
               <a:t>Edit Master text styles</a:t>
             </a:r>
           </a:p>
           <a:p>
             <a:pPr lvl="1"/>
             <a:r>
-              <a:rPr lang="en-US" smtClean="0"/>
+              <a:rPr lang="en-US"/>
               <a:t>Second level</a:t>
             </a:r>
           </a:p>
           <a:p>
             <a:pPr lvl="2"/>
             <a:r>
-              <a:rPr lang="en-US" smtClean="0"/>
+              <a:rPr lang="en-US"/>
               <a:t>Third level</a:t>
             </a:r>
           </a:p>
           <a:p>
             <a:pPr lvl="3"/>
             <a:r>
-              <a:rPr lang="en-US" smtClean="0"/>
+              <a:rPr lang="en-US"/>
               <a:t>Fourth level</a:t>
             </a:r>
           </a:p>
           <a:p>
             <a:pPr lvl="4"/>
             <a:r>
-              <a:rPr lang="en-US" smtClean="0"/>
+              <a:rPr lang="en-US"/>
               <a:t>Fifth level</a:t>
             </a:r>
             <a:endParaRPr lang="en-US" dirty="0"/>
@@ -4200,7 +6558,7 @@
           <a:p>
             <a:fld id="{55C7FD4F-0011-4233-9320-F03266C986FE}" type="datetime1">
               <a:rPr lang="en-IN" smtClean="0"/>
-              <a:t>08-04-2022</a:t>
+              <a:t>09-04-2022</a:t>
             </a:fld>
             <a:endParaRPr lang="en-IN"/>
           </a:p>
@@ -4375,7 +6733,7 @@
           <a:lstStyle/>
           <a:p>
             <a:r>
-              <a:rPr lang="en-US" smtClean="0"/>
+              <a:rPr lang="en-US"/>
               <a:t>Click to edit Master title style</a:t>
             </a:r>
             <a:endParaRPr lang="en-US" dirty="0"/>
@@ -4404,35 +6762,35 @@
           <a:p>
             <a:pPr lvl="0"/>
             <a:r>
-              <a:rPr lang="en-US" smtClean="0"/>
+              <a:rPr lang="en-US"/>
               <a:t>Edit Master text styles</a:t>
             </a:r>
           </a:p>
           <a:p>
             <a:pPr lvl="1"/>
             <a:r>
-              <a:rPr lang="en-US" smtClean="0"/>
+              <a:rPr lang="en-US"/>
               <a:t>Second level</a:t>
             </a:r>
           </a:p>
           <a:p>
             <a:pPr lvl="2"/>
             <a:r>
-              <a:rPr lang="en-US" smtClean="0"/>
+              <a:rPr lang="en-US"/>
               <a:t>Third level</a:t>
             </a:r>
           </a:p>
           <a:p>
             <a:pPr lvl="3"/>
             <a:r>
-              <a:rPr lang="en-US" smtClean="0"/>
+              <a:rPr lang="en-US"/>
               <a:t>Fourth level</a:t>
             </a:r>
           </a:p>
           <a:p>
             <a:pPr lvl="4"/>
             <a:r>
-              <a:rPr lang="en-US" smtClean="0"/>
+              <a:rPr lang="en-US"/>
               <a:t>Fifth level</a:t>
             </a:r>
             <a:endParaRPr lang="en-US" dirty="0"/>
@@ -4456,7 +6814,7 @@
           <a:p>
             <a:fld id="{0CB019B6-C5FF-48DC-952A-1BA2CE93F7ED}" type="datetime1">
               <a:rPr lang="en-IN" smtClean="0"/>
-              <a:t>08-04-2022</a:t>
+              <a:t>09-04-2022</a:t>
             </a:fld>
             <a:endParaRPr lang="en-IN"/>
           </a:p>
@@ -4550,7 +6908,7 @@
           <a:lstStyle/>
           <a:p>
             <a:r>
-              <a:rPr lang="en-US" smtClean="0"/>
+              <a:rPr lang="en-US"/>
               <a:t>Click to edit Master title style</a:t>
             </a:r>
             <a:endParaRPr lang="en-US" dirty="0"/>
@@ -4574,35 +6932,35 @@
           <a:p>
             <a:pPr lvl="0"/>
             <a:r>
-              <a:rPr lang="en-US" smtClean="0"/>
+              <a:rPr lang="en-US"/>
               <a:t>Edit Master text styles</a:t>
             </a:r>
           </a:p>
           <a:p>
             <a:pPr lvl="1"/>
             <a:r>
-              <a:rPr lang="en-US" smtClean="0"/>
+              <a:rPr lang="en-US"/>
               <a:t>Second level</a:t>
             </a:r>
           </a:p>
           <a:p>
             <a:pPr lvl="2"/>
             <a:r>
-              <a:rPr lang="en-US" smtClean="0"/>
+              <a:rPr lang="en-US"/>
               <a:t>Third level</a:t>
             </a:r>
           </a:p>
           <a:p>
             <a:pPr lvl="3"/>
             <a:r>
-              <a:rPr lang="en-US" smtClean="0"/>
+              <a:rPr lang="en-US"/>
               <a:t>Fourth level</a:t>
             </a:r>
           </a:p>
           <a:p>
             <a:pPr lvl="4"/>
             <a:r>
-              <a:rPr lang="en-US" smtClean="0"/>
+              <a:rPr lang="en-US"/>
               <a:t>Fifth level</a:t>
             </a:r>
             <a:endParaRPr lang="en-US" dirty="0"/>
@@ -4626,7 +6984,7 @@
           <a:p>
             <a:fld id="{FB167C80-E6DC-41E6-80D2-BF6CCB0B1540}" type="datetime1">
               <a:rPr lang="en-IN" smtClean="0"/>
-              <a:t>08-04-2022</a:t>
+              <a:t>09-04-2022</a:t>
             </a:fld>
             <a:endParaRPr lang="en-IN"/>
           </a:p>
@@ -4825,7 +7183,7 @@
           </a:lstStyle>
           <a:p>
             <a:r>
-              <a:rPr lang="en-US" smtClean="0"/>
+              <a:rPr lang="en-US"/>
               <a:t>Click to edit Master title style</a:t>
             </a:r>
             <a:endParaRPr lang="en-US" dirty="0"/>
@@ -4946,7 +7304,7 @@
           <a:p>
             <a:pPr lvl="0"/>
             <a:r>
-              <a:rPr lang="en-US" smtClean="0"/>
+              <a:rPr lang="en-US"/>
               <a:t>Edit Master text styles</a:t>
             </a:r>
           </a:p>
@@ -4969,7 +7327,7 @@
           <a:p>
             <a:fld id="{51CB3EF5-D528-4CBA-8CFD-BD396D6FE4E8}" type="datetime1">
               <a:rPr lang="en-IN" smtClean="0"/>
-              <a:t>08-04-2022</a:t>
+              <a:t>09-04-2022</a:t>
             </a:fld>
             <a:endParaRPr lang="en-IN"/>
           </a:p>
@@ -5106,7 +7464,7 @@
           <a:lstStyle/>
           <a:p>
             <a:r>
-              <a:rPr lang="en-US" smtClean="0"/>
+              <a:rPr lang="en-US"/>
               <a:t>Click to edit Master title style</a:t>
             </a:r>
             <a:endParaRPr lang="en-US" dirty="0"/>
@@ -5135,35 +7493,35 @@
           <a:p>
             <a:pPr lvl="0"/>
             <a:r>
-              <a:rPr lang="en-US" smtClean="0"/>
+              <a:rPr lang="en-US"/>
               <a:t>Edit Master text styles</a:t>
             </a:r>
           </a:p>
           <a:p>
             <a:pPr lvl="1"/>
             <a:r>
-              <a:rPr lang="en-US" smtClean="0"/>
+              <a:rPr lang="en-US"/>
               <a:t>Second level</a:t>
             </a:r>
           </a:p>
           <a:p>
             <a:pPr lvl="2"/>
             <a:r>
-              <a:rPr lang="en-US" smtClean="0"/>
+              <a:rPr lang="en-US"/>
               <a:t>Third level</a:t>
             </a:r>
           </a:p>
           <a:p>
             <a:pPr lvl="3"/>
             <a:r>
-              <a:rPr lang="en-US" smtClean="0"/>
+              <a:rPr lang="en-US"/>
               <a:t>Fourth level</a:t>
             </a:r>
           </a:p>
           <a:p>
             <a:pPr lvl="4"/>
             <a:r>
-              <a:rPr lang="en-US" smtClean="0"/>
+              <a:rPr lang="en-US"/>
               <a:t>Fifth level</a:t>
             </a:r>
             <a:endParaRPr lang="en-US" dirty="0"/>
@@ -5192,35 +7550,35 @@
           <a:p>
             <a:pPr lvl="0"/>
             <a:r>
-              <a:rPr lang="en-US" smtClean="0"/>
+              <a:rPr lang="en-US"/>
               <a:t>Edit Master text styles</a:t>
             </a:r>
           </a:p>
           <a:p>
             <a:pPr lvl="1"/>
             <a:r>
-              <a:rPr lang="en-US" smtClean="0"/>
+              <a:rPr lang="en-US"/>
               <a:t>Second level</a:t>
             </a:r>
           </a:p>
           <a:p>
             <a:pPr lvl="2"/>
             <a:r>
-              <a:rPr lang="en-US" smtClean="0"/>
+              <a:rPr lang="en-US"/>
               <a:t>Third level</a:t>
             </a:r>
           </a:p>
           <a:p>
             <a:pPr lvl="3"/>
             <a:r>
-              <a:rPr lang="en-US" smtClean="0"/>
+              <a:rPr lang="en-US"/>
               <a:t>Fourth level</a:t>
             </a:r>
           </a:p>
           <a:p>
             <a:pPr lvl="4"/>
             <a:r>
-              <a:rPr lang="en-US" smtClean="0"/>
+              <a:rPr lang="en-US"/>
               <a:t>Fifth level</a:t>
             </a:r>
             <a:endParaRPr lang="en-US" dirty="0"/>
@@ -5244,7 +7602,7 @@
           <a:p>
             <a:fld id="{57BFCE4C-C747-4895-A5E5-2E1B94859C0B}" type="datetime1">
               <a:rPr lang="en-IN" smtClean="0"/>
-              <a:t>08-04-2022</a:t>
+              <a:t>09-04-2022</a:t>
             </a:fld>
             <a:endParaRPr lang="en-IN"/>
           </a:p>
@@ -5343,7 +7701,7 @@
           <a:lstStyle/>
           <a:p>
             <a:r>
-              <a:rPr lang="en-US" smtClean="0"/>
+              <a:rPr lang="en-US"/>
               <a:t>Click to edit Master title style</a:t>
             </a:r>
             <a:endParaRPr lang="en-US" dirty="0"/>
@@ -5415,7 +7773,7 @@
           <a:p>
             <a:pPr lvl="0"/>
             <a:r>
-              <a:rPr lang="en-US" smtClean="0"/>
+              <a:rPr lang="en-US"/>
               <a:t>Edit Master text styles</a:t>
             </a:r>
           </a:p>
@@ -5443,35 +7801,35 @@
           <a:p>
             <a:pPr lvl="0"/>
             <a:r>
-              <a:rPr lang="en-US" smtClean="0"/>
+              <a:rPr lang="en-US"/>
               <a:t>Edit Master text styles</a:t>
             </a:r>
           </a:p>
           <a:p>
             <a:pPr lvl="1"/>
             <a:r>
-              <a:rPr lang="en-US" smtClean="0"/>
+              <a:rPr lang="en-US"/>
               <a:t>Second level</a:t>
             </a:r>
           </a:p>
           <a:p>
             <a:pPr lvl="2"/>
             <a:r>
-              <a:rPr lang="en-US" smtClean="0"/>
+              <a:rPr lang="en-US"/>
               <a:t>Third level</a:t>
             </a:r>
           </a:p>
           <a:p>
             <a:pPr lvl="3"/>
             <a:r>
-              <a:rPr lang="en-US" smtClean="0"/>
+              <a:rPr lang="en-US"/>
               <a:t>Fourth level</a:t>
             </a:r>
           </a:p>
           <a:p>
             <a:pPr lvl="4"/>
             <a:r>
-              <a:rPr lang="en-US" smtClean="0"/>
+              <a:rPr lang="en-US"/>
               <a:t>Fifth level</a:t>
             </a:r>
             <a:endParaRPr lang="en-US" dirty="0"/>
@@ -5543,7 +7901,7 @@
           <a:p>
             <a:pPr lvl="0"/>
             <a:r>
-              <a:rPr lang="en-US" smtClean="0"/>
+              <a:rPr lang="en-US"/>
               <a:t>Edit Master text styles</a:t>
             </a:r>
           </a:p>
@@ -5571,35 +7929,35 @@
           <a:p>
             <a:pPr lvl="0"/>
             <a:r>
-              <a:rPr lang="en-US" smtClean="0"/>
+              <a:rPr lang="en-US"/>
               <a:t>Edit Master text styles</a:t>
             </a:r>
           </a:p>
           <a:p>
             <a:pPr lvl="1"/>
             <a:r>
-              <a:rPr lang="en-US" smtClean="0"/>
+              <a:rPr lang="en-US"/>
               <a:t>Second level</a:t>
             </a:r>
           </a:p>
           <a:p>
             <a:pPr lvl="2"/>
             <a:r>
-              <a:rPr lang="en-US" smtClean="0"/>
+              <a:rPr lang="en-US"/>
               <a:t>Third level</a:t>
             </a:r>
           </a:p>
           <a:p>
             <a:pPr lvl="3"/>
             <a:r>
-              <a:rPr lang="en-US" smtClean="0"/>
+              <a:rPr lang="en-US"/>
               <a:t>Fourth level</a:t>
             </a:r>
           </a:p>
           <a:p>
             <a:pPr lvl="4"/>
             <a:r>
-              <a:rPr lang="en-US" smtClean="0"/>
+              <a:rPr lang="en-US"/>
               <a:t>Fifth level</a:t>
             </a:r>
             <a:endParaRPr lang="en-US" dirty="0"/>
@@ -5623,7 +7981,7 @@
           <a:p>
             <a:fld id="{E6A374BE-E074-4C36-AC3D-BD32CDD432F7}" type="datetime1">
               <a:rPr lang="en-IN" smtClean="0"/>
-              <a:t>08-04-2022</a:t>
+              <a:t>09-04-2022</a:t>
             </a:fld>
             <a:endParaRPr lang="en-IN"/>
           </a:p>
@@ -5717,7 +8075,7 @@
           <a:lstStyle/>
           <a:p>
             <a:r>
-              <a:rPr lang="en-US" smtClean="0"/>
+              <a:rPr lang="en-US"/>
               <a:t>Click to edit Master title style</a:t>
             </a:r>
             <a:endParaRPr lang="en-US" dirty="0"/>
@@ -5741,7 +8099,7 @@
           <a:p>
             <a:fld id="{048D8330-447D-4113-A6CA-C7241120160E}" type="datetime1">
               <a:rPr lang="en-IN" smtClean="0"/>
-              <a:t>08-04-2022</a:t>
+              <a:t>09-04-2022</a:t>
             </a:fld>
             <a:endParaRPr lang="en-IN"/>
           </a:p>
@@ -5912,7 +8270,7 @@
           <a:p>
             <a:fld id="{C8C630D0-511E-4450-BC0B-3AD23827FED4}" type="datetime1">
               <a:rPr lang="en-IN" smtClean="0"/>
-              <a:t>08-04-2022</a:t>
+              <a:t>09-04-2022</a:t>
             </a:fld>
             <a:endParaRPr lang="en-IN"/>
           </a:p>
@@ -6105,7 +8463,7 @@
           </a:lstStyle>
           <a:p>
             <a:r>
-              <a:rPr lang="en-US" smtClean="0"/>
+              <a:rPr lang="en-US"/>
               <a:t>Click to edit Master title style</a:t>
             </a:r>
             <a:endParaRPr lang="en-US" dirty="0"/>
@@ -6134,35 +8492,35 @@
           <a:p>
             <a:pPr lvl="0"/>
             <a:r>
-              <a:rPr lang="en-US" smtClean="0"/>
+              <a:rPr lang="en-US"/>
               <a:t>Edit Master text styles</a:t>
             </a:r>
           </a:p>
           <a:p>
             <a:pPr lvl="1"/>
             <a:r>
-              <a:rPr lang="en-US" smtClean="0"/>
+              <a:rPr lang="en-US"/>
               <a:t>Second level</a:t>
             </a:r>
           </a:p>
           <a:p>
             <a:pPr lvl="2"/>
             <a:r>
-              <a:rPr lang="en-US" smtClean="0"/>
+              <a:rPr lang="en-US"/>
               <a:t>Third level</a:t>
             </a:r>
           </a:p>
           <a:p>
             <a:pPr lvl="3"/>
             <a:r>
-              <a:rPr lang="en-US" smtClean="0"/>
+              <a:rPr lang="en-US"/>
               <a:t>Fourth level</a:t>
             </a:r>
           </a:p>
           <a:p>
             <a:pPr lvl="4"/>
             <a:r>
-              <a:rPr lang="en-US" smtClean="0"/>
+              <a:rPr lang="en-US"/>
               <a:t>Fifth level</a:t>
             </a:r>
             <a:endParaRPr lang="en-US" dirty="0"/>
@@ -6234,7 +8592,7 @@
           <a:p>
             <a:pPr lvl="0"/>
             <a:r>
-              <a:rPr lang="en-US" smtClean="0"/>
+              <a:rPr lang="en-US"/>
               <a:t>Edit Master text styles</a:t>
             </a:r>
           </a:p>
@@ -6266,7 +8624,7 @@
           <a:p>
             <a:fld id="{9CEE32F4-F6E0-4558-BAEF-66F971474D1A}" type="datetime1">
               <a:rPr lang="en-IN" smtClean="0"/>
-              <a:t>08-04-2022</a:t>
+              <a:t>09-04-2022</a:t>
             </a:fld>
             <a:endParaRPr lang="en-IN"/>
           </a:p>
@@ -6472,7 +8830,7 @@
           </a:lstStyle>
           <a:p>
             <a:r>
-              <a:rPr lang="en-US" smtClean="0"/>
+              <a:rPr lang="en-US"/>
               <a:t>Click to edit Master title style</a:t>
             </a:r>
             <a:endParaRPr lang="en-US" dirty="0"/>
@@ -6542,7 +8900,7 @@
           </a:lstStyle>
           <a:p>
             <a:r>
-              <a:rPr lang="en-US" smtClean="0"/>
+              <a:rPr lang="en-US"/>
               <a:t>Click icon to add picture</a:t>
             </a:r>
             <a:endParaRPr lang="en-US" dirty="0"/>
@@ -6620,7 +8978,7 @@
           <a:p>
             <a:pPr lvl="0"/>
             <a:r>
-              <a:rPr lang="en-US" smtClean="0"/>
+              <a:rPr lang="en-US"/>
               <a:t>Edit Master text styles</a:t>
             </a:r>
           </a:p>
@@ -6643,7 +9001,7 @@
           <a:p>
             <a:fld id="{DADAB254-044E-4DE4-B252-F9C84BCF4756}" type="datetime1">
               <a:rPr lang="en-IN" smtClean="0"/>
-              <a:t>08-04-2022</a:t>
+              <a:t>09-04-2022</a:t>
             </a:fld>
             <a:endParaRPr lang="en-IN"/>
           </a:p>
@@ -6828,7 +9186,7 @@
           <a:lstStyle/>
           <a:p>
             <a:r>
-              <a:rPr lang="en-US" smtClean="0"/>
+              <a:rPr lang="en-US"/>
               <a:t>Click to edit Master title style</a:t>
             </a:r>
             <a:endParaRPr lang="en-US" dirty="0"/>
@@ -6862,35 +9220,35 @@
           <a:p>
             <a:pPr lvl="0"/>
             <a:r>
-              <a:rPr lang="en-US" smtClean="0"/>
+              <a:rPr lang="en-US"/>
               <a:t>Edit Master text styles</a:t>
             </a:r>
           </a:p>
           <a:p>
             <a:pPr lvl="1"/>
             <a:r>
-              <a:rPr lang="en-US" smtClean="0"/>
+              <a:rPr lang="en-US"/>
               <a:t>Second level</a:t>
             </a:r>
           </a:p>
           <a:p>
             <a:pPr lvl="2"/>
             <a:r>
-              <a:rPr lang="en-US" smtClean="0"/>
+              <a:rPr lang="en-US"/>
               <a:t>Third level</a:t>
             </a:r>
           </a:p>
           <a:p>
             <a:pPr lvl="3"/>
             <a:r>
-              <a:rPr lang="en-US" smtClean="0"/>
+              <a:rPr lang="en-US"/>
               <a:t>Fourth level</a:t>
             </a:r>
           </a:p>
           <a:p>
             <a:pPr lvl="4"/>
             <a:r>
-              <a:rPr lang="en-US" smtClean="0"/>
+              <a:rPr lang="en-US"/>
               <a:t>Fifth level</a:t>
             </a:r>
             <a:endParaRPr lang="en-US" dirty="0"/>
@@ -6930,7 +9288,7 @@
           <a:p>
             <a:fld id="{3FCD19FB-82A4-4E3D-866E-F424E6C606E0}" type="datetime1">
               <a:rPr lang="en-IN" smtClean="0"/>
-              <a:t>08-04-2022</a:t>
+              <a:t>09-04-2022</a:t>
             </a:fld>
             <a:endParaRPr lang="en-IN"/>
           </a:p>
@@ -7518,7 +9876,7 @@
               </a:lnSpc>
             </a:pPr>
             <a:r>
-              <a:rPr lang="en-IN" sz="2000" dirty="0" smtClean="0">
+              <a:rPr lang="en-IN" sz="2000" dirty="0">
                 <a:solidFill>
                   <a:schemeClr val="tx1"/>
                 </a:solidFill>
@@ -7534,29 +9892,14 @@
               </a:lnSpc>
             </a:pPr>
             <a:r>
-              <a:rPr lang="en-IN" sz="2000" dirty="0" smtClean="0">
+              <a:rPr lang="en-IN" sz="2000" dirty="0">
                 <a:solidFill>
                   <a:schemeClr val="tx1"/>
                 </a:solidFill>
                 <a:latin typeface="+mn-lt"/>
               </a:rPr>
-              <a:t>Project </a:t>
+              <a:t>Project Progress </a:t>
             </a:r>
-            <a:r>
-              <a:rPr lang="en-IN" sz="2000" dirty="0" smtClean="0">
-                <a:solidFill>
-                  <a:schemeClr val="tx1"/>
-                </a:solidFill>
-                <a:latin typeface="+mn-lt"/>
-              </a:rPr>
-              <a:t>Progress </a:t>
-            </a:r>
-            <a:endParaRPr lang="en-IN" sz="2000" dirty="0" smtClean="0">
-              <a:solidFill>
-                <a:schemeClr val="tx1"/>
-              </a:solidFill>
-              <a:latin typeface="+mn-lt"/>
-            </a:endParaRPr>
           </a:p>
           <a:p>
             <a:pPr algn="ctr"/>
@@ -7613,7 +9956,7 @@
                 <a:spcPts val="0"/>
               </a:spcAft>
             </a:pPr>
-            <a:endParaRPr lang="en-US" sz="2000" b="1" dirty="0" smtClean="0">
+            <a:endParaRPr lang="en-US" sz="2000" b="1" dirty="0">
               <a:latin typeface="Times New Roman" panose="02020603050405020304" pitchFamily="18" charset="0"/>
               <a:ea typeface="Calibri" panose="020F0502020204030204" pitchFamily="34" charset="0"/>
             </a:endParaRPr>
@@ -7631,7 +9974,7 @@
               <a:t> </a:t>
             </a:r>
             <a:r>
-              <a:rPr lang="en-US" sz="1900" b="1" dirty="0" smtClean="0">
+              <a:rPr lang="en-US" sz="1900" b="1" dirty="0">
                 <a:ea typeface="Calibri" panose="020F0502020204030204" pitchFamily="34" charset="0"/>
               </a:rPr>
               <a:t>Presented By</a:t>
@@ -7647,12 +9990,12 @@
               </a:spcAft>
             </a:pPr>
             <a:r>
-              <a:rPr lang="en-US" sz="1900" dirty="0" smtClean="0">
+              <a:rPr lang="en-US" sz="1900" dirty="0">
                 <a:ea typeface="Calibri" panose="020F0502020204030204" pitchFamily="34" charset="0"/>
               </a:rPr>
               <a:t>Cory Ness</a:t>
             </a:r>
-            <a:endParaRPr lang="en-IN" sz="1900" dirty="0" smtClean="0">
+            <a:endParaRPr lang="en-IN" sz="1900" dirty="0">
               <a:ea typeface="Calibri" panose="020F0502020204030204" pitchFamily="34" charset="0"/>
             </a:endParaRPr>
           </a:p>
@@ -7663,16 +10006,10 @@
               </a:spcAft>
             </a:pPr>
             <a:r>
-              <a:rPr lang="en-US" sz="1900" dirty="0" smtClean="0">
-                <a:ea typeface="Calibri" panose="020F0502020204030204" pitchFamily="34" charset="0"/>
-              </a:rPr>
-              <a:t>Kokila </a:t>
-            </a:r>
-            <a:r>
               <a:rPr lang="en-US" sz="1900" dirty="0">
                 <a:ea typeface="Calibri" panose="020F0502020204030204" pitchFamily="34" charset="0"/>
               </a:rPr>
-              <a:t>Subramanian</a:t>
+              <a:t>Kokila Subramanian</a:t>
             </a:r>
             <a:endParaRPr lang="en-IN" sz="1900" dirty="0">
               <a:ea typeface="Calibri" panose="020F0502020204030204" pitchFamily="34" charset="0"/>
@@ -7723,12 +10060,12 @@
               <a:t>Professor Ramesh </a:t>
             </a:r>
             <a:r>
-              <a:rPr lang="en-US" sz="1900" dirty="0" err="1" smtClean="0">
+              <a:rPr lang="en-US" sz="1900" dirty="0" err="1">
                 <a:ea typeface="Calibri" panose="020F0502020204030204" pitchFamily="34" charset="0"/>
               </a:rPr>
               <a:t>Sethu</a:t>
             </a:r>
-            <a:endParaRPr lang="en-IN" sz="1900" dirty="0" smtClean="0">
+            <a:endParaRPr lang="en-IN" sz="1900" dirty="0">
               <a:ea typeface="Calibri" panose="020F0502020204030204" pitchFamily="34" charset="0"/>
             </a:endParaRPr>
           </a:p>
@@ -7738,7 +10075,7 @@
                 <a:spcPts val="0"/>
               </a:spcAft>
             </a:pPr>
-            <a:endParaRPr lang="en-US" sz="2000" dirty="0" smtClean="0">
+            <a:endParaRPr lang="en-US" sz="2000" dirty="0">
               <a:latin typeface="Times New Roman" panose="02020603050405020304" pitchFamily="18" charset="0"/>
               <a:ea typeface="Calibri" panose="020F0502020204030204" pitchFamily="34" charset="0"/>
             </a:endParaRPr>
@@ -7833,19 +10170,20 @@
   <p:clrMapOvr>
     <a:masterClrMapping/>
   </p:clrMapOvr>
-  <p:timing>
-    <p:tnLst>
-      <p:par>
-        <p:cTn id="1" dur="indefinite" restart="never" nodeType="tmRoot"/>
-      </p:par>
-    </p:tnLst>
-  </p:timing>
 </p:sld>
 </file>
 
 <file path=ppt/slides/slide10.xml><?xml version="1.0" encoding="utf-8"?>
 <p:sld xmlns:a="http://schemas.openxmlformats.org/drawingml/2006/main" xmlns:r="http://schemas.openxmlformats.org/officeDocument/2006/relationships" xmlns:p="http://schemas.openxmlformats.org/presentationml/2006/main">
   <p:cSld>
+    <p:bg>
+      <p:bgPr>
+        <a:solidFill>
+          <a:schemeClr val="bg1"/>
+        </a:solidFill>
+        <a:effectLst/>
+      </p:bgPr>
+    </p:bg>
     <p:spTree>
       <p:nvGrpSpPr>
         <p:cNvPr id="1" name=""/>
@@ -7860,6 +10198,121 @@
           <a:chExt cx="0" cy="0"/>
         </a:xfrm>
       </p:grpSpPr>
+      <p:sp useBgFill="1">
+        <p:nvSpPr>
+          <p:cNvPr id="13" name="Rectangle 12">
+            <a:extLst>
+              <a:ext uri="{FF2B5EF4-FFF2-40B4-BE49-F238E27FC236}">
+                <a16:creationId xmlns:a16="http://schemas.microsoft.com/office/drawing/2014/main" id="{038B8727-D318-4B70-B353-C390602FF311}"/>
+              </a:ext>
+              <a:ext uri="{C183D7F6-B498-43B3-948B-1728B52AA6E4}">
+                <adec:decorative xmlns:adec="http://schemas.microsoft.com/office/drawing/2017/decorative" val="1"/>
+              </a:ext>
+            </a:extLst>
+          </p:cNvPr>
+          <p:cNvSpPr>
+            <a:spLocks noGrp="1" noRot="1" noChangeAspect="1" noMove="1" noResize="1" noEditPoints="1" noAdjustHandles="1" noChangeArrowheads="1" noChangeShapeType="1" noTextEdit="1"/>
+          </p:cNvSpPr>
+          <p:nvPr>
+            <p:extLst>
+              <p:ext uri="{386F3935-93C4-4BCD-93E2-E3B085C9AB24}">
+                <p16:designElem xmlns:p16="http://schemas.microsoft.com/office/powerpoint/2015/main" val="1"/>
+              </p:ext>
+            </p:extLst>
+          </p:nvPr>
+        </p:nvSpPr>
+        <p:spPr>
+          <a:xfrm>
+            <a:off x="0" y="0"/>
+            <a:ext cx="12186315" cy="6858000"/>
+          </a:xfrm>
+          <a:prstGeom prst="rect">
+            <a:avLst/>
+          </a:prstGeom>
+          <a:ln>
+            <a:noFill/>
+          </a:ln>
+        </p:spPr>
+        <p:style>
+          <a:lnRef idx="2">
+            <a:schemeClr val="accent6">
+              <a:shade val="50000"/>
+            </a:schemeClr>
+          </a:lnRef>
+          <a:fillRef idx="1001">
+            <a:schemeClr val="lt1"/>
+          </a:fillRef>
+          <a:effectRef idx="0">
+            <a:schemeClr val="accent6"/>
+          </a:effectRef>
+          <a:fontRef idx="minor">
+            <a:schemeClr val="lt1"/>
+          </a:fontRef>
+        </p:style>
+        <p:txBody>
+          <a:bodyPr rtlCol="0" anchor="ctr"/>
+          <a:lstStyle/>
+          <a:p>
+            <a:pPr algn="ctr"/>
+            <a:endParaRPr lang="en-US"/>
+          </a:p>
+        </p:txBody>
+      </p:sp>
+      <p:sp>
+        <p:nvSpPr>
+          <p:cNvPr id="15" name="Rectangle 14">
+            <a:extLst>
+              <a:ext uri="{FF2B5EF4-FFF2-40B4-BE49-F238E27FC236}">
+                <a16:creationId xmlns:a16="http://schemas.microsoft.com/office/drawing/2014/main" id="{1B0C8367-28B6-4EF1-B182-01BEC98727DB}"/>
+              </a:ext>
+              <a:ext uri="{C183D7F6-B498-43B3-948B-1728B52AA6E4}">
+                <adec:decorative xmlns:adec="http://schemas.microsoft.com/office/drawing/2017/decorative" val="1"/>
+              </a:ext>
+            </a:extLst>
+          </p:cNvPr>
+          <p:cNvSpPr>
+            <a:spLocks noGrp="1" noRot="1" noChangeAspect="1" noMove="1" noResize="1" noEditPoints="1" noAdjustHandles="1" noChangeArrowheads="1" noChangeShapeType="1" noTextEdit="1"/>
+          </p:cNvSpPr>
+          <p:nvPr>
+            <p:extLst>
+              <p:ext uri="{386F3935-93C4-4BCD-93E2-E3B085C9AB24}">
+                <p16:designElem xmlns:p16="http://schemas.microsoft.com/office/powerpoint/2015/main" val="1"/>
+              </p:ext>
+            </p:extLst>
+          </p:nvPr>
+        </p:nvSpPr>
+        <p:spPr>
+          <a:xfrm>
+            <a:off x="16" y="0"/>
+            <a:ext cx="4050791" cy="6858000"/>
+          </a:xfrm>
+          <a:prstGeom prst="rect">
+            <a:avLst/>
+          </a:prstGeom>
+          <a:solidFill>
+            <a:schemeClr val="accent2"/>
+          </a:solidFill>
+          <a:ln>
+            <a:noFill/>
+          </a:ln>
+        </p:spPr>
+        <p:style>
+          <a:lnRef idx="2">
+            <a:schemeClr val="accent1">
+              <a:shade val="50000"/>
+            </a:schemeClr>
+          </a:lnRef>
+          <a:fillRef idx="1">
+            <a:schemeClr val="accent1"/>
+          </a:fillRef>
+          <a:effectRef idx="0">
+            <a:schemeClr val="accent1"/>
+          </a:effectRef>
+          <a:fontRef idx="minor">
+            <a:schemeClr val="lt1"/>
+          </a:fontRef>
+        </p:style>
+      </p:sp>
       <p:sp>
         <p:nvSpPr>
           <p:cNvPr id="2" name="Title 1"/>
@@ -7870,28 +10323,151 @@
             <p:ph type="title"/>
           </p:nvPr>
         </p:nvSpPr>
-        <p:spPr/>
+        <p:spPr>
+          <a:xfrm>
+            <a:off x="492370" y="516835"/>
+            <a:ext cx="3084844" cy="2103875"/>
+          </a:xfrm>
+        </p:spPr>
         <p:txBody>
-          <a:bodyPr/>
+          <a:bodyPr>
+            <a:normAutofit/>
+          </a:bodyPr>
           <a:lstStyle/>
           <a:p>
             <a:r>
-              <a:rPr lang="en-US" b="1" dirty="0" smtClean="0"/>
-              <a:t>Speed up and Speed Down Test </a:t>
+              <a:rPr lang="en-US" sz="3600" b="1">
+                <a:solidFill>
+                  <a:srgbClr val="FFFFFF"/>
+                </a:solidFill>
+              </a:rPr>
+              <a:t>Turn 360° Test </a:t>
             </a:r>
-            <a:endParaRPr lang="en-IN" b="1" dirty="0"/>
+            <a:endParaRPr lang="en-IN" sz="3600" b="1">
+              <a:solidFill>
+                <a:srgbClr val="FFFFFF"/>
+              </a:solidFill>
+            </a:endParaRPr>
           </a:p>
         </p:txBody>
+      </p:sp>
+      <p:sp>
+        <p:nvSpPr>
+          <p:cNvPr id="6" name="Content Placeholder 5">
+            <a:extLst>
+              <a:ext uri="{FF2B5EF4-FFF2-40B4-BE49-F238E27FC236}">
+                <a16:creationId xmlns:a16="http://schemas.microsoft.com/office/drawing/2014/main" id="{8BD2975B-2980-4ABB-8360-6A5FCF2A4138}"/>
+              </a:ext>
+            </a:extLst>
+          </p:cNvPr>
+          <p:cNvSpPr>
+            <a:spLocks noGrp="1"/>
+          </p:cNvSpPr>
+          <p:nvPr>
+            <p:ph idx="1"/>
+          </p:nvPr>
+        </p:nvSpPr>
+        <p:spPr>
+          <a:xfrm>
+            <a:off x="492371" y="2653800"/>
+            <a:ext cx="3084844" cy="3335519"/>
+          </a:xfrm>
+        </p:spPr>
+        <p:txBody>
+          <a:bodyPr>
+            <a:normAutofit/>
+          </a:bodyPr>
+          <a:lstStyle/>
+          <a:p>
+            <a:r>
+              <a:rPr lang="en-US" sz="1500" dirty="0">
+                <a:solidFill>
+                  <a:srgbClr val="FFFFFF"/>
+                </a:solidFill>
+              </a:rPr>
+              <a:t>Tests to make sure the car can turn without issue.</a:t>
+            </a:r>
+          </a:p>
+          <a:p>
+            <a:r>
+              <a:rPr lang="en-US" sz="1500" dirty="0">
+                <a:solidFill>
+                  <a:srgbClr val="FFFFFF"/>
+                </a:solidFill>
+              </a:rPr>
+              <a:t>Checks against heading to ensure car is pointed in the correct direction throughout the turn.</a:t>
+            </a:r>
+          </a:p>
+        </p:txBody>
+      </p:sp>
+      <p:sp>
+        <p:nvSpPr>
+          <p:cNvPr id="17" name="Rectangle 16">
+            <a:extLst>
+              <a:ext uri="{FF2B5EF4-FFF2-40B4-BE49-F238E27FC236}">
+                <a16:creationId xmlns:a16="http://schemas.microsoft.com/office/drawing/2014/main" id="{649E3F4C-17F5-49E4-B05F-80C6B348AF28}"/>
+              </a:ext>
+              <a:ext uri="{C183D7F6-B498-43B3-948B-1728B52AA6E4}">
+                <adec:decorative xmlns:adec="http://schemas.microsoft.com/office/drawing/2017/decorative" val="1"/>
+              </a:ext>
+            </a:extLst>
+          </p:cNvPr>
+          <p:cNvSpPr>
+            <a:spLocks noGrp="1" noRot="1" noChangeAspect="1" noMove="1" noResize="1" noEditPoints="1" noAdjustHandles="1" noChangeArrowheads="1" noChangeShapeType="1" noTextEdit="1"/>
+          </p:cNvSpPr>
+          <p:nvPr>
+            <p:extLst>
+              <p:ext uri="{386F3935-93C4-4BCD-93E2-E3B085C9AB24}">
+                <p16:designElem xmlns:p16="http://schemas.microsoft.com/office/powerpoint/2015/main" val="1"/>
+              </p:ext>
+            </p:extLst>
+          </p:nvPr>
+        </p:nvSpPr>
+        <p:spPr>
+          <a:xfrm>
+            <a:off x="4040071" y="0"/>
+            <a:ext cx="64008" cy="6858000"/>
+          </a:xfrm>
+          <a:prstGeom prst="rect">
+            <a:avLst/>
+          </a:prstGeom>
+          <a:solidFill>
+            <a:schemeClr val="accent1"/>
+          </a:solidFill>
+          <a:ln>
+            <a:noFill/>
+          </a:ln>
+        </p:spPr>
+        <p:style>
+          <a:lnRef idx="2">
+            <a:schemeClr val="accent1">
+              <a:shade val="50000"/>
+            </a:schemeClr>
+          </a:lnRef>
+          <a:fillRef idx="1">
+            <a:schemeClr val="accent1"/>
+          </a:fillRef>
+          <a:effectRef idx="0">
+            <a:schemeClr val="accent1"/>
+          </a:effectRef>
+          <a:fontRef idx="minor">
+            <a:schemeClr val="lt1"/>
+          </a:fontRef>
+        </p:style>
       </p:sp>
       <p:pic>
         <p:nvPicPr>
-          <p:cNvPr id="4" name="Content Placeholder 3"/>
+          <p:cNvPr id="8" name="Picture 7">
+            <a:extLst>
+              <a:ext uri="{FF2B5EF4-FFF2-40B4-BE49-F238E27FC236}">
+                <a16:creationId xmlns:a16="http://schemas.microsoft.com/office/drawing/2014/main" id="{A680DF73-88F1-4620-87D6-D4353B338F79}"/>
+              </a:ext>
+            </a:extLst>
+          </p:cNvPr>
           <p:cNvPicPr>
-            <a:picLocks noGrp="1" noChangeAspect="1"/>
+            <a:picLocks noChangeAspect="1"/>
           </p:cNvPicPr>
-          <p:nvPr>
-            <p:ph idx="1"/>
-          </p:nvPr>
+          <p:nvPr/>
         </p:nvPicPr>
         <p:blipFill>
           <a:blip r:embed="rId2"/>
@@ -7901,8 +10477,8 @@
         </p:blipFill>
         <p:spPr>
           <a:xfrm>
-            <a:off x="1488525" y="1866583"/>
-            <a:ext cx="9494435" cy="4459735"/>
+            <a:off x="4742017" y="1610513"/>
+            <a:ext cx="6798082" cy="3636974"/>
           </a:xfrm>
           <a:prstGeom prst="rect">
             <a:avLst/>
@@ -7919,23 +10495,48 @@
             <p:ph type="sldNum" sz="quarter" idx="12"/>
           </p:nvPr>
         </p:nvSpPr>
-        <p:spPr/>
+        <p:spPr>
+          <a:xfrm>
+            <a:off x="9900458" y="6459785"/>
+            <a:ext cx="1312025" cy="365125"/>
+          </a:xfrm>
+        </p:spPr>
         <p:txBody>
-          <a:bodyPr/>
+          <a:bodyPr>
+            <a:normAutofit/>
+          </a:bodyPr>
           <a:lstStyle/>
           <a:p>
+            <a:pPr>
+              <a:spcAft>
+                <a:spcPts val="600"/>
+              </a:spcAft>
+            </a:pPr>
             <a:fld id="{14DE990B-4FB7-4A7F-817E-CABDB30FA765}" type="slidenum">
-              <a:rPr lang="en-IN" smtClean="0"/>
+              <a:rPr lang="en-IN">
+                <a:solidFill>
+                  <a:schemeClr val="tx2"/>
+                </a:solidFill>
+              </a:rPr>
+              <a:pPr>
+                <a:spcAft>
+                  <a:spcPts val="600"/>
+                </a:spcAft>
+              </a:pPr>
               <a:t>10</a:t>
             </a:fld>
-            <a:endParaRPr lang="en-IN"/>
+            <a:endParaRPr lang="en-IN">
+              <a:solidFill>
+                <a:schemeClr val="tx2"/>
+              </a:solidFill>
+            </a:endParaRPr>
           </a:p>
         </p:txBody>
       </p:sp>
     </p:spTree>
     <p:extLst>
       <p:ext uri="{BB962C8B-B14F-4D97-AF65-F5344CB8AC3E}">
-        <p14:creationId xmlns:p14="http://schemas.microsoft.com/office/powerpoint/2010/main" val="1481740791"/>
+        <p14:creationId xmlns:p14="http://schemas.microsoft.com/office/powerpoint/2010/main" val="780543344"/>
       </p:ext>
     </p:extLst>
   </p:cSld>
@@ -7948,6 +10549,14 @@
 <file path=ppt/slides/slide11.xml><?xml version="1.0" encoding="utf-8"?>
 <p:sld xmlns:a="http://schemas.openxmlformats.org/drawingml/2006/main" xmlns:r="http://schemas.openxmlformats.org/officeDocument/2006/relationships" xmlns:p="http://schemas.openxmlformats.org/presentationml/2006/main">
   <p:cSld>
+    <p:bg>
+      <p:bgPr>
+        <a:solidFill>
+          <a:schemeClr val="bg1"/>
+        </a:solidFill>
+        <a:effectLst/>
+      </p:bgPr>
+    </p:bg>
     <p:spTree>
       <p:nvGrpSpPr>
         <p:cNvPr id="1" name=""/>
@@ -7962,6 +10571,66 @@
           <a:chExt cx="0" cy="0"/>
         </a:xfrm>
       </p:grpSpPr>
+      <p:sp useBgFill="1">
+        <p:nvSpPr>
+          <p:cNvPr id="13" name="Rectangle 12">
+            <a:extLst>
+              <a:ext uri="{FF2B5EF4-FFF2-40B4-BE49-F238E27FC236}">
+                <a16:creationId xmlns:a16="http://schemas.microsoft.com/office/drawing/2014/main" id="{F83BAE65-D215-4292-9498-D9610AC2C69F}"/>
+              </a:ext>
+              <a:ext uri="{C183D7F6-B498-43B3-948B-1728B52AA6E4}">
+                <adec:decorative xmlns:adec="http://schemas.microsoft.com/office/drawing/2017/decorative" val="1"/>
+              </a:ext>
+            </a:extLst>
+          </p:cNvPr>
+          <p:cNvSpPr>
+            <a:spLocks noGrp="1" noRot="1" noChangeAspect="1" noMove="1" noResize="1" noEditPoints="1" noAdjustHandles="1" noChangeArrowheads="1" noChangeShapeType="1" noTextEdit="1"/>
+          </p:cNvSpPr>
+          <p:nvPr>
+            <p:extLst>
+              <p:ext uri="{386F3935-93C4-4BCD-93E2-E3B085C9AB24}">
+                <p16:designElem xmlns:p16="http://schemas.microsoft.com/office/powerpoint/2015/main" val="1"/>
+              </p:ext>
+            </p:extLst>
+          </p:nvPr>
+        </p:nvSpPr>
+        <p:spPr>
+          <a:xfrm>
+            <a:off x="0" y="0"/>
+            <a:ext cx="12192001" cy="6334316"/>
+          </a:xfrm>
+          <a:prstGeom prst="rect">
+            <a:avLst/>
+          </a:prstGeom>
+          <a:ln>
+            <a:noFill/>
+          </a:ln>
+        </p:spPr>
+        <p:style>
+          <a:lnRef idx="2">
+            <a:schemeClr val="accent1">
+              <a:shade val="50000"/>
+            </a:schemeClr>
+          </a:lnRef>
+          <a:fillRef idx="1">
+            <a:schemeClr val="accent1"/>
+          </a:fillRef>
+          <a:effectRef idx="0">
+            <a:schemeClr val="accent1"/>
+          </a:effectRef>
+          <a:fontRef idx="minor">
+            <a:schemeClr val="lt1"/>
+          </a:fontRef>
+        </p:style>
+        <p:txBody>
+          <a:bodyPr rtlCol="0" anchor="ctr"/>
+          <a:lstStyle/>
+          <a:p>
+            <a:pPr algn="ctr"/>
+            <a:endParaRPr lang="en-US"/>
+          </a:p>
+        </p:txBody>
+      </p:sp>
       <p:sp>
         <p:nvSpPr>
           <p:cNvPr id="2" name="Title 1"/>
@@ -7974,17 +10643,19 @@
         </p:nvSpPr>
         <p:spPr>
           <a:xfrm>
-            <a:off x="1188720" y="286603"/>
-            <a:ext cx="9966960" cy="1235787"/>
+            <a:off x="7859485" y="634946"/>
+            <a:ext cx="3690257" cy="1450757"/>
           </a:xfrm>
         </p:spPr>
         <p:txBody>
-          <a:bodyPr/>
+          <a:bodyPr>
+            <a:normAutofit/>
+          </a:bodyPr>
           <a:lstStyle/>
           <a:p>
             <a:r>
-              <a:rPr lang="en-US" b="1" dirty="0" smtClean="0"/>
-              <a:t>Turn 360° Test </a:t>
+              <a:rPr lang="en-US" b="1" dirty="0"/>
+              <a:t>Example of a failed test</a:t>
             </a:r>
             <a:endParaRPr lang="en-IN" b="1" dirty="0"/>
           </a:p>
@@ -7992,13 +10663,17 @@
       </p:sp>
       <p:pic>
         <p:nvPicPr>
-          <p:cNvPr id="4" name="Content Placeholder 3"/>
+          <p:cNvPr id="6" name="Content Placeholder 5">
+            <a:extLst>
+              <a:ext uri="{FF2B5EF4-FFF2-40B4-BE49-F238E27FC236}">
+                <a16:creationId xmlns:a16="http://schemas.microsoft.com/office/drawing/2014/main" id="{8EFCC3A3-EF7C-4CF2-B1A9-D140F7695668}"/>
+              </a:ext>
+            </a:extLst>
+          </p:cNvPr>
           <p:cNvPicPr>
-            <a:picLocks noGrp="1" noChangeAspect="1"/>
+            <a:picLocks noChangeAspect="1"/>
           </p:cNvPicPr>
-          <p:nvPr>
-            <p:ph idx="1"/>
-          </p:nvPr>
+          <p:nvPr/>
         </p:nvPicPr>
         <p:blipFill>
           <a:blip r:embed="rId2"/>
@@ -8008,17 +10683,230 @@
         </p:blipFill>
         <p:spPr>
           <a:xfrm>
-            <a:off x="1412240" y="1808480"/>
-            <a:ext cx="9591040" cy="4365215"/>
+            <a:off x="633999" y="1448912"/>
+            <a:ext cx="6909801" cy="3696744"/>
           </a:xfrm>
           <a:prstGeom prst="rect">
             <a:avLst/>
           </a:prstGeom>
         </p:spPr>
       </p:pic>
+      <p:cxnSp>
+        <p:nvCxnSpPr>
+          <p:cNvPr id="15" name="Straight Connector 14">
+            <a:extLst>
+              <a:ext uri="{FF2B5EF4-FFF2-40B4-BE49-F238E27FC236}">
+                <a16:creationId xmlns:a16="http://schemas.microsoft.com/office/drawing/2014/main" id="{5C99ACED-3F9B-471D-97BC-E5D2D23198C0}"/>
+              </a:ext>
+              <a:ext uri="{C183D7F6-B498-43B3-948B-1728B52AA6E4}">
+                <adec:decorative xmlns:adec="http://schemas.microsoft.com/office/drawing/2017/decorative" val="1"/>
+              </a:ext>
+            </a:extLst>
+          </p:cNvPr>
+          <p:cNvCxnSpPr>
+            <a:cxnSpLocks noGrp="1" noRot="1" noChangeAspect="1" noMove="1" noResize="1" noEditPoints="1" noAdjustHandles="1" noChangeArrowheads="1" noChangeShapeType="1"/>
+          </p:cNvCxnSpPr>
+          <p:nvPr>
+            <p:extLst>
+              <p:ext uri="{386F3935-93C4-4BCD-93E2-E3B085C9AB24}">
+                <p16:designElem xmlns:p16="http://schemas.microsoft.com/office/powerpoint/2015/main" val="1"/>
+              </p:ext>
+            </p:extLst>
+          </p:nvPr>
+        </p:nvCxnSpPr>
+        <p:spPr>
+          <a:xfrm>
+            <a:off x="7892143" y="2085703"/>
+            <a:ext cx="3566160" cy="0"/>
+          </a:xfrm>
+          <a:prstGeom prst="line">
+            <a:avLst/>
+          </a:prstGeom>
+          <a:ln w="6350">
+            <a:solidFill>
+              <a:schemeClr val="tx1">
+                <a:lumMod val="50000"/>
+                <a:lumOff val="50000"/>
+                <a:alpha val="90000"/>
+              </a:schemeClr>
+            </a:solidFill>
+          </a:ln>
+        </p:spPr>
+        <p:style>
+          <a:lnRef idx="1">
+            <a:schemeClr val="accent1"/>
+          </a:lnRef>
+          <a:fillRef idx="0">
+            <a:schemeClr val="accent1"/>
+          </a:fillRef>
+          <a:effectRef idx="0">
+            <a:schemeClr val="accent1"/>
+          </a:effectRef>
+          <a:fontRef idx="minor">
+            <a:schemeClr val="tx1"/>
+          </a:fontRef>
+        </p:style>
+      </p:cxnSp>
       <p:sp>
         <p:nvSpPr>
-          <p:cNvPr id="5" name="Slide Number Placeholder 4"/>
+          <p:cNvPr id="10" name="Content Placeholder 9">
+            <a:extLst>
+              <a:ext uri="{FF2B5EF4-FFF2-40B4-BE49-F238E27FC236}">
+                <a16:creationId xmlns:a16="http://schemas.microsoft.com/office/drawing/2014/main" id="{91D40B40-FF63-4928-350E-03BB932C085C}"/>
+              </a:ext>
+            </a:extLst>
+          </p:cNvPr>
+          <p:cNvSpPr>
+            <a:spLocks noGrp="1"/>
+          </p:cNvSpPr>
+          <p:nvPr>
+            <p:ph idx="1"/>
+          </p:nvPr>
+        </p:nvSpPr>
+        <p:spPr>
+          <a:xfrm>
+            <a:off x="7859485" y="2198914"/>
+            <a:ext cx="3690257" cy="3670180"/>
+          </a:xfrm>
+        </p:spPr>
+        <p:txBody>
+          <a:bodyPr>
+            <a:normAutofit/>
+          </a:bodyPr>
+          <a:lstStyle/>
+          <a:p>
+            <a:r>
+              <a:rPr lang="en-US" dirty="0"/>
+              <a:t>This is an example of a failed 360 test.</a:t>
+            </a:r>
+          </a:p>
+          <a:p>
+            <a:r>
+              <a:rPr lang="en-US" dirty="0"/>
+              <a:t>The car couldn’t follow through the expected turn all the way through</a:t>
+            </a:r>
+          </a:p>
+          <a:p>
+            <a:r>
+              <a:rPr lang="en-US" dirty="0"/>
+              <a:t>This led to a lopsided 360, failing the test.</a:t>
+            </a:r>
+          </a:p>
+        </p:txBody>
+      </p:sp>
+      <p:sp>
+        <p:nvSpPr>
+          <p:cNvPr id="17" name="Rectangle 16">
+            <a:extLst>
+              <a:ext uri="{FF2B5EF4-FFF2-40B4-BE49-F238E27FC236}">
+                <a16:creationId xmlns:a16="http://schemas.microsoft.com/office/drawing/2014/main" id="{86C05757-249C-4F2B-B326-B940FDD9C439}"/>
+              </a:ext>
+              <a:ext uri="{C183D7F6-B498-43B3-948B-1728B52AA6E4}">
+                <adec:decorative xmlns:adec="http://schemas.microsoft.com/office/drawing/2017/decorative" val="1"/>
+              </a:ext>
+            </a:extLst>
+          </p:cNvPr>
+          <p:cNvSpPr>
+            <a:spLocks noGrp="1" noRot="1" noChangeAspect="1" noMove="1" noResize="1" noEditPoints="1" noAdjustHandles="1" noChangeArrowheads="1" noChangeShapeType="1" noTextEdit="1"/>
+          </p:cNvSpPr>
+          <p:nvPr>
+            <p:extLst>
+              <p:ext uri="{386F3935-93C4-4BCD-93E2-E3B085C9AB24}">
+                <p16:designElem xmlns:p16="http://schemas.microsoft.com/office/powerpoint/2015/main" val="1"/>
+              </p:ext>
+            </p:extLst>
+          </p:nvPr>
+        </p:nvSpPr>
+        <p:spPr>
+          <a:xfrm>
+            <a:off x="15" y="6334316"/>
+            <a:ext cx="12191985" cy="66484"/>
+          </a:xfrm>
+          <a:prstGeom prst="rect">
+            <a:avLst/>
+          </a:prstGeom>
+          <a:solidFill>
+            <a:schemeClr val="accent1"/>
+          </a:solidFill>
+          <a:ln>
+            <a:noFill/>
+          </a:ln>
+        </p:spPr>
+        <p:style>
+          <a:lnRef idx="2">
+            <a:schemeClr val="accent1">
+              <a:shade val="50000"/>
+            </a:schemeClr>
+          </a:lnRef>
+          <a:fillRef idx="1">
+            <a:schemeClr val="accent1"/>
+          </a:fillRef>
+          <a:effectRef idx="0">
+            <a:schemeClr val="accent1"/>
+          </a:effectRef>
+          <a:fontRef idx="minor">
+            <a:schemeClr val="lt1"/>
+          </a:fontRef>
+        </p:style>
+      </p:sp>
+      <p:sp>
+        <p:nvSpPr>
+          <p:cNvPr id="19" name="Rectangle 18">
+            <a:extLst>
+              <a:ext uri="{FF2B5EF4-FFF2-40B4-BE49-F238E27FC236}">
+                <a16:creationId xmlns:a16="http://schemas.microsoft.com/office/drawing/2014/main" id="{EE922679-5189-4C5C-9FBB-6839F89C665D}"/>
+              </a:ext>
+              <a:ext uri="{C183D7F6-B498-43B3-948B-1728B52AA6E4}">
+                <adec:decorative xmlns:adec="http://schemas.microsoft.com/office/drawing/2017/decorative" val="1"/>
+              </a:ext>
+            </a:extLst>
+          </p:cNvPr>
+          <p:cNvSpPr>
+            <a:spLocks noGrp="1" noRot="1" noChangeAspect="1" noMove="1" noResize="1" noEditPoints="1" noAdjustHandles="1" noChangeArrowheads="1" noChangeShapeType="1" noTextEdit="1"/>
+          </p:cNvSpPr>
+          <p:nvPr>
+            <p:extLst>
+              <p:ext uri="{386F3935-93C4-4BCD-93E2-E3B085C9AB24}">
+                <p16:designElem xmlns:p16="http://schemas.microsoft.com/office/powerpoint/2015/main" val="1"/>
+              </p:ext>
+            </p:extLst>
+          </p:nvPr>
+        </p:nvSpPr>
+        <p:spPr>
+          <a:xfrm>
+            <a:off x="1" y="6400800"/>
+            <a:ext cx="12192000" cy="457200"/>
+          </a:xfrm>
+          <a:prstGeom prst="rect">
+            <a:avLst/>
+          </a:prstGeom>
+          <a:solidFill>
+            <a:schemeClr val="accent2"/>
+          </a:solidFill>
+          <a:ln>
+            <a:noFill/>
+          </a:ln>
+        </p:spPr>
+        <p:style>
+          <a:lnRef idx="2">
+            <a:schemeClr val="accent1">
+              <a:shade val="50000"/>
+            </a:schemeClr>
+          </a:lnRef>
+          <a:fillRef idx="1">
+            <a:schemeClr val="accent1"/>
+          </a:fillRef>
+          <a:effectRef idx="0">
+            <a:schemeClr val="accent1"/>
+          </a:effectRef>
+          <a:fontRef idx="minor">
+            <a:schemeClr val="lt1"/>
+          </a:fontRef>
+        </p:style>
+      </p:sp>
+      <p:sp>
+        <p:nvSpPr>
+          <p:cNvPr id="4" name="Slide Number Placeholder 3"/>
           <p:cNvSpPr>
             <a:spLocks noGrp="1"/>
           </p:cNvSpPr>
@@ -8026,13 +10914,30 @@
             <p:ph type="sldNum" sz="quarter" idx="12"/>
           </p:nvPr>
         </p:nvSpPr>
-        <p:spPr/>
+        <p:spPr>
+          <a:xfrm>
+            <a:off x="9900458" y="6459785"/>
+            <a:ext cx="1312025" cy="365125"/>
+          </a:xfrm>
+        </p:spPr>
         <p:txBody>
-          <a:bodyPr/>
+          <a:bodyPr>
+            <a:normAutofit/>
+          </a:bodyPr>
           <a:lstStyle/>
           <a:p>
+            <a:pPr>
+              <a:spcAft>
+                <a:spcPts val="600"/>
+              </a:spcAft>
+            </a:pPr>
             <a:fld id="{14DE990B-4FB7-4A7F-817E-CABDB30FA765}" type="slidenum">
               <a:rPr lang="en-IN" smtClean="0"/>
+              <a:pPr>
+                <a:spcAft>
+                  <a:spcPts val="600"/>
+                </a:spcAft>
+              </a:pPr>
               <a:t>11</a:t>
             </a:fld>
             <a:endParaRPr lang="en-IN"/>
@@ -8042,7 +10947,7 @@
     </p:spTree>
     <p:extLst>
       <p:ext uri="{BB962C8B-B14F-4D97-AF65-F5344CB8AC3E}">
-        <p14:creationId xmlns:p14="http://schemas.microsoft.com/office/powerpoint/2010/main" val="780543344"/>
+        <p14:creationId xmlns:p14="http://schemas.microsoft.com/office/powerpoint/2010/main" val="401367342"/>
       </p:ext>
     </p:extLst>
   </p:cSld>
@@ -8085,103 +10990,8 @@
           <a:lstStyle/>
           <a:p>
             <a:r>
-              <a:rPr lang="en-US" b="1" dirty="0" smtClean="0"/>
-              <a:t>Unsafe Real-Time Driving Test</a:t>
-            </a:r>
-            <a:endParaRPr lang="en-IN" b="1" dirty="0"/>
-          </a:p>
-        </p:txBody>
-      </p:sp>
-      <p:sp>
-        <p:nvSpPr>
-          <p:cNvPr id="3" name="Content Placeholder 2"/>
-          <p:cNvSpPr>
-            <a:spLocks noGrp="1"/>
-          </p:cNvSpPr>
-          <p:nvPr>
-            <p:ph idx="1"/>
-          </p:nvPr>
-        </p:nvSpPr>
-        <p:spPr/>
-        <p:txBody>
-          <a:bodyPr/>
-          <a:lstStyle/>
-          <a:p>
-            <a:endParaRPr lang="en-IN" dirty="0"/>
-          </a:p>
-        </p:txBody>
-      </p:sp>
-      <p:sp>
-        <p:nvSpPr>
-          <p:cNvPr id="4" name="Slide Number Placeholder 3"/>
-          <p:cNvSpPr>
-            <a:spLocks noGrp="1"/>
-          </p:cNvSpPr>
-          <p:nvPr>
-            <p:ph type="sldNum" sz="quarter" idx="12"/>
-          </p:nvPr>
-        </p:nvSpPr>
-        <p:spPr/>
-        <p:txBody>
-          <a:bodyPr/>
-          <a:lstStyle/>
-          <a:p>
-            <a:fld id="{14DE990B-4FB7-4A7F-817E-CABDB30FA765}" type="slidenum">
-              <a:rPr lang="en-IN" smtClean="0"/>
-              <a:t>12</a:t>
-            </a:fld>
-            <a:endParaRPr lang="en-IN"/>
-          </a:p>
-        </p:txBody>
-      </p:sp>
-    </p:spTree>
-    <p:extLst>
-      <p:ext uri="{BB962C8B-B14F-4D97-AF65-F5344CB8AC3E}">
-        <p14:creationId xmlns:p14="http://schemas.microsoft.com/office/powerpoint/2010/main" val="401367342"/>
-      </p:ext>
-    </p:extLst>
-  </p:cSld>
-  <p:clrMapOvr>
-    <a:masterClrMapping/>
-  </p:clrMapOvr>
-</p:sld>
-</file>
-
-<file path=ppt/slides/slide13.xml><?xml version="1.0" encoding="utf-8"?>
-<p:sld xmlns:a="http://schemas.openxmlformats.org/drawingml/2006/main" xmlns:r="http://schemas.openxmlformats.org/officeDocument/2006/relationships" xmlns:p="http://schemas.openxmlformats.org/presentationml/2006/main">
-  <p:cSld>
-    <p:spTree>
-      <p:nvGrpSpPr>
-        <p:cNvPr id="1" name=""/>
-        <p:cNvGrpSpPr/>
-        <p:nvPr/>
-      </p:nvGrpSpPr>
-      <p:grpSpPr>
-        <a:xfrm>
-          <a:off x="0" y="0"/>
-          <a:ext cx="0" cy="0"/>
-          <a:chOff x="0" y="0"/>
-          <a:chExt cx="0" cy="0"/>
-        </a:xfrm>
-      </p:grpSpPr>
-      <p:sp>
-        <p:nvSpPr>
-          <p:cNvPr id="2" name="Title 1"/>
-          <p:cNvSpPr>
-            <a:spLocks noGrp="1"/>
-          </p:cNvSpPr>
-          <p:nvPr>
-            <p:ph type="title"/>
-          </p:nvPr>
-        </p:nvSpPr>
-        <p:spPr/>
-        <p:txBody>
-          <a:bodyPr/>
-          <a:lstStyle/>
-          <a:p>
-            <a:r>
-              <a:rPr lang="en-US" b="1" dirty="0" smtClean="0"/>
-              <a:t>V &amp; V of Threshold Values </a:t>
+              <a:rPr lang="en-US" b="1" dirty="0"/>
+              <a:t>List of tests</a:t>
             </a:r>
             <a:endParaRPr lang="en-IN" b="1" dirty="0"/>
           </a:p>
@@ -8197,14 +11007,14 @@
             <p:ph idx="1"/>
             <p:extLst>
               <p:ext uri="{D42A27DB-BD31-4B8C-83A1-F6EECF244321}">
-                <p14:modId xmlns:p14="http://schemas.microsoft.com/office/powerpoint/2010/main" val="2634872013"/>
+                <p14:modId xmlns:p14="http://schemas.microsoft.com/office/powerpoint/2010/main" val="882883215"/>
               </p:ext>
             </p:extLst>
           </p:nvPr>
         </p:nvGraphicFramePr>
         <p:xfrm>
-          <a:off x="1097280" y="2143760"/>
-          <a:ext cx="9967278" cy="3586383"/>
+          <a:off x="1097278" y="2143761"/>
+          <a:ext cx="10205720" cy="3694214"/>
         </p:xfrm>
         <a:graphic>
           <a:graphicData uri="http://schemas.openxmlformats.org/drawingml/2006/table">
@@ -8213,72 +11023,38 @@
                 <a:tableStyleId>{5C22544A-7EE6-4342-B048-85BDC9FD1C3A}</a:tableStyleId>
               </a:tblPr>
               <a:tblGrid>
-                <a:gridCol w="1993455">
+                <a:gridCol w="3610189">
                   <a:extLst>
                     <a:ext uri="{9D8B030D-6E8A-4147-A177-3AD203B41FA5}">
                       <a16:colId xmlns:a16="http://schemas.microsoft.com/office/drawing/2014/main" val="2954848281"/>
                     </a:ext>
                   </a:extLst>
                 </a:gridCol>
-                <a:gridCol w="1150646">
+                <a:gridCol w="5003800">
                   <a:extLst>
                     <a:ext uri="{9D8B030D-6E8A-4147-A177-3AD203B41FA5}">
                       <a16:colId xmlns:a16="http://schemas.microsoft.com/office/drawing/2014/main" val="1609369047"/>
                     </a:ext>
                   </a:extLst>
                 </a:gridCol>
-                <a:gridCol w="1500955">
+                <a:gridCol w="1591731">
                   <a:extLst>
                     <a:ext uri="{9D8B030D-6E8A-4147-A177-3AD203B41FA5}">
                       <a16:colId xmlns:a16="http://schemas.microsoft.com/office/drawing/2014/main" val="257922290"/>
                     </a:ext>
                   </a:extLst>
                 </a:gridCol>
-                <a:gridCol w="1217582">
-                  <a:extLst>
-                    <a:ext uri="{9D8B030D-6E8A-4147-A177-3AD203B41FA5}">
-                      <a16:colId xmlns:a16="http://schemas.microsoft.com/office/drawing/2014/main" val="718841822"/>
-                    </a:ext>
-                  </a:extLst>
-                </a:gridCol>
-                <a:gridCol w="1351280">
-                  <a:extLst>
-                    <a:ext uri="{9D8B030D-6E8A-4147-A177-3AD203B41FA5}">
-                      <a16:colId xmlns:a16="http://schemas.microsoft.com/office/drawing/2014/main" val="3263350888"/>
-                    </a:ext>
-                  </a:extLst>
-                </a:gridCol>
-                <a:gridCol w="1259840">
-                  <a:extLst>
-                    <a:ext uri="{9D8B030D-6E8A-4147-A177-3AD203B41FA5}">
-                      <a16:colId xmlns:a16="http://schemas.microsoft.com/office/drawing/2014/main" val="3502500712"/>
-                    </a:ext>
-                  </a:extLst>
-                </a:gridCol>
-                <a:gridCol w="1493520">
-                  <a:extLst>
-                    <a:ext uri="{9D8B030D-6E8A-4147-A177-3AD203B41FA5}">
-                      <a16:colId xmlns:a16="http://schemas.microsoft.com/office/drawing/2014/main" val="772241421"/>
-                    </a:ext>
-                  </a:extLst>
-                </a:gridCol>
               </a:tblGrid>
-              <a:tr h="423714">
-                <a:tc rowSpan="2">
+              <a:tr h="587055">
+                <a:tc>
                   <a:txBody>
                     <a:bodyPr/>
                     <a:lstStyle/>
                     <a:p>
-                      <a:pPr algn="ctr"/>
                       <a:r>
-                        <a:rPr lang="en-US" dirty="0" smtClean="0"/>
-                        <a:t>Test</a:t>
+                        <a:rPr lang="en-IN" dirty="0"/>
+                        <a:t>Test Case</a:t>
                       </a:r>
-                      <a:r>
-                        <a:rPr lang="en-US" baseline="0" dirty="0" smtClean="0"/>
-                        <a:t> Case</a:t>
-                      </a:r>
-                      <a:endParaRPr lang="en-IN" dirty="0"/>
                     </a:p>
                   </a:txBody>
                   <a:tcPr>
@@ -8318,250 +11094,7 @@
                       <a:headEnd type="none" w="med" len="med"/>
                       <a:tailEnd type="none" w="med" len="med"/>
                     </a:lnB>
-                    <a:lnTlToBr w="12700" cmpd="sng">
-                      <a:noFill/>
-                      <a:prstDash val="solid"/>
-                    </a:lnTlToBr>
-                    <a:lnBlToTr w="12700" cmpd="sng">
-                      <a:noFill/>
-                      <a:prstDash val="solid"/>
-                    </a:lnBlToTr>
                   </a:tcPr>
-                </a:tc>
-                <a:tc gridSpan="2">
-                  <a:txBody>
-                    <a:bodyPr/>
-                    <a:lstStyle/>
-                    <a:p>
-                      <a:pPr algn="ctr"/>
-                      <a:r>
-                        <a:rPr lang="en-US" dirty="0" smtClean="0"/>
-                        <a:t>Threshold values</a:t>
-                      </a:r>
-                      <a:r>
-                        <a:rPr lang="en-US" baseline="0" dirty="0" smtClean="0"/>
-                        <a:t> </a:t>
-                      </a:r>
-                      <a:endParaRPr lang="en-IN" dirty="0"/>
-                    </a:p>
-                  </a:txBody>
-                  <a:tcPr>
-                    <a:lnL w="12700" cap="flat" cmpd="sng" algn="ctr">
-                      <a:solidFill>
-                        <a:schemeClr val="tx1"/>
-                      </a:solidFill>
-                      <a:prstDash val="solid"/>
-                      <a:round/>
-                      <a:headEnd type="none" w="med" len="med"/>
-                      <a:tailEnd type="none" w="med" len="med"/>
-                    </a:lnL>
-                    <a:lnR w="12700" cap="flat" cmpd="sng" algn="ctr">
-                      <a:solidFill>
-                        <a:schemeClr val="tx1"/>
-                      </a:solidFill>
-                      <a:prstDash val="solid"/>
-                      <a:round/>
-                      <a:headEnd type="none" w="med" len="med"/>
-                      <a:tailEnd type="none" w="med" len="med"/>
-                    </a:lnR>
-                    <a:lnT w="12700" cap="flat" cmpd="sng" algn="ctr">
-                      <a:solidFill>
-                        <a:schemeClr val="tx1"/>
-                      </a:solidFill>
-                      <a:prstDash val="solid"/>
-                      <a:round/>
-                      <a:headEnd type="none" w="med" len="med"/>
-                      <a:tailEnd type="none" w="med" len="med"/>
-                    </a:lnT>
-                    <a:lnB w="12700" cap="flat" cmpd="sng" algn="ctr">
-                      <a:solidFill>
-                        <a:schemeClr val="tx1"/>
-                      </a:solidFill>
-                      <a:prstDash val="solid"/>
-                      <a:round/>
-                      <a:headEnd type="none" w="med" len="med"/>
-                      <a:tailEnd type="none" w="med" len="med"/>
-                    </a:lnB>
-                    <a:lnTlToBr w="12700" cmpd="sng">
-                      <a:noFill/>
-                      <a:prstDash val="solid"/>
-                    </a:lnTlToBr>
-                    <a:lnBlToTr w="12700" cmpd="sng">
-                      <a:noFill/>
-                      <a:prstDash val="solid"/>
-                    </a:lnBlToTr>
-                  </a:tcPr>
-                </a:tc>
-                <a:tc hMerge="1">
-                  <a:txBody>
-                    <a:bodyPr/>
-                    <a:lstStyle/>
-                    <a:p>
-                      <a:endParaRPr lang="en-IN" dirty="0"/>
-                    </a:p>
-                  </a:txBody>
-                  <a:tcPr/>
-                </a:tc>
-                <a:tc gridSpan="2">
-                  <a:txBody>
-                    <a:bodyPr/>
-                    <a:lstStyle/>
-                    <a:p>
-                      <a:pPr algn="ctr"/>
-                      <a:r>
-                        <a:rPr lang="en-US" dirty="0" smtClean="0"/>
-                        <a:t> </a:t>
-                      </a:r>
-                      <a:r>
-                        <a:rPr lang="en-US" baseline="0" dirty="0" smtClean="0"/>
-                        <a:t> Test Passed </a:t>
-                      </a:r>
-                      <a:endParaRPr lang="en-IN" dirty="0"/>
-                    </a:p>
-                  </a:txBody>
-                  <a:tcPr>
-                    <a:lnL w="12700" cap="flat" cmpd="sng" algn="ctr">
-                      <a:solidFill>
-                        <a:schemeClr val="tx1"/>
-                      </a:solidFill>
-                      <a:prstDash val="solid"/>
-                      <a:round/>
-                      <a:headEnd type="none" w="med" len="med"/>
-                      <a:tailEnd type="none" w="med" len="med"/>
-                    </a:lnL>
-                    <a:lnR w="12700" cap="flat" cmpd="sng" algn="ctr">
-                      <a:solidFill>
-                        <a:schemeClr val="tx1"/>
-                      </a:solidFill>
-                      <a:prstDash val="solid"/>
-                      <a:round/>
-                      <a:headEnd type="none" w="med" len="med"/>
-                      <a:tailEnd type="none" w="med" len="med"/>
-                    </a:lnR>
-                    <a:lnT w="12700" cap="flat" cmpd="sng" algn="ctr">
-                      <a:solidFill>
-                        <a:schemeClr val="tx1"/>
-                      </a:solidFill>
-                      <a:prstDash val="solid"/>
-                      <a:round/>
-                      <a:headEnd type="none" w="med" len="med"/>
-                      <a:tailEnd type="none" w="med" len="med"/>
-                    </a:lnT>
-                    <a:lnB w="12700" cap="flat" cmpd="sng" algn="ctr">
-                      <a:solidFill>
-                        <a:schemeClr val="tx1"/>
-                      </a:solidFill>
-                      <a:prstDash val="solid"/>
-                      <a:round/>
-                      <a:headEnd type="none" w="med" len="med"/>
-                      <a:tailEnd type="none" w="med" len="med"/>
-                    </a:lnB>
-                    <a:lnTlToBr w="12700" cmpd="sng">
-                      <a:noFill/>
-                      <a:prstDash val="solid"/>
-                    </a:lnTlToBr>
-                    <a:lnBlToTr w="12700" cmpd="sng">
-                      <a:noFill/>
-                      <a:prstDash val="solid"/>
-                    </a:lnBlToTr>
-                  </a:tcPr>
-                </a:tc>
-                <a:tc hMerge="1">
-                  <a:txBody>
-                    <a:bodyPr/>
-                    <a:lstStyle/>
-                    <a:p>
-                      <a:endParaRPr lang="en-IN"/>
-                    </a:p>
-                  </a:txBody>
-                  <a:tcPr/>
-                </a:tc>
-                <a:tc gridSpan="2">
-                  <a:txBody>
-                    <a:bodyPr/>
-                    <a:lstStyle/>
-                    <a:p>
-                      <a:pPr algn="ctr"/>
-                      <a:r>
-                        <a:rPr lang="en-US" dirty="0" smtClean="0"/>
-                        <a:t> Test Failed</a:t>
-                      </a:r>
-                      <a:endParaRPr lang="en-IN" dirty="0"/>
-                    </a:p>
-                  </a:txBody>
-                  <a:tcPr>
-                    <a:lnL w="12700" cap="flat" cmpd="sng" algn="ctr">
-                      <a:solidFill>
-                        <a:schemeClr val="tx1"/>
-                      </a:solidFill>
-                      <a:prstDash val="solid"/>
-                      <a:round/>
-                      <a:headEnd type="none" w="med" len="med"/>
-                      <a:tailEnd type="none" w="med" len="med"/>
-                    </a:lnL>
-                    <a:lnR w="12700" cap="flat" cmpd="sng" algn="ctr">
-                      <a:solidFill>
-                        <a:schemeClr val="tx1"/>
-                      </a:solidFill>
-                      <a:prstDash val="solid"/>
-                      <a:round/>
-                      <a:headEnd type="none" w="med" len="med"/>
-                      <a:tailEnd type="none" w="med" len="med"/>
-                    </a:lnR>
-                    <a:lnT w="12700" cap="flat" cmpd="sng" algn="ctr">
-                      <a:solidFill>
-                        <a:schemeClr val="tx1"/>
-                      </a:solidFill>
-                      <a:prstDash val="solid"/>
-                      <a:round/>
-                      <a:headEnd type="none" w="med" len="med"/>
-                      <a:tailEnd type="none" w="med" len="med"/>
-                    </a:lnT>
-                    <a:lnB w="12700" cap="flat" cmpd="sng" algn="ctr">
-                      <a:solidFill>
-                        <a:schemeClr val="tx1"/>
-                      </a:solidFill>
-                      <a:prstDash val="solid"/>
-                      <a:round/>
-                      <a:headEnd type="none" w="med" len="med"/>
-                      <a:tailEnd type="none" w="med" len="med"/>
-                    </a:lnB>
-                    <a:lnTlToBr w="12700" cmpd="sng">
-                      <a:noFill/>
-                      <a:prstDash val="solid"/>
-                    </a:lnTlToBr>
-                    <a:lnBlToTr w="12700" cmpd="sng">
-                      <a:noFill/>
-                      <a:prstDash val="solid"/>
-                    </a:lnBlToTr>
-                  </a:tcPr>
-                </a:tc>
-                <a:tc hMerge="1">
-                  <a:txBody>
-                    <a:bodyPr/>
-                    <a:lstStyle/>
-                    <a:p>
-                      <a:endParaRPr lang="en-IN"/>
-                    </a:p>
-                  </a:txBody>
-                  <a:tcPr/>
-                </a:tc>
-                <a:extLst>
-                  <a:ext uri="{0D108BD9-81ED-4DB2-BD59-A6C34878D82A}">
-                    <a16:rowId xmlns:a16="http://schemas.microsoft.com/office/drawing/2014/main" val="2305145897"/>
-                  </a:ext>
-                </a:extLst>
-              </a:tr>
-              <a:tr h="421609">
-                <a:tc vMerge="1">
-                  <a:txBody>
-                    <a:bodyPr/>
-                    <a:lstStyle/>
-                    <a:p>
-                      <a:endParaRPr lang="en-IN"/>
-                    </a:p>
-                  </a:txBody>
-                  <a:tcPr/>
                 </a:tc>
                 <a:tc>
                   <a:txBody>
@@ -8570,11 +11103,11 @@
                     <a:p>
                       <a:pPr algn="ctr"/>
                       <a:r>
-                        <a:rPr lang="en-US" dirty="0" smtClean="0"/>
-                        <a:t>Speed</a:t>
+                        <a:rPr lang="en-US" dirty="0"/>
+                        <a:t>Description</a:t>
                       </a:r>
                       <a:r>
-                        <a:rPr lang="en-US" baseline="0" dirty="0" smtClean="0"/>
+                        <a:rPr lang="en-US" baseline="0" dirty="0"/>
                         <a:t> </a:t>
                       </a:r>
                       <a:endParaRPr lang="en-IN" dirty="0"/>
@@ -8634,252 +11167,8 @@
                     <a:p>
                       <a:pPr algn="ctr"/>
                       <a:r>
-                        <a:rPr lang="en-US" dirty="0" smtClean="0"/>
-                        <a:t>Turn Angle</a:t>
-                      </a:r>
-                      <a:endParaRPr lang="en-IN" dirty="0"/>
-                    </a:p>
-                  </a:txBody>
-                  <a:tcPr>
-                    <a:lnL w="12700" cap="flat" cmpd="sng" algn="ctr">
-                      <a:solidFill>
-                        <a:schemeClr val="tx1"/>
-                      </a:solidFill>
-                      <a:prstDash val="solid"/>
-                      <a:round/>
-                      <a:headEnd type="none" w="med" len="med"/>
-                      <a:tailEnd type="none" w="med" len="med"/>
-                    </a:lnL>
-                    <a:lnR w="12700" cap="flat" cmpd="sng" algn="ctr">
-                      <a:solidFill>
-                        <a:schemeClr val="tx1"/>
-                      </a:solidFill>
-                      <a:prstDash val="solid"/>
-                      <a:round/>
-                      <a:headEnd type="none" w="med" len="med"/>
-                      <a:tailEnd type="none" w="med" len="med"/>
-                    </a:lnR>
-                    <a:lnT w="12700" cap="flat" cmpd="sng" algn="ctr">
-                      <a:solidFill>
-                        <a:schemeClr val="tx1"/>
-                      </a:solidFill>
-                      <a:prstDash val="solid"/>
-                      <a:round/>
-                      <a:headEnd type="none" w="med" len="med"/>
-                      <a:tailEnd type="none" w="med" len="med"/>
-                    </a:lnT>
-                    <a:lnB w="12700" cap="flat" cmpd="sng" algn="ctr">
-                      <a:solidFill>
-                        <a:schemeClr val="tx1"/>
-                      </a:solidFill>
-                      <a:prstDash val="solid"/>
-                      <a:round/>
-                      <a:headEnd type="none" w="med" len="med"/>
-                      <a:tailEnd type="none" w="med" len="med"/>
-                    </a:lnB>
-                    <a:lnTlToBr w="12700" cmpd="sng">
-                      <a:noFill/>
-                      <a:prstDash val="solid"/>
-                    </a:lnTlToBr>
-                    <a:lnBlToTr w="12700" cmpd="sng">
-                      <a:noFill/>
-                      <a:prstDash val="solid"/>
-                    </a:lnBlToTr>
-                  </a:tcPr>
-                </a:tc>
-                <a:tc>
-                  <a:txBody>
-                    <a:bodyPr/>
-                    <a:lstStyle/>
-                    <a:p>
-                      <a:pPr algn="ctr"/>
-                      <a:r>
-                        <a:rPr lang="en-US" dirty="0" smtClean="0"/>
-                        <a:t>Speed </a:t>
-                      </a:r>
-                      <a:endParaRPr lang="en-IN" dirty="0"/>
-                    </a:p>
-                  </a:txBody>
-                  <a:tcPr>
-                    <a:lnL w="12700" cap="flat" cmpd="sng" algn="ctr">
-                      <a:solidFill>
-                        <a:schemeClr val="tx1"/>
-                      </a:solidFill>
-                      <a:prstDash val="solid"/>
-                      <a:round/>
-                      <a:headEnd type="none" w="med" len="med"/>
-                      <a:tailEnd type="none" w="med" len="med"/>
-                    </a:lnL>
-                    <a:lnR w="12700" cap="flat" cmpd="sng" algn="ctr">
-                      <a:solidFill>
-                        <a:schemeClr val="tx1"/>
-                      </a:solidFill>
-                      <a:prstDash val="solid"/>
-                      <a:round/>
-                      <a:headEnd type="none" w="med" len="med"/>
-                      <a:tailEnd type="none" w="med" len="med"/>
-                    </a:lnR>
-                    <a:lnT w="12700" cap="flat" cmpd="sng" algn="ctr">
-                      <a:solidFill>
-                        <a:schemeClr val="tx1"/>
-                      </a:solidFill>
-                      <a:prstDash val="solid"/>
-                      <a:round/>
-                      <a:headEnd type="none" w="med" len="med"/>
-                      <a:tailEnd type="none" w="med" len="med"/>
-                    </a:lnT>
-                    <a:lnB w="12700" cap="flat" cmpd="sng" algn="ctr">
-                      <a:solidFill>
-                        <a:schemeClr val="tx1"/>
-                      </a:solidFill>
-                      <a:prstDash val="solid"/>
-                      <a:round/>
-                      <a:headEnd type="none" w="med" len="med"/>
-                      <a:tailEnd type="none" w="med" len="med"/>
-                    </a:lnB>
-                    <a:lnTlToBr w="12700" cmpd="sng">
-                      <a:noFill/>
-                      <a:prstDash val="solid"/>
-                    </a:lnTlToBr>
-                    <a:lnBlToTr w="12700" cmpd="sng">
-                      <a:noFill/>
-                      <a:prstDash val="solid"/>
-                    </a:lnBlToTr>
-                  </a:tcPr>
-                </a:tc>
-                <a:tc>
-                  <a:txBody>
-                    <a:bodyPr/>
-                    <a:lstStyle/>
-                    <a:p>
-                      <a:pPr algn="ctr"/>
-                      <a:r>
-                        <a:rPr lang="en-US" dirty="0" smtClean="0"/>
-                        <a:t>Turn Angle</a:t>
-                      </a:r>
-                      <a:endParaRPr lang="en-IN" dirty="0"/>
-                    </a:p>
-                  </a:txBody>
-                  <a:tcPr>
-                    <a:lnL w="12700" cap="flat" cmpd="sng" algn="ctr">
-                      <a:solidFill>
-                        <a:schemeClr val="tx1"/>
-                      </a:solidFill>
-                      <a:prstDash val="solid"/>
-                      <a:round/>
-                      <a:headEnd type="none" w="med" len="med"/>
-                      <a:tailEnd type="none" w="med" len="med"/>
-                    </a:lnL>
-                    <a:lnR w="12700" cap="flat" cmpd="sng" algn="ctr">
-                      <a:solidFill>
-                        <a:schemeClr val="tx1"/>
-                      </a:solidFill>
-                      <a:prstDash val="solid"/>
-                      <a:round/>
-                      <a:headEnd type="none" w="med" len="med"/>
-                      <a:tailEnd type="none" w="med" len="med"/>
-                    </a:lnR>
-                    <a:lnT w="12700" cap="flat" cmpd="sng" algn="ctr">
-                      <a:solidFill>
-                        <a:schemeClr val="tx1"/>
-                      </a:solidFill>
-                      <a:prstDash val="solid"/>
-                      <a:round/>
-                      <a:headEnd type="none" w="med" len="med"/>
-                      <a:tailEnd type="none" w="med" len="med"/>
-                    </a:lnT>
-                    <a:lnB w="12700" cap="flat" cmpd="sng" algn="ctr">
-                      <a:solidFill>
-                        <a:schemeClr val="tx1"/>
-                      </a:solidFill>
-                      <a:prstDash val="solid"/>
-                      <a:round/>
-                      <a:headEnd type="none" w="med" len="med"/>
-                      <a:tailEnd type="none" w="med" len="med"/>
-                    </a:lnB>
-                    <a:lnTlToBr w="12700" cmpd="sng">
-                      <a:noFill/>
-                      <a:prstDash val="solid"/>
-                    </a:lnTlToBr>
-                    <a:lnBlToTr w="12700" cmpd="sng">
-                      <a:noFill/>
-                      <a:prstDash val="solid"/>
-                    </a:lnBlToTr>
-                  </a:tcPr>
-                </a:tc>
-                <a:tc>
-                  <a:txBody>
-                    <a:bodyPr/>
-                    <a:lstStyle/>
-                    <a:p>
-                      <a:pPr algn="ctr"/>
-                      <a:r>
-                        <a:rPr lang="en-US" dirty="0" smtClean="0"/>
-                        <a:t>Speed </a:t>
-                      </a:r>
-                      <a:endParaRPr lang="en-IN" dirty="0"/>
-                    </a:p>
-                  </a:txBody>
-                  <a:tcPr>
-                    <a:lnL w="12700" cap="flat" cmpd="sng" algn="ctr">
-                      <a:solidFill>
-                        <a:schemeClr val="tx1"/>
-                      </a:solidFill>
-                      <a:prstDash val="solid"/>
-                      <a:round/>
-                      <a:headEnd type="none" w="med" len="med"/>
-                      <a:tailEnd type="none" w="med" len="med"/>
-                    </a:lnL>
-                    <a:lnR w="12700" cap="flat" cmpd="sng" algn="ctr">
-                      <a:solidFill>
-                        <a:schemeClr val="tx1"/>
-                      </a:solidFill>
-                      <a:prstDash val="solid"/>
-                      <a:round/>
-                      <a:headEnd type="none" w="med" len="med"/>
-                      <a:tailEnd type="none" w="med" len="med"/>
-                    </a:lnR>
-                    <a:lnT w="12700" cap="flat" cmpd="sng" algn="ctr">
-                      <a:solidFill>
-                        <a:schemeClr val="tx1"/>
-                      </a:solidFill>
-                      <a:prstDash val="solid"/>
-                      <a:round/>
-                      <a:headEnd type="none" w="med" len="med"/>
-                      <a:tailEnd type="none" w="med" len="med"/>
-                    </a:lnT>
-                    <a:lnB w="12700" cap="flat" cmpd="sng" algn="ctr">
-                      <a:solidFill>
-                        <a:schemeClr val="tx1"/>
-                      </a:solidFill>
-                      <a:prstDash val="solid"/>
-                      <a:round/>
-                      <a:headEnd type="none" w="med" len="med"/>
-                      <a:tailEnd type="none" w="med" len="med"/>
-                    </a:lnB>
-                    <a:lnTlToBr w="12700" cmpd="sng">
-                      <a:noFill/>
-                      <a:prstDash val="solid"/>
-                    </a:lnTlToBr>
-                    <a:lnBlToTr w="12700" cmpd="sng">
-                      <a:noFill/>
-                      <a:prstDash val="solid"/>
-                    </a:lnBlToTr>
-                  </a:tcPr>
-                </a:tc>
-                <a:tc>
-                  <a:txBody>
-                    <a:bodyPr/>
-                    <a:lstStyle/>
-                    <a:p>
-                      <a:pPr algn="ctr"/>
-                      <a:r>
-                        <a:rPr lang="en-US" dirty="0" smtClean="0"/>
-                        <a:t>Turn Angle</a:t>
-                      </a:r>
-                      <a:r>
-                        <a:rPr lang="en-US" baseline="0" dirty="0" smtClean="0"/>
-                        <a:t> </a:t>
+                        <a:rPr lang="en-US" dirty="0"/>
+                        <a:t>Currently Complete?</a:t>
                       </a:r>
                       <a:endParaRPr lang="en-IN" dirty="0"/>
                     </a:p>
@@ -8937,18 +11226,18 @@
                   </a:ext>
                 </a:extLst>
               </a:tr>
-              <a:tr h="790437">
+              <a:tr h="335460">
                 <a:tc>
                   <a:txBody>
                     <a:bodyPr/>
                     <a:lstStyle/>
                     <a:p>
                       <a:r>
-                        <a:rPr lang="en-US" dirty="0" smtClean="0"/>
+                        <a:rPr lang="en-US" dirty="0"/>
                         <a:t>Drive straight ahead</a:t>
                       </a:r>
                       <a:r>
-                        <a:rPr lang="en-US" baseline="0" dirty="0" smtClean="0"/>
+                        <a:rPr lang="en-US" baseline="0" dirty="0"/>
                         <a:t> at 60 MPH</a:t>
                       </a:r>
                       <a:endParaRPr lang="en-IN" dirty="0"/>
@@ -9006,7 +11295,10 @@
                     <a:bodyPr/>
                     <a:lstStyle/>
                     <a:p>
-                      <a:endParaRPr lang="en-IN" dirty="0"/>
+                      <a:r>
+                        <a:rPr lang="en-IN" dirty="0"/>
+                        <a:t>Accelerate to 60mph and drive straight</a:t>
+                      </a:r>
                     </a:p>
                   </a:txBody>
                   <a:tcPr>
@@ -9061,227 +11353,10 @@
                     <a:bodyPr/>
                     <a:lstStyle/>
                     <a:p>
-                      <a:endParaRPr lang="en-IN" dirty="0"/>
-                    </a:p>
-                  </a:txBody>
-                  <a:tcPr>
-                    <a:lnL w="12700" cap="flat" cmpd="sng" algn="ctr">
-                      <a:solidFill>
-                        <a:schemeClr val="tx1"/>
-                      </a:solidFill>
-                      <a:prstDash val="solid"/>
-                      <a:round/>
-                      <a:headEnd type="none" w="med" len="med"/>
-                      <a:tailEnd type="none" w="med" len="med"/>
-                    </a:lnL>
-                    <a:lnR w="12700" cap="flat" cmpd="sng" algn="ctr">
-                      <a:solidFill>
-                        <a:schemeClr val="tx1"/>
-                      </a:solidFill>
-                      <a:prstDash val="solid"/>
-                      <a:round/>
-                      <a:headEnd type="none" w="med" len="med"/>
-                      <a:tailEnd type="none" w="med" len="med"/>
-                    </a:lnR>
-                    <a:lnT w="12700" cap="flat" cmpd="sng" algn="ctr">
-                      <a:solidFill>
-                        <a:schemeClr val="tx1"/>
-                      </a:solidFill>
-                      <a:prstDash val="solid"/>
-                      <a:round/>
-                      <a:headEnd type="none" w="med" len="med"/>
-                      <a:tailEnd type="none" w="med" len="med"/>
-                    </a:lnT>
-                    <a:lnB w="12700" cap="flat" cmpd="sng" algn="ctr">
-                      <a:solidFill>
-                        <a:schemeClr val="tx1"/>
-                      </a:solidFill>
-                      <a:prstDash val="solid"/>
-                      <a:round/>
-                      <a:headEnd type="none" w="med" len="med"/>
-                      <a:tailEnd type="none" w="med" len="med"/>
-                    </a:lnB>
-                    <a:lnTlToBr w="12700" cmpd="sng">
-                      <a:noFill/>
-                      <a:prstDash val="solid"/>
-                    </a:lnTlToBr>
-                    <a:lnBlToTr w="12700" cmpd="sng">
-                      <a:noFill/>
-                      <a:prstDash val="solid"/>
-                    </a:lnBlToTr>
-                  </a:tcPr>
-                </a:tc>
-                <a:tc>
-                  <a:txBody>
-                    <a:bodyPr/>
-                    <a:lstStyle/>
-                    <a:p>
-                      <a:endParaRPr lang="en-IN" dirty="0"/>
-                    </a:p>
-                  </a:txBody>
-                  <a:tcPr>
-                    <a:lnL w="12700" cap="flat" cmpd="sng" algn="ctr">
-                      <a:solidFill>
-                        <a:schemeClr val="tx1"/>
-                      </a:solidFill>
-                      <a:prstDash val="solid"/>
-                      <a:round/>
-                      <a:headEnd type="none" w="med" len="med"/>
-                      <a:tailEnd type="none" w="med" len="med"/>
-                    </a:lnL>
-                    <a:lnR w="12700" cap="flat" cmpd="sng" algn="ctr">
-                      <a:solidFill>
-                        <a:schemeClr val="tx1"/>
-                      </a:solidFill>
-                      <a:prstDash val="solid"/>
-                      <a:round/>
-                      <a:headEnd type="none" w="med" len="med"/>
-                      <a:tailEnd type="none" w="med" len="med"/>
-                    </a:lnR>
-                    <a:lnT w="12700" cap="flat" cmpd="sng" algn="ctr">
-                      <a:solidFill>
-                        <a:schemeClr val="tx1"/>
-                      </a:solidFill>
-                      <a:prstDash val="solid"/>
-                      <a:round/>
-                      <a:headEnd type="none" w="med" len="med"/>
-                      <a:tailEnd type="none" w="med" len="med"/>
-                    </a:lnT>
-                    <a:lnB w="12700" cap="flat" cmpd="sng" algn="ctr">
-                      <a:solidFill>
-                        <a:schemeClr val="tx1"/>
-                      </a:solidFill>
-                      <a:prstDash val="solid"/>
-                      <a:round/>
-                      <a:headEnd type="none" w="med" len="med"/>
-                      <a:tailEnd type="none" w="med" len="med"/>
-                    </a:lnB>
-                    <a:lnTlToBr w="12700" cmpd="sng">
-                      <a:noFill/>
-                      <a:prstDash val="solid"/>
-                    </a:lnTlToBr>
-                    <a:lnBlToTr w="12700" cmpd="sng">
-                      <a:noFill/>
-                      <a:prstDash val="solid"/>
-                    </a:lnBlToTr>
-                  </a:tcPr>
-                </a:tc>
-                <a:tc>
-                  <a:txBody>
-                    <a:bodyPr/>
-                    <a:lstStyle/>
-                    <a:p>
-                      <a:endParaRPr lang="en-IN" dirty="0"/>
-                    </a:p>
-                  </a:txBody>
-                  <a:tcPr>
-                    <a:lnL w="12700" cap="flat" cmpd="sng" algn="ctr">
-                      <a:solidFill>
-                        <a:schemeClr val="tx1"/>
-                      </a:solidFill>
-                      <a:prstDash val="solid"/>
-                      <a:round/>
-                      <a:headEnd type="none" w="med" len="med"/>
-                      <a:tailEnd type="none" w="med" len="med"/>
-                    </a:lnL>
-                    <a:lnR w="12700" cap="flat" cmpd="sng" algn="ctr">
-                      <a:solidFill>
-                        <a:schemeClr val="tx1"/>
-                      </a:solidFill>
-                      <a:prstDash val="solid"/>
-                      <a:round/>
-                      <a:headEnd type="none" w="med" len="med"/>
-                      <a:tailEnd type="none" w="med" len="med"/>
-                    </a:lnR>
-                    <a:lnT w="12700" cap="flat" cmpd="sng" algn="ctr">
-                      <a:solidFill>
-                        <a:schemeClr val="tx1"/>
-                      </a:solidFill>
-                      <a:prstDash val="solid"/>
-                      <a:round/>
-                      <a:headEnd type="none" w="med" len="med"/>
-                      <a:tailEnd type="none" w="med" len="med"/>
-                    </a:lnT>
-                    <a:lnB w="12700" cap="flat" cmpd="sng" algn="ctr">
-                      <a:solidFill>
-                        <a:schemeClr val="tx1"/>
-                      </a:solidFill>
-                      <a:prstDash val="solid"/>
-                      <a:round/>
-                      <a:headEnd type="none" w="med" len="med"/>
-                      <a:tailEnd type="none" w="med" len="med"/>
-                    </a:lnB>
-                    <a:lnTlToBr w="12700" cmpd="sng">
-                      <a:noFill/>
-                      <a:prstDash val="solid"/>
-                    </a:lnTlToBr>
-                    <a:lnBlToTr w="12700" cmpd="sng">
-                      <a:noFill/>
-                      <a:prstDash val="solid"/>
-                    </a:lnBlToTr>
-                  </a:tcPr>
-                </a:tc>
-                <a:tc>
-                  <a:txBody>
-                    <a:bodyPr/>
-                    <a:lstStyle/>
-                    <a:p>
-                      <a:endParaRPr lang="en-IN" dirty="0"/>
-                    </a:p>
-                  </a:txBody>
-                  <a:tcPr>
-                    <a:lnL w="12700" cap="flat" cmpd="sng" algn="ctr">
-                      <a:solidFill>
-                        <a:schemeClr val="tx1"/>
-                      </a:solidFill>
-                      <a:prstDash val="solid"/>
-                      <a:round/>
-                      <a:headEnd type="none" w="med" len="med"/>
-                      <a:tailEnd type="none" w="med" len="med"/>
-                    </a:lnL>
-                    <a:lnR w="12700" cap="flat" cmpd="sng" algn="ctr">
-                      <a:solidFill>
-                        <a:schemeClr val="tx1"/>
-                      </a:solidFill>
-                      <a:prstDash val="solid"/>
-                      <a:round/>
-                      <a:headEnd type="none" w="med" len="med"/>
-                      <a:tailEnd type="none" w="med" len="med"/>
-                    </a:lnR>
-                    <a:lnT w="12700" cap="flat" cmpd="sng" algn="ctr">
-                      <a:solidFill>
-                        <a:schemeClr val="tx1"/>
-                      </a:solidFill>
-                      <a:prstDash val="solid"/>
-                      <a:round/>
-                      <a:headEnd type="none" w="med" len="med"/>
-                      <a:tailEnd type="none" w="med" len="med"/>
-                    </a:lnT>
-                    <a:lnB w="12700" cap="flat" cmpd="sng" algn="ctr">
-                      <a:solidFill>
-                        <a:schemeClr val="tx1"/>
-                      </a:solidFill>
-                      <a:prstDash val="solid"/>
-                      <a:round/>
-                      <a:headEnd type="none" w="med" len="med"/>
-                      <a:tailEnd type="none" w="med" len="med"/>
-                    </a:lnB>
-                    <a:lnTlToBr w="12700" cmpd="sng">
-                      <a:noFill/>
-                      <a:prstDash val="solid"/>
-                    </a:lnTlToBr>
-                    <a:lnBlToTr w="12700" cmpd="sng">
-                      <a:noFill/>
-                      <a:prstDash val="solid"/>
-                    </a:lnBlToTr>
-                  </a:tcPr>
-                </a:tc>
-                <a:tc>
-                  <a:txBody>
-                    <a:bodyPr/>
-                    <a:lstStyle/>
-                    <a:p>
-                      <a:endParaRPr lang="en-IN" dirty="0"/>
+                      <a:r>
+                        <a:rPr lang="en-IN" dirty="0"/>
+                        <a:t>Yes</a:t>
+                      </a:r>
                     </a:p>
                   </a:txBody>
                   <a:tcPr>
@@ -9337,14 +11412,14 @@
                   </a:ext>
                 </a:extLst>
               </a:tr>
-              <a:tr h="813375">
+              <a:tr h="335460">
                 <a:tc>
                   <a:txBody>
                     <a:bodyPr/>
                     <a:lstStyle/>
                     <a:p>
                       <a:r>
-                        <a:rPr lang="en-US" dirty="0" smtClean="0"/>
+                        <a:rPr lang="en-US" dirty="0"/>
                         <a:t>Speed Up and Speed Down</a:t>
                       </a:r>
                       <a:endParaRPr lang="en-IN" dirty="0"/>
@@ -9402,7 +11477,10 @@
                     <a:bodyPr/>
                     <a:lstStyle/>
                     <a:p>
-                      <a:endParaRPr lang="en-IN" dirty="0"/>
+                      <a:r>
+                        <a:rPr lang="en-IN" dirty="0"/>
+                        <a:t>Accelerate to 20mph, then decelerate to 0mph</a:t>
+                      </a:r>
                     </a:p>
                   </a:txBody>
                   <a:tcPr>
@@ -9457,227 +11535,10 @@
                     <a:bodyPr/>
                     <a:lstStyle/>
                     <a:p>
-                      <a:endParaRPr lang="en-IN"/>
-                    </a:p>
-                  </a:txBody>
-                  <a:tcPr>
-                    <a:lnL w="12700" cap="flat" cmpd="sng" algn="ctr">
-                      <a:solidFill>
-                        <a:schemeClr val="tx1"/>
-                      </a:solidFill>
-                      <a:prstDash val="solid"/>
-                      <a:round/>
-                      <a:headEnd type="none" w="med" len="med"/>
-                      <a:tailEnd type="none" w="med" len="med"/>
-                    </a:lnL>
-                    <a:lnR w="12700" cap="flat" cmpd="sng" algn="ctr">
-                      <a:solidFill>
-                        <a:schemeClr val="tx1"/>
-                      </a:solidFill>
-                      <a:prstDash val="solid"/>
-                      <a:round/>
-                      <a:headEnd type="none" w="med" len="med"/>
-                      <a:tailEnd type="none" w="med" len="med"/>
-                    </a:lnR>
-                    <a:lnT w="12700" cap="flat" cmpd="sng" algn="ctr">
-                      <a:solidFill>
-                        <a:schemeClr val="tx1"/>
-                      </a:solidFill>
-                      <a:prstDash val="solid"/>
-                      <a:round/>
-                      <a:headEnd type="none" w="med" len="med"/>
-                      <a:tailEnd type="none" w="med" len="med"/>
-                    </a:lnT>
-                    <a:lnB w="12700" cap="flat" cmpd="sng" algn="ctr">
-                      <a:solidFill>
-                        <a:schemeClr val="tx1"/>
-                      </a:solidFill>
-                      <a:prstDash val="solid"/>
-                      <a:round/>
-                      <a:headEnd type="none" w="med" len="med"/>
-                      <a:tailEnd type="none" w="med" len="med"/>
-                    </a:lnB>
-                    <a:lnTlToBr w="12700" cmpd="sng">
-                      <a:noFill/>
-                      <a:prstDash val="solid"/>
-                    </a:lnTlToBr>
-                    <a:lnBlToTr w="12700" cmpd="sng">
-                      <a:noFill/>
-                      <a:prstDash val="solid"/>
-                    </a:lnBlToTr>
-                  </a:tcPr>
-                </a:tc>
-                <a:tc>
-                  <a:txBody>
-                    <a:bodyPr/>
-                    <a:lstStyle/>
-                    <a:p>
-                      <a:endParaRPr lang="en-IN" dirty="0"/>
-                    </a:p>
-                  </a:txBody>
-                  <a:tcPr>
-                    <a:lnL w="12700" cap="flat" cmpd="sng" algn="ctr">
-                      <a:solidFill>
-                        <a:schemeClr val="tx1"/>
-                      </a:solidFill>
-                      <a:prstDash val="solid"/>
-                      <a:round/>
-                      <a:headEnd type="none" w="med" len="med"/>
-                      <a:tailEnd type="none" w="med" len="med"/>
-                    </a:lnL>
-                    <a:lnR w="12700" cap="flat" cmpd="sng" algn="ctr">
-                      <a:solidFill>
-                        <a:schemeClr val="tx1"/>
-                      </a:solidFill>
-                      <a:prstDash val="solid"/>
-                      <a:round/>
-                      <a:headEnd type="none" w="med" len="med"/>
-                      <a:tailEnd type="none" w="med" len="med"/>
-                    </a:lnR>
-                    <a:lnT w="12700" cap="flat" cmpd="sng" algn="ctr">
-                      <a:solidFill>
-                        <a:schemeClr val="tx1"/>
-                      </a:solidFill>
-                      <a:prstDash val="solid"/>
-                      <a:round/>
-                      <a:headEnd type="none" w="med" len="med"/>
-                      <a:tailEnd type="none" w="med" len="med"/>
-                    </a:lnT>
-                    <a:lnB w="12700" cap="flat" cmpd="sng" algn="ctr">
-                      <a:solidFill>
-                        <a:schemeClr val="tx1"/>
-                      </a:solidFill>
-                      <a:prstDash val="solid"/>
-                      <a:round/>
-                      <a:headEnd type="none" w="med" len="med"/>
-                      <a:tailEnd type="none" w="med" len="med"/>
-                    </a:lnB>
-                    <a:lnTlToBr w="12700" cmpd="sng">
-                      <a:noFill/>
-                      <a:prstDash val="solid"/>
-                    </a:lnTlToBr>
-                    <a:lnBlToTr w="12700" cmpd="sng">
-                      <a:noFill/>
-                      <a:prstDash val="solid"/>
-                    </a:lnBlToTr>
-                  </a:tcPr>
-                </a:tc>
-                <a:tc>
-                  <a:txBody>
-                    <a:bodyPr/>
-                    <a:lstStyle/>
-                    <a:p>
-                      <a:endParaRPr lang="en-IN" dirty="0"/>
-                    </a:p>
-                  </a:txBody>
-                  <a:tcPr>
-                    <a:lnL w="12700" cap="flat" cmpd="sng" algn="ctr">
-                      <a:solidFill>
-                        <a:schemeClr val="tx1"/>
-                      </a:solidFill>
-                      <a:prstDash val="solid"/>
-                      <a:round/>
-                      <a:headEnd type="none" w="med" len="med"/>
-                      <a:tailEnd type="none" w="med" len="med"/>
-                    </a:lnL>
-                    <a:lnR w="12700" cap="flat" cmpd="sng" algn="ctr">
-                      <a:solidFill>
-                        <a:schemeClr val="tx1"/>
-                      </a:solidFill>
-                      <a:prstDash val="solid"/>
-                      <a:round/>
-                      <a:headEnd type="none" w="med" len="med"/>
-                      <a:tailEnd type="none" w="med" len="med"/>
-                    </a:lnR>
-                    <a:lnT w="12700" cap="flat" cmpd="sng" algn="ctr">
-                      <a:solidFill>
-                        <a:schemeClr val="tx1"/>
-                      </a:solidFill>
-                      <a:prstDash val="solid"/>
-                      <a:round/>
-                      <a:headEnd type="none" w="med" len="med"/>
-                      <a:tailEnd type="none" w="med" len="med"/>
-                    </a:lnT>
-                    <a:lnB w="12700" cap="flat" cmpd="sng" algn="ctr">
-                      <a:solidFill>
-                        <a:schemeClr val="tx1"/>
-                      </a:solidFill>
-                      <a:prstDash val="solid"/>
-                      <a:round/>
-                      <a:headEnd type="none" w="med" len="med"/>
-                      <a:tailEnd type="none" w="med" len="med"/>
-                    </a:lnB>
-                    <a:lnTlToBr w="12700" cmpd="sng">
-                      <a:noFill/>
-                      <a:prstDash val="solid"/>
-                    </a:lnTlToBr>
-                    <a:lnBlToTr w="12700" cmpd="sng">
-                      <a:noFill/>
-                      <a:prstDash val="solid"/>
-                    </a:lnBlToTr>
-                  </a:tcPr>
-                </a:tc>
-                <a:tc>
-                  <a:txBody>
-                    <a:bodyPr/>
-                    <a:lstStyle/>
-                    <a:p>
-                      <a:endParaRPr lang="en-IN" dirty="0"/>
-                    </a:p>
-                  </a:txBody>
-                  <a:tcPr>
-                    <a:lnL w="12700" cap="flat" cmpd="sng" algn="ctr">
-                      <a:solidFill>
-                        <a:schemeClr val="tx1"/>
-                      </a:solidFill>
-                      <a:prstDash val="solid"/>
-                      <a:round/>
-                      <a:headEnd type="none" w="med" len="med"/>
-                      <a:tailEnd type="none" w="med" len="med"/>
-                    </a:lnL>
-                    <a:lnR w="12700" cap="flat" cmpd="sng" algn="ctr">
-                      <a:solidFill>
-                        <a:schemeClr val="tx1"/>
-                      </a:solidFill>
-                      <a:prstDash val="solid"/>
-                      <a:round/>
-                      <a:headEnd type="none" w="med" len="med"/>
-                      <a:tailEnd type="none" w="med" len="med"/>
-                    </a:lnR>
-                    <a:lnT w="12700" cap="flat" cmpd="sng" algn="ctr">
-                      <a:solidFill>
-                        <a:schemeClr val="tx1"/>
-                      </a:solidFill>
-                      <a:prstDash val="solid"/>
-                      <a:round/>
-                      <a:headEnd type="none" w="med" len="med"/>
-                      <a:tailEnd type="none" w="med" len="med"/>
-                    </a:lnT>
-                    <a:lnB w="12700" cap="flat" cmpd="sng" algn="ctr">
-                      <a:solidFill>
-                        <a:schemeClr val="tx1"/>
-                      </a:solidFill>
-                      <a:prstDash val="solid"/>
-                      <a:round/>
-                      <a:headEnd type="none" w="med" len="med"/>
-                      <a:tailEnd type="none" w="med" len="med"/>
-                    </a:lnB>
-                    <a:lnTlToBr w="12700" cmpd="sng">
-                      <a:noFill/>
-                      <a:prstDash val="solid"/>
-                    </a:lnTlToBr>
-                    <a:lnBlToTr w="12700" cmpd="sng">
-                      <a:noFill/>
-                      <a:prstDash val="solid"/>
-                    </a:lnBlToTr>
-                  </a:tcPr>
-                </a:tc>
-                <a:tc>
-                  <a:txBody>
-                    <a:bodyPr/>
-                    <a:lstStyle/>
-                    <a:p>
-                      <a:endParaRPr lang="en-IN" dirty="0"/>
+                      <a:r>
+                        <a:rPr lang="en-IN" dirty="0"/>
+                        <a:t>Yes</a:t>
+                      </a:r>
                     </a:p>
                   </a:txBody>
                   <a:tcPr>
@@ -9733,14 +11594,14 @@
                   </a:ext>
                 </a:extLst>
               </a:tr>
-              <a:tr h="399433">
+              <a:tr h="335460">
                 <a:tc>
                   <a:txBody>
                     <a:bodyPr/>
                     <a:lstStyle/>
                     <a:p>
                       <a:r>
-                        <a:rPr lang="en-US" dirty="0" smtClean="0"/>
+                        <a:rPr lang="en-US" dirty="0"/>
                         <a:t>Turn 360°</a:t>
                       </a:r>
                       <a:endParaRPr lang="en-IN" dirty="0"/>
@@ -9798,7 +11659,10 @@
                     <a:bodyPr/>
                     <a:lstStyle/>
                     <a:p>
-                      <a:endParaRPr lang="en-IN"/>
+                      <a:r>
+                        <a:rPr lang="en-IN" dirty="0"/>
+                        <a:t>Turn 360 degrees at 10mph</a:t>
+                      </a:r>
                     </a:p>
                   </a:txBody>
                   <a:tcPr>
@@ -9853,227 +11717,10 @@
                     <a:bodyPr/>
                     <a:lstStyle/>
                     <a:p>
-                      <a:endParaRPr lang="en-IN"/>
-                    </a:p>
-                  </a:txBody>
-                  <a:tcPr>
-                    <a:lnL w="12700" cap="flat" cmpd="sng" algn="ctr">
-                      <a:solidFill>
-                        <a:schemeClr val="tx1"/>
-                      </a:solidFill>
-                      <a:prstDash val="solid"/>
-                      <a:round/>
-                      <a:headEnd type="none" w="med" len="med"/>
-                      <a:tailEnd type="none" w="med" len="med"/>
-                    </a:lnL>
-                    <a:lnR w="12700" cap="flat" cmpd="sng" algn="ctr">
-                      <a:solidFill>
-                        <a:schemeClr val="tx1"/>
-                      </a:solidFill>
-                      <a:prstDash val="solid"/>
-                      <a:round/>
-                      <a:headEnd type="none" w="med" len="med"/>
-                      <a:tailEnd type="none" w="med" len="med"/>
-                    </a:lnR>
-                    <a:lnT w="12700" cap="flat" cmpd="sng" algn="ctr">
-                      <a:solidFill>
-                        <a:schemeClr val="tx1"/>
-                      </a:solidFill>
-                      <a:prstDash val="solid"/>
-                      <a:round/>
-                      <a:headEnd type="none" w="med" len="med"/>
-                      <a:tailEnd type="none" w="med" len="med"/>
-                    </a:lnT>
-                    <a:lnB w="12700" cap="flat" cmpd="sng" algn="ctr">
-                      <a:solidFill>
-                        <a:schemeClr val="tx1"/>
-                      </a:solidFill>
-                      <a:prstDash val="solid"/>
-                      <a:round/>
-                      <a:headEnd type="none" w="med" len="med"/>
-                      <a:tailEnd type="none" w="med" len="med"/>
-                    </a:lnB>
-                    <a:lnTlToBr w="12700" cmpd="sng">
-                      <a:noFill/>
-                      <a:prstDash val="solid"/>
-                    </a:lnTlToBr>
-                    <a:lnBlToTr w="12700" cmpd="sng">
-                      <a:noFill/>
-                      <a:prstDash val="solid"/>
-                    </a:lnBlToTr>
-                  </a:tcPr>
-                </a:tc>
-                <a:tc>
-                  <a:txBody>
-                    <a:bodyPr/>
-                    <a:lstStyle/>
-                    <a:p>
-                      <a:endParaRPr lang="en-IN" dirty="0"/>
-                    </a:p>
-                  </a:txBody>
-                  <a:tcPr>
-                    <a:lnL w="12700" cap="flat" cmpd="sng" algn="ctr">
-                      <a:solidFill>
-                        <a:schemeClr val="tx1"/>
-                      </a:solidFill>
-                      <a:prstDash val="solid"/>
-                      <a:round/>
-                      <a:headEnd type="none" w="med" len="med"/>
-                      <a:tailEnd type="none" w="med" len="med"/>
-                    </a:lnL>
-                    <a:lnR w="12700" cap="flat" cmpd="sng" algn="ctr">
-                      <a:solidFill>
-                        <a:schemeClr val="tx1"/>
-                      </a:solidFill>
-                      <a:prstDash val="solid"/>
-                      <a:round/>
-                      <a:headEnd type="none" w="med" len="med"/>
-                      <a:tailEnd type="none" w="med" len="med"/>
-                    </a:lnR>
-                    <a:lnT w="12700" cap="flat" cmpd="sng" algn="ctr">
-                      <a:solidFill>
-                        <a:schemeClr val="tx1"/>
-                      </a:solidFill>
-                      <a:prstDash val="solid"/>
-                      <a:round/>
-                      <a:headEnd type="none" w="med" len="med"/>
-                      <a:tailEnd type="none" w="med" len="med"/>
-                    </a:lnT>
-                    <a:lnB w="12700" cap="flat" cmpd="sng" algn="ctr">
-                      <a:solidFill>
-                        <a:schemeClr val="tx1"/>
-                      </a:solidFill>
-                      <a:prstDash val="solid"/>
-                      <a:round/>
-                      <a:headEnd type="none" w="med" len="med"/>
-                      <a:tailEnd type="none" w="med" len="med"/>
-                    </a:lnB>
-                    <a:lnTlToBr w="12700" cmpd="sng">
-                      <a:noFill/>
-                      <a:prstDash val="solid"/>
-                    </a:lnTlToBr>
-                    <a:lnBlToTr w="12700" cmpd="sng">
-                      <a:noFill/>
-                      <a:prstDash val="solid"/>
-                    </a:lnBlToTr>
-                  </a:tcPr>
-                </a:tc>
-                <a:tc>
-                  <a:txBody>
-                    <a:bodyPr/>
-                    <a:lstStyle/>
-                    <a:p>
-                      <a:endParaRPr lang="en-IN" dirty="0"/>
-                    </a:p>
-                  </a:txBody>
-                  <a:tcPr>
-                    <a:lnL w="12700" cap="flat" cmpd="sng" algn="ctr">
-                      <a:solidFill>
-                        <a:schemeClr val="tx1"/>
-                      </a:solidFill>
-                      <a:prstDash val="solid"/>
-                      <a:round/>
-                      <a:headEnd type="none" w="med" len="med"/>
-                      <a:tailEnd type="none" w="med" len="med"/>
-                    </a:lnL>
-                    <a:lnR w="12700" cap="flat" cmpd="sng" algn="ctr">
-                      <a:solidFill>
-                        <a:schemeClr val="tx1"/>
-                      </a:solidFill>
-                      <a:prstDash val="solid"/>
-                      <a:round/>
-                      <a:headEnd type="none" w="med" len="med"/>
-                      <a:tailEnd type="none" w="med" len="med"/>
-                    </a:lnR>
-                    <a:lnT w="12700" cap="flat" cmpd="sng" algn="ctr">
-                      <a:solidFill>
-                        <a:schemeClr val="tx1"/>
-                      </a:solidFill>
-                      <a:prstDash val="solid"/>
-                      <a:round/>
-                      <a:headEnd type="none" w="med" len="med"/>
-                      <a:tailEnd type="none" w="med" len="med"/>
-                    </a:lnT>
-                    <a:lnB w="12700" cap="flat" cmpd="sng" algn="ctr">
-                      <a:solidFill>
-                        <a:schemeClr val="tx1"/>
-                      </a:solidFill>
-                      <a:prstDash val="solid"/>
-                      <a:round/>
-                      <a:headEnd type="none" w="med" len="med"/>
-                      <a:tailEnd type="none" w="med" len="med"/>
-                    </a:lnB>
-                    <a:lnTlToBr w="12700" cmpd="sng">
-                      <a:noFill/>
-                      <a:prstDash val="solid"/>
-                    </a:lnTlToBr>
-                    <a:lnBlToTr w="12700" cmpd="sng">
-                      <a:noFill/>
-                      <a:prstDash val="solid"/>
-                    </a:lnBlToTr>
-                  </a:tcPr>
-                </a:tc>
-                <a:tc>
-                  <a:txBody>
-                    <a:bodyPr/>
-                    <a:lstStyle/>
-                    <a:p>
-                      <a:endParaRPr lang="en-IN" dirty="0"/>
-                    </a:p>
-                  </a:txBody>
-                  <a:tcPr>
-                    <a:lnL w="12700" cap="flat" cmpd="sng" algn="ctr">
-                      <a:solidFill>
-                        <a:schemeClr val="tx1"/>
-                      </a:solidFill>
-                      <a:prstDash val="solid"/>
-                      <a:round/>
-                      <a:headEnd type="none" w="med" len="med"/>
-                      <a:tailEnd type="none" w="med" len="med"/>
-                    </a:lnL>
-                    <a:lnR w="12700" cap="flat" cmpd="sng" algn="ctr">
-                      <a:solidFill>
-                        <a:schemeClr val="tx1"/>
-                      </a:solidFill>
-                      <a:prstDash val="solid"/>
-                      <a:round/>
-                      <a:headEnd type="none" w="med" len="med"/>
-                      <a:tailEnd type="none" w="med" len="med"/>
-                    </a:lnR>
-                    <a:lnT w="12700" cap="flat" cmpd="sng" algn="ctr">
-                      <a:solidFill>
-                        <a:schemeClr val="tx1"/>
-                      </a:solidFill>
-                      <a:prstDash val="solid"/>
-                      <a:round/>
-                      <a:headEnd type="none" w="med" len="med"/>
-                      <a:tailEnd type="none" w="med" len="med"/>
-                    </a:lnT>
-                    <a:lnB w="12700" cap="flat" cmpd="sng" algn="ctr">
-                      <a:solidFill>
-                        <a:schemeClr val="tx1"/>
-                      </a:solidFill>
-                      <a:prstDash val="solid"/>
-                      <a:round/>
-                      <a:headEnd type="none" w="med" len="med"/>
-                      <a:tailEnd type="none" w="med" len="med"/>
-                    </a:lnB>
-                    <a:lnTlToBr w="12700" cmpd="sng">
-                      <a:noFill/>
-                      <a:prstDash val="solid"/>
-                    </a:lnTlToBr>
-                    <a:lnBlToTr w="12700" cmpd="sng">
-                      <a:noFill/>
-                      <a:prstDash val="solid"/>
-                    </a:lnBlToTr>
-                  </a:tcPr>
-                </a:tc>
-                <a:tc>
-                  <a:txBody>
-                    <a:bodyPr/>
-                    <a:lstStyle/>
-                    <a:p>
-                      <a:endParaRPr lang="en-IN" dirty="0"/>
+                      <a:r>
+                        <a:rPr lang="en-IN" dirty="0"/>
+                        <a:t>Yes</a:t>
+                      </a:r>
                     </a:p>
                   </a:txBody>
                   <a:tcPr>
@@ -10129,19 +11776,15 @@
                   </a:ext>
                 </a:extLst>
               </a:tr>
-              <a:tr h="737815">
+              <a:tr h="587055">
                 <a:tc>
                   <a:txBody>
                     <a:bodyPr/>
                     <a:lstStyle/>
                     <a:p>
                       <a:r>
-                        <a:rPr lang="en-US" dirty="0" smtClean="0"/>
-                        <a:t>Unsafe</a:t>
-                      </a:r>
-                      <a:r>
-                        <a:rPr lang="en-US" baseline="0" dirty="0" smtClean="0"/>
-                        <a:t> Real-time Driving </a:t>
+                        <a:rPr lang="en-US" dirty="0"/>
+                        <a:t>Obstacle Avoidance</a:t>
                       </a:r>
                       <a:endParaRPr lang="en-IN" dirty="0"/>
                     </a:p>
@@ -10198,7 +11841,10 @@
                     <a:bodyPr/>
                     <a:lstStyle/>
                     <a:p>
-                      <a:endParaRPr lang="en-IN" dirty="0"/>
+                      <a:r>
+                        <a:rPr lang="en-IN" dirty="0"/>
+                        <a:t>Drive straight at 45mph, then perform a swerve to avoid obstacle in front of car</a:t>
+                      </a:r>
                     </a:p>
                   </a:txBody>
                   <a:tcPr>
@@ -10253,227 +11899,10 @@
                     <a:bodyPr/>
                     <a:lstStyle/>
                     <a:p>
-                      <a:endParaRPr lang="en-IN"/>
-                    </a:p>
-                  </a:txBody>
-                  <a:tcPr>
-                    <a:lnL w="12700" cap="flat" cmpd="sng" algn="ctr">
-                      <a:solidFill>
-                        <a:schemeClr val="tx1"/>
-                      </a:solidFill>
-                      <a:prstDash val="solid"/>
-                      <a:round/>
-                      <a:headEnd type="none" w="med" len="med"/>
-                      <a:tailEnd type="none" w="med" len="med"/>
-                    </a:lnL>
-                    <a:lnR w="12700" cap="flat" cmpd="sng" algn="ctr">
-                      <a:solidFill>
-                        <a:schemeClr val="tx1"/>
-                      </a:solidFill>
-                      <a:prstDash val="solid"/>
-                      <a:round/>
-                      <a:headEnd type="none" w="med" len="med"/>
-                      <a:tailEnd type="none" w="med" len="med"/>
-                    </a:lnR>
-                    <a:lnT w="12700" cap="flat" cmpd="sng" algn="ctr">
-                      <a:solidFill>
-                        <a:schemeClr val="tx1"/>
-                      </a:solidFill>
-                      <a:prstDash val="solid"/>
-                      <a:round/>
-                      <a:headEnd type="none" w="med" len="med"/>
-                      <a:tailEnd type="none" w="med" len="med"/>
-                    </a:lnT>
-                    <a:lnB w="12700" cap="flat" cmpd="sng" algn="ctr">
-                      <a:solidFill>
-                        <a:schemeClr val="tx1"/>
-                      </a:solidFill>
-                      <a:prstDash val="solid"/>
-                      <a:round/>
-                      <a:headEnd type="none" w="med" len="med"/>
-                      <a:tailEnd type="none" w="med" len="med"/>
-                    </a:lnB>
-                    <a:lnTlToBr w="12700" cmpd="sng">
-                      <a:noFill/>
-                      <a:prstDash val="solid"/>
-                    </a:lnTlToBr>
-                    <a:lnBlToTr w="12700" cmpd="sng">
-                      <a:noFill/>
-                      <a:prstDash val="solid"/>
-                    </a:lnBlToTr>
-                  </a:tcPr>
-                </a:tc>
-                <a:tc>
-                  <a:txBody>
-                    <a:bodyPr/>
-                    <a:lstStyle/>
-                    <a:p>
-                      <a:endParaRPr lang="en-IN" dirty="0"/>
-                    </a:p>
-                  </a:txBody>
-                  <a:tcPr>
-                    <a:lnL w="12700" cap="flat" cmpd="sng" algn="ctr">
-                      <a:solidFill>
-                        <a:schemeClr val="tx1"/>
-                      </a:solidFill>
-                      <a:prstDash val="solid"/>
-                      <a:round/>
-                      <a:headEnd type="none" w="med" len="med"/>
-                      <a:tailEnd type="none" w="med" len="med"/>
-                    </a:lnL>
-                    <a:lnR w="12700" cap="flat" cmpd="sng" algn="ctr">
-                      <a:solidFill>
-                        <a:schemeClr val="tx1"/>
-                      </a:solidFill>
-                      <a:prstDash val="solid"/>
-                      <a:round/>
-                      <a:headEnd type="none" w="med" len="med"/>
-                      <a:tailEnd type="none" w="med" len="med"/>
-                    </a:lnR>
-                    <a:lnT w="12700" cap="flat" cmpd="sng" algn="ctr">
-                      <a:solidFill>
-                        <a:schemeClr val="tx1"/>
-                      </a:solidFill>
-                      <a:prstDash val="solid"/>
-                      <a:round/>
-                      <a:headEnd type="none" w="med" len="med"/>
-                      <a:tailEnd type="none" w="med" len="med"/>
-                    </a:lnT>
-                    <a:lnB w="12700" cap="flat" cmpd="sng" algn="ctr">
-                      <a:solidFill>
-                        <a:schemeClr val="tx1"/>
-                      </a:solidFill>
-                      <a:prstDash val="solid"/>
-                      <a:round/>
-                      <a:headEnd type="none" w="med" len="med"/>
-                      <a:tailEnd type="none" w="med" len="med"/>
-                    </a:lnB>
-                    <a:lnTlToBr w="12700" cmpd="sng">
-                      <a:noFill/>
-                      <a:prstDash val="solid"/>
-                    </a:lnTlToBr>
-                    <a:lnBlToTr w="12700" cmpd="sng">
-                      <a:noFill/>
-                      <a:prstDash val="solid"/>
-                    </a:lnBlToTr>
-                  </a:tcPr>
-                </a:tc>
-                <a:tc>
-                  <a:txBody>
-                    <a:bodyPr/>
-                    <a:lstStyle/>
-                    <a:p>
-                      <a:endParaRPr lang="en-IN" dirty="0"/>
-                    </a:p>
-                  </a:txBody>
-                  <a:tcPr>
-                    <a:lnL w="12700" cap="flat" cmpd="sng" algn="ctr">
-                      <a:solidFill>
-                        <a:schemeClr val="tx1"/>
-                      </a:solidFill>
-                      <a:prstDash val="solid"/>
-                      <a:round/>
-                      <a:headEnd type="none" w="med" len="med"/>
-                      <a:tailEnd type="none" w="med" len="med"/>
-                    </a:lnL>
-                    <a:lnR w="12700" cap="flat" cmpd="sng" algn="ctr">
-                      <a:solidFill>
-                        <a:schemeClr val="tx1"/>
-                      </a:solidFill>
-                      <a:prstDash val="solid"/>
-                      <a:round/>
-                      <a:headEnd type="none" w="med" len="med"/>
-                      <a:tailEnd type="none" w="med" len="med"/>
-                    </a:lnR>
-                    <a:lnT w="12700" cap="flat" cmpd="sng" algn="ctr">
-                      <a:solidFill>
-                        <a:schemeClr val="tx1"/>
-                      </a:solidFill>
-                      <a:prstDash val="solid"/>
-                      <a:round/>
-                      <a:headEnd type="none" w="med" len="med"/>
-                      <a:tailEnd type="none" w="med" len="med"/>
-                    </a:lnT>
-                    <a:lnB w="12700" cap="flat" cmpd="sng" algn="ctr">
-                      <a:solidFill>
-                        <a:schemeClr val="tx1"/>
-                      </a:solidFill>
-                      <a:prstDash val="solid"/>
-                      <a:round/>
-                      <a:headEnd type="none" w="med" len="med"/>
-                      <a:tailEnd type="none" w="med" len="med"/>
-                    </a:lnB>
-                    <a:lnTlToBr w="12700" cmpd="sng">
-                      <a:noFill/>
-                      <a:prstDash val="solid"/>
-                    </a:lnTlToBr>
-                    <a:lnBlToTr w="12700" cmpd="sng">
-                      <a:noFill/>
-                      <a:prstDash val="solid"/>
-                    </a:lnBlToTr>
-                  </a:tcPr>
-                </a:tc>
-                <a:tc>
-                  <a:txBody>
-                    <a:bodyPr/>
-                    <a:lstStyle/>
-                    <a:p>
-                      <a:endParaRPr lang="en-IN" dirty="0"/>
-                    </a:p>
-                  </a:txBody>
-                  <a:tcPr>
-                    <a:lnL w="12700" cap="flat" cmpd="sng" algn="ctr">
-                      <a:solidFill>
-                        <a:schemeClr val="tx1"/>
-                      </a:solidFill>
-                      <a:prstDash val="solid"/>
-                      <a:round/>
-                      <a:headEnd type="none" w="med" len="med"/>
-                      <a:tailEnd type="none" w="med" len="med"/>
-                    </a:lnL>
-                    <a:lnR w="12700" cap="flat" cmpd="sng" algn="ctr">
-                      <a:solidFill>
-                        <a:schemeClr val="tx1"/>
-                      </a:solidFill>
-                      <a:prstDash val="solid"/>
-                      <a:round/>
-                      <a:headEnd type="none" w="med" len="med"/>
-                      <a:tailEnd type="none" w="med" len="med"/>
-                    </a:lnR>
-                    <a:lnT w="12700" cap="flat" cmpd="sng" algn="ctr">
-                      <a:solidFill>
-                        <a:schemeClr val="tx1"/>
-                      </a:solidFill>
-                      <a:prstDash val="solid"/>
-                      <a:round/>
-                      <a:headEnd type="none" w="med" len="med"/>
-                      <a:tailEnd type="none" w="med" len="med"/>
-                    </a:lnT>
-                    <a:lnB w="12700" cap="flat" cmpd="sng" algn="ctr">
-                      <a:solidFill>
-                        <a:schemeClr val="tx1"/>
-                      </a:solidFill>
-                      <a:prstDash val="solid"/>
-                      <a:round/>
-                      <a:headEnd type="none" w="med" len="med"/>
-                      <a:tailEnd type="none" w="med" len="med"/>
-                    </a:lnB>
-                    <a:lnTlToBr w="12700" cmpd="sng">
-                      <a:noFill/>
-                      <a:prstDash val="solid"/>
-                    </a:lnTlToBr>
-                    <a:lnBlToTr w="12700" cmpd="sng">
-                      <a:noFill/>
-                      <a:prstDash val="solid"/>
-                    </a:lnBlToTr>
-                  </a:tcPr>
-                </a:tc>
-                <a:tc>
-                  <a:txBody>
-                    <a:bodyPr/>
-                    <a:lstStyle/>
-                    <a:p>
-                      <a:endParaRPr lang="en-IN" dirty="0"/>
+                      <a:r>
+                        <a:rPr lang="en-IN" dirty="0"/>
+                        <a:t>No</a:t>
+                      </a:r>
                     </a:p>
                   </a:txBody>
                   <a:tcPr>
@@ -10529,6 +11958,368 @@
                   </a:ext>
                 </a:extLst>
               </a:tr>
+              <a:tr h="587055">
+                <a:tc>
+                  <a:txBody>
+                    <a:bodyPr/>
+                    <a:lstStyle/>
+                    <a:p>
+                      <a:r>
+                        <a:rPr lang="en-IN" dirty="0"/>
+                        <a:t>Lane Change</a:t>
+                      </a:r>
+                    </a:p>
+                  </a:txBody>
+                  <a:tcPr>
+                    <a:lnL w="12700" cap="flat" cmpd="sng" algn="ctr">
+                      <a:solidFill>
+                        <a:schemeClr val="tx1"/>
+                      </a:solidFill>
+                      <a:prstDash val="solid"/>
+                      <a:round/>
+                      <a:headEnd type="none" w="med" len="med"/>
+                      <a:tailEnd type="none" w="med" len="med"/>
+                    </a:lnL>
+                    <a:lnR w="12700" cap="flat" cmpd="sng" algn="ctr">
+                      <a:solidFill>
+                        <a:schemeClr val="tx1"/>
+                      </a:solidFill>
+                      <a:prstDash val="solid"/>
+                      <a:round/>
+                      <a:headEnd type="none" w="med" len="med"/>
+                      <a:tailEnd type="none" w="med" len="med"/>
+                    </a:lnR>
+                    <a:lnT w="12700" cap="flat" cmpd="sng" algn="ctr">
+                      <a:solidFill>
+                        <a:schemeClr val="tx1"/>
+                      </a:solidFill>
+                      <a:prstDash val="solid"/>
+                      <a:round/>
+                      <a:headEnd type="none" w="med" len="med"/>
+                      <a:tailEnd type="none" w="med" len="med"/>
+                    </a:lnT>
+                    <a:lnB w="12700" cap="flat" cmpd="sng" algn="ctr">
+                      <a:solidFill>
+                        <a:schemeClr val="tx1"/>
+                      </a:solidFill>
+                      <a:prstDash val="solid"/>
+                      <a:round/>
+                      <a:headEnd type="none" w="med" len="med"/>
+                      <a:tailEnd type="none" w="med" len="med"/>
+                    </a:lnB>
+                    <a:lnTlToBr w="12700" cmpd="sng">
+                      <a:noFill/>
+                      <a:prstDash val="solid"/>
+                    </a:lnTlToBr>
+                    <a:lnBlToTr w="12700" cmpd="sng">
+                      <a:noFill/>
+                      <a:prstDash val="solid"/>
+                    </a:lnBlToTr>
+                  </a:tcPr>
+                </a:tc>
+                <a:tc>
+                  <a:txBody>
+                    <a:bodyPr/>
+                    <a:lstStyle/>
+                    <a:p>
+                      <a:r>
+                        <a:rPr lang="en-IN" dirty="0"/>
+                        <a:t>Drive straight at 60mph, then perform a lance change motion to shift lateral position</a:t>
+                      </a:r>
+                    </a:p>
+                  </a:txBody>
+                  <a:tcPr>
+                    <a:lnL w="12700" cap="flat" cmpd="sng" algn="ctr">
+                      <a:solidFill>
+                        <a:schemeClr val="tx1"/>
+                      </a:solidFill>
+                      <a:prstDash val="solid"/>
+                      <a:round/>
+                      <a:headEnd type="none" w="med" len="med"/>
+                      <a:tailEnd type="none" w="med" len="med"/>
+                    </a:lnL>
+                    <a:lnR w="12700" cap="flat" cmpd="sng" algn="ctr">
+                      <a:solidFill>
+                        <a:schemeClr val="tx1"/>
+                      </a:solidFill>
+                      <a:prstDash val="solid"/>
+                      <a:round/>
+                      <a:headEnd type="none" w="med" len="med"/>
+                      <a:tailEnd type="none" w="med" len="med"/>
+                    </a:lnR>
+                    <a:lnT w="12700" cap="flat" cmpd="sng" algn="ctr">
+                      <a:solidFill>
+                        <a:schemeClr val="tx1"/>
+                      </a:solidFill>
+                      <a:prstDash val="solid"/>
+                      <a:round/>
+                      <a:headEnd type="none" w="med" len="med"/>
+                      <a:tailEnd type="none" w="med" len="med"/>
+                    </a:lnT>
+                    <a:lnB w="12700" cap="flat" cmpd="sng" algn="ctr">
+                      <a:solidFill>
+                        <a:schemeClr val="tx1"/>
+                      </a:solidFill>
+                      <a:prstDash val="solid"/>
+                      <a:round/>
+                      <a:headEnd type="none" w="med" len="med"/>
+                      <a:tailEnd type="none" w="med" len="med"/>
+                    </a:lnB>
+                    <a:lnTlToBr w="12700" cmpd="sng">
+                      <a:noFill/>
+                      <a:prstDash val="solid"/>
+                    </a:lnTlToBr>
+                    <a:lnBlToTr w="12700" cmpd="sng">
+                      <a:noFill/>
+                      <a:prstDash val="solid"/>
+                    </a:lnBlToTr>
+                  </a:tcPr>
+                </a:tc>
+                <a:tc>
+                  <a:txBody>
+                    <a:bodyPr/>
+                    <a:lstStyle/>
+                    <a:p>
+                      <a:r>
+                        <a:rPr lang="en-IN" dirty="0"/>
+                        <a:t>No</a:t>
+                      </a:r>
+                    </a:p>
+                  </a:txBody>
+                  <a:tcPr>
+                    <a:lnL w="12700" cap="flat" cmpd="sng" algn="ctr">
+                      <a:solidFill>
+                        <a:schemeClr val="tx1"/>
+                      </a:solidFill>
+                      <a:prstDash val="solid"/>
+                      <a:round/>
+                      <a:headEnd type="none" w="med" len="med"/>
+                      <a:tailEnd type="none" w="med" len="med"/>
+                    </a:lnL>
+                    <a:lnR w="12700" cap="flat" cmpd="sng" algn="ctr">
+                      <a:solidFill>
+                        <a:schemeClr val="tx1"/>
+                      </a:solidFill>
+                      <a:prstDash val="solid"/>
+                      <a:round/>
+                      <a:headEnd type="none" w="med" len="med"/>
+                      <a:tailEnd type="none" w="med" len="med"/>
+                    </a:lnR>
+                    <a:lnT w="12700" cap="flat" cmpd="sng" algn="ctr">
+                      <a:solidFill>
+                        <a:schemeClr val="tx1"/>
+                      </a:solidFill>
+                      <a:prstDash val="solid"/>
+                      <a:round/>
+                      <a:headEnd type="none" w="med" len="med"/>
+                      <a:tailEnd type="none" w="med" len="med"/>
+                    </a:lnT>
+                    <a:lnB w="12700" cap="flat" cmpd="sng" algn="ctr">
+                      <a:solidFill>
+                        <a:schemeClr val="tx1"/>
+                      </a:solidFill>
+                      <a:prstDash val="solid"/>
+                      <a:round/>
+                      <a:headEnd type="none" w="med" len="med"/>
+                      <a:tailEnd type="none" w="med" len="med"/>
+                    </a:lnB>
+                    <a:lnTlToBr w="12700" cmpd="sng">
+                      <a:noFill/>
+                      <a:prstDash val="solid"/>
+                    </a:lnTlToBr>
+                    <a:lnBlToTr w="12700" cmpd="sng">
+                      <a:noFill/>
+                      <a:prstDash val="solid"/>
+                    </a:lnBlToTr>
+                  </a:tcPr>
+                </a:tc>
+                <a:extLst>
+                  <a:ext uri="{0D108BD9-81ED-4DB2-BD59-A6C34878D82A}">
+                    <a16:rowId xmlns:a16="http://schemas.microsoft.com/office/drawing/2014/main" val="2019861692"/>
+                  </a:ext>
+                </a:extLst>
+              </a:tr>
+              <a:tr h="676694">
+                <a:tc>
+                  <a:txBody>
+                    <a:bodyPr/>
+                    <a:lstStyle/>
+                    <a:p>
+                      <a:r>
+                        <a:rPr lang="en-IN" dirty="0"/>
+                        <a:t>Back-in Parking</a:t>
+                      </a:r>
+                    </a:p>
+                  </a:txBody>
+                  <a:tcPr>
+                    <a:lnL w="12700" cap="flat" cmpd="sng" algn="ctr">
+                      <a:solidFill>
+                        <a:schemeClr val="tx1"/>
+                      </a:solidFill>
+                      <a:prstDash val="solid"/>
+                      <a:round/>
+                      <a:headEnd type="none" w="med" len="med"/>
+                      <a:tailEnd type="none" w="med" len="med"/>
+                    </a:lnL>
+                    <a:lnR w="12700" cap="flat" cmpd="sng" algn="ctr">
+                      <a:solidFill>
+                        <a:schemeClr val="tx1"/>
+                      </a:solidFill>
+                      <a:prstDash val="solid"/>
+                      <a:round/>
+                      <a:headEnd type="none" w="med" len="med"/>
+                      <a:tailEnd type="none" w="med" len="med"/>
+                    </a:lnR>
+                    <a:lnT w="12700" cap="flat" cmpd="sng" algn="ctr">
+                      <a:solidFill>
+                        <a:schemeClr val="tx1"/>
+                      </a:solidFill>
+                      <a:prstDash val="solid"/>
+                      <a:round/>
+                      <a:headEnd type="none" w="med" len="med"/>
+                      <a:tailEnd type="none" w="med" len="med"/>
+                    </a:lnT>
+                    <a:lnB w="12700" cap="flat" cmpd="sng" algn="ctr">
+                      <a:solidFill>
+                        <a:schemeClr val="tx1"/>
+                      </a:solidFill>
+                      <a:prstDash val="solid"/>
+                      <a:round/>
+                      <a:headEnd type="none" w="med" len="med"/>
+                      <a:tailEnd type="none" w="med" len="med"/>
+                    </a:lnB>
+                    <a:lnTlToBr w="12700" cmpd="sng">
+                      <a:noFill/>
+                      <a:prstDash val="solid"/>
+                    </a:lnTlToBr>
+                    <a:lnBlToTr w="12700" cmpd="sng">
+                      <a:noFill/>
+                      <a:prstDash val="solid"/>
+                    </a:lnBlToTr>
+                  </a:tcPr>
+                </a:tc>
+                <a:tc>
+                  <a:txBody>
+                    <a:bodyPr/>
+                    <a:lstStyle/>
+                    <a:p>
+                      <a:r>
+                        <a:rPr lang="en-IN" dirty="0"/>
+                        <a:t>Drive straight at 10mph, then reverse and turn into a parking spot 90 degrees from orientation.</a:t>
+                      </a:r>
+                    </a:p>
+                  </a:txBody>
+                  <a:tcPr>
+                    <a:lnL w="12700" cap="flat" cmpd="sng" algn="ctr">
+                      <a:solidFill>
+                        <a:schemeClr val="tx1"/>
+                      </a:solidFill>
+                      <a:prstDash val="solid"/>
+                      <a:round/>
+                      <a:headEnd type="none" w="med" len="med"/>
+                      <a:tailEnd type="none" w="med" len="med"/>
+                    </a:lnL>
+                    <a:lnR w="12700" cap="flat" cmpd="sng" algn="ctr">
+                      <a:solidFill>
+                        <a:schemeClr val="tx1"/>
+                      </a:solidFill>
+                      <a:prstDash val="solid"/>
+                      <a:round/>
+                      <a:headEnd type="none" w="med" len="med"/>
+                      <a:tailEnd type="none" w="med" len="med"/>
+                    </a:lnR>
+                    <a:lnT w="12700" cap="flat" cmpd="sng" algn="ctr">
+                      <a:solidFill>
+                        <a:schemeClr val="tx1"/>
+                      </a:solidFill>
+                      <a:prstDash val="solid"/>
+                      <a:round/>
+                      <a:headEnd type="none" w="med" len="med"/>
+                      <a:tailEnd type="none" w="med" len="med"/>
+                    </a:lnT>
+                    <a:lnB w="12700" cap="flat" cmpd="sng" algn="ctr">
+                      <a:solidFill>
+                        <a:schemeClr val="tx1"/>
+                      </a:solidFill>
+                      <a:prstDash val="solid"/>
+                      <a:round/>
+                      <a:headEnd type="none" w="med" len="med"/>
+                      <a:tailEnd type="none" w="med" len="med"/>
+                    </a:lnB>
+                    <a:lnTlToBr w="12700" cmpd="sng">
+                      <a:noFill/>
+                      <a:prstDash val="solid"/>
+                    </a:lnTlToBr>
+                    <a:lnBlToTr w="12700" cmpd="sng">
+                      <a:noFill/>
+                      <a:prstDash val="solid"/>
+                    </a:lnBlToTr>
+                  </a:tcPr>
+                </a:tc>
+                <a:tc>
+                  <a:txBody>
+                    <a:bodyPr/>
+                    <a:lstStyle/>
+                    <a:p>
+                      <a:r>
+                        <a:rPr lang="en-IN" dirty="0"/>
+                        <a:t>No</a:t>
+                      </a:r>
+                    </a:p>
+                  </a:txBody>
+                  <a:tcPr>
+                    <a:lnL w="12700" cap="flat" cmpd="sng" algn="ctr">
+                      <a:solidFill>
+                        <a:schemeClr val="tx1"/>
+                      </a:solidFill>
+                      <a:prstDash val="solid"/>
+                      <a:round/>
+                      <a:headEnd type="none" w="med" len="med"/>
+                      <a:tailEnd type="none" w="med" len="med"/>
+                    </a:lnL>
+                    <a:lnR w="12700" cap="flat" cmpd="sng" algn="ctr">
+                      <a:solidFill>
+                        <a:schemeClr val="tx1"/>
+                      </a:solidFill>
+                      <a:prstDash val="solid"/>
+                      <a:round/>
+                      <a:headEnd type="none" w="med" len="med"/>
+                      <a:tailEnd type="none" w="med" len="med"/>
+                    </a:lnR>
+                    <a:lnT w="12700" cap="flat" cmpd="sng" algn="ctr">
+                      <a:solidFill>
+                        <a:schemeClr val="tx1"/>
+                      </a:solidFill>
+                      <a:prstDash val="solid"/>
+                      <a:round/>
+                      <a:headEnd type="none" w="med" len="med"/>
+                      <a:tailEnd type="none" w="med" len="med"/>
+                    </a:lnT>
+                    <a:lnB w="12700" cap="flat" cmpd="sng" algn="ctr">
+                      <a:solidFill>
+                        <a:schemeClr val="tx1"/>
+                      </a:solidFill>
+                      <a:prstDash val="solid"/>
+                      <a:round/>
+                      <a:headEnd type="none" w="med" len="med"/>
+                      <a:tailEnd type="none" w="med" len="med"/>
+                    </a:lnB>
+                    <a:lnTlToBr w="12700" cmpd="sng">
+                      <a:noFill/>
+                      <a:prstDash val="solid"/>
+                    </a:lnTlToBr>
+                    <a:lnBlToTr w="12700" cmpd="sng">
+                      <a:noFill/>
+                      <a:prstDash val="solid"/>
+                    </a:lnBlToTr>
+                  </a:tcPr>
+                </a:tc>
+                <a:extLst>
+                  <a:ext uri="{0D108BD9-81ED-4DB2-BD59-A6C34878D82A}">
+                    <a16:rowId xmlns:a16="http://schemas.microsoft.com/office/drawing/2014/main" val="4292832180"/>
+                  </a:ext>
+                </a:extLst>
+              </a:tr>
             </a:tbl>
           </a:graphicData>
         </a:graphic>
@@ -10550,7 +12341,7 @@
           <a:p>
             <a:fld id="{14DE990B-4FB7-4A7F-817E-CABDB30FA765}" type="slidenum">
               <a:rPr lang="en-IN" smtClean="0"/>
-              <a:t>13</a:t>
+              <a:t>12</a:t>
             </a:fld>
             <a:endParaRPr lang="en-IN"/>
           </a:p>
@@ -10569,7 +12360,7 @@
 </p:sld>
 </file>
 
-<file path=ppt/slides/slide14.xml><?xml version="1.0" encoding="utf-8"?>
+<file path=ppt/slides/slide13.xml><?xml version="1.0" encoding="utf-8"?>
 <p:sld xmlns:a="http://schemas.openxmlformats.org/drawingml/2006/main" xmlns:r="http://schemas.openxmlformats.org/officeDocument/2006/relationships" xmlns:p="http://schemas.openxmlformats.org/presentationml/2006/main">
   <p:cSld>
     <p:spTree>
@@ -10602,7 +12393,7 @@
           <a:lstStyle/>
           <a:p>
             <a:r>
-              <a:rPr lang="en-US" b="1" dirty="0" smtClean="0"/>
+              <a:rPr lang="en-US" b="1" dirty="0"/>
               <a:t>References</a:t>
             </a:r>
             <a:endParaRPr lang="en-IN" b="1" dirty="0"/>
@@ -10703,11 +12494,6 @@
               </a:rPr>
               <a:t>(5), 889–896. https://doi.org/10.1016/j.automatica.2004.11.025 </a:t>
             </a:r>
-            <a:endParaRPr lang="en-US" sz="2300" dirty="0" smtClean="0">
-              <a:solidFill>
-                <a:schemeClr val="tx1"/>
-              </a:solidFill>
-            </a:endParaRPr>
           </a:p>
           <a:p>
             <a:pPr marL="457200" indent="-457200" algn="just">
@@ -10719,20 +12505,12 @@
               <a:buAutoNum type="arabicParenR"/>
             </a:pPr>
             <a:r>
-              <a:rPr lang="en-US" sz="2300" i="1" dirty="0" smtClean="0">
-                <a:solidFill>
-                  <a:schemeClr val="tx1"/>
-                </a:solidFill>
-              </a:rPr>
-              <a:t>Benz</a:t>
-            </a:r>
-            <a:r>
               <a:rPr lang="en-US" sz="2300" i="1" dirty="0">
                 <a:solidFill>
                   <a:schemeClr val="tx1"/>
                 </a:solidFill>
               </a:rPr>
-              <a:t>: Safety First for automated driving.</a:t>
+              <a:t>Benz: Safety First for automated driving.</a:t>
             </a:r>
             <a:r>
               <a:rPr lang="en-US" sz="2300" dirty="0">
@@ -10742,11 +12520,6 @@
               </a:rPr>
               <a:t> Mercedes. (2019, July 4). https://www.mercedes-benz.com/en/innovation/safety-first-for-automated-driving/?csref=sm_fbk_gims2019_pc.html </a:t>
             </a:r>
-            <a:endParaRPr lang="en-US" sz="2300" dirty="0" smtClean="0">
-              <a:solidFill>
-                <a:schemeClr val="tx1"/>
-              </a:solidFill>
-            </a:endParaRPr>
           </a:p>
           <a:p>
             <a:pPr marL="457200" indent="-457200" algn="just">
@@ -10758,20 +12531,12 @@
               <a:buAutoNum type="arabicParenR"/>
             </a:pPr>
             <a:r>
-              <a:rPr lang="en-IN" sz="2300" dirty="0" smtClean="0">
-                <a:solidFill>
-                  <a:schemeClr val="tx1"/>
-                </a:solidFill>
-              </a:rPr>
-              <a:t>Kang</a:t>
-            </a:r>
-            <a:r>
               <a:rPr lang="en-IN" sz="2300" dirty="0">
                 <a:solidFill>
                   <a:schemeClr val="tx1"/>
                 </a:solidFill>
               </a:rPr>
-              <a:t>, C. M., Lee, S.-H., &amp; Chung, C. C. (2018). </a:t>
+              <a:t>Kang, C. M., Lee, S.-H., &amp; Chung, C. C. (2018). </a:t>
             </a:r>
             <a:r>
               <a:rPr lang="en-IN" sz="2300" dirty="0" err="1">
@@ -10821,11 +12586,6 @@
               </a:rPr>
               <a:t>(10), 9211–9222. https://doi.org/10.1109/tvt.2018.2864329 </a:t>
             </a:r>
-            <a:endParaRPr lang="en-IN" sz="2300" dirty="0" smtClean="0">
-              <a:solidFill>
-                <a:schemeClr val="tx1"/>
-              </a:solidFill>
-            </a:endParaRPr>
           </a:p>
           <a:p>
             <a:pPr marL="457200" indent="-457200" algn="just">
@@ -10837,20 +12597,12 @@
               <a:buAutoNum type="arabicParenR"/>
             </a:pPr>
             <a:r>
-              <a:rPr lang="en-US" sz="2300" dirty="0" smtClean="0">
-                <a:solidFill>
-                  <a:schemeClr val="tx1"/>
-                </a:solidFill>
-              </a:rPr>
-              <a:t>Kong</a:t>
-            </a:r>
-            <a:r>
               <a:rPr lang="en-US" sz="2300" dirty="0">
                 <a:solidFill>
                   <a:schemeClr val="tx1"/>
                 </a:solidFill>
               </a:rPr>
-              <a:t>, G., Pfeiffer, Mark., </a:t>
+              <a:t>Kong, G., Pfeiffer, Mark., </a:t>
             </a:r>
             <a:r>
               <a:rPr lang="en-US" sz="2300" dirty="0" err="1">
@@ -10932,11 +12684,6 @@
               </a:rPr>
               <a:t>). https://ieeexplore.ieee.org/document/7225830 </a:t>
             </a:r>
-            <a:endParaRPr lang="en-US" sz="2300" dirty="0" smtClean="0">
-              <a:solidFill>
-                <a:schemeClr val="tx1"/>
-              </a:solidFill>
-            </a:endParaRPr>
           </a:p>
           <a:p>
             <a:pPr marL="457200" indent="-457200" algn="just">
@@ -10948,7 +12695,7 @@
               <a:buAutoNum type="arabicParenR"/>
             </a:pPr>
             <a:r>
-              <a:rPr lang="en-IN" sz="2300" dirty="0" err="1" smtClean="0">
+              <a:rPr lang="en-IN" sz="2300" dirty="0" err="1">
                 <a:solidFill>
                   <a:schemeClr val="tx1"/>
                 </a:solidFill>
@@ -11018,7 +12765,7 @@
           <a:p>
             <a:fld id="{14DE990B-4FB7-4A7F-817E-CABDB30FA765}" type="slidenum">
               <a:rPr lang="en-IN" smtClean="0"/>
-              <a:t>14</a:t>
+              <a:t>13</a:t>
             </a:fld>
             <a:endParaRPr lang="en-IN"/>
           </a:p>
@@ -11075,7 +12822,7 @@
           <a:lstStyle/>
           <a:p>
             <a:r>
-              <a:rPr lang="en-US" b="1" dirty="0" smtClean="0"/>
+              <a:rPr lang="en-US" b="1" dirty="0"/>
               <a:t>Objective</a:t>
             </a:r>
             <a:endParaRPr lang="en-IN" b="1" dirty="0"/>
@@ -11112,7 +12859,7 @@
               <a:buChar char="§"/>
             </a:pPr>
             <a:r>
-              <a:rPr lang="en-IN" sz="3400" dirty="0" smtClean="0"/>
+              <a:rPr lang="en-IN" sz="3400" dirty="0"/>
               <a:t>To  develop an autonomous Vehicle model based on physics  that simulate sensors for velocity &amp; distance measurement, lane centring for cruise control using LabVIEW simulation tool.</a:t>
             </a:r>
           </a:p>
@@ -11125,7 +12872,7 @@
               <a:buChar char="§"/>
             </a:pPr>
             <a:r>
-              <a:rPr lang="en-IN" sz="3400" dirty="0" smtClean="0"/>
+              <a:rPr lang="en-IN" sz="3400" dirty="0"/>
               <a:t>To identify,  verify  and validate the functional requirements of the Autonomous vehicle model with respect to safety and security  metrics  defined reliant on SAE Automation Levels.</a:t>
             </a:r>
           </a:p>
@@ -11138,7 +12885,7 @@
               <a:buChar char="§"/>
             </a:pPr>
             <a:r>
-              <a:rPr lang="en-IN" sz="3400" dirty="0" smtClean="0"/>
+              <a:rPr lang="en-IN" sz="3400" dirty="0"/>
               <a:t>Safety requirement analysis is made based on hazard analysis, lane control, automatic braking system and accidental failures.</a:t>
             </a:r>
           </a:p>
@@ -11151,7 +12898,7 @@
               <a:buChar char="§"/>
             </a:pPr>
             <a:r>
-              <a:rPr lang="en-IN" sz="3400" dirty="0" smtClean="0"/>
+              <a:rPr lang="en-IN" sz="3400" dirty="0"/>
               <a:t>Security requirements are analysed based on the threat and risk assessments</a:t>
             </a:r>
           </a:p>
@@ -11229,7 +12976,7 @@
           <a:lstStyle/>
           <a:p>
             <a:r>
-              <a:rPr lang="en-US" b="1" dirty="0" smtClean="0"/>
+              <a:rPr lang="en-US" b="1" dirty="0"/>
               <a:t>Safety Requirements</a:t>
             </a:r>
             <a:endParaRPr lang="en-IN" b="1" dirty="0"/>
@@ -11335,7 +13082,7 @@
           <a:lstStyle/>
           <a:p>
             <a:r>
-              <a:rPr lang="en-US" b="1" dirty="0" smtClean="0"/>
+              <a:rPr lang="en-US" b="1" dirty="0"/>
               <a:t>Test Cases  for Verification  of Safety Requirements</a:t>
             </a:r>
             <a:endParaRPr lang="en-IN" b="1" dirty="0"/>
@@ -11365,41 +13112,41 @@
           <a:lstStyle/>
           <a:p>
             <a:r>
-              <a:rPr lang="en-US" sz="2400" dirty="0" smtClean="0"/>
+              <a:rPr lang="en-US" sz="2400" dirty="0"/>
               <a:t>1.  </a:t>
             </a:r>
             <a:r>
-              <a:rPr lang="en-IN" sz="2400" dirty="0" smtClean="0"/>
+              <a:rPr lang="en-IN" sz="2400" dirty="0"/>
               <a:t>Drive straight ahead at 60MPH</a:t>
             </a:r>
           </a:p>
           <a:p>
             <a:r>
-              <a:rPr lang="en-US" sz="2400" dirty="0" smtClean="0"/>
+              <a:rPr lang="en-US" sz="2400" dirty="0"/>
               <a:t>2.  Speed Up and Speed down</a:t>
             </a:r>
           </a:p>
           <a:p>
             <a:r>
-              <a:rPr lang="en-US" sz="2400" dirty="0" smtClean="0"/>
+              <a:rPr lang="en-US" sz="2400" dirty="0"/>
               <a:t>3.  Stability of vehicle at 360° turn</a:t>
             </a:r>
           </a:p>
           <a:p>
             <a:r>
-              <a:rPr lang="en-US" sz="2400" dirty="0" smtClean="0"/>
+              <a:rPr lang="en-US" sz="2400" dirty="0"/>
               <a:t>4.  Unsafe Real-Time Driving case</a:t>
             </a:r>
           </a:p>
           <a:p>
             <a:r>
-              <a:rPr lang="en-US" sz="2400" dirty="0" smtClean="0"/>
+              <a:rPr lang="en-US" sz="2400" dirty="0"/>
               <a:t>5.  Obstacle Detection</a:t>
             </a:r>
           </a:p>
           <a:p>
             <a:r>
-              <a:rPr lang="en-US" sz="2400" dirty="0" smtClean="0"/>
+              <a:rPr lang="en-US" sz="2400" dirty="0"/>
               <a:t>6.  Lane control &amp; Seamless Lane Merge</a:t>
             </a:r>
           </a:p>
@@ -11444,6 +13191,14 @@
 <file path=ppt/slides/slide5.xml><?xml version="1.0" encoding="utf-8"?>
 <p:sld xmlns:a="http://schemas.openxmlformats.org/drawingml/2006/main" xmlns:r="http://schemas.openxmlformats.org/officeDocument/2006/relationships" xmlns:p="http://schemas.openxmlformats.org/presentationml/2006/main">
   <p:cSld>
+    <p:bg>
+      <p:bgPr>
+        <a:solidFill>
+          <a:schemeClr val="bg1"/>
+        </a:solidFill>
+        <a:effectLst/>
+      </p:bgPr>
+    </p:bg>
     <p:spTree>
       <p:nvGrpSpPr>
         <p:cNvPr id="1" name=""/>
@@ -11458,6 +13213,121 @@
           <a:chExt cx="0" cy="0"/>
         </a:xfrm>
       </p:grpSpPr>
+      <p:sp useBgFill="1">
+        <p:nvSpPr>
+          <p:cNvPr id="41" name="Rectangle 30">
+            <a:extLst>
+              <a:ext uri="{FF2B5EF4-FFF2-40B4-BE49-F238E27FC236}">
+                <a16:creationId xmlns:a16="http://schemas.microsoft.com/office/drawing/2014/main" id="{1A1C6406-8520-4CCB-B38F-6D4DAC19EC30}"/>
+              </a:ext>
+              <a:ext uri="{C183D7F6-B498-43B3-948B-1728B52AA6E4}">
+                <adec:decorative xmlns:adec="http://schemas.microsoft.com/office/drawing/2017/decorative" val="1"/>
+              </a:ext>
+            </a:extLst>
+          </p:cNvPr>
+          <p:cNvSpPr>
+            <a:spLocks noGrp="1" noRot="1" noChangeAspect="1" noMove="1" noResize="1" noEditPoints="1" noAdjustHandles="1" noChangeArrowheads="1" noChangeShapeType="1" noTextEdit="1"/>
+          </p:cNvSpPr>
+          <p:nvPr>
+            <p:extLst>
+              <p:ext uri="{386F3935-93C4-4BCD-93E2-E3B085C9AB24}">
+                <p16:designElem xmlns:p16="http://schemas.microsoft.com/office/powerpoint/2015/main" val="1"/>
+              </p:ext>
+            </p:extLst>
+          </p:nvPr>
+        </p:nvSpPr>
+        <p:spPr>
+          <a:xfrm>
+            <a:off x="0" y="0"/>
+            <a:ext cx="12186315" cy="6858000"/>
+          </a:xfrm>
+          <a:prstGeom prst="rect">
+            <a:avLst/>
+          </a:prstGeom>
+          <a:ln>
+            <a:noFill/>
+          </a:ln>
+        </p:spPr>
+        <p:style>
+          <a:lnRef idx="2">
+            <a:schemeClr val="accent6">
+              <a:shade val="50000"/>
+            </a:schemeClr>
+          </a:lnRef>
+          <a:fillRef idx="1001">
+            <a:schemeClr val="lt1"/>
+          </a:fillRef>
+          <a:effectRef idx="0">
+            <a:schemeClr val="accent6"/>
+          </a:effectRef>
+          <a:fontRef idx="minor">
+            <a:schemeClr val="lt1"/>
+          </a:fontRef>
+        </p:style>
+        <p:txBody>
+          <a:bodyPr rtlCol="0" anchor="ctr"/>
+          <a:lstStyle/>
+          <a:p>
+            <a:pPr algn="ctr"/>
+            <a:endParaRPr lang="en-US"/>
+          </a:p>
+        </p:txBody>
+      </p:sp>
+      <p:sp>
+        <p:nvSpPr>
+          <p:cNvPr id="33" name="Rectangle 32">
+            <a:extLst>
+              <a:ext uri="{FF2B5EF4-FFF2-40B4-BE49-F238E27FC236}">
+                <a16:creationId xmlns:a16="http://schemas.microsoft.com/office/drawing/2014/main" id="{D2893A1F-D5D8-4034-A28F-4D8F18C46BCC}"/>
+              </a:ext>
+              <a:ext uri="{C183D7F6-B498-43B3-948B-1728B52AA6E4}">
+                <adec:decorative xmlns:adec="http://schemas.microsoft.com/office/drawing/2017/decorative" val="1"/>
+              </a:ext>
+            </a:extLst>
+          </p:cNvPr>
+          <p:cNvSpPr>
+            <a:spLocks noGrp="1" noRot="1" noChangeAspect="1" noMove="1" noResize="1" noEditPoints="1" noAdjustHandles="1" noChangeArrowheads="1" noChangeShapeType="1" noTextEdit="1"/>
+          </p:cNvSpPr>
+          <p:nvPr>
+            <p:extLst>
+              <p:ext uri="{386F3935-93C4-4BCD-93E2-E3B085C9AB24}">
+                <p16:designElem xmlns:p16="http://schemas.microsoft.com/office/powerpoint/2015/main" val="1"/>
+              </p:ext>
+            </p:extLst>
+          </p:nvPr>
+        </p:nvSpPr>
+        <p:spPr>
+          <a:xfrm>
+            <a:off x="16" y="0"/>
+            <a:ext cx="4590273" cy="6858000"/>
+          </a:xfrm>
+          <a:prstGeom prst="rect">
+            <a:avLst/>
+          </a:prstGeom>
+          <a:solidFill>
+            <a:schemeClr val="accent2"/>
+          </a:solidFill>
+          <a:ln>
+            <a:noFill/>
+          </a:ln>
+        </p:spPr>
+        <p:style>
+          <a:lnRef idx="2">
+            <a:schemeClr val="accent1">
+              <a:shade val="50000"/>
+            </a:schemeClr>
+          </a:lnRef>
+          <a:fillRef idx="1">
+            <a:schemeClr val="accent1"/>
+          </a:fillRef>
+          <a:effectRef idx="0">
+            <a:schemeClr val="accent1"/>
+          </a:effectRef>
+          <a:fontRef idx="minor">
+            <a:schemeClr val="lt1"/>
+          </a:fontRef>
+        </p:style>
+      </p:sp>
       <p:sp>
         <p:nvSpPr>
           <p:cNvPr id="2" name="Title 1"/>
@@ -11470,45 +13340,63 @@
         </p:nvSpPr>
         <p:spPr>
           <a:xfrm>
-            <a:off x="1097280" y="286603"/>
-            <a:ext cx="10058400" cy="1359317"/>
+            <a:off x="492369" y="516835"/>
+            <a:ext cx="3735502" cy="2103875"/>
           </a:xfrm>
         </p:spPr>
         <p:txBody>
           <a:bodyPr>
-            <a:normAutofit fontScale="90000"/>
+            <a:normAutofit/>
           </a:bodyPr>
           <a:lstStyle/>
           <a:p>
             <a:r>
-              <a:rPr lang="en-US" sz="3600" b="1" dirty="0" smtClean="0"/>
+              <a:rPr lang="en-US" sz="2500" b="1">
+                <a:solidFill>
+                  <a:srgbClr val="FFFFFF"/>
+                </a:solidFill>
+              </a:rPr>
               <a:t>Model Based Autonomous Vehicle Control Design </a:t>
             </a:r>
-            <a:r>
-              <a:rPr lang="en-US" sz="3200" b="1" dirty="0" smtClean="0"/>
-              <a:t/>
-            </a:r>
             <a:br>
-              <a:rPr lang="en-US" sz="3200" b="1" dirty="0" smtClean="0"/>
+              <a:rPr lang="en-US" sz="2500" b="1">
+                <a:solidFill>
+                  <a:srgbClr val="FFFFFF"/>
+                </a:solidFill>
+              </a:rPr>
+            </a:br>
+            <a:br>
+              <a:rPr lang="en-US" sz="2500" b="1">
+                <a:solidFill>
+                  <a:srgbClr val="FFFFFF"/>
+                </a:solidFill>
+              </a:rPr>
             </a:br>
             <a:r>
-              <a:rPr lang="en-US" sz="3200" b="1" dirty="0" smtClean="0"/>
-              <a:t/>
-            </a:r>
-            <a:br>
-              <a:rPr lang="en-US" sz="3200" b="1" dirty="0" smtClean="0"/>
-            </a:br>
-            <a:r>
-              <a:rPr lang="en-US" sz="3200" b="1" i="1" dirty="0" smtClean="0"/>
+              <a:rPr lang="en-US" sz="2500" b="1" i="1">
+                <a:solidFill>
+                  <a:srgbClr val="FFFFFF"/>
+                </a:solidFill>
+              </a:rPr>
               <a:t>Car Simulation Model – Block Diagram</a:t>
             </a:r>
-            <a:endParaRPr lang="en-IN" sz="3200" b="1" i="1" dirty="0"/>
+            <a:endParaRPr lang="en-IN" sz="2500" b="1" i="1">
+              <a:solidFill>
+                <a:srgbClr val="FFFFFF"/>
+              </a:solidFill>
+            </a:endParaRPr>
           </a:p>
         </p:txBody>
       </p:sp>
       <p:sp>
         <p:nvSpPr>
-          <p:cNvPr id="3" name="Content Placeholder 2"/>
+          <p:cNvPr id="10" name="Content Placeholder 9">
+            <a:extLst>
+              <a:ext uri="{FF2B5EF4-FFF2-40B4-BE49-F238E27FC236}">
+                <a16:creationId xmlns:a16="http://schemas.microsoft.com/office/drawing/2014/main" id="{00C40D61-6993-2251-C065-402973F12657}"/>
+              </a:ext>
+            </a:extLst>
+          </p:cNvPr>
           <p:cNvSpPr>
             <a:spLocks noGrp="1"/>
           </p:cNvSpPr>
@@ -11516,15 +13404,54 @@
             <p:ph idx="1"/>
           </p:nvPr>
         </p:nvSpPr>
-        <p:spPr/>
+        <p:spPr>
+          <a:xfrm>
+            <a:off x="492371" y="2653800"/>
+            <a:ext cx="3735500" cy="3335519"/>
+          </a:xfrm>
+        </p:spPr>
         <p:txBody>
-          <a:bodyPr/>
+          <a:bodyPr>
+            <a:normAutofit/>
+          </a:bodyPr>
           <a:lstStyle/>
           <a:p>
-            <a:pPr marL="0" indent="0">
-              <a:buNone/>
-            </a:pPr>
-            <a:endParaRPr lang="en-IN" dirty="0"/>
+            <a:r>
+              <a:rPr lang="en-US" sz="1500">
+                <a:solidFill>
+                  <a:srgbClr val="FFFFFF"/>
+                </a:solidFill>
+              </a:rPr>
+              <a:t>Physics-oriented, using stacked integration to calculate the position, velocity, and acceleration from an input force.</a:t>
+            </a:r>
+          </a:p>
+          <a:p>
+            <a:r>
+              <a:rPr lang="en-US" sz="1500">
+                <a:solidFill>
+                  <a:srgbClr val="FFFFFF"/>
+                </a:solidFill>
+              </a:rPr>
+              <a:t>Based on the equations present in “</a:t>
+            </a:r>
+            <a:r>
+              <a:rPr lang="en-US" sz="1500" b="0" i="0" u="none" strike="noStrike" baseline="0">
+                <a:solidFill>
+                  <a:srgbClr val="FFFFFF"/>
+                </a:solidFill>
+              </a:rPr>
+              <a:t>Kinematic and Dynamic Vehicle Models for Autonomous Driving Control Design”</a:t>
+            </a:r>
+          </a:p>
+          <a:p>
+            <a:r>
+              <a:rPr lang="en-US" sz="1500">
+                <a:solidFill>
+                  <a:srgbClr val="FFFFFF"/>
+                </a:solidFill>
+              </a:rPr>
+              <a:t>Provides physical variables of the autonomous vehicle as a result of the inputs over time.</a:t>
+            </a:r>
           </a:p>
         </p:txBody>
       </p:sp>
@@ -11538,19 +13465,212 @@
             <p:ph type="sldNum" sz="quarter" idx="12"/>
           </p:nvPr>
         </p:nvSpPr>
-        <p:spPr/>
+        <p:spPr>
+          <a:xfrm>
+            <a:off x="205852" y="6459785"/>
+            <a:ext cx="1312025" cy="365125"/>
+          </a:xfrm>
+        </p:spPr>
         <p:txBody>
-          <a:bodyPr/>
+          <a:bodyPr>
+            <a:normAutofit/>
+          </a:bodyPr>
           <a:lstStyle/>
           <a:p>
+            <a:pPr algn="l">
+              <a:spcAft>
+                <a:spcPts val="600"/>
+              </a:spcAft>
+            </a:pPr>
             <a:fld id="{14DE990B-4FB7-4A7F-817E-CABDB30FA765}" type="slidenum">
-              <a:rPr lang="en-IN" smtClean="0"/>
+              <a:rPr lang="en-IN"/>
+              <a:pPr algn="l">
+                <a:spcAft>
+                  <a:spcPts val="600"/>
+                </a:spcAft>
+              </a:pPr>
               <a:t>5</a:t>
             </a:fld>
             <a:endParaRPr lang="en-IN"/>
           </a:p>
         </p:txBody>
       </p:sp>
+      <p:sp>
+        <p:nvSpPr>
+          <p:cNvPr id="35" name="Rectangle 34">
+            <a:extLst>
+              <a:ext uri="{FF2B5EF4-FFF2-40B4-BE49-F238E27FC236}">
+                <a16:creationId xmlns:a16="http://schemas.microsoft.com/office/drawing/2014/main" id="{A108754F-0BAB-43E5-8CCC-828C2FC9B2A2}"/>
+              </a:ext>
+              <a:ext uri="{C183D7F6-B498-43B3-948B-1728B52AA6E4}">
+                <adec:decorative xmlns:adec="http://schemas.microsoft.com/office/drawing/2017/decorative" val="1"/>
+              </a:ext>
+            </a:extLst>
+          </p:cNvPr>
+          <p:cNvSpPr>
+            <a:spLocks noGrp="1" noRot="1" noChangeAspect="1" noMove="1" noResize="1" noEditPoints="1" noAdjustHandles="1" noChangeArrowheads="1" noChangeShapeType="1" noTextEdit="1"/>
+          </p:cNvSpPr>
+          <p:nvPr>
+            <p:extLst>
+              <p:ext uri="{386F3935-93C4-4BCD-93E2-E3B085C9AB24}">
+                <p16:designElem xmlns:p16="http://schemas.microsoft.com/office/powerpoint/2015/main" val="1"/>
+              </p:ext>
+            </p:extLst>
+          </p:nvPr>
+        </p:nvSpPr>
+        <p:spPr>
+          <a:xfrm>
+            <a:off x="4590679" y="0"/>
+            <a:ext cx="64008" cy="6858000"/>
+          </a:xfrm>
+          <a:prstGeom prst="rect">
+            <a:avLst/>
+          </a:prstGeom>
+          <a:solidFill>
+            <a:schemeClr val="accent1"/>
+          </a:solidFill>
+          <a:ln>
+            <a:noFill/>
+          </a:ln>
+        </p:spPr>
+        <p:style>
+          <a:lnRef idx="2">
+            <a:schemeClr val="accent1">
+              <a:shade val="50000"/>
+            </a:schemeClr>
+          </a:lnRef>
+          <a:fillRef idx="1">
+            <a:schemeClr val="accent1"/>
+          </a:fillRef>
+          <a:effectRef idx="0">
+            <a:schemeClr val="accent1"/>
+          </a:effectRef>
+          <a:fontRef idx="minor">
+            <a:schemeClr val="lt1"/>
+          </a:fontRef>
+        </p:style>
+      </p:sp>
+      <p:pic>
+        <p:nvPicPr>
+          <p:cNvPr id="8" name="Picture 7">
+            <a:extLst>
+              <a:ext uri="{FF2B5EF4-FFF2-40B4-BE49-F238E27FC236}">
+                <a16:creationId xmlns:a16="http://schemas.microsoft.com/office/drawing/2014/main" id="{EB105DBE-8FCC-40DF-9066-8CD770BD8305}"/>
+              </a:ext>
+            </a:extLst>
+          </p:cNvPr>
+          <p:cNvPicPr>
+            <a:picLocks noChangeAspect="1"/>
+          </p:cNvPicPr>
+          <p:nvPr/>
+        </p:nvPicPr>
+        <p:blipFill rotWithShape="1">
+          <a:blip r:embed="rId2"/>
+          <a:srcRect r="4" b="6414"/>
+          <a:stretch/>
+        </p:blipFill>
+        <p:spPr>
+          <a:xfrm>
+            <a:off x="4895437" y="0"/>
+            <a:ext cx="3606643" cy="3358597"/>
+          </a:xfrm>
+          <a:prstGeom prst="rect">
+            <a:avLst/>
+          </a:prstGeom>
+        </p:spPr>
+      </p:pic>
+      <p:sp>
+        <p:nvSpPr>
+          <p:cNvPr id="42" name="Rectangle 36">
+            <a:extLst>
+              <a:ext uri="{FF2B5EF4-FFF2-40B4-BE49-F238E27FC236}">
+                <a16:creationId xmlns:a16="http://schemas.microsoft.com/office/drawing/2014/main" id="{6FBFE7E1-0D9B-4B97-B754-C685448793B7}"/>
+              </a:ext>
+              <a:ext uri="{C183D7F6-B498-43B3-948B-1728B52AA6E4}">
+                <adec:decorative xmlns:adec="http://schemas.microsoft.com/office/drawing/2017/decorative" val="1"/>
+              </a:ext>
+            </a:extLst>
+          </p:cNvPr>
+          <p:cNvSpPr>
+            <a:spLocks noGrp="1" noRot="1" noChangeAspect="1" noMove="1" noResize="1" noEditPoints="1" noAdjustHandles="1" noChangeArrowheads="1" noChangeShapeType="1" noTextEdit="1"/>
+          </p:cNvSpPr>
+          <p:nvPr>
+            <p:extLst>
+              <p:ext uri="{386F3935-93C4-4BCD-93E2-E3B085C9AB24}">
+                <p16:designElem xmlns:p16="http://schemas.microsoft.com/office/powerpoint/2015/main" val="1"/>
+              </p:ext>
+            </p:extLst>
+          </p:nvPr>
+        </p:nvSpPr>
+        <p:spPr>
+          <a:xfrm>
+            <a:off x="8576279" y="0"/>
+            <a:ext cx="3610035" cy="3355942"/>
+          </a:xfrm>
+          <a:prstGeom prst="rect">
+            <a:avLst/>
+          </a:prstGeom>
+          <a:solidFill>
+            <a:schemeClr val="accent1"/>
+          </a:solidFill>
+          <a:ln>
+            <a:noFill/>
+          </a:ln>
+        </p:spPr>
+        <p:style>
+          <a:lnRef idx="2">
+            <a:schemeClr val="accent1">
+              <a:shade val="50000"/>
+            </a:schemeClr>
+          </a:lnRef>
+          <a:fillRef idx="1">
+            <a:schemeClr val="accent1"/>
+          </a:fillRef>
+          <a:effectRef idx="0">
+            <a:schemeClr val="accent1"/>
+          </a:effectRef>
+          <a:fontRef idx="minor">
+            <a:schemeClr val="lt1"/>
+          </a:fontRef>
+        </p:style>
+        <p:txBody>
+          <a:bodyPr rtlCol="0" anchor="ctr"/>
+          <a:lstStyle/>
+          <a:p>
+            <a:pPr algn="ctr"/>
+            <a:endParaRPr lang="en-US"/>
+          </a:p>
+        </p:txBody>
+      </p:sp>
+      <p:pic>
+        <p:nvPicPr>
+          <p:cNvPr id="6" name="Content Placeholder 5">
+            <a:extLst>
+              <a:ext uri="{FF2B5EF4-FFF2-40B4-BE49-F238E27FC236}">
+                <a16:creationId xmlns:a16="http://schemas.microsoft.com/office/drawing/2014/main" id="{B090C5BC-30C9-4F3C-8355-F2EE4A7D0470}"/>
+              </a:ext>
+            </a:extLst>
+          </p:cNvPr>
+          <p:cNvPicPr>
+            <a:picLocks noChangeAspect="1"/>
+          </p:cNvPicPr>
+          <p:nvPr/>
+        </p:nvPicPr>
+        <p:blipFill rotWithShape="1">
+          <a:blip r:embed="rId3"/>
+          <a:srcRect t="6374" r="2" b="1372"/>
+          <a:stretch/>
+        </p:blipFill>
+        <p:spPr>
+          <a:xfrm>
+            <a:off x="4812160" y="3504904"/>
+            <a:ext cx="7379840" cy="3353096"/>
+          </a:xfrm>
+          <a:prstGeom prst="rect">
+            <a:avLst/>
+          </a:prstGeom>
+        </p:spPr>
+      </p:pic>
     </p:spTree>
     <p:extLst>
       <p:ext uri="{BB962C8B-B14F-4D97-AF65-F5344CB8AC3E}">
@@ -11567,6 +13687,14 @@
 <file path=ppt/slides/slide6.xml><?xml version="1.0" encoding="utf-8"?>
 <p:sld xmlns:a="http://schemas.openxmlformats.org/drawingml/2006/main" xmlns:r="http://schemas.openxmlformats.org/officeDocument/2006/relationships" xmlns:p="http://schemas.openxmlformats.org/presentationml/2006/main">
   <p:cSld>
+    <p:bg>
+      <p:bgPr>
+        <a:solidFill>
+          <a:schemeClr val="bg1"/>
+        </a:solidFill>
+        <a:effectLst/>
+      </p:bgPr>
+    </p:bg>
     <p:spTree>
       <p:nvGrpSpPr>
         <p:cNvPr id="1" name=""/>
@@ -11581,6 +13709,121 @@
           <a:chExt cx="0" cy="0"/>
         </a:xfrm>
       </p:grpSpPr>
+      <p:sp useBgFill="1">
+        <p:nvSpPr>
+          <p:cNvPr id="13" name="Rectangle 12">
+            <a:extLst>
+              <a:ext uri="{FF2B5EF4-FFF2-40B4-BE49-F238E27FC236}">
+                <a16:creationId xmlns:a16="http://schemas.microsoft.com/office/drawing/2014/main" id="{E48D01E3-AED1-46C9-B523-17A9461C00EB}"/>
+              </a:ext>
+              <a:ext uri="{C183D7F6-B498-43B3-948B-1728B52AA6E4}">
+                <adec:decorative xmlns:adec="http://schemas.microsoft.com/office/drawing/2017/decorative" val="1"/>
+              </a:ext>
+            </a:extLst>
+          </p:cNvPr>
+          <p:cNvSpPr>
+            <a:spLocks noGrp="1" noRot="1" noChangeAspect="1" noMove="1" noResize="1" noEditPoints="1" noAdjustHandles="1" noChangeArrowheads="1" noChangeShapeType="1" noTextEdit="1"/>
+          </p:cNvSpPr>
+          <p:nvPr>
+            <p:extLst>
+              <p:ext uri="{386F3935-93C4-4BCD-93E2-E3B085C9AB24}">
+                <p16:designElem xmlns:p16="http://schemas.microsoft.com/office/powerpoint/2015/main" val="1"/>
+              </p:ext>
+            </p:extLst>
+          </p:nvPr>
+        </p:nvSpPr>
+        <p:spPr>
+          <a:xfrm>
+            <a:off x="0" y="0"/>
+            <a:ext cx="12190459" cy="6858000"/>
+          </a:xfrm>
+          <a:prstGeom prst="rect">
+            <a:avLst/>
+          </a:prstGeom>
+          <a:ln>
+            <a:noFill/>
+          </a:ln>
+        </p:spPr>
+        <p:style>
+          <a:lnRef idx="2">
+            <a:schemeClr val="accent1">
+              <a:shade val="50000"/>
+            </a:schemeClr>
+          </a:lnRef>
+          <a:fillRef idx="1">
+            <a:schemeClr val="accent1"/>
+          </a:fillRef>
+          <a:effectRef idx="0">
+            <a:schemeClr val="accent1"/>
+          </a:effectRef>
+          <a:fontRef idx="minor">
+            <a:schemeClr val="lt1"/>
+          </a:fontRef>
+        </p:style>
+        <p:txBody>
+          <a:bodyPr rtlCol="0" anchor="ctr"/>
+          <a:lstStyle/>
+          <a:p>
+            <a:pPr algn="ctr"/>
+            <a:endParaRPr lang="en-US"/>
+          </a:p>
+        </p:txBody>
+      </p:sp>
+      <p:sp>
+        <p:nvSpPr>
+          <p:cNvPr id="15" name="Rectangle 14">
+            <a:extLst>
+              <a:ext uri="{FF2B5EF4-FFF2-40B4-BE49-F238E27FC236}">
+                <a16:creationId xmlns:a16="http://schemas.microsoft.com/office/drawing/2014/main" id="{7695FC05-2594-4673-AAC8-0FD2D0413A4F}"/>
+              </a:ext>
+              <a:ext uri="{C183D7F6-B498-43B3-948B-1728B52AA6E4}">
+                <adec:decorative xmlns:adec="http://schemas.microsoft.com/office/drawing/2017/decorative" val="1"/>
+              </a:ext>
+            </a:extLst>
+          </p:cNvPr>
+          <p:cNvSpPr>
+            <a:spLocks noGrp="1" noRot="1" noChangeAspect="1" noMove="1" noResize="1" noEditPoints="1" noAdjustHandles="1" noChangeArrowheads="1" noChangeShapeType="1" noTextEdit="1"/>
+          </p:cNvSpPr>
+          <p:nvPr>
+            <p:extLst>
+              <p:ext uri="{386F3935-93C4-4BCD-93E2-E3B085C9AB24}">
+                <p16:designElem xmlns:p16="http://schemas.microsoft.com/office/powerpoint/2015/main" val="1"/>
+              </p:ext>
+            </p:extLst>
+          </p:nvPr>
+        </p:nvSpPr>
+        <p:spPr bwMode="white">
+          <a:xfrm>
+            <a:off x="15" y="0"/>
+            <a:ext cx="7547879" cy="6858000"/>
+          </a:xfrm>
+          <a:prstGeom prst="rect">
+            <a:avLst/>
+          </a:prstGeom>
+          <a:solidFill>
+            <a:schemeClr val="accent2"/>
+          </a:solidFill>
+          <a:ln>
+            <a:noFill/>
+          </a:ln>
+        </p:spPr>
+        <p:style>
+          <a:lnRef idx="2">
+            <a:schemeClr val="accent1">
+              <a:shade val="50000"/>
+            </a:schemeClr>
+          </a:lnRef>
+          <a:fillRef idx="1">
+            <a:schemeClr val="accent1"/>
+          </a:fillRef>
+          <a:effectRef idx="0">
+            <a:schemeClr val="accent1"/>
+          </a:effectRef>
+          <a:fontRef idx="minor">
+            <a:schemeClr val="lt1"/>
+          </a:fontRef>
+        </p:style>
+      </p:sp>
       <p:sp>
         <p:nvSpPr>
           <p:cNvPr id="2" name="Title 1"/>
@@ -11593,8 +13836,8 @@
         </p:nvSpPr>
         <p:spPr>
           <a:xfrm>
-            <a:off x="1096963" y="853440"/>
-            <a:ext cx="10058400" cy="701040"/>
+            <a:off x="1097280" y="516835"/>
+            <a:ext cx="5977937" cy="1666501"/>
           </a:xfrm>
         </p:spPr>
         <p:txBody>
@@ -11604,22 +13847,402 @@
           <a:lstStyle/>
           <a:p>
             <a:r>
-              <a:rPr lang="en-US" sz="4000" b="1" dirty="0" smtClean="0"/>
-              <a:t>Car simulation Model- Block Diagram</a:t>
+              <a:rPr lang="en-US" sz="4000" b="1">
+                <a:solidFill>
+                  <a:srgbClr val="FFFFFF"/>
+                </a:solidFill>
+              </a:rPr>
+              <a:t>Test Generator</a:t>
             </a:r>
-            <a:endParaRPr lang="en-IN" sz="4000" b="1" dirty="0"/>
+            <a:endParaRPr lang="en-IN" sz="4000" b="1">
+              <a:solidFill>
+                <a:srgbClr val="FFFFFF"/>
+              </a:solidFill>
+            </a:endParaRPr>
           </a:p>
         </p:txBody>
+      </p:sp>
+      <p:graphicFrame>
+        <p:nvGraphicFramePr>
+          <p:cNvPr id="21" name="Content Placeholder 9">
+            <a:extLst>
+              <a:ext uri="{FF2B5EF4-FFF2-40B4-BE49-F238E27FC236}">
+                <a16:creationId xmlns:a16="http://schemas.microsoft.com/office/drawing/2014/main" id="{6559DE89-A59E-9602-7C53-AB1FCBE80457}"/>
+              </a:ext>
+            </a:extLst>
+          </p:cNvPr>
+          <p:cNvGraphicFramePr>
+            <a:graphicFrameLocks noGrp="1"/>
+          </p:cNvGraphicFramePr>
+          <p:nvPr>
+            <p:ph idx="1"/>
+          </p:nvPr>
+        </p:nvGraphicFramePr>
+        <p:xfrm>
+          <a:off x="1097279" y="2236304"/>
+          <a:ext cx="5977938" cy="3652667"/>
+        </p:xfrm>
+        <a:graphic>
+          <a:graphicData uri="http://schemas.openxmlformats.org/drawingml/2006/diagram">
+            <dgm:relIds xmlns:dgm="http://schemas.openxmlformats.org/drawingml/2006/diagram" xmlns:r="http://schemas.openxmlformats.org/officeDocument/2006/relationships" r:dm="rId2" r:lo="rId3" r:qs="rId4" r:cs="rId5"/>
+          </a:graphicData>
+        </a:graphic>
+      </p:graphicFrame>
+      <p:sp>
+        <p:nvSpPr>
+          <p:cNvPr id="17" name="Rectangle 16">
+            <a:extLst>
+              <a:ext uri="{FF2B5EF4-FFF2-40B4-BE49-F238E27FC236}">
+                <a16:creationId xmlns:a16="http://schemas.microsoft.com/office/drawing/2014/main" id="{DF327FF0-C38E-4831-A8A2-BD705672D281}"/>
+              </a:ext>
+              <a:ext uri="{C183D7F6-B498-43B3-948B-1728B52AA6E4}">
+                <adec:decorative xmlns:adec="http://schemas.microsoft.com/office/drawing/2017/decorative" val="1"/>
+              </a:ext>
+            </a:extLst>
+          </p:cNvPr>
+          <p:cNvSpPr>
+            <a:spLocks noGrp="1" noRot="1" noChangeAspect="1" noMove="1" noResize="1" noEditPoints="1" noAdjustHandles="1" noChangeArrowheads="1" noChangeShapeType="1" noTextEdit="1"/>
+          </p:cNvSpPr>
+          <p:nvPr>
+            <p:extLst>
+              <p:ext uri="{386F3935-93C4-4BCD-93E2-E3B085C9AB24}">
+                <p16:designElem xmlns:p16="http://schemas.microsoft.com/office/powerpoint/2015/main" val="1"/>
+              </p:ext>
+            </p:extLst>
+          </p:nvPr>
+        </p:nvSpPr>
+        <p:spPr>
+          <a:xfrm>
+            <a:off x="7547894" y="0"/>
+            <a:ext cx="64008" cy="6858000"/>
+          </a:xfrm>
+          <a:prstGeom prst="rect">
+            <a:avLst/>
+          </a:prstGeom>
+          <a:solidFill>
+            <a:schemeClr val="accent1"/>
+          </a:solidFill>
+          <a:ln>
+            <a:noFill/>
+          </a:ln>
+        </p:spPr>
+        <p:style>
+          <a:lnRef idx="2">
+            <a:schemeClr val="accent1">
+              <a:shade val="50000"/>
+            </a:schemeClr>
+          </a:lnRef>
+          <a:fillRef idx="1">
+            <a:schemeClr val="accent1"/>
+          </a:fillRef>
+          <a:effectRef idx="0">
+            <a:schemeClr val="accent1"/>
+          </a:effectRef>
+          <a:fontRef idx="minor">
+            <a:schemeClr val="lt1"/>
+          </a:fontRef>
+        </p:style>
       </p:sp>
       <p:pic>
         <p:nvPicPr>
           <p:cNvPr id="4" name="Content Placeholder 3"/>
           <p:cNvPicPr>
-            <a:picLocks noGrp="1" noChangeAspect="1"/>
+            <a:picLocks noChangeAspect="1"/>
           </p:cNvPicPr>
+          <p:nvPr/>
+        </p:nvPicPr>
+        <p:blipFill>
+          <a:blip r:embed="rId7"/>
+          <a:stretch>
+            <a:fillRect/>
+          </a:stretch>
+        </p:blipFill>
+        <p:spPr>
+          <a:xfrm>
+            <a:off x="8084579" y="963345"/>
+            <a:ext cx="3609294" cy="1633205"/>
+          </a:xfrm>
+          <a:prstGeom prst="rect">
+            <a:avLst/>
+          </a:prstGeom>
+        </p:spPr>
+      </p:pic>
+      <p:sp>
+        <p:nvSpPr>
+          <p:cNvPr id="19" name="Rectangle 18">
+            <a:extLst>
+              <a:ext uri="{FF2B5EF4-FFF2-40B4-BE49-F238E27FC236}">
+                <a16:creationId xmlns:a16="http://schemas.microsoft.com/office/drawing/2014/main" id="{13AC83F2-62BC-408B-8009-1BF496146533}"/>
+              </a:ext>
+              <a:ext uri="{C183D7F6-B498-43B3-948B-1728B52AA6E4}">
+                <adec:decorative xmlns:adec="http://schemas.microsoft.com/office/drawing/2017/decorative" val="1"/>
+              </a:ext>
+            </a:extLst>
+          </p:cNvPr>
+          <p:cNvSpPr>
+            <a:spLocks noGrp="1" noRot="1" noChangeAspect="1" noMove="1" noResize="1" noEditPoints="1" noAdjustHandles="1" noChangeArrowheads="1" noChangeShapeType="1" noTextEdit="1"/>
+          </p:cNvSpPr>
           <p:nvPr>
-            <p:ph idx="1"/>
+            <p:extLst>
+              <p:ext uri="{386F3935-93C4-4BCD-93E2-E3B085C9AB24}">
+                <p16:designElem xmlns:p16="http://schemas.microsoft.com/office/powerpoint/2015/main" val="1"/>
+              </p:ext>
+            </p:extLst>
           </p:nvPr>
+        </p:nvSpPr>
+        <p:spPr>
+          <a:xfrm>
+            <a:off x="7547894" y="3396996"/>
+            <a:ext cx="4642565" cy="64008"/>
+          </a:xfrm>
+          <a:prstGeom prst="rect">
+            <a:avLst/>
+          </a:prstGeom>
+          <a:solidFill>
+            <a:schemeClr val="accent1"/>
+          </a:solidFill>
+          <a:ln>
+            <a:noFill/>
+          </a:ln>
+        </p:spPr>
+        <p:style>
+          <a:lnRef idx="2">
+            <a:schemeClr val="accent1">
+              <a:shade val="50000"/>
+            </a:schemeClr>
+          </a:lnRef>
+          <a:fillRef idx="1">
+            <a:schemeClr val="accent1"/>
+          </a:fillRef>
+          <a:effectRef idx="0">
+            <a:schemeClr val="accent1"/>
+          </a:effectRef>
+          <a:fontRef idx="minor">
+            <a:schemeClr val="lt1"/>
+          </a:fontRef>
+        </p:style>
+        <p:txBody>
+          <a:bodyPr rtlCol="0" anchor="ctr"/>
+          <a:lstStyle/>
+          <a:p>
+            <a:pPr algn="ctr"/>
+            <a:endParaRPr lang="en-US"/>
+          </a:p>
+        </p:txBody>
+      </p:sp>
+      <p:pic>
+        <p:nvPicPr>
+          <p:cNvPr id="5" name="Picture 4"/>
+          <p:cNvPicPr>
+            <a:picLocks noChangeAspect="1"/>
+          </p:cNvPicPr>
+          <p:nvPr/>
+        </p:nvPicPr>
+        <p:blipFill>
+          <a:blip r:embed="rId8"/>
+          <a:stretch>
+            <a:fillRect/>
+          </a:stretch>
+        </p:blipFill>
+        <p:spPr>
+          <a:xfrm>
+            <a:off x="8084579" y="3914054"/>
+            <a:ext cx="3609294" cy="2327993"/>
+          </a:xfrm>
+          <a:prstGeom prst="rect">
+            <a:avLst/>
+          </a:prstGeom>
+        </p:spPr>
+      </p:pic>
+      <p:sp>
+        <p:nvSpPr>
+          <p:cNvPr id="6" name="Slide Number Placeholder 5"/>
+          <p:cNvSpPr>
+            <a:spLocks noGrp="1"/>
+          </p:cNvSpPr>
+          <p:nvPr>
+            <p:ph type="sldNum" sz="quarter" idx="12"/>
+          </p:nvPr>
+        </p:nvSpPr>
+        <p:spPr>
+          <a:xfrm>
+            <a:off x="9900458" y="6459785"/>
+            <a:ext cx="1312025" cy="365125"/>
+          </a:xfrm>
+        </p:spPr>
+        <p:txBody>
+          <a:bodyPr>
+            <a:normAutofit/>
+          </a:bodyPr>
+          <a:lstStyle/>
+          <a:p>
+            <a:pPr>
+              <a:spcAft>
+                <a:spcPts val="600"/>
+              </a:spcAft>
+            </a:pPr>
+            <a:fld id="{14DE990B-4FB7-4A7F-817E-CABDB30FA765}" type="slidenum">
+              <a:rPr lang="en-IN" smtClean="0">
+                <a:solidFill>
+                  <a:schemeClr val="tx2"/>
+                </a:solidFill>
+              </a:rPr>
+              <a:pPr>
+                <a:spcAft>
+                  <a:spcPts val="600"/>
+                </a:spcAft>
+              </a:pPr>
+              <a:t>6</a:t>
+            </a:fld>
+            <a:endParaRPr lang="en-IN">
+              <a:solidFill>
+                <a:schemeClr val="tx2"/>
+              </a:solidFill>
+            </a:endParaRPr>
+          </a:p>
+        </p:txBody>
+      </p:sp>
+    </p:spTree>
+    <p:extLst>
+      <p:ext uri="{BB962C8B-B14F-4D97-AF65-F5344CB8AC3E}">
+        <p14:creationId xmlns:p14="http://schemas.microsoft.com/office/powerpoint/2010/main" val="669349785"/>
+      </p:ext>
+    </p:extLst>
+  </p:cSld>
+  <p:clrMapOvr>
+    <a:masterClrMapping/>
+  </p:clrMapOvr>
+</p:sld>
+</file>
+
+<file path=ppt/slides/slide7.xml><?xml version="1.0" encoding="utf-8"?>
+<p:sld xmlns:a="http://schemas.openxmlformats.org/drawingml/2006/main" xmlns:r="http://schemas.openxmlformats.org/officeDocument/2006/relationships" xmlns:p="http://schemas.openxmlformats.org/presentationml/2006/main">
+  <p:cSld>
+    <p:bg>
+      <p:bgPr>
+        <a:solidFill>
+          <a:schemeClr val="bg1"/>
+        </a:solidFill>
+        <a:effectLst/>
+      </p:bgPr>
+    </p:bg>
+    <p:spTree>
+      <p:nvGrpSpPr>
+        <p:cNvPr id="1" name=""/>
+        <p:cNvGrpSpPr/>
+        <p:nvPr/>
+      </p:nvGrpSpPr>
+      <p:grpSpPr>
+        <a:xfrm>
+          <a:off x="0" y="0"/>
+          <a:ext cx="0" cy="0"/>
+          <a:chOff x="0" y="0"/>
+          <a:chExt cx="0" cy="0"/>
+        </a:xfrm>
+      </p:grpSpPr>
+      <p:sp useBgFill="1">
+        <p:nvSpPr>
+          <p:cNvPr id="15" name="Rectangle 14">
+            <a:extLst>
+              <a:ext uri="{FF2B5EF4-FFF2-40B4-BE49-F238E27FC236}">
+                <a16:creationId xmlns:a16="http://schemas.microsoft.com/office/drawing/2014/main" id="{605A42EF-68E6-4808-81CD-E5ABD0ED92CA}"/>
+              </a:ext>
+              <a:ext uri="{C183D7F6-B498-43B3-948B-1728B52AA6E4}">
+                <adec:decorative xmlns:adec="http://schemas.microsoft.com/office/drawing/2017/decorative" val="1"/>
+              </a:ext>
+            </a:extLst>
+          </p:cNvPr>
+          <p:cNvSpPr>
+            <a:spLocks noGrp="1" noRot="1" noChangeAspect="1" noMove="1" noResize="1" noEditPoints="1" noAdjustHandles="1" noChangeArrowheads="1" noChangeShapeType="1" noTextEdit="1"/>
+          </p:cNvSpPr>
+          <p:nvPr>
+            <p:extLst>
+              <p:ext uri="{386F3935-93C4-4BCD-93E2-E3B085C9AB24}">
+                <p16:designElem xmlns:p16="http://schemas.microsoft.com/office/powerpoint/2015/main" val="1"/>
+              </p:ext>
+            </p:extLst>
+          </p:nvPr>
+        </p:nvSpPr>
+        <p:spPr>
+          <a:xfrm>
+            <a:off x="0" y="0"/>
+            <a:ext cx="12192001" cy="6334316"/>
+          </a:xfrm>
+          <a:prstGeom prst="rect">
+            <a:avLst/>
+          </a:prstGeom>
+          <a:ln>
+            <a:noFill/>
+          </a:ln>
+        </p:spPr>
+        <p:style>
+          <a:lnRef idx="2">
+            <a:schemeClr val="accent1">
+              <a:shade val="50000"/>
+            </a:schemeClr>
+          </a:lnRef>
+          <a:fillRef idx="1">
+            <a:schemeClr val="accent1"/>
+          </a:fillRef>
+          <a:effectRef idx="0">
+            <a:schemeClr val="accent1"/>
+          </a:effectRef>
+          <a:fontRef idx="minor">
+            <a:schemeClr val="lt1"/>
+          </a:fontRef>
+        </p:style>
+        <p:txBody>
+          <a:bodyPr rtlCol="0" anchor="ctr"/>
+          <a:lstStyle/>
+          <a:p>
+            <a:pPr algn="ctr"/>
+            <a:endParaRPr lang="en-US"/>
+          </a:p>
+        </p:txBody>
+      </p:sp>
+      <p:sp>
+        <p:nvSpPr>
+          <p:cNvPr id="2" name="Title 1"/>
+          <p:cNvSpPr>
+            <a:spLocks noGrp="1"/>
+          </p:cNvSpPr>
+          <p:nvPr>
+            <p:ph type="title"/>
+          </p:nvPr>
+        </p:nvSpPr>
+        <p:spPr>
+          <a:xfrm>
+            <a:off x="6411685" y="634946"/>
+            <a:ext cx="5127171" cy="1450757"/>
+          </a:xfrm>
+        </p:spPr>
+        <p:txBody>
+          <a:bodyPr>
+            <a:normAutofit/>
+          </a:bodyPr>
+          <a:lstStyle/>
+          <a:p>
+            <a:r>
+              <a:rPr lang="en-US" sz="4400" b="1"/>
+              <a:t>Top Level- Verification Dashboard</a:t>
+            </a:r>
+            <a:endParaRPr lang="en-IN" sz="4400" b="1"/>
+          </a:p>
+        </p:txBody>
+      </p:sp>
+      <p:pic>
+        <p:nvPicPr>
+          <p:cNvPr id="8" name="Content Placeholder 7">
+            <a:extLst>
+              <a:ext uri="{FF2B5EF4-FFF2-40B4-BE49-F238E27FC236}">
+                <a16:creationId xmlns:a16="http://schemas.microsoft.com/office/drawing/2014/main" id="{40F91CF7-0BDC-43AB-BF54-0171BD91264B}"/>
+              </a:ext>
+            </a:extLst>
+          </p:cNvPr>
+          <p:cNvPicPr>
+            <a:picLocks noChangeAspect="1"/>
+          </p:cNvPicPr>
+          <p:nvPr/>
         </p:nvPicPr>
         <p:blipFill>
           <a:blip r:embed="rId2"/>
@@ -11629,8 +14252,1010 @@
         </p:blipFill>
         <p:spPr>
           <a:xfrm>
-            <a:off x="1373407" y="1846263"/>
-            <a:ext cx="9505512" cy="4022725"/>
+            <a:off x="643192" y="1810669"/>
+            <a:ext cx="5451627" cy="2916620"/>
+          </a:xfrm>
+          <a:prstGeom prst="rect">
+            <a:avLst/>
+          </a:prstGeom>
+        </p:spPr>
+      </p:pic>
+      <p:cxnSp>
+        <p:nvCxnSpPr>
+          <p:cNvPr id="17" name="Straight Connector 16">
+            <a:extLst>
+              <a:ext uri="{FF2B5EF4-FFF2-40B4-BE49-F238E27FC236}">
+                <a16:creationId xmlns:a16="http://schemas.microsoft.com/office/drawing/2014/main" id="{3C4A154E-1950-4755-A5FC-5998EE0CC14B}"/>
+              </a:ext>
+              <a:ext uri="{C183D7F6-B498-43B3-948B-1728B52AA6E4}">
+                <adec:decorative xmlns:adec="http://schemas.microsoft.com/office/drawing/2017/decorative" val="1"/>
+              </a:ext>
+            </a:extLst>
+          </p:cNvPr>
+          <p:cNvCxnSpPr>
+            <a:cxnSpLocks noGrp="1" noRot="1" noChangeAspect="1" noMove="1" noResize="1" noEditPoints="1" noAdjustHandles="1" noChangeArrowheads="1" noChangeShapeType="1"/>
+          </p:cNvCxnSpPr>
+          <p:nvPr>
+            <p:extLst>
+              <p:ext uri="{386F3935-93C4-4BCD-93E2-E3B085C9AB24}">
+                <p16:designElem xmlns:p16="http://schemas.microsoft.com/office/powerpoint/2015/main" val="1"/>
+              </p:ext>
+            </p:extLst>
+          </p:nvPr>
+        </p:nvCxnSpPr>
+        <p:spPr>
+          <a:xfrm>
+            <a:off x="6411684" y="2086188"/>
+            <a:ext cx="4748808" cy="0"/>
+          </a:xfrm>
+          <a:prstGeom prst="line">
+            <a:avLst/>
+          </a:prstGeom>
+          <a:ln w="6350">
+            <a:solidFill>
+              <a:schemeClr val="tx1">
+                <a:lumMod val="50000"/>
+                <a:lumOff val="50000"/>
+                <a:alpha val="90000"/>
+              </a:schemeClr>
+            </a:solidFill>
+          </a:ln>
+        </p:spPr>
+        <p:style>
+          <a:lnRef idx="1">
+            <a:schemeClr val="accent1"/>
+          </a:lnRef>
+          <a:fillRef idx="0">
+            <a:schemeClr val="accent1"/>
+          </a:fillRef>
+          <a:effectRef idx="0">
+            <a:schemeClr val="accent1"/>
+          </a:effectRef>
+          <a:fontRef idx="minor">
+            <a:schemeClr val="tx1"/>
+          </a:fontRef>
+        </p:style>
+      </p:cxnSp>
+      <p:sp>
+        <p:nvSpPr>
+          <p:cNvPr id="12" name="Content Placeholder 11">
+            <a:extLst>
+              <a:ext uri="{FF2B5EF4-FFF2-40B4-BE49-F238E27FC236}">
+                <a16:creationId xmlns:a16="http://schemas.microsoft.com/office/drawing/2014/main" id="{C71C34D7-61E8-5959-8FDF-E0D6988D5145}"/>
+              </a:ext>
+            </a:extLst>
+          </p:cNvPr>
+          <p:cNvSpPr>
+            <a:spLocks noGrp="1"/>
+          </p:cNvSpPr>
+          <p:nvPr>
+            <p:ph idx="1"/>
+          </p:nvPr>
+        </p:nvSpPr>
+        <p:spPr>
+          <a:xfrm>
+            <a:off x="6411684" y="2198914"/>
+            <a:ext cx="5127172" cy="3670180"/>
+          </a:xfrm>
+        </p:spPr>
+        <p:txBody>
+          <a:bodyPr>
+            <a:normAutofit/>
+          </a:bodyPr>
+          <a:lstStyle/>
+          <a:p>
+            <a:r>
+              <a:rPr lang="en-US" dirty="0"/>
+              <a:t>Specify what test to run with what thresholds for a successful test.</a:t>
+            </a:r>
+          </a:p>
+          <a:p>
+            <a:r>
+              <a:rPr lang="en-US" dirty="0"/>
+              <a:t>Debug information based on the model, such as 2D position &amp; model states (position, velocity, acceleration).</a:t>
+            </a:r>
+          </a:p>
+          <a:p>
+            <a:r>
+              <a:rPr lang="en-US" dirty="0"/>
+              <a:t>Verification dashboard to show results of the test.</a:t>
+            </a:r>
+          </a:p>
+        </p:txBody>
+      </p:sp>
+      <p:sp>
+        <p:nvSpPr>
+          <p:cNvPr id="19" name="Rectangle 18">
+            <a:extLst>
+              <a:ext uri="{FF2B5EF4-FFF2-40B4-BE49-F238E27FC236}">
+                <a16:creationId xmlns:a16="http://schemas.microsoft.com/office/drawing/2014/main" id="{3FE9C285-56FB-4B36-8ECA-C2D6596AA906}"/>
+              </a:ext>
+              <a:ext uri="{C183D7F6-B498-43B3-948B-1728B52AA6E4}">
+                <adec:decorative xmlns:adec="http://schemas.microsoft.com/office/drawing/2017/decorative" val="1"/>
+              </a:ext>
+            </a:extLst>
+          </p:cNvPr>
+          <p:cNvSpPr>
+            <a:spLocks noGrp="1" noRot="1" noChangeAspect="1" noMove="1" noResize="1" noEditPoints="1" noAdjustHandles="1" noChangeArrowheads="1" noChangeShapeType="1" noTextEdit="1"/>
+          </p:cNvSpPr>
+          <p:nvPr>
+            <p:extLst>
+              <p:ext uri="{386F3935-93C4-4BCD-93E2-E3B085C9AB24}">
+                <p16:designElem xmlns:p16="http://schemas.microsoft.com/office/powerpoint/2015/main" val="1"/>
+              </p:ext>
+            </p:extLst>
+          </p:nvPr>
+        </p:nvSpPr>
+        <p:spPr>
+          <a:xfrm>
+            <a:off x="15" y="6334316"/>
+            <a:ext cx="12191985" cy="66484"/>
+          </a:xfrm>
+          <a:prstGeom prst="rect">
+            <a:avLst/>
+          </a:prstGeom>
+          <a:solidFill>
+            <a:schemeClr val="accent1"/>
+          </a:solidFill>
+          <a:ln>
+            <a:noFill/>
+          </a:ln>
+        </p:spPr>
+        <p:style>
+          <a:lnRef idx="2">
+            <a:schemeClr val="accent1">
+              <a:shade val="50000"/>
+            </a:schemeClr>
+          </a:lnRef>
+          <a:fillRef idx="1">
+            <a:schemeClr val="accent1"/>
+          </a:fillRef>
+          <a:effectRef idx="0">
+            <a:schemeClr val="accent1"/>
+          </a:effectRef>
+          <a:fontRef idx="minor">
+            <a:schemeClr val="lt1"/>
+          </a:fontRef>
+        </p:style>
+      </p:sp>
+      <p:sp>
+        <p:nvSpPr>
+          <p:cNvPr id="21" name="Rectangle 20">
+            <a:extLst>
+              <a:ext uri="{FF2B5EF4-FFF2-40B4-BE49-F238E27FC236}">
+                <a16:creationId xmlns:a16="http://schemas.microsoft.com/office/drawing/2014/main" id="{937C076B-00B1-4629-B27F-A86F9885FB4D}"/>
+              </a:ext>
+              <a:ext uri="{C183D7F6-B498-43B3-948B-1728B52AA6E4}">
+                <adec:decorative xmlns:adec="http://schemas.microsoft.com/office/drawing/2017/decorative" val="1"/>
+              </a:ext>
+            </a:extLst>
+          </p:cNvPr>
+          <p:cNvSpPr>
+            <a:spLocks noGrp="1" noRot="1" noChangeAspect="1" noMove="1" noResize="1" noEditPoints="1" noAdjustHandles="1" noChangeArrowheads="1" noChangeShapeType="1" noTextEdit="1"/>
+          </p:cNvSpPr>
+          <p:nvPr>
+            <p:extLst>
+              <p:ext uri="{386F3935-93C4-4BCD-93E2-E3B085C9AB24}">
+                <p16:designElem xmlns:p16="http://schemas.microsoft.com/office/powerpoint/2015/main" val="1"/>
+              </p:ext>
+            </p:extLst>
+          </p:nvPr>
+        </p:nvSpPr>
+        <p:spPr>
+          <a:xfrm>
+            <a:off x="1" y="6400800"/>
+            <a:ext cx="12192000" cy="457200"/>
+          </a:xfrm>
+          <a:prstGeom prst="rect">
+            <a:avLst/>
+          </a:prstGeom>
+          <a:solidFill>
+            <a:schemeClr val="accent2"/>
+          </a:solidFill>
+          <a:ln>
+            <a:noFill/>
+          </a:ln>
+        </p:spPr>
+        <p:style>
+          <a:lnRef idx="2">
+            <a:schemeClr val="accent1">
+              <a:shade val="50000"/>
+            </a:schemeClr>
+          </a:lnRef>
+          <a:fillRef idx="1">
+            <a:schemeClr val="accent1"/>
+          </a:fillRef>
+          <a:effectRef idx="0">
+            <a:schemeClr val="accent1"/>
+          </a:effectRef>
+          <a:fontRef idx="minor">
+            <a:schemeClr val="lt1"/>
+          </a:fontRef>
+        </p:style>
+      </p:sp>
+      <p:sp>
+        <p:nvSpPr>
+          <p:cNvPr id="5" name="Slide Number Placeholder 4"/>
+          <p:cNvSpPr>
+            <a:spLocks noGrp="1"/>
+          </p:cNvSpPr>
+          <p:nvPr>
+            <p:ph type="sldNum" sz="quarter" idx="12"/>
+          </p:nvPr>
+        </p:nvSpPr>
+        <p:spPr>
+          <a:xfrm>
+            <a:off x="9900458" y="6459785"/>
+            <a:ext cx="1312025" cy="365125"/>
+          </a:xfrm>
+        </p:spPr>
+        <p:txBody>
+          <a:bodyPr>
+            <a:normAutofit/>
+          </a:bodyPr>
+          <a:lstStyle/>
+          <a:p>
+            <a:pPr>
+              <a:spcAft>
+                <a:spcPts val="600"/>
+              </a:spcAft>
+            </a:pPr>
+            <a:fld id="{14DE990B-4FB7-4A7F-817E-CABDB30FA765}" type="slidenum">
+              <a:rPr lang="en-IN" smtClean="0"/>
+              <a:pPr>
+                <a:spcAft>
+                  <a:spcPts val="600"/>
+                </a:spcAft>
+              </a:pPr>
+              <a:t>7</a:t>
+            </a:fld>
+            <a:endParaRPr lang="en-IN"/>
+          </a:p>
+        </p:txBody>
+      </p:sp>
+    </p:spTree>
+    <p:extLst>
+      <p:ext uri="{BB962C8B-B14F-4D97-AF65-F5344CB8AC3E}">
+        <p14:creationId xmlns:p14="http://schemas.microsoft.com/office/powerpoint/2010/main" val="2857890120"/>
+      </p:ext>
+    </p:extLst>
+  </p:cSld>
+  <p:clrMapOvr>
+    <a:masterClrMapping/>
+  </p:clrMapOvr>
+</p:sld>
+</file>
+
+<file path=ppt/slides/slide8.xml><?xml version="1.0" encoding="utf-8"?>
+<p:sld xmlns:a="http://schemas.openxmlformats.org/drawingml/2006/main" xmlns:r="http://schemas.openxmlformats.org/officeDocument/2006/relationships" xmlns:p="http://schemas.openxmlformats.org/presentationml/2006/main">
+  <p:cSld>
+    <p:bg>
+      <p:bgPr>
+        <a:solidFill>
+          <a:schemeClr val="bg1"/>
+        </a:solidFill>
+        <a:effectLst/>
+      </p:bgPr>
+    </p:bg>
+    <p:spTree>
+      <p:nvGrpSpPr>
+        <p:cNvPr id="1" name=""/>
+        <p:cNvGrpSpPr/>
+        <p:nvPr/>
+      </p:nvGrpSpPr>
+      <p:grpSpPr>
+        <a:xfrm>
+          <a:off x="0" y="0"/>
+          <a:ext cx="0" cy="0"/>
+          <a:chOff x="0" y="0"/>
+          <a:chExt cx="0" cy="0"/>
+        </a:xfrm>
+      </p:grpSpPr>
+      <p:sp useBgFill="1">
+        <p:nvSpPr>
+          <p:cNvPr id="11" name="Rectangle 10">
+            <a:extLst>
+              <a:ext uri="{FF2B5EF4-FFF2-40B4-BE49-F238E27FC236}">
+                <a16:creationId xmlns:a16="http://schemas.microsoft.com/office/drawing/2014/main" id="{605A42EF-68E6-4808-81CD-E5ABD0ED92CA}"/>
+              </a:ext>
+              <a:ext uri="{C183D7F6-B498-43B3-948B-1728B52AA6E4}">
+                <adec:decorative xmlns:adec="http://schemas.microsoft.com/office/drawing/2017/decorative" val="1"/>
+              </a:ext>
+            </a:extLst>
+          </p:cNvPr>
+          <p:cNvSpPr>
+            <a:spLocks noGrp="1" noRot="1" noChangeAspect="1" noMove="1" noResize="1" noEditPoints="1" noAdjustHandles="1" noChangeArrowheads="1" noChangeShapeType="1" noTextEdit="1"/>
+          </p:cNvSpPr>
+          <p:nvPr>
+            <p:extLst>
+              <p:ext uri="{386F3935-93C4-4BCD-93E2-E3B085C9AB24}">
+                <p16:designElem xmlns:p16="http://schemas.microsoft.com/office/powerpoint/2015/main" val="1"/>
+              </p:ext>
+            </p:extLst>
+          </p:nvPr>
+        </p:nvSpPr>
+        <p:spPr>
+          <a:xfrm>
+            <a:off x="0" y="0"/>
+            <a:ext cx="12192001" cy="6334316"/>
+          </a:xfrm>
+          <a:prstGeom prst="rect">
+            <a:avLst/>
+          </a:prstGeom>
+          <a:ln>
+            <a:noFill/>
+          </a:ln>
+        </p:spPr>
+        <p:style>
+          <a:lnRef idx="2">
+            <a:schemeClr val="accent1">
+              <a:shade val="50000"/>
+            </a:schemeClr>
+          </a:lnRef>
+          <a:fillRef idx="1">
+            <a:schemeClr val="accent1"/>
+          </a:fillRef>
+          <a:effectRef idx="0">
+            <a:schemeClr val="accent1"/>
+          </a:effectRef>
+          <a:fontRef idx="minor">
+            <a:schemeClr val="lt1"/>
+          </a:fontRef>
+        </p:style>
+        <p:txBody>
+          <a:bodyPr rtlCol="0" anchor="ctr"/>
+          <a:lstStyle/>
+          <a:p>
+            <a:pPr algn="ctr"/>
+            <a:endParaRPr lang="en-US"/>
+          </a:p>
+        </p:txBody>
+      </p:sp>
+      <p:sp>
+        <p:nvSpPr>
+          <p:cNvPr id="2" name="Title 1"/>
+          <p:cNvSpPr>
+            <a:spLocks noGrp="1"/>
+          </p:cNvSpPr>
+          <p:nvPr>
+            <p:ph type="title"/>
+          </p:nvPr>
+        </p:nvSpPr>
+        <p:spPr>
+          <a:xfrm>
+            <a:off x="6411685" y="634946"/>
+            <a:ext cx="5127171" cy="1450757"/>
+          </a:xfrm>
+        </p:spPr>
+        <p:txBody>
+          <a:bodyPr>
+            <a:normAutofit/>
+          </a:bodyPr>
+          <a:lstStyle/>
+          <a:p>
+            <a:r>
+              <a:rPr lang="en-US" b="1"/>
+              <a:t>Drive Straight Ahead at 60 MPH</a:t>
+            </a:r>
+            <a:endParaRPr lang="en-IN" b="1" dirty="0"/>
+          </a:p>
+        </p:txBody>
+      </p:sp>
+      <p:pic>
+        <p:nvPicPr>
+          <p:cNvPr id="6" name="Picture 5">
+            <a:extLst>
+              <a:ext uri="{FF2B5EF4-FFF2-40B4-BE49-F238E27FC236}">
+                <a16:creationId xmlns:a16="http://schemas.microsoft.com/office/drawing/2014/main" id="{EEBDA16B-1DED-4708-97A7-9E2E814AE7E8}"/>
+              </a:ext>
+            </a:extLst>
+          </p:cNvPr>
+          <p:cNvPicPr>
+            <a:picLocks noChangeAspect="1"/>
+          </p:cNvPicPr>
+          <p:nvPr/>
+        </p:nvPicPr>
+        <p:blipFill>
+          <a:blip r:embed="rId2"/>
+          <a:stretch>
+            <a:fillRect/>
+          </a:stretch>
+        </p:blipFill>
+        <p:spPr>
+          <a:xfrm>
+            <a:off x="212115" y="1541326"/>
+            <a:ext cx="5987453" cy="3203287"/>
+          </a:xfrm>
+          <a:prstGeom prst="rect">
+            <a:avLst/>
+          </a:prstGeom>
+        </p:spPr>
+      </p:pic>
+      <p:cxnSp>
+        <p:nvCxnSpPr>
+          <p:cNvPr id="13" name="Straight Connector 12">
+            <a:extLst>
+              <a:ext uri="{FF2B5EF4-FFF2-40B4-BE49-F238E27FC236}">
+                <a16:creationId xmlns:a16="http://schemas.microsoft.com/office/drawing/2014/main" id="{3C4A154E-1950-4755-A5FC-5998EE0CC14B}"/>
+              </a:ext>
+              <a:ext uri="{C183D7F6-B498-43B3-948B-1728B52AA6E4}">
+                <adec:decorative xmlns:adec="http://schemas.microsoft.com/office/drawing/2017/decorative" val="1"/>
+              </a:ext>
+            </a:extLst>
+          </p:cNvPr>
+          <p:cNvCxnSpPr>
+            <a:cxnSpLocks noGrp="1" noRot="1" noChangeAspect="1" noMove="1" noResize="1" noEditPoints="1" noAdjustHandles="1" noChangeArrowheads="1" noChangeShapeType="1"/>
+          </p:cNvCxnSpPr>
+          <p:nvPr>
+            <p:extLst>
+              <p:ext uri="{386F3935-93C4-4BCD-93E2-E3B085C9AB24}">
+                <p16:designElem xmlns:p16="http://schemas.microsoft.com/office/powerpoint/2015/main" val="1"/>
+              </p:ext>
+            </p:extLst>
+          </p:nvPr>
+        </p:nvCxnSpPr>
+        <p:spPr>
+          <a:xfrm>
+            <a:off x="6411684" y="2086188"/>
+            <a:ext cx="4748808" cy="0"/>
+          </a:xfrm>
+          <a:prstGeom prst="line">
+            <a:avLst/>
+          </a:prstGeom>
+          <a:ln w="6350">
+            <a:solidFill>
+              <a:schemeClr val="tx1">
+                <a:lumMod val="50000"/>
+                <a:lumOff val="50000"/>
+                <a:alpha val="90000"/>
+              </a:schemeClr>
+            </a:solidFill>
+          </a:ln>
+        </p:spPr>
+        <p:style>
+          <a:lnRef idx="1">
+            <a:schemeClr val="accent1"/>
+          </a:lnRef>
+          <a:fillRef idx="0">
+            <a:schemeClr val="accent1"/>
+          </a:fillRef>
+          <a:effectRef idx="0">
+            <a:schemeClr val="accent1"/>
+          </a:effectRef>
+          <a:fontRef idx="minor">
+            <a:schemeClr val="tx1"/>
+          </a:fontRef>
+        </p:style>
+      </p:cxnSp>
+      <p:sp>
+        <p:nvSpPr>
+          <p:cNvPr id="3" name="Content Placeholder 2"/>
+          <p:cNvSpPr>
+            <a:spLocks noGrp="1"/>
+          </p:cNvSpPr>
+          <p:nvPr>
+            <p:ph idx="1"/>
+          </p:nvPr>
+        </p:nvSpPr>
+        <p:spPr>
+          <a:xfrm>
+            <a:off x="6411684" y="2198914"/>
+            <a:ext cx="5127172" cy="3670180"/>
+          </a:xfrm>
+        </p:spPr>
+        <p:txBody>
+          <a:bodyPr>
+            <a:normAutofit/>
+          </a:bodyPr>
+          <a:lstStyle/>
+          <a:p>
+            <a:r>
+              <a:rPr lang="en-IN" dirty="0"/>
+              <a:t>Models entering highway from on-ramp.</a:t>
+            </a:r>
+          </a:p>
+          <a:p>
+            <a:r>
+              <a:rPr lang="en-IN" dirty="0"/>
+              <a:t>Ensures vehicle accelerates at an acceptable rate.</a:t>
+            </a:r>
+          </a:p>
+          <a:p>
+            <a:r>
+              <a:rPr lang="en-IN" dirty="0"/>
+              <a:t>Ensures the vehicle can maintain a speed.</a:t>
+            </a:r>
+          </a:p>
+          <a:p>
+            <a:r>
+              <a:rPr lang="en-IN" dirty="0"/>
+              <a:t>Ensures vehicle can drive straight.</a:t>
+            </a:r>
+          </a:p>
+          <a:p>
+            <a:endParaRPr lang="en-IN" dirty="0"/>
+          </a:p>
+        </p:txBody>
+      </p:sp>
+      <p:sp>
+        <p:nvSpPr>
+          <p:cNvPr id="15" name="Rectangle 14">
+            <a:extLst>
+              <a:ext uri="{FF2B5EF4-FFF2-40B4-BE49-F238E27FC236}">
+                <a16:creationId xmlns:a16="http://schemas.microsoft.com/office/drawing/2014/main" id="{3FE9C285-56FB-4B36-8ECA-C2D6596AA906}"/>
+              </a:ext>
+              <a:ext uri="{C183D7F6-B498-43B3-948B-1728B52AA6E4}">
+                <adec:decorative xmlns:adec="http://schemas.microsoft.com/office/drawing/2017/decorative" val="1"/>
+              </a:ext>
+            </a:extLst>
+          </p:cNvPr>
+          <p:cNvSpPr>
+            <a:spLocks noGrp="1" noRot="1" noChangeAspect="1" noMove="1" noResize="1" noEditPoints="1" noAdjustHandles="1" noChangeArrowheads="1" noChangeShapeType="1" noTextEdit="1"/>
+          </p:cNvSpPr>
+          <p:nvPr>
+            <p:extLst>
+              <p:ext uri="{386F3935-93C4-4BCD-93E2-E3B085C9AB24}">
+                <p16:designElem xmlns:p16="http://schemas.microsoft.com/office/powerpoint/2015/main" val="1"/>
+              </p:ext>
+            </p:extLst>
+          </p:nvPr>
+        </p:nvSpPr>
+        <p:spPr>
+          <a:xfrm>
+            <a:off x="15" y="6334316"/>
+            <a:ext cx="12191985" cy="66484"/>
+          </a:xfrm>
+          <a:prstGeom prst="rect">
+            <a:avLst/>
+          </a:prstGeom>
+          <a:solidFill>
+            <a:schemeClr val="accent1"/>
+          </a:solidFill>
+          <a:ln>
+            <a:noFill/>
+          </a:ln>
+        </p:spPr>
+        <p:style>
+          <a:lnRef idx="2">
+            <a:schemeClr val="accent1">
+              <a:shade val="50000"/>
+            </a:schemeClr>
+          </a:lnRef>
+          <a:fillRef idx="1">
+            <a:schemeClr val="accent1"/>
+          </a:fillRef>
+          <a:effectRef idx="0">
+            <a:schemeClr val="accent1"/>
+          </a:effectRef>
+          <a:fontRef idx="minor">
+            <a:schemeClr val="lt1"/>
+          </a:fontRef>
+        </p:style>
+      </p:sp>
+      <p:sp>
+        <p:nvSpPr>
+          <p:cNvPr id="17" name="Rectangle 16">
+            <a:extLst>
+              <a:ext uri="{FF2B5EF4-FFF2-40B4-BE49-F238E27FC236}">
+                <a16:creationId xmlns:a16="http://schemas.microsoft.com/office/drawing/2014/main" id="{937C076B-00B1-4629-B27F-A86F9885FB4D}"/>
+              </a:ext>
+              <a:ext uri="{C183D7F6-B498-43B3-948B-1728B52AA6E4}">
+                <adec:decorative xmlns:adec="http://schemas.microsoft.com/office/drawing/2017/decorative" val="1"/>
+              </a:ext>
+            </a:extLst>
+          </p:cNvPr>
+          <p:cNvSpPr>
+            <a:spLocks noGrp="1" noRot="1" noChangeAspect="1" noMove="1" noResize="1" noEditPoints="1" noAdjustHandles="1" noChangeArrowheads="1" noChangeShapeType="1" noTextEdit="1"/>
+          </p:cNvSpPr>
+          <p:nvPr>
+            <p:extLst>
+              <p:ext uri="{386F3935-93C4-4BCD-93E2-E3B085C9AB24}">
+                <p16:designElem xmlns:p16="http://schemas.microsoft.com/office/powerpoint/2015/main" val="1"/>
+              </p:ext>
+            </p:extLst>
+          </p:nvPr>
+        </p:nvSpPr>
+        <p:spPr>
+          <a:xfrm>
+            <a:off x="1" y="6400800"/>
+            <a:ext cx="12192000" cy="457200"/>
+          </a:xfrm>
+          <a:prstGeom prst="rect">
+            <a:avLst/>
+          </a:prstGeom>
+          <a:solidFill>
+            <a:schemeClr val="accent2"/>
+          </a:solidFill>
+          <a:ln>
+            <a:noFill/>
+          </a:ln>
+        </p:spPr>
+        <p:style>
+          <a:lnRef idx="2">
+            <a:schemeClr val="accent1">
+              <a:shade val="50000"/>
+            </a:schemeClr>
+          </a:lnRef>
+          <a:fillRef idx="1">
+            <a:schemeClr val="accent1"/>
+          </a:fillRef>
+          <a:effectRef idx="0">
+            <a:schemeClr val="accent1"/>
+          </a:effectRef>
+          <a:fontRef idx="minor">
+            <a:schemeClr val="lt1"/>
+          </a:fontRef>
+        </p:style>
+      </p:sp>
+      <p:sp>
+        <p:nvSpPr>
+          <p:cNvPr id="4" name="Slide Number Placeholder 3"/>
+          <p:cNvSpPr>
+            <a:spLocks noGrp="1"/>
+          </p:cNvSpPr>
+          <p:nvPr>
+            <p:ph type="sldNum" sz="quarter" idx="12"/>
+          </p:nvPr>
+        </p:nvSpPr>
+        <p:spPr>
+          <a:xfrm>
+            <a:off x="9900458" y="6459785"/>
+            <a:ext cx="1312025" cy="365125"/>
+          </a:xfrm>
+        </p:spPr>
+        <p:txBody>
+          <a:bodyPr>
+            <a:normAutofit/>
+          </a:bodyPr>
+          <a:lstStyle/>
+          <a:p>
+            <a:pPr>
+              <a:spcAft>
+                <a:spcPts val="600"/>
+              </a:spcAft>
+            </a:pPr>
+            <a:fld id="{14DE990B-4FB7-4A7F-817E-CABDB30FA765}" type="slidenum">
+              <a:rPr lang="en-IN" smtClean="0"/>
+              <a:pPr>
+                <a:spcAft>
+                  <a:spcPts val="600"/>
+                </a:spcAft>
+              </a:pPr>
+              <a:t>8</a:t>
+            </a:fld>
+            <a:endParaRPr lang="en-IN"/>
+          </a:p>
+        </p:txBody>
+      </p:sp>
+    </p:spTree>
+    <p:extLst>
+      <p:ext uri="{BB962C8B-B14F-4D97-AF65-F5344CB8AC3E}">
+        <p14:creationId xmlns:p14="http://schemas.microsoft.com/office/powerpoint/2010/main" val="1781863224"/>
+      </p:ext>
+    </p:extLst>
+  </p:cSld>
+  <p:clrMapOvr>
+    <a:masterClrMapping/>
+  </p:clrMapOvr>
+</p:sld>
+</file>
+
+<file path=ppt/slides/slide9.xml><?xml version="1.0" encoding="utf-8"?>
+<p:sld xmlns:a="http://schemas.openxmlformats.org/drawingml/2006/main" xmlns:r="http://schemas.openxmlformats.org/officeDocument/2006/relationships" xmlns:p="http://schemas.openxmlformats.org/presentationml/2006/main">
+  <p:cSld>
+    <p:bg>
+      <p:bgPr>
+        <a:solidFill>
+          <a:schemeClr val="bg1"/>
+        </a:solidFill>
+        <a:effectLst/>
+      </p:bgPr>
+    </p:bg>
+    <p:spTree>
+      <p:nvGrpSpPr>
+        <p:cNvPr id="1" name=""/>
+        <p:cNvGrpSpPr/>
+        <p:nvPr/>
+      </p:nvGrpSpPr>
+      <p:grpSpPr>
+        <a:xfrm>
+          <a:off x="0" y="0"/>
+          <a:ext cx="0" cy="0"/>
+          <a:chOff x="0" y="0"/>
+          <a:chExt cx="0" cy="0"/>
+        </a:xfrm>
+      </p:grpSpPr>
+      <p:sp useBgFill="1">
+        <p:nvSpPr>
+          <p:cNvPr id="26" name="Rectangle 25">
+            <a:extLst>
+              <a:ext uri="{FF2B5EF4-FFF2-40B4-BE49-F238E27FC236}">
+                <a16:creationId xmlns:a16="http://schemas.microsoft.com/office/drawing/2014/main" id="{038B8727-D318-4B70-B353-C390602FF311}"/>
+              </a:ext>
+              <a:ext uri="{C183D7F6-B498-43B3-948B-1728B52AA6E4}">
+                <adec:decorative xmlns:adec="http://schemas.microsoft.com/office/drawing/2017/decorative" val="1"/>
+              </a:ext>
+            </a:extLst>
+          </p:cNvPr>
+          <p:cNvSpPr>
+            <a:spLocks noGrp="1" noRot="1" noChangeAspect="1" noMove="1" noResize="1" noEditPoints="1" noAdjustHandles="1" noChangeArrowheads="1" noChangeShapeType="1" noTextEdit="1"/>
+          </p:cNvSpPr>
+          <p:nvPr>
+            <p:extLst>
+              <p:ext uri="{386F3935-93C4-4BCD-93E2-E3B085C9AB24}">
+                <p16:designElem xmlns:p16="http://schemas.microsoft.com/office/powerpoint/2015/main" val="1"/>
+              </p:ext>
+            </p:extLst>
+          </p:nvPr>
+        </p:nvSpPr>
+        <p:spPr>
+          <a:xfrm>
+            <a:off x="0" y="0"/>
+            <a:ext cx="12186315" cy="6858000"/>
+          </a:xfrm>
+          <a:prstGeom prst="rect">
+            <a:avLst/>
+          </a:prstGeom>
+          <a:ln>
+            <a:noFill/>
+          </a:ln>
+        </p:spPr>
+        <p:style>
+          <a:lnRef idx="2">
+            <a:schemeClr val="accent6">
+              <a:shade val="50000"/>
+            </a:schemeClr>
+          </a:lnRef>
+          <a:fillRef idx="1001">
+            <a:schemeClr val="lt1"/>
+          </a:fillRef>
+          <a:effectRef idx="0">
+            <a:schemeClr val="accent6"/>
+          </a:effectRef>
+          <a:fontRef idx="minor">
+            <a:schemeClr val="lt1"/>
+          </a:fontRef>
+        </p:style>
+        <p:txBody>
+          <a:bodyPr rtlCol="0" anchor="ctr"/>
+          <a:lstStyle/>
+          <a:p>
+            <a:pPr algn="ctr"/>
+            <a:endParaRPr lang="en-US"/>
+          </a:p>
+        </p:txBody>
+      </p:sp>
+      <p:sp>
+        <p:nvSpPr>
+          <p:cNvPr id="28" name="Rectangle 27">
+            <a:extLst>
+              <a:ext uri="{FF2B5EF4-FFF2-40B4-BE49-F238E27FC236}">
+                <a16:creationId xmlns:a16="http://schemas.microsoft.com/office/drawing/2014/main" id="{1B0C8367-28B6-4EF1-B182-01BEC98727DB}"/>
+              </a:ext>
+              <a:ext uri="{C183D7F6-B498-43B3-948B-1728B52AA6E4}">
+                <adec:decorative xmlns:adec="http://schemas.microsoft.com/office/drawing/2017/decorative" val="1"/>
+              </a:ext>
+            </a:extLst>
+          </p:cNvPr>
+          <p:cNvSpPr>
+            <a:spLocks noGrp="1" noRot="1" noChangeAspect="1" noMove="1" noResize="1" noEditPoints="1" noAdjustHandles="1" noChangeArrowheads="1" noChangeShapeType="1" noTextEdit="1"/>
+          </p:cNvSpPr>
+          <p:nvPr>
+            <p:extLst>
+              <p:ext uri="{386F3935-93C4-4BCD-93E2-E3B085C9AB24}">
+                <p16:designElem xmlns:p16="http://schemas.microsoft.com/office/powerpoint/2015/main" val="1"/>
+              </p:ext>
+            </p:extLst>
+          </p:nvPr>
+        </p:nvSpPr>
+        <p:spPr>
+          <a:xfrm>
+            <a:off x="16" y="0"/>
+            <a:ext cx="4050791" cy="6858000"/>
+          </a:xfrm>
+          <a:prstGeom prst="rect">
+            <a:avLst/>
+          </a:prstGeom>
+          <a:solidFill>
+            <a:schemeClr val="accent2"/>
+          </a:solidFill>
+          <a:ln>
+            <a:noFill/>
+          </a:ln>
+        </p:spPr>
+        <p:style>
+          <a:lnRef idx="2">
+            <a:schemeClr val="accent1">
+              <a:shade val="50000"/>
+            </a:schemeClr>
+          </a:lnRef>
+          <a:fillRef idx="1">
+            <a:schemeClr val="accent1"/>
+          </a:fillRef>
+          <a:effectRef idx="0">
+            <a:schemeClr val="accent1"/>
+          </a:effectRef>
+          <a:fontRef idx="minor">
+            <a:schemeClr val="lt1"/>
+          </a:fontRef>
+        </p:style>
+      </p:sp>
+      <p:sp>
+        <p:nvSpPr>
+          <p:cNvPr id="2" name="Title 1"/>
+          <p:cNvSpPr>
+            <a:spLocks noGrp="1"/>
+          </p:cNvSpPr>
+          <p:nvPr>
+            <p:ph type="title"/>
+          </p:nvPr>
+        </p:nvSpPr>
+        <p:spPr>
+          <a:xfrm>
+            <a:off x="492370" y="516835"/>
+            <a:ext cx="3084844" cy="2103875"/>
+          </a:xfrm>
+        </p:spPr>
+        <p:txBody>
+          <a:bodyPr>
+            <a:normAutofit/>
+          </a:bodyPr>
+          <a:lstStyle/>
+          <a:p>
+            <a:r>
+              <a:rPr lang="en-US" sz="3600" b="1">
+                <a:solidFill>
+                  <a:srgbClr val="FFFFFF"/>
+                </a:solidFill>
+              </a:rPr>
+              <a:t>Speed up and Speed Down Test </a:t>
+            </a:r>
+            <a:endParaRPr lang="en-IN" sz="3600" b="1">
+              <a:solidFill>
+                <a:srgbClr val="FFFFFF"/>
+              </a:solidFill>
+            </a:endParaRPr>
+          </a:p>
+        </p:txBody>
+      </p:sp>
+      <p:sp>
+        <p:nvSpPr>
+          <p:cNvPr id="6" name="Content Placeholder 5">
+            <a:extLst>
+              <a:ext uri="{FF2B5EF4-FFF2-40B4-BE49-F238E27FC236}">
+                <a16:creationId xmlns:a16="http://schemas.microsoft.com/office/drawing/2014/main" id="{46012D87-169C-4911-9247-5E83F7D55316}"/>
+              </a:ext>
+            </a:extLst>
+          </p:cNvPr>
+          <p:cNvSpPr>
+            <a:spLocks noGrp="1"/>
+          </p:cNvSpPr>
+          <p:nvPr>
+            <p:ph idx="1"/>
+          </p:nvPr>
+        </p:nvSpPr>
+        <p:spPr>
+          <a:xfrm>
+            <a:off x="492371" y="2653800"/>
+            <a:ext cx="3084844" cy="3335519"/>
+          </a:xfrm>
+        </p:spPr>
+        <p:txBody>
+          <a:bodyPr>
+            <a:normAutofit/>
+          </a:bodyPr>
+          <a:lstStyle/>
+          <a:p>
+            <a:r>
+              <a:rPr lang="en-US" sz="1500" dirty="0">
+                <a:solidFill>
+                  <a:srgbClr val="FFFFFF"/>
+                </a:solidFill>
+              </a:rPr>
+              <a:t>Tests accelerating to 20 mph then slowing down to a stop.</a:t>
+            </a:r>
+          </a:p>
+          <a:p>
+            <a:r>
+              <a:rPr lang="en-US" sz="1500" dirty="0">
+                <a:solidFill>
+                  <a:srgbClr val="FFFFFF"/>
+                </a:solidFill>
+              </a:rPr>
+              <a:t>Makes sure both acceleration and deceleration are within reason.</a:t>
+            </a:r>
+          </a:p>
+          <a:p>
+            <a:r>
+              <a:rPr lang="en-US" sz="1500" dirty="0">
+                <a:solidFill>
+                  <a:srgbClr val="FFFFFF"/>
+                </a:solidFill>
+              </a:rPr>
+              <a:t>Also makes sure driving straight works as intended.</a:t>
+            </a:r>
+          </a:p>
+        </p:txBody>
+      </p:sp>
+      <p:sp>
+        <p:nvSpPr>
+          <p:cNvPr id="30" name="Rectangle 29">
+            <a:extLst>
+              <a:ext uri="{FF2B5EF4-FFF2-40B4-BE49-F238E27FC236}">
+                <a16:creationId xmlns:a16="http://schemas.microsoft.com/office/drawing/2014/main" id="{649E3F4C-17F5-49E4-B05F-80C6B348AF28}"/>
+              </a:ext>
+              <a:ext uri="{C183D7F6-B498-43B3-948B-1728B52AA6E4}">
+                <adec:decorative xmlns:adec="http://schemas.microsoft.com/office/drawing/2017/decorative" val="1"/>
+              </a:ext>
+            </a:extLst>
+          </p:cNvPr>
+          <p:cNvSpPr>
+            <a:spLocks noGrp="1" noRot="1" noChangeAspect="1" noMove="1" noResize="1" noEditPoints="1" noAdjustHandles="1" noChangeArrowheads="1" noChangeShapeType="1" noTextEdit="1"/>
+          </p:cNvSpPr>
+          <p:nvPr>
+            <p:extLst>
+              <p:ext uri="{386F3935-93C4-4BCD-93E2-E3B085C9AB24}">
+                <p16:designElem xmlns:p16="http://schemas.microsoft.com/office/powerpoint/2015/main" val="1"/>
+              </p:ext>
+            </p:extLst>
+          </p:nvPr>
+        </p:nvSpPr>
+        <p:spPr>
+          <a:xfrm>
+            <a:off x="4040071" y="0"/>
+            <a:ext cx="64008" cy="6858000"/>
+          </a:xfrm>
+          <a:prstGeom prst="rect">
+            <a:avLst/>
+          </a:prstGeom>
+          <a:solidFill>
+            <a:schemeClr val="accent1"/>
+          </a:solidFill>
+          <a:ln>
+            <a:noFill/>
+          </a:ln>
+        </p:spPr>
+        <p:style>
+          <a:lnRef idx="2">
+            <a:schemeClr val="accent1">
+              <a:shade val="50000"/>
+            </a:schemeClr>
+          </a:lnRef>
+          <a:fillRef idx="1">
+            <a:schemeClr val="accent1"/>
+          </a:fillRef>
+          <a:effectRef idx="0">
+            <a:schemeClr val="accent1"/>
+          </a:effectRef>
+          <a:fontRef idx="minor">
+            <a:schemeClr val="lt1"/>
+          </a:fontRef>
+        </p:style>
+      </p:sp>
+      <p:pic>
+        <p:nvPicPr>
+          <p:cNvPr id="21" name="Picture 20">
+            <a:extLst>
+              <a:ext uri="{FF2B5EF4-FFF2-40B4-BE49-F238E27FC236}">
+                <a16:creationId xmlns:a16="http://schemas.microsoft.com/office/drawing/2014/main" id="{5068354A-203E-4E10-BEFC-C50E7DBDF669}"/>
+              </a:ext>
+            </a:extLst>
+          </p:cNvPr>
+          <p:cNvPicPr>
+            <a:picLocks noChangeAspect="1"/>
+          </p:cNvPicPr>
+          <p:nvPr/>
+        </p:nvPicPr>
+        <p:blipFill>
+          <a:blip r:embed="rId2"/>
+          <a:stretch>
+            <a:fillRect/>
+          </a:stretch>
+        </p:blipFill>
+        <p:spPr>
+          <a:xfrm>
+            <a:off x="4742017" y="1610513"/>
+            <a:ext cx="6798082" cy="3636974"/>
           </a:xfrm>
           <a:prstGeom prst="rect">
             <a:avLst/>
@@ -11647,356 +15272,48 @@
             <p:ph type="sldNum" sz="quarter" idx="12"/>
           </p:nvPr>
         </p:nvSpPr>
-        <p:spPr/>
+        <p:spPr>
+          <a:xfrm>
+            <a:off x="9900458" y="6459785"/>
+            <a:ext cx="1312025" cy="365125"/>
+          </a:xfrm>
+        </p:spPr>
         <p:txBody>
-          <a:bodyPr/>
+          <a:bodyPr>
+            <a:normAutofit/>
+          </a:bodyPr>
           <a:lstStyle/>
           <a:p>
+            <a:pPr>
+              <a:spcAft>
+                <a:spcPts val="600"/>
+              </a:spcAft>
+            </a:pPr>
             <a:fld id="{14DE990B-4FB7-4A7F-817E-CABDB30FA765}" type="slidenum">
-              <a:rPr lang="en-IN" smtClean="0"/>
-              <a:t>6</a:t>
+              <a:rPr lang="en-IN">
+                <a:solidFill>
+                  <a:schemeClr val="tx2"/>
+                </a:solidFill>
+              </a:rPr>
+              <a:pPr>
+                <a:spcAft>
+                  <a:spcPts val="600"/>
+                </a:spcAft>
+              </a:pPr>
+              <a:t>9</a:t>
             </a:fld>
-            <a:endParaRPr lang="en-IN"/>
+            <a:endParaRPr lang="en-IN">
+              <a:solidFill>
+                <a:schemeClr val="tx2"/>
+              </a:solidFill>
+            </a:endParaRPr>
           </a:p>
         </p:txBody>
       </p:sp>
     </p:spTree>
     <p:extLst>
       <p:ext uri="{BB962C8B-B14F-4D97-AF65-F5344CB8AC3E}">
-        <p14:creationId xmlns:p14="http://schemas.microsoft.com/office/powerpoint/2010/main" val="1767110287"/>
-      </p:ext>
-    </p:extLst>
-  </p:cSld>
-  <p:clrMapOvr>
-    <a:masterClrMapping/>
-  </p:clrMapOvr>
-</p:sld>
-</file>
-
-<file path=ppt/slides/slide7.xml><?xml version="1.0" encoding="utf-8"?>
-<p:sld xmlns:a="http://schemas.openxmlformats.org/drawingml/2006/main" xmlns:r="http://schemas.openxmlformats.org/officeDocument/2006/relationships" xmlns:p="http://schemas.openxmlformats.org/presentationml/2006/main">
-  <p:cSld>
-    <p:spTree>
-      <p:nvGrpSpPr>
-        <p:cNvPr id="1" name=""/>
-        <p:cNvGrpSpPr/>
-        <p:nvPr/>
-      </p:nvGrpSpPr>
-      <p:grpSpPr>
-        <a:xfrm>
-          <a:off x="0" y="0"/>
-          <a:ext cx="0" cy="0"/>
-          <a:chOff x="0" y="0"/>
-          <a:chExt cx="0" cy="0"/>
-        </a:xfrm>
-      </p:grpSpPr>
-      <p:sp>
-        <p:nvSpPr>
-          <p:cNvPr id="2" name="Title 1"/>
-          <p:cNvSpPr>
-            <a:spLocks noGrp="1"/>
-          </p:cNvSpPr>
-          <p:nvPr>
-            <p:ph type="title"/>
-          </p:nvPr>
-        </p:nvSpPr>
-        <p:spPr>
-          <a:xfrm>
-            <a:off x="934720" y="286603"/>
-            <a:ext cx="10220960" cy="1450757"/>
-          </a:xfrm>
-        </p:spPr>
-        <p:txBody>
-          <a:bodyPr/>
-          <a:lstStyle/>
-          <a:p>
-            <a:r>
-              <a:rPr lang="en-US" b="1" dirty="0" smtClean="0"/>
-              <a:t>Test Generator</a:t>
-            </a:r>
-            <a:endParaRPr lang="en-IN" b="1" dirty="0"/>
-          </a:p>
-        </p:txBody>
-      </p:sp>
-      <p:pic>
-        <p:nvPicPr>
-          <p:cNvPr id="4" name="Content Placeholder 3"/>
-          <p:cNvPicPr>
-            <a:picLocks noGrp="1" noChangeAspect="1"/>
-          </p:cNvPicPr>
-          <p:nvPr>
-            <p:ph idx="1"/>
-          </p:nvPr>
-        </p:nvPicPr>
-        <p:blipFill>
-          <a:blip r:embed="rId2"/>
-          <a:stretch>
-            <a:fillRect/>
-          </a:stretch>
-        </p:blipFill>
-        <p:spPr>
-          <a:xfrm>
-            <a:off x="459923" y="1897063"/>
-            <a:ext cx="5666557" cy="4022725"/>
-          </a:xfrm>
-          <a:prstGeom prst="rect">
-            <a:avLst/>
-          </a:prstGeom>
-        </p:spPr>
-      </p:pic>
-      <p:pic>
-        <p:nvPicPr>
-          <p:cNvPr id="5" name="Picture 4"/>
-          <p:cNvPicPr>
-            <a:picLocks noChangeAspect="1"/>
-          </p:cNvPicPr>
-          <p:nvPr/>
-        </p:nvPicPr>
-        <p:blipFill>
-          <a:blip r:embed="rId3"/>
-          <a:stretch>
-            <a:fillRect/>
-          </a:stretch>
-        </p:blipFill>
-        <p:spPr>
-          <a:xfrm>
-            <a:off x="6329679" y="1737360"/>
-            <a:ext cx="5171441" cy="4248368"/>
-          </a:xfrm>
-          <a:prstGeom prst="rect">
-            <a:avLst/>
-          </a:prstGeom>
-        </p:spPr>
-      </p:pic>
-      <p:sp>
-        <p:nvSpPr>
-          <p:cNvPr id="6" name="Slide Number Placeholder 5"/>
-          <p:cNvSpPr>
-            <a:spLocks noGrp="1"/>
-          </p:cNvSpPr>
-          <p:nvPr>
-            <p:ph type="sldNum" sz="quarter" idx="12"/>
-          </p:nvPr>
-        </p:nvSpPr>
-        <p:spPr/>
-        <p:txBody>
-          <a:bodyPr/>
-          <a:lstStyle/>
-          <a:p>
-            <a:fld id="{14DE990B-4FB7-4A7F-817E-CABDB30FA765}" type="slidenum">
-              <a:rPr lang="en-IN" smtClean="0"/>
-              <a:t>7</a:t>
-            </a:fld>
-            <a:endParaRPr lang="en-IN"/>
-          </a:p>
-        </p:txBody>
-      </p:sp>
-    </p:spTree>
-    <p:extLst>
-      <p:ext uri="{BB962C8B-B14F-4D97-AF65-F5344CB8AC3E}">
-        <p14:creationId xmlns:p14="http://schemas.microsoft.com/office/powerpoint/2010/main" val="669349785"/>
-      </p:ext>
-    </p:extLst>
-  </p:cSld>
-  <p:clrMapOvr>
-    <a:masterClrMapping/>
-  </p:clrMapOvr>
-</p:sld>
-</file>
-
-<file path=ppt/slides/slide8.xml><?xml version="1.0" encoding="utf-8"?>
-<p:sld xmlns:a="http://schemas.openxmlformats.org/drawingml/2006/main" xmlns:r="http://schemas.openxmlformats.org/officeDocument/2006/relationships" xmlns:p="http://schemas.openxmlformats.org/presentationml/2006/main">
-  <p:cSld>
-    <p:spTree>
-      <p:nvGrpSpPr>
-        <p:cNvPr id="1" name=""/>
-        <p:cNvGrpSpPr/>
-        <p:nvPr/>
-      </p:nvGrpSpPr>
-      <p:grpSpPr>
-        <a:xfrm>
-          <a:off x="0" y="0"/>
-          <a:ext cx="0" cy="0"/>
-          <a:chOff x="0" y="0"/>
-          <a:chExt cx="0" cy="0"/>
-        </a:xfrm>
-      </p:grpSpPr>
-      <p:sp>
-        <p:nvSpPr>
-          <p:cNvPr id="2" name="Title 1"/>
-          <p:cNvSpPr>
-            <a:spLocks noGrp="1"/>
-          </p:cNvSpPr>
-          <p:nvPr>
-            <p:ph type="title"/>
-          </p:nvPr>
-        </p:nvSpPr>
-        <p:spPr>
-          <a:xfrm>
-            <a:off x="1097280" y="286604"/>
-            <a:ext cx="10058400" cy="1280012"/>
-          </a:xfrm>
-        </p:spPr>
-        <p:txBody>
-          <a:bodyPr/>
-          <a:lstStyle/>
-          <a:p>
-            <a:r>
-              <a:rPr lang="en-US" b="1" dirty="0" smtClean="0"/>
-              <a:t>Top Level- Verification Dashboard</a:t>
-            </a:r>
-            <a:endParaRPr lang="en-IN" b="1" dirty="0"/>
-          </a:p>
-        </p:txBody>
-      </p:sp>
-      <p:pic>
-        <p:nvPicPr>
-          <p:cNvPr id="4" name="Content Placeholder 3"/>
-          <p:cNvPicPr>
-            <a:picLocks noGrp="1" noChangeAspect="1"/>
-          </p:cNvPicPr>
-          <p:nvPr>
-            <p:ph idx="1"/>
-          </p:nvPr>
-        </p:nvPicPr>
-        <p:blipFill>
-          <a:blip r:embed="rId2"/>
-          <a:stretch>
-            <a:fillRect/>
-          </a:stretch>
-        </p:blipFill>
-        <p:spPr>
-          <a:xfrm>
-            <a:off x="1264920" y="1788160"/>
-            <a:ext cx="9723119" cy="4500880"/>
-          </a:xfrm>
-          <a:prstGeom prst="rect">
-            <a:avLst/>
-          </a:prstGeom>
-        </p:spPr>
-      </p:pic>
-      <p:sp>
-        <p:nvSpPr>
-          <p:cNvPr id="5" name="Slide Number Placeholder 4"/>
-          <p:cNvSpPr>
-            <a:spLocks noGrp="1"/>
-          </p:cNvSpPr>
-          <p:nvPr>
-            <p:ph type="sldNum" sz="quarter" idx="12"/>
-          </p:nvPr>
-        </p:nvSpPr>
-        <p:spPr/>
-        <p:txBody>
-          <a:bodyPr/>
-          <a:lstStyle/>
-          <a:p>
-            <a:fld id="{14DE990B-4FB7-4A7F-817E-CABDB30FA765}" type="slidenum">
-              <a:rPr lang="en-IN" smtClean="0"/>
-              <a:t>8</a:t>
-            </a:fld>
-            <a:endParaRPr lang="en-IN"/>
-          </a:p>
-        </p:txBody>
-      </p:sp>
-    </p:spTree>
-    <p:extLst>
-      <p:ext uri="{BB962C8B-B14F-4D97-AF65-F5344CB8AC3E}">
-        <p14:creationId xmlns:p14="http://schemas.microsoft.com/office/powerpoint/2010/main" val="2857890120"/>
-      </p:ext>
-    </p:extLst>
-  </p:cSld>
-  <p:clrMapOvr>
-    <a:masterClrMapping/>
-  </p:clrMapOvr>
-</p:sld>
-</file>
-
-<file path=ppt/slides/slide9.xml><?xml version="1.0" encoding="utf-8"?>
-<p:sld xmlns:a="http://schemas.openxmlformats.org/drawingml/2006/main" xmlns:r="http://schemas.openxmlformats.org/officeDocument/2006/relationships" xmlns:p="http://schemas.openxmlformats.org/presentationml/2006/main">
-  <p:cSld>
-    <p:spTree>
-      <p:nvGrpSpPr>
-        <p:cNvPr id="1" name=""/>
-        <p:cNvGrpSpPr/>
-        <p:nvPr/>
-      </p:nvGrpSpPr>
-      <p:grpSpPr>
-        <a:xfrm>
-          <a:off x="0" y="0"/>
-          <a:ext cx="0" cy="0"/>
-          <a:chOff x="0" y="0"/>
-          <a:chExt cx="0" cy="0"/>
-        </a:xfrm>
-      </p:grpSpPr>
-      <p:sp>
-        <p:nvSpPr>
-          <p:cNvPr id="2" name="Title 1"/>
-          <p:cNvSpPr>
-            <a:spLocks noGrp="1"/>
-          </p:cNvSpPr>
-          <p:nvPr>
-            <p:ph type="title"/>
-          </p:nvPr>
-        </p:nvSpPr>
-        <p:spPr/>
-        <p:txBody>
-          <a:bodyPr/>
-          <a:lstStyle/>
-          <a:p>
-            <a:r>
-              <a:rPr lang="en-US" b="1" dirty="0" smtClean="0"/>
-              <a:t>Drive Straight Ahead at 60 MPH</a:t>
-            </a:r>
-            <a:endParaRPr lang="en-IN" b="1" dirty="0"/>
-          </a:p>
-        </p:txBody>
-      </p:sp>
-      <p:sp>
-        <p:nvSpPr>
-          <p:cNvPr id="3" name="Content Placeholder 2"/>
-          <p:cNvSpPr>
-            <a:spLocks noGrp="1"/>
-          </p:cNvSpPr>
-          <p:nvPr>
-            <p:ph idx="1"/>
-          </p:nvPr>
-        </p:nvSpPr>
-        <p:spPr/>
-        <p:txBody>
-          <a:bodyPr/>
-          <a:lstStyle/>
-          <a:p>
-            <a:endParaRPr lang="en-IN" dirty="0"/>
-          </a:p>
-        </p:txBody>
-      </p:sp>
-      <p:sp>
-        <p:nvSpPr>
-          <p:cNvPr id="4" name="Slide Number Placeholder 3"/>
-          <p:cNvSpPr>
-            <a:spLocks noGrp="1"/>
-          </p:cNvSpPr>
-          <p:nvPr>
-            <p:ph type="sldNum" sz="quarter" idx="12"/>
-          </p:nvPr>
-        </p:nvSpPr>
-        <p:spPr/>
-        <p:txBody>
-          <a:bodyPr/>
-          <a:lstStyle/>
-          <a:p>
-            <a:fld id="{14DE990B-4FB7-4A7F-817E-CABDB30FA765}" type="slidenum">
-              <a:rPr lang="en-IN" smtClean="0"/>
-              <a:t>9</a:t>
-            </a:fld>
-            <a:endParaRPr lang="en-IN"/>
-          </a:p>
-        </p:txBody>
-      </p:sp>
-    </p:spTree>
-    <p:extLst>
-      <p:ext uri="{BB962C8B-B14F-4D97-AF65-F5344CB8AC3E}">
-        <p14:creationId xmlns:p14="http://schemas.microsoft.com/office/powerpoint/2010/main" val="1781863224"/>
+        <p14:creationId xmlns:p14="http://schemas.microsoft.com/office/powerpoint/2010/main" val="1481740791"/>
       </p:ext>
     </p:extLst>
   </p:cSld>

--- a/Project Progress Presentaion.pptx
+++ b/Project Progress Presentaion.pptx
@@ -12,10 +12,10 @@
     <p:sldId id="258" r:id="rId3"/>
     <p:sldId id="259" r:id="rId4"/>
     <p:sldId id="260" r:id="rId5"/>
-    <p:sldId id="262" r:id="rId6"/>
+    <p:sldId id="273" r:id="rId6"/>
     <p:sldId id="264" r:id="rId7"/>
     <p:sldId id="265" r:id="rId8"/>
-    <p:sldId id="268" r:id="rId9"/>
+    <p:sldId id="274" r:id="rId9"/>
     <p:sldId id="266" r:id="rId10"/>
     <p:sldId id="267" r:id="rId11"/>
     <p:sldId id="271" r:id="rId12"/>
@@ -2046,6 +2046,13 @@
         </dgm:presLayoutVars>
       </dgm:prSet>
       <dgm:spPr/>
+      <dgm:t>
+        <a:bodyPr/>
+        <a:lstStyle/>
+        <a:p>
+          <a:endParaRPr lang="en-US"/>
+        </a:p>
+      </dgm:t>
     </dgm:pt>
     <dgm:pt modelId="{734875A9-DF35-4D71-BCAF-AB0B128F1338}" type="pres">
       <dgm:prSet presAssocID="{F441001E-6347-43AB-ACFD-650031A5166E}" presName="parentText" presStyleLbl="node1" presStyleIdx="0" presStyleCnt="5" custLinFactNeighborX="3" custLinFactNeighborY="-13773">
@@ -2055,6 +2062,13 @@
         </dgm:presLayoutVars>
       </dgm:prSet>
       <dgm:spPr/>
+      <dgm:t>
+        <a:bodyPr/>
+        <a:lstStyle/>
+        <a:p>
+          <a:endParaRPr lang="en-US"/>
+        </a:p>
+      </dgm:t>
     </dgm:pt>
     <dgm:pt modelId="{4656F6B9-0B5C-4A8C-8068-E41621E2757F}" type="pres">
       <dgm:prSet presAssocID="{F441001E-6347-43AB-ACFD-650031A5166E}" presName="childText" presStyleLbl="revTx" presStyleIdx="0" presStyleCnt="5">
@@ -2063,6 +2077,13 @@
         </dgm:presLayoutVars>
       </dgm:prSet>
       <dgm:spPr/>
+      <dgm:t>
+        <a:bodyPr/>
+        <a:lstStyle/>
+        <a:p>
+          <a:endParaRPr lang="en-US"/>
+        </a:p>
+      </dgm:t>
     </dgm:pt>
     <dgm:pt modelId="{B6AF7AD7-3201-4241-BDA7-8D8F37824F30}" type="pres">
       <dgm:prSet presAssocID="{A1BF7326-E5BD-408F-8482-FEB1A58EFE63}" presName="parentText" presStyleLbl="node1" presStyleIdx="1" presStyleCnt="5" custLinFactNeighborX="0" custLinFactNeighborY="-8765">
@@ -2072,6 +2093,13 @@
         </dgm:presLayoutVars>
       </dgm:prSet>
       <dgm:spPr/>
+      <dgm:t>
+        <a:bodyPr/>
+        <a:lstStyle/>
+        <a:p>
+          <a:endParaRPr lang="en-US"/>
+        </a:p>
+      </dgm:t>
     </dgm:pt>
     <dgm:pt modelId="{D6EC59F5-0F4B-46C9-A10F-274F2A83C0F7}" type="pres">
       <dgm:prSet presAssocID="{A1BF7326-E5BD-408F-8482-FEB1A58EFE63}" presName="childText" presStyleLbl="revTx" presStyleIdx="1" presStyleCnt="5">
@@ -2080,6 +2108,13 @@
         </dgm:presLayoutVars>
       </dgm:prSet>
       <dgm:spPr/>
+      <dgm:t>
+        <a:bodyPr/>
+        <a:lstStyle/>
+        <a:p>
+          <a:endParaRPr lang="en-US"/>
+        </a:p>
+      </dgm:t>
     </dgm:pt>
     <dgm:pt modelId="{89E08625-7F36-4A1F-8391-7D72A0885382}" type="pres">
       <dgm:prSet presAssocID="{FCC5EB99-0189-455A-919F-64281EE814A9}" presName="parentText" presStyleLbl="node1" presStyleIdx="2" presStyleCnt="5">
@@ -2089,6 +2124,13 @@
         </dgm:presLayoutVars>
       </dgm:prSet>
       <dgm:spPr/>
+      <dgm:t>
+        <a:bodyPr/>
+        <a:lstStyle/>
+        <a:p>
+          <a:endParaRPr lang="en-US"/>
+        </a:p>
+      </dgm:t>
     </dgm:pt>
     <dgm:pt modelId="{364220FD-3EF2-422A-A322-24ECEF43A84F}" type="pres">
       <dgm:prSet presAssocID="{FCC5EB99-0189-455A-919F-64281EE814A9}" presName="childText" presStyleLbl="revTx" presStyleIdx="2" presStyleCnt="5">
@@ -2097,6 +2139,13 @@
         </dgm:presLayoutVars>
       </dgm:prSet>
       <dgm:spPr/>
+      <dgm:t>
+        <a:bodyPr/>
+        <a:lstStyle/>
+        <a:p>
+          <a:endParaRPr lang="en-US"/>
+        </a:p>
+      </dgm:t>
     </dgm:pt>
     <dgm:pt modelId="{16B7D458-1B62-466B-B995-BFD685185481}" type="pres">
       <dgm:prSet presAssocID="{0CC4204E-4E00-4F80-995D-90AB35516B41}" presName="parentText" presStyleLbl="node1" presStyleIdx="3" presStyleCnt="5">
@@ -2106,6 +2155,13 @@
         </dgm:presLayoutVars>
       </dgm:prSet>
       <dgm:spPr/>
+      <dgm:t>
+        <a:bodyPr/>
+        <a:lstStyle/>
+        <a:p>
+          <a:endParaRPr lang="en-US"/>
+        </a:p>
+      </dgm:t>
     </dgm:pt>
     <dgm:pt modelId="{C4521C3D-B2A1-4494-B726-FC4A19209F83}" type="pres">
       <dgm:prSet presAssocID="{0CC4204E-4E00-4F80-995D-90AB35516B41}" presName="childText" presStyleLbl="revTx" presStyleIdx="3" presStyleCnt="5">
@@ -2114,6 +2170,13 @@
         </dgm:presLayoutVars>
       </dgm:prSet>
       <dgm:spPr/>
+      <dgm:t>
+        <a:bodyPr/>
+        <a:lstStyle/>
+        <a:p>
+          <a:endParaRPr lang="en-US"/>
+        </a:p>
+      </dgm:t>
     </dgm:pt>
     <dgm:pt modelId="{43CAB317-6D3E-4B76-9DF6-07B4AFBFE786}" type="pres">
       <dgm:prSet presAssocID="{B27C3A9F-9554-47AE-98C9-07C67B84D136}" presName="parentText" presStyleLbl="node1" presStyleIdx="4" presStyleCnt="5">
@@ -2123,6 +2186,13 @@
         </dgm:presLayoutVars>
       </dgm:prSet>
       <dgm:spPr/>
+      <dgm:t>
+        <a:bodyPr/>
+        <a:lstStyle/>
+        <a:p>
+          <a:endParaRPr lang="en-US"/>
+        </a:p>
+      </dgm:t>
     </dgm:pt>
     <dgm:pt modelId="{B0240379-8454-4965-AB02-BE8DFBA46394}" type="pres">
       <dgm:prSet presAssocID="{B27C3A9F-9554-47AE-98C9-07C67B84D136}" presName="childText" presStyleLbl="revTx" presStyleIdx="4" presStyleCnt="5">
@@ -2131,30 +2201,37 @@
         </dgm:presLayoutVars>
       </dgm:prSet>
       <dgm:spPr/>
+      <dgm:t>
+        <a:bodyPr/>
+        <a:lstStyle/>
+        <a:p>
+          <a:endParaRPr lang="en-US"/>
+        </a:p>
+      </dgm:t>
     </dgm:pt>
   </dgm:ptLst>
   <dgm:cxnLst>
+    <dgm:cxn modelId="{5AA24149-10ED-4E9F-9D3C-F9C97ADF90D7}" type="presOf" srcId="{E8F56E97-412C-4172-AD8E-2F0E80656ED4}" destId="{C4521C3D-B2A1-4494-B726-FC4A19209F83}" srcOrd="0" destOrd="0" presId="urn:microsoft.com/office/officeart/2005/8/layout/vList2"/>
+    <dgm:cxn modelId="{DDA54052-C3A0-4BCA-9F70-2AF94A0D99D9}" type="presOf" srcId="{FCC5EB99-0189-455A-919F-64281EE814A9}" destId="{89E08625-7F36-4A1F-8391-7D72A0885382}" srcOrd="0" destOrd="0" presId="urn:microsoft.com/office/officeart/2005/8/layout/vList2"/>
+    <dgm:cxn modelId="{1BC2E42B-898A-4F5C-8DD5-107F0BAA7FF8}" type="presOf" srcId="{A1BF7326-E5BD-408F-8482-FEB1A58EFE63}" destId="{B6AF7AD7-3201-4241-BDA7-8D8F37824F30}" srcOrd="0" destOrd="0" presId="urn:microsoft.com/office/officeart/2005/8/layout/vList2"/>
+    <dgm:cxn modelId="{0AA675D1-0E99-402B-9118-A5AE46E6DC44}" srcId="{7E2D2691-3D14-43E6-A9E5-BC35CA444289}" destId="{FCC5EB99-0189-455A-919F-64281EE814A9}" srcOrd="2" destOrd="0" parTransId="{6E87FE38-6CBC-4750-A421-7E24FA7BCAA7}" sibTransId="{FA512BC8-B086-43CD-B45D-BC1E48BF854A}"/>
+    <dgm:cxn modelId="{207A5791-2587-41DE-90AF-55660FB289AD}" type="presOf" srcId="{B27C3A9F-9554-47AE-98C9-07C67B84D136}" destId="{43CAB317-6D3E-4B76-9DF6-07B4AFBFE786}" srcOrd="0" destOrd="0" presId="urn:microsoft.com/office/officeart/2005/8/layout/vList2"/>
+    <dgm:cxn modelId="{2C41B037-D81C-4062-A03D-B8557585D702}" srcId="{7E2D2691-3D14-43E6-A9E5-BC35CA444289}" destId="{A1BF7326-E5BD-408F-8482-FEB1A58EFE63}" srcOrd="1" destOrd="0" parTransId="{1570DF23-8435-4C8E-9C47-2C1D5280E57E}" sibTransId="{745C0054-9109-432E-912C-8BA46F5D1555}"/>
+    <dgm:cxn modelId="{AEC5C7B9-C968-4F78-81B6-FA00F2826EA8}" type="presOf" srcId="{9DB47A99-8901-4143-9EFE-5688CF9DEBE0}" destId="{364220FD-3EF2-422A-A322-24ECEF43A84F}" srcOrd="0" destOrd="0" presId="urn:microsoft.com/office/officeart/2005/8/layout/vList2"/>
     <dgm:cxn modelId="{9C22230A-0B82-465F-AEE4-A6C34F5E92A2}" type="presOf" srcId="{0CC4204E-4E00-4F80-995D-90AB35516B41}" destId="{16B7D458-1B62-466B-B995-BFD685185481}" srcOrd="0" destOrd="0" presId="urn:microsoft.com/office/officeart/2005/8/layout/vList2"/>
-    <dgm:cxn modelId="{1BC2E42B-898A-4F5C-8DD5-107F0BAA7FF8}" type="presOf" srcId="{A1BF7326-E5BD-408F-8482-FEB1A58EFE63}" destId="{B6AF7AD7-3201-4241-BDA7-8D8F37824F30}" srcOrd="0" destOrd="0" presId="urn:microsoft.com/office/officeart/2005/8/layout/vList2"/>
-    <dgm:cxn modelId="{C5DD8E2E-F430-4337-8F07-8798D114E6CC}" type="presOf" srcId="{B04D8804-C673-4D58-AC97-87128E74436D}" destId="{4656F6B9-0B5C-4A8C-8068-E41621E2757F}" srcOrd="0" destOrd="0" presId="urn:microsoft.com/office/officeart/2005/8/layout/vList2"/>
-    <dgm:cxn modelId="{2C41B037-D81C-4062-A03D-B8557585D702}" srcId="{7E2D2691-3D14-43E6-A9E5-BC35CA444289}" destId="{A1BF7326-E5BD-408F-8482-FEB1A58EFE63}" srcOrd="1" destOrd="0" parTransId="{1570DF23-8435-4C8E-9C47-2C1D5280E57E}" sibTransId="{745C0054-9109-432E-912C-8BA46F5D1555}"/>
+    <dgm:cxn modelId="{D93B20BD-BBFF-46E5-B2C8-F668C2D1426B}" srcId="{B27C3A9F-9554-47AE-98C9-07C67B84D136}" destId="{D491DCF7-538A-4B90-92D1-426BA86D1D17}" srcOrd="0" destOrd="0" parTransId="{2082CA8E-ADF5-462A-A1B7-DF851BA421A7}" sibTransId="{7C2E1EDD-93B5-4108-8ECC-B4FEBF7F4B46}"/>
+    <dgm:cxn modelId="{B072A1EE-11EF-408B-B0FF-52491FA2895F}" srcId="{7E2D2691-3D14-43E6-A9E5-BC35CA444289}" destId="{B27C3A9F-9554-47AE-98C9-07C67B84D136}" srcOrd="4" destOrd="0" parTransId="{CE41282A-FDFE-4415-A517-6543734A3B52}" sibTransId="{AA938921-ADD6-4017-8229-1A7734A2CC4F}"/>
+    <dgm:cxn modelId="{A6DEA6C7-F274-42DC-9808-E794B349EC74}" type="presOf" srcId="{61225D35-1412-4845-B52E-AFD17D919B42}" destId="{D6EC59F5-0F4B-46C9-A10F-274F2A83C0F7}" srcOrd="0" destOrd="0" presId="urn:microsoft.com/office/officeart/2005/8/layout/vList2"/>
+    <dgm:cxn modelId="{8BD83AAB-3124-4F59-9148-540A2086CAB0}" srcId="{7E2D2691-3D14-43E6-A9E5-BC35CA444289}" destId="{0CC4204E-4E00-4F80-995D-90AB35516B41}" srcOrd="3" destOrd="0" parTransId="{1783D2AA-78D8-48B2-85F3-F3FD5F89F5A6}" sibTransId="{7365EEC1-146B-4853-B0CE-51A0D184F9DE}"/>
+    <dgm:cxn modelId="{748345C2-24A7-4E65-9F0B-F3B1EF4166B8}" srcId="{FCC5EB99-0189-455A-919F-64281EE814A9}" destId="{9DB47A99-8901-4143-9EFE-5688CF9DEBE0}" srcOrd="0" destOrd="0" parTransId="{52773EE8-BFD8-44C9-913C-FB11E9D3E1A0}" sibTransId="{3CB05F45-EC10-415D-A533-56C963484BFE}"/>
+    <dgm:cxn modelId="{38448A4A-E07F-4F73-8EA7-FB10D94F4A0A}" type="presOf" srcId="{F441001E-6347-43AB-ACFD-650031A5166E}" destId="{734875A9-DF35-4D71-BCAF-AB0B128F1338}" srcOrd="0" destOrd="0" presId="urn:microsoft.com/office/officeart/2005/8/layout/vList2"/>
+    <dgm:cxn modelId="{B0A8CD52-C694-4546-A707-6316E28B1073}" srcId="{0CC4204E-4E00-4F80-995D-90AB35516B41}" destId="{E8F56E97-412C-4172-AD8E-2F0E80656ED4}" srcOrd="0" destOrd="0" parTransId="{56C5B4C6-DF60-48AC-9923-7805C6E467DA}" sibTransId="{9B5A7948-72D6-4F6E-A9C6-C18FD16C3D46}"/>
     <dgm:cxn modelId="{8AD9573A-0E89-45DA-966A-F77F34486D5D}" type="presOf" srcId="{7E2D2691-3D14-43E6-A9E5-BC35CA444289}" destId="{99CD70DE-6DD2-4790-B082-E21E45F152DF}" srcOrd="0" destOrd="0" presId="urn:microsoft.com/office/officeart/2005/8/layout/vList2"/>
     <dgm:cxn modelId="{E1E0205B-C3A1-43F4-9CCA-6B46E5D3205D}" srcId="{7E2D2691-3D14-43E6-A9E5-BC35CA444289}" destId="{F441001E-6347-43AB-ACFD-650031A5166E}" srcOrd="0" destOrd="0" parTransId="{BB88FC40-CA33-4FCB-99F4-1B15F81D4E4D}" sibTransId="{FEC5D3AD-D5AC-4588-BAD7-7A8B5ABE885C}"/>
+    <dgm:cxn modelId="{50EBE8B7-253C-4EA9-885B-44451D9F335C}" srcId="{A1BF7326-E5BD-408F-8482-FEB1A58EFE63}" destId="{61225D35-1412-4845-B52E-AFD17D919B42}" srcOrd="0" destOrd="0" parTransId="{EA240431-4D0B-4B5C-B7F9-37EE175D155C}" sibTransId="{1D0E24DE-4F75-465E-9361-60FD3B10E0C9}"/>
+    <dgm:cxn modelId="{C5DD8E2E-F430-4337-8F07-8798D114E6CC}" type="presOf" srcId="{B04D8804-C673-4D58-AC97-87128E74436D}" destId="{4656F6B9-0B5C-4A8C-8068-E41621E2757F}" srcOrd="0" destOrd="0" presId="urn:microsoft.com/office/officeart/2005/8/layout/vList2"/>
+    <dgm:cxn modelId="{FE0D4B4E-BF13-4814-8090-6EC54296BF5E}" type="presOf" srcId="{D491DCF7-538A-4B90-92D1-426BA86D1D17}" destId="{B0240379-8454-4965-AB02-BE8DFBA46394}" srcOrd="0" destOrd="0" presId="urn:microsoft.com/office/officeart/2005/8/layout/vList2"/>
     <dgm:cxn modelId="{AB224B5D-638A-4610-B76B-7563C0EB4425}" srcId="{F441001E-6347-43AB-ACFD-650031A5166E}" destId="{B04D8804-C673-4D58-AC97-87128E74436D}" srcOrd="0" destOrd="0" parTransId="{CBA0C92B-DC3C-41DB-BF4B-C053D005493C}" sibTransId="{CAD975A7-4278-4180-A594-3AF0C336E0EE}"/>
-    <dgm:cxn modelId="{5AA24149-10ED-4E9F-9D3C-F9C97ADF90D7}" type="presOf" srcId="{E8F56E97-412C-4172-AD8E-2F0E80656ED4}" destId="{C4521C3D-B2A1-4494-B726-FC4A19209F83}" srcOrd="0" destOrd="0" presId="urn:microsoft.com/office/officeart/2005/8/layout/vList2"/>
-    <dgm:cxn modelId="{38448A4A-E07F-4F73-8EA7-FB10D94F4A0A}" type="presOf" srcId="{F441001E-6347-43AB-ACFD-650031A5166E}" destId="{734875A9-DF35-4D71-BCAF-AB0B128F1338}" srcOrd="0" destOrd="0" presId="urn:microsoft.com/office/officeart/2005/8/layout/vList2"/>
-    <dgm:cxn modelId="{FE0D4B4E-BF13-4814-8090-6EC54296BF5E}" type="presOf" srcId="{D491DCF7-538A-4B90-92D1-426BA86D1D17}" destId="{B0240379-8454-4965-AB02-BE8DFBA46394}" srcOrd="0" destOrd="0" presId="urn:microsoft.com/office/officeart/2005/8/layout/vList2"/>
-    <dgm:cxn modelId="{DDA54052-C3A0-4BCA-9F70-2AF94A0D99D9}" type="presOf" srcId="{FCC5EB99-0189-455A-919F-64281EE814A9}" destId="{89E08625-7F36-4A1F-8391-7D72A0885382}" srcOrd="0" destOrd="0" presId="urn:microsoft.com/office/officeart/2005/8/layout/vList2"/>
-    <dgm:cxn modelId="{B0A8CD52-C694-4546-A707-6316E28B1073}" srcId="{0CC4204E-4E00-4F80-995D-90AB35516B41}" destId="{E8F56E97-412C-4172-AD8E-2F0E80656ED4}" srcOrd="0" destOrd="0" parTransId="{56C5B4C6-DF60-48AC-9923-7805C6E467DA}" sibTransId="{9B5A7948-72D6-4F6E-A9C6-C18FD16C3D46}"/>
-    <dgm:cxn modelId="{207A5791-2587-41DE-90AF-55660FB289AD}" type="presOf" srcId="{B27C3A9F-9554-47AE-98C9-07C67B84D136}" destId="{43CAB317-6D3E-4B76-9DF6-07B4AFBFE786}" srcOrd="0" destOrd="0" presId="urn:microsoft.com/office/officeart/2005/8/layout/vList2"/>
-    <dgm:cxn modelId="{8BD83AAB-3124-4F59-9148-540A2086CAB0}" srcId="{7E2D2691-3D14-43E6-A9E5-BC35CA444289}" destId="{0CC4204E-4E00-4F80-995D-90AB35516B41}" srcOrd="3" destOrd="0" parTransId="{1783D2AA-78D8-48B2-85F3-F3FD5F89F5A6}" sibTransId="{7365EEC1-146B-4853-B0CE-51A0D184F9DE}"/>
-    <dgm:cxn modelId="{50EBE8B7-253C-4EA9-885B-44451D9F335C}" srcId="{A1BF7326-E5BD-408F-8482-FEB1A58EFE63}" destId="{61225D35-1412-4845-B52E-AFD17D919B42}" srcOrd="0" destOrd="0" parTransId="{EA240431-4D0B-4B5C-B7F9-37EE175D155C}" sibTransId="{1D0E24DE-4F75-465E-9361-60FD3B10E0C9}"/>
-    <dgm:cxn modelId="{AEC5C7B9-C968-4F78-81B6-FA00F2826EA8}" type="presOf" srcId="{9DB47A99-8901-4143-9EFE-5688CF9DEBE0}" destId="{364220FD-3EF2-422A-A322-24ECEF43A84F}" srcOrd="0" destOrd="0" presId="urn:microsoft.com/office/officeart/2005/8/layout/vList2"/>
-    <dgm:cxn modelId="{D93B20BD-BBFF-46E5-B2C8-F668C2D1426B}" srcId="{B27C3A9F-9554-47AE-98C9-07C67B84D136}" destId="{D491DCF7-538A-4B90-92D1-426BA86D1D17}" srcOrd="0" destOrd="0" parTransId="{2082CA8E-ADF5-462A-A1B7-DF851BA421A7}" sibTransId="{7C2E1EDD-93B5-4108-8ECC-B4FEBF7F4B46}"/>
-    <dgm:cxn modelId="{748345C2-24A7-4E65-9F0B-F3B1EF4166B8}" srcId="{FCC5EB99-0189-455A-919F-64281EE814A9}" destId="{9DB47A99-8901-4143-9EFE-5688CF9DEBE0}" srcOrd="0" destOrd="0" parTransId="{52773EE8-BFD8-44C9-913C-FB11E9D3E1A0}" sibTransId="{3CB05F45-EC10-415D-A533-56C963484BFE}"/>
-    <dgm:cxn modelId="{A6DEA6C7-F274-42DC-9808-E794B349EC74}" type="presOf" srcId="{61225D35-1412-4845-B52E-AFD17D919B42}" destId="{D6EC59F5-0F4B-46C9-A10F-274F2A83C0F7}" srcOrd="0" destOrd="0" presId="urn:microsoft.com/office/officeart/2005/8/layout/vList2"/>
-    <dgm:cxn modelId="{0AA675D1-0E99-402B-9118-A5AE46E6DC44}" srcId="{7E2D2691-3D14-43E6-A9E5-BC35CA444289}" destId="{FCC5EB99-0189-455A-919F-64281EE814A9}" srcOrd="2" destOrd="0" parTransId="{6E87FE38-6CBC-4750-A421-7E24FA7BCAA7}" sibTransId="{FA512BC8-B086-43CD-B45D-BC1E48BF854A}"/>
-    <dgm:cxn modelId="{B072A1EE-11EF-408B-B0FF-52491FA2895F}" srcId="{7E2D2691-3D14-43E6-A9E5-BC35CA444289}" destId="{B27C3A9F-9554-47AE-98C9-07C67B84D136}" srcOrd="4" destOrd="0" parTransId="{CE41282A-FDFE-4415-A517-6543734A3B52}" sibTransId="{AA938921-ADD6-4017-8229-1A7734A2CC4F}"/>
     <dgm:cxn modelId="{8F86CCC5-AC6A-4B9B-BCD8-491172ABADD5}" type="presParOf" srcId="{99CD70DE-6DD2-4790-B082-E21E45F152DF}" destId="{734875A9-DF35-4D71-BCAF-AB0B128F1338}" srcOrd="0" destOrd="0" presId="urn:microsoft.com/office/officeart/2005/8/layout/vList2"/>
     <dgm:cxn modelId="{6EAD4DBC-47F6-41D0-8911-C1B37E4A7277}" type="presParOf" srcId="{99CD70DE-6DD2-4790-B082-E21E45F152DF}" destId="{4656F6B9-0B5C-4A8C-8068-E41621E2757F}" srcOrd="1" destOrd="0" presId="urn:microsoft.com/office/officeart/2005/8/layout/vList2"/>
     <dgm:cxn modelId="{A8D7F5AC-FBB1-4022-B093-91B5BD140ACC}" type="presParOf" srcId="{99CD70DE-6DD2-4790-B082-E21E45F152DF}" destId="{B6AF7AD7-3201-4241-BDA7-8D8F37824F30}" srcOrd="2" destOrd="0" presId="urn:microsoft.com/office/officeart/2005/8/layout/vList2"/>
@@ -2198,7 +2275,7 @@
         <a:lstStyle/>
         <a:p>
           <a:r>
-            <a:rPr lang="en-US"/>
+            <a:rPr lang="en-US" dirty="0"/>
             <a:t>Generates the targets for the model to represent and the requirements to verify against.</a:t>
           </a:r>
         </a:p>
@@ -2271,6 +2348,13 @@
         </dgm:presLayoutVars>
       </dgm:prSet>
       <dgm:spPr/>
+      <dgm:t>
+        <a:bodyPr/>
+        <a:lstStyle/>
+        <a:p>
+          <a:endParaRPr lang="en-US"/>
+        </a:p>
+      </dgm:t>
     </dgm:pt>
     <dgm:pt modelId="{BD2E4AC9-9DFB-42D4-B1BD-A257BA7C5060}" type="pres">
       <dgm:prSet presAssocID="{AC6F1025-A925-4362-A2CF-6BD2FAEF3E74}" presName="boxAndChildren" presStyleCnt="0"/>
@@ -2279,6 +2363,13 @@
     <dgm:pt modelId="{FFA5F1D1-1C8E-4EB2-B221-03B863503387}" type="pres">
       <dgm:prSet presAssocID="{AC6F1025-A925-4362-A2CF-6BD2FAEF3E74}" presName="parentTextBox" presStyleLbl="node1" presStyleIdx="0" presStyleCnt="2"/>
       <dgm:spPr/>
+      <dgm:t>
+        <a:bodyPr/>
+        <a:lstStyle/>
+        <a:p>
+          <a:endParaRPr lang="en-US"/>
+        </a:p>
+      </dgm:t>
     </dgm:pt>
     <dgm:pt modelId="{C96449D7-AAD4-4C94-96D9-35810084E17E}" type="pres">
       <dgm:prSet presAssocID="{86822A0C-542D-4AEC-921A-CD43766A160E}" presName="sp" presStyleCnt="0"/>
@@ -2291,14 +2382,21 @@
     <dgm:pt modelId="{51D411FA-7A18-4940-99A6-23B1EF0E5600}" type="pres">
       <dgm:prSet presAssocID="{E8C77936-1DE1-49F9-9AD4-FE7E7306073A}" presName="parentTextArrow" presStyleLbl="node1" presStyleIdx="1" presStyleCnt="2"/>
       <dgm:spPr/>
+      <dgm:t>
+        <a:bodyPr/>
+        <a:lstStyle/>
+        <a:p>
+          <a:endParaRPr lang="en-US"/>
+        </a:p>
+      </dgm:t>
     </dgm:pt>
   </dgm:ptLst>
   <dgm:cxnLst>
+    <dgm:cxn modelId="{D126EEDC-D987-4D4A-B25C-6C15C7C7382A}" srcId="{7CB6D944-A413-42EB-8CA6-0AE50AA67C5C}" destId="{E8C77936-1DE1-49F9-9AD4-FE7E7306073A}" srcOrd="0" destOrd="0" parTransId="{493F0BD5-6DD9-46CA-A8C4-7342BAB3A64E}" sibTransId="{86822A0C-542D-4AEC-921A-CD43766A160E}"/>
     <dgm:cxn modelId="{A816F776-D156-43E1-805F-1FAA2EA18C0D}" type="presOf" srcId="{7CB6D944-A413-42EB-8CA6-0AE50AA67C5C}" destId="{4CEF0223-F980-40D8-B0F2-FE8A45407289}" srcOrd="0" destOrd="0" presId="urn:microsoft.com/office/officeart/2005/8/layout/process4"/>
+    <dgm:cxn modelId="{D9499382-FBA3-4899-989A-D2DFC41AE812}" type="presOf" srcId="{E8C77936-1DE1-49F9-9AD4-FE7E7306073A}" destId="{51D411FA-7A18-4940-99A6-23B1EF0E5600}" srcOrd="0" destOrd="0" presId="urn:microsoft.com/office/officeart/2005/8/layout/process4"/>
     <dgm:cxn modelId="{A5BFAE79-F84C-44E1-84BC-CD33E4403BAD}" srcId="{7CB6D944-A413-42EB-8CA6-0AE50AA67C5C}" destId="{AC6F1025-A925-4362-A2CF-6BD2FAEF3E74}" srcOrd="1" destOrd="0" parTransId="{7B8C3022-D12A-46DA-A026-40987CC23A84}" sibTransId="{06DD5E00-C16E-4E4C-ABFA-6BDF59458F08}"/>
-    <dgm:cxn modelId="{D9499382-FBA3-4899-989A-D2DFC41AE812}" type="presOf" srcId="{E8C77936-1DE1-49F9-9AD4-FE7E7306073A}" destId="{51D411FA-7A18-4940-99A6-23B1EF0E5600}" srcOrd="0" destOrd="0" presId="urn:microsoft.com/office/officeart/2005/8/layout/process4"/>
     <dgm:cxn modelId="{0BD96892-9FF0-4B94-BA88-614496AFA234}" type="presOf" srcId="{AC6F1025-A925-4362-A2CF-6BD2FAEF3E74}" destId="{FFA5F1D1-1C8E-4EB2-B221-03B863503387}" srcOrd="0" destOrd="0" presId="urn:microsoft.com/office/officeart/2005/8/layout/process4"/>
-    <dgm:cxn modelId="{D126EEDC-D987-4D4A-B25C-6C15C7C7382A}" srcId="{7CB6D944-A413-42EB-8CA6-0AE50AA67C5C}" destId="{E8C77936-1DE1-49F9-9AD4-FE7E7306073A}" srcOrd="0" destOrd="0" parTransId="{493F0BD5-6DD9-46CA-A8C4-7342BAB3A64E}" sibTransId="{86822A0C-542D-4AEC-921A-CD43766A160E}"/>
     <dgm:cxn modelId="{74C677DC-C565-44A4-9762-4D66F25877B9}" type="presParOf" srcId="{4CEF0223-F980-40D8-B0F2-FE8A45407289}" destId="{BD2E4AC9-9DFB-42D4-B1BD-A257BA7C5060}" srcOrd="0" destOrd="0" presId="urn:microsoft.com/office/officeart/2005/8/layout/process4"/>
     <dgm:cxn modelId="{CAB44BD5-A9FF-4587-9431-5BE04A8037F1}" type="presParOf" srcId="{BD2E4AC9-9DFB-42D4-B1BD-A257BA7C5060}" destId="{FFA5F1D1-1C8E-4EB2-B221-03B863503387}" srcOrd="0" destOrd="0" presId="urn:microsoft.com/office/officeart/2005/8/layout/process4"/>
     <dgm:cxn modelId="{86D30AAD-1608-4034-A745-89E4F4664F96}" type="presParOf" srcId="{4CEF0223-F980-40D8-B0F2-FE8A45407289}" destId="{C96449D7-AAD4-4C94-96D9-35810084E17E}" srcOrd="1" destOrd="0" presId="urn:microsoft.com/office/officeart/2005/8/layout/process4"/>
@@ -2377,7 +2475,7 @@
         </a:bodyPr>
         <a:lstStyle/>
         <a:p>
-          <a:pPr marL="0" lvl="0" indent="0" algn="l" defTabSz="933450">
+          <a:pPr lvl="0" algn="l" defTabSz="933450">
             <a:lnSpc>
               <a:spcPct val="90000"/>
             </a:lnSpc>
@@ -2387,7 +2485,6 @@
             <a:spcAft>
               <a:spcPct val="35000"/>
             </a:spcAft>
-            <a:buNone/>
           </a:pPr>
           <a:r>
             <a:rPr lang="en-US" sz="2100" b="1" kern="1200" dirty="0"/>
@@ -2447,7 +2544,7 @@
             <a:spcAft>
               <a:spcPct val="20000"/>
             </a:spcAft>
-            <a:buChar char="•"/>
+            <a:buChar char="••"/>
           </a:pPr>
           <a:r>
             <a:rPr lang="en-US" sz="1600" kern="1200" dirty="0"/>
@@ -2514,7 +2611,7 @@
         </a:bodyPr>
         <a:lstStyle/>
         <a:p>
-          <a:pPr marL="0" lvl="0" indent="0" algn="l" defTabSz="933450">
+          <a:pPr lvl="0" algn="l" defTabSz="933450">
             <a:lnSpc>
               <a:spcPct val="90000"/>
             </a:lnSpc>
@@ -2524,7 +2621,6 @@
             <a:spcAft>
               <a:spcPct val="35000"/>
             </a:spcAft>
-            <a:buNone/>
           </a:pPr>
           <a:r>
             <a:rPr lang="en-US" sz="2100" b="1" kern="1200" dirty="0"/>
@@ -2584,7 +2680,7 @@
             <a:spcAft>
               <a:spcPct val="20000"/>
             </a:spcAft>
-            <a:buChar char="•"/>
+            <a:buChar char="••"/>
           </a:pPr>
           <a:r>
             <a:rPr lang="en-US" sz="1600" kern="1200" dirty="0"/>
@@ -2651,7 +2747,7 @@
         </a:bodyPr>
         <a:lstStyle/>
         <a:p>
-          <a:pPr marL="0" lvl="0" indent="0" algn="l" defTabSz="933450">
+          <a:pPr lvl="0" algn="l" defTabSz="933450">
             <a:lnSpc>
               <a:spcPct val="90000"/>
             </a:lnSpc>
@@ -2661,7 +2757,6 @@
             <a:spcAft>
               <a:spcPct val="35000"/>
             </a:spcAft>
-            <a:buNone/>
           </a:pPr>
           <a:r>
             <a:rPr lang="en-US" sz="2100" b="1" kern="1200" dirty="0"/>
@@ -2721,7 +2816,7 @@
             <a:spcAft>
               <a:spcPct val="20000"/>
             </a:spcAft>
-            <a:buChar char="•"/>
+            <a:buChar char="••"/>
           </a:pPr>
           <a:r>
             <a:rPr lang="en-US" sz="1600" kern="1200" dirty="0"/>
@@ -2788,7 +2883,7 @@
         </a:bodyPr>
         <a:lstStyle/>
         <a:p>
-          <a:pPr marL="0" lvl="0" indent="0" algn="l" defTabSz="933450">
+          <a:pPr lvl="0" algn="l" defTabSz="933450">
             <a:lnSpc>
               <a:spcPct val="90000"/>
             </a:lnSpc>
@@ -2798,7 +2893,6 @@
             <a:spcAft>
               <a:spcPct val="35000"/>
             </a:spcAft>
-            <a:buNone/>
           </a:pPr>
           <a:r>
             <a:rPr lang="en-US" sz="2100" b="1" kern="1200" dirty="0"/>
@@ -2858,7 +2952,7 @@
             <a:spcAft>
               <a:spcPct val="20000"/>
             </a:spcAft>
-            <a:buChar char="•"/>
+            <a:buChar char="••"/>
           </a:pPr>
           <a:r>
             <a:rPr lang="en-US" sz="1600" kern="1200" dirty="0"/>
@@ -2925,7 +3019,7 @@
         </a:bodyPr>
         <a:lstStyle/>
         <a:p>
-          <a:pPr marL="0" lvl="0" indent="0" algn="l" defTabSz="933450">
+          <a:pPr lvl="0" algn="l" defTabSz="933450">
             <a:lnSpc>
               <a:spcPct val="90000"/>
             </a:lnSpc>
@@ -2935,7 +3029,6 @@
             <a:spcAft>
               <a:spcPct val="35000"/>
             </a:spcAft>
-            <a:buNone/>
           </a:pPr>
           <a:r>
             <a:rPr lang="en-US" sz="2100" b="1" kern="1200" dirty="0"/>
@@ -2995,7 +3088,7 @@
             <a:spcAft>
               <a:spcPct val="20000"/>
             </a:spcAft>
-            <a:buChar char="•"/>
+            <a:buChar char="••"/>
           </a:pPr>
           <a:r>
             <a:rPr lang="en-US" sz="1600" kern="1200" dirty="0"/>
@@ -3082,7 +3175,7 @@
         </a:bodyPr>
         <a:lstStyle/>
         <a:p>
-          <a:pPr marL="0" lvl="0" indent="0" algn="ctr" defTabSz="1111250">
+          <a:pPr lvl="0" algn="ctr" defTabSz="1111250">
             <a:lnSpc>
               <a:spcPct val="90000"/>
             </a:lnSpc>
@@ -3092,7 +3185,6 @@
             <a:spcAft>
               <a:spcPct val="35000"/>
             </a:spcAft>
-            <a:buNone/>
           </a:pPr>
           <a:r>
             <a:rPr lang="en-US" sz="2500" kern="1200" dirty="0"/>
@@ -3159,7 +3251,7 @@
         </a:bodyPr>
         <a:lstStyle/>
         <a:p>
-          <a:pPr marL="0" lvl="0" indent="0" algn="ctr" defTabSz="1111250">
+          <a:pPr lvl="0" algn="ctr" defTabSz="1111250">
             <a:lnSpc>
               <a:spcPct val="90000"/>
             </a:lnSpc>
@@ -3169,10 +3261,9 @@
             <a:spcAft>
               <a:spcPct val="35000"/>
             </a:spcAft>
-            <a:buNone/>
           </a:pPr>
           <a:r>
-            <a:rPr lang="en-US" sz="2500" kern="1200"/>
+            <a:rPr lang="en-US" sz="2500" kern="1200" dirty="0"/>
             <a:t>Generates the targets for the model to represent and the requirements to verify against.</a:t>
           </a:r>
         </a:p>
@@ -5856,7 +5947,7 @@
           <a:p>
             <a:fld id="{E8C32C30-3C9C-4889-B4A5-49526D5A29D4}" type="datetimeFigureOut">
               <a:rPr lang="en-IN" smtClean="0"/>
-              <a:t>09-04-2022</a:t>
+              <a:t>11-04-2022</a:t>
             </a:fld>
             <a:endParaRPr lang="en-IN"/>
           </a:p>
@@ -6350,7 +6441,7 @@
           <a:p>
             <a:fld id="{E4D174B4-0779-4249-B768-C3159E9D88C9}" type="datetime1">
               <a:rPr lang="en-IN" smtClean="0"/>
-              <a:t>09-04-2022</a:t>
+              <a:t>11-04-2022</a:t>
             </a:fld>
             <a:endParaRPr lang="en-IN"/>
           </a:p>
@@ -6558,7 +6649,7 @@
           <a:p>
             <a:fld id="{55C7FD4F-0011-4233-9320-F03266C986FE}" type="datetime1">
               <a:rPr lang="en-IN" smtClean="0"/>
-              <a:t>09-04-2022</a:t>
+              <a:t>11-04-2022</a:t>
             </a:fld>
             <a:endParaRPr lang="en-IN"/>
           </a:p>
@@ -6814,7 +6905,7 @@
           <a:p>
             <a:fld id="{0CB019B6-C5FF-48DC-952A-1BA2CE93F7ED}" type="datetime1">
               <a:rPr lang="en-IN" smtClean="0"/>
-              <a:t>09-04-2022</a:t>
+              <a:t>11-04-2022</a:t>
             </a:fld>
             <a:endParaRPr lang="en-IN"/>
           </a:p>
@@ -6984,7 +7075,7 @@
           <a:p>
             <a:fld id="{FB167C80-E6DC-41E6-80D2-BF6CCB0B1540}" type="datetime1">
               <a:rPr lang="en-IN" smtClean="0"/>
-              <a:t>09-04-2022</a:t>
+              <a:t>11-04-2022</a:t>
             </a:fld>
             <a:endParaRPr lang="en-IN"/>
           </a:p>
@@ -7327,7 +7418,7 @@
           <a:p>
             <a:fld id="{51CB3EF5-D528-4CBA-8CFD-BD396D6FE4E8}" type="datetime1">
               <a:rPr lang="en-IN" smtClean="0"/>
-              <a:t>09-04-2022</a:t>
+              <a:t>11-04-2022</a:t>
             </a:fld>
             <a:endParaRPr lang="en-IN"/>
           </a:p>
@@ -7602,7 +7693,7 @@
           <a:p>
             <a:fld id="{57BFCE4C-C747-4895-A5E5-2E1B94859C0B}" type="datetime1">
               <a:rPr lang="en-IN" smtClean="0"/>
-              <a:t>09-04-2022</a:t>
+              <a:t>11-04-2022</a:t>
             </a:fld>
             <a:endParaRPr lang="en-IN"/>
           </a:p>
@@ -7981,7 +8072,7 @@
           <a:p>
             <a:fld id="{E6A374BE-E074-4C36-AC3D-BD32CDD432F7}" type="datetime1">
               <a:rPr lang="en-IN" smtClean="0"/>
-              <a:t>09-04-2022</a:t>
+              <a:t>11-04-2022</a:t>
             </a:fld>
             <a:endParaRPr lang="en-IN"/>
           </a:p>
@@ -8099,7 +8190,7 @@
           <a:p>
             <a:fld id="{048D8330-447D-4113-A6CA-C7241120160E}" type="datetime1">
               <a:rPr lang="en-IN" smtClean="0"/>
-              <a:t>09-04-2022</a:t>
+              <a:t>11-04-2022</a:t>
             </a:fld>
             <a:endParaRPr lang="en-IN"/>
           </a:p>
@@ -8270,7 +8361,7 @@
           <a:p>
             <a:fld id="{C8C630D0-511E-4450-BC0B-3AD23827FED4}" type="datetime1">
               <a:rPr lang="en-IN" smtClean="0"/>
-              <a:t>09-04-2022</a:t>
+              <a:t>11-04-2022</a:t>
             </a:fld>
             <a:endParaRPr lang="en-IN"/>
           </a:p>
@@ -8624,7 +8715,7 @@
           <a:p>
             <a:fld id="{9CEE32F4-F6E0-4558-BAEF-66F971474D1A}" type="datetime1">
               <a:rPr lang="en-IN" smtClean="0"/>
-              <a:t>09-04-2022</a:t>
+              <a:t>11-04-2022</a:t>
             </a:fld>
             <a:endParaRPr lang="en-IN"/>
           </a:p>
@@ -9001,7 +9092,7 @@
           <a:p>
             <a:fld id="{DADAB254-044E-4DE4-B252-F9C84BCF4756}" type="datetime1">
               <a:rPr lang="en-IN" smtClean="0"/>
-              <a:t>09-04-2022</a:t>
+              <a:t>11-04-2022</a:t>
             </a:fld>
             <a:endParaRPr lang="en-IN"/>
           </a:p>
@@ -9288,7 +9379,7 @@
           <a:p>
             <a:fld id="{3FCD19FB-82A4-4E3D-866E-F424E6C606E0}" type="datetime1">
               <a:rPr lang="en-IN" smtClean="0"/>
-              <a:t>09-04-2022</a:t>
+              <a:t>11-04-2022</a:t>
             </a:fld>
             <a:endParaRPr lang="en-IN"/>
           </a:p>
@@ -10170,6 +10261,13 @@
   <p:clrMapOvr>
     <a:masterClrMapping/>
   </p:clrMapOvr>
+  <p:timing>
+    <p:tnLst>
+      <p:par>
+        <p:cTn id="1" dur="indefinite" restart="never" nodeType="tmRoot"/>
+      </p:par>
+    </p:tnLst>
+  </p:timing>
 </p:sld>
 </file>
 
@@ -10206,7 +10304,7 @@
                 <a16:creationId xmlns:a16="http://schemas.microsoft.com/office/drawing/2014/main" id="{038B8727-D318-4B70-B353-C390602FF311}"/>
               </a:ext>
               <a:ext uri="{C183D7F6-B498-43B3-948B-1728B52AA6E4}">
-                <adec:decorative xmlns:adec="http://schemas.microsoft.com/office/drawing/2017/decorative" val="1"/>
+                <adec:decorative xmlns:adec="http://schemas.microsoft.com/office/drawing/2017/decorative" xmlns="" val="1"/>
               </a:ext>
             </a:extLst>
           </p:cNvPr>
@@ -10266,7 +10364,7 @@
                 <a16:creationId xmlns:a16="http://schemas.microsoft.com/office/drawing/2014/main" id="{1B0C8367-28B6-4EF1-B182-01BEC98727DB}"/>
               </a:ext>
               <a:ext uri="{C183D7F6-B498-43B3-948B-1728B52AA6E4}">
-                <adec:decorative xmlns:adec="http://schemas.microsoft.com/office/drawing/2017/decorative" val="1"/>
+                <adec:decorative xmlns:adec="http://schemas.microsoft.com/office/drawing/2017/decorative" xmlns="" val="1"/>
               </a:ext>
             </a:extLst>
           </p:cNvPr>
@@ -10326,7 +10424,7 @@
         <p:spPr>
           <a:xfrm>
             <a:off x="492370" y="516835"/>
-            <a:ext cx="3084844" cy="2103875"/>
+            <a:ext cx="3084844" cy="1830125"/>
           </a:xfrm>
         </p:spPr>
         <p:txBody>
@@ -10336,14 +10434,14 @@
           <a:lstStyle/>
           <a:p>
             <a:r>
-              <a:rPr lang="en-US" sz="3600" b="1">
+              <a:rPr lang="en-US" sz="3600" b="1" dirty="0">
                 <a:solidFill>
                   <a:srgbClr val="FFFFFF"/>
                 </a:solidFill>
               </a:rPr>
               <a:t>Turn 360° Test </a:t>
             </a:r>
-            <a:endParaRPr lang="en-IN" sz="3600" b="1">
+            <a:endParaRPr lang="en-IN" sz="3600" b="1" dirty="0">
               <a:solidFill>
                 <a:srgbClr val="FFFFFF"/>
               </a:solidFill>
@@ -10380,7 +10478,7 @@
           <a:lstStyle/>
           <a:p>
             <a:r>
-              <a:rPr lang="en-US" sz="1500" dirty="0">
+              <a:rPr lang="en-US" dirty="0">
                 <a:solidFill>
                   <a:srgbClr val="FFFFFF"/>
                 </a:solidFill>
@@ -10390,7 +10488,7 @@
           </a:p>
           <a:p>
             <a:r>
-              <a:rPr lang="en-US" sz="1500" dirty="0">
+              <a:rPr lang="en-US" dirty="0">
                 <a:solidFill>
                   <a:srgbClr val="FFFFFF"/>
                 </a:solidFill>
@@ -10408,7 +10506,7 @@
                 <a16:creationId xmlns:a16="http://schemas.microsoft.com/office/drawing/2014/main" id="{649E3F4C-17F5-49E4-B05F-80C6B348AF28}"/>
               </a:ext>
               <a:ext uri="{C183D7F6-B498-43B3-948B-1728B52AA6E4}">
-                <adec:decorative xmlns:adec="http://schemas.microsoft.com/office/drawing/2017/decorative" val="1"/>
+                <adec:decorative xmlns:adec="http://schemas.microsoft.com/office/drawing/2017/decorative" xmlns="" val="1"/>
               </a:ext>
             </a:extLst>
           </p:cNvPr>
@@ -10543,6 +10641,13 @@
   <p:clrMapOvr>
     <a:masterClrMapping/>
   </p:clrMapOvr>
+  <p:timing>
+    <p:tnLst>
+      <p:par>
+        <p:cTn id="1" dur="indefinite" restart="never" nodeType="tmRoot"/>
+      </p:par>
+    </p:tnLst>
+  </p:timing>
 </p:sld>
 </file>
 
@@ -10579,7 +10684,7 @@
                 <a16:creationId xmlns:a16="http://schemas.microsoft.com/office/drawing/2014/main" id="{F83BAE65-D215-4292-9498-D9610AC2C69F}"/>
               </a:ext>
               <a:ext uri="{C183D7F6-B498-43B3-948B-1728B52AA6E4}">
-                <adec:decorative xmlns:adec="http://schemas.microsoft.com/office/drawing/2017/decorative" val="1"/>
+                <adec:decorative xmlns:adec="http://schemas.microsoft.com/office/drawing/2017/decorative" xmlns="" val="1"/>
               </a:ext>
             </a:extLst>
           </p:cNvPr>
@@ -10699,7 +10804,7 @@
                 <a16:creationId xmlns:a16="http://schemas.microsoft.com/office/drawing/2014/main" id="{5C99ACED-3F9B-471D-97BC-E5D2D23198C0}"/>
               </a:ext>
               <a:ext uri="{C183D7F6-B498-43B3-948B-1728B52AA6E4}">
-                <adec:decorative xmlns:adec="http://schemas.microsoft.com/office/drawing/2017/decorative" val="1"/>
+                <adec:decorative xmlns:adec="http://schemas.microsoft.com/office/drawing/2017/decorative" xmlns="" val="1"/>
               </a:ext>
             </a:extLst>
           </p:cNvPr>
@@ -10802,7 +10907,7 @@
                 <a16:creationId xmlns:a16="http://schemas.microsoft.com/office/drawing/2014/main" id="{86C05757-249C-4F2B-B326-B940FDD9C439}"/>
               </a:ext>
               <a:ext uri="{C183D7F6-B498-43B3-948B-1728B52AA6E4}">
-                <adec:decorative xmlns:adec="http://schemas.microsoft.com/office/drawing/2017/decorative" val="1"/>
+                <adec:decorative xmlns:adec="http://schemas.microsoft.com/office/drawing/2017/decorative" xmlns="" val="1"/>
               </a:ext>
             </a:extLst>
           </p:cNvPr>
@@ -10857,7 +10962,7 @@
                 <a16:creationId xmlns:a16="http://schemas.microsoft.com/office/drawing/2014/main" id="{EE922679-5189-4C5C-9FBB-6839F89C665D}"/>
               </a:ext>
               <a:ext uri="{C183D7F6-B498-43B3-948B-1728B52AA6E4}">
-                <adec:decorative xmlns:adec="http://schemas.microsoft.com/office/drawing/2017/decorative" val="1"/>
+                <adec:decorative xmlns:adec="http://schemas.microsoft.com/office/drawing/2017/decorative" xmlns="" val="1"/>
               </a:ext>
             </a:extLst>
           </p:cNvPr>
@@ -10954,6 +11059,13 @@
   <p:clrMapOvr>
     <a:masterClrMapping/>
   </p:clrMapOvr>
+  <p:timing>
+    <p:tnLst>
+      <p:par>
+        <p:cTn id="1" dur="indefinite" restart="never" nodeType="tmRoot"/>
+      </p:par>
+    </p:tnLst>
+  </p:timing>
 </p:sld>
 </file>
 
@@ -12357,6 +12469,13 @@
   <p:clrMapOvr>
     <a:masterClrMapping/>
   </p:clrMapOvr>
+  <p:timing>
+    <p:tnLst>
+      <p:par>
+        <p:cTn id="1" dur="indefinite" restart="never" nodeType="tmRoot"/>
+      </p:par>
+    </p:tnLst>
+  </p:timing>
 </p:sld>
 </file>
 
@@ -12781,6 +12900,13 @@
   <p:clrMapOvr>
     <a:masterClrMapping/>
   </p:clrMapOvr>
+  <p:timing>
+    <p:tnLst>
+      <p:par>
+        <p:cTn id="1" dur="indefinite" restart="never" nodeType="tmRoot"/>
+      </p:par>
+    </p:tnLst>
+  </p:timing>
 </p:sld>
 </file>
 
@@ -12886,7 +13012,15 @@
             </a:pPr>
             <a:r>
               <a:rPr lang="en-IN" sz="3400" dirty="0"/>
-              <a:t>Safety requirement analysis is made based on hazard analysis, lane control, automatic braking system and accidental failures.</a:t>
+              <a:t>Safety requirement analysis is made based on hazard analysis, lane control, automatic braking </a:t>
+            </a:r>
+            <a:r>
+              <a:rPr lang="en-IN" sz="3400" dirty="0" smtClean="0"/>
+              <a:t>system, steering rotation, stability of vehicle and </a:t>
+            </a:r>
+            <a:r>
+              <a:rPr lang="en-IN" sz="3400" dirty="0"/>
+              <a:t>accidental failures.</a:t>
             </a:r>
           </a:p>
           <a:p>
@@ -12940,6 +13074,13 @@
   <p:clrMapOvr>
     <a:masterClrMapping/>
   </p:clrMapOvr>
+  <p:timing>
+    <p:tnLst>
+      <p:par>
+        <p:cTn id="1" dur="indefinite" restart="never" nodeType="tmRoot"/>
+      </p:par>
+    </p:tnLst>
+  </p:timing>
 </p:sld>
 </file>
 
@@ -13046,6 +13187,13 @@
   <p:clrMapOvr>
     <a:masterClrMapping/>
   </p:clrMapOvr>
+  <p:timing>
+    <p:tnLst>
+      <p:par>
+        <p:cTn id="1" dur="indefinite" restart="never" nodeType="tmRoot"/>
+      </p:par>
+    </p:tnLst>
+  </p:timing>
 </p:sld>
 </file>
 
@@ -13147,8 +13295,19 @@
           <a:p>
             <a:r>
               <a:rPr lang="en-US" sz="2400" dirty="0"/>
-              <a:t>6.  Lane control &amp; Seamless Lane Merge</a:t>
-            </a:r>
+              <a:t>6.  Lane control &amp; Seamless Lane </a:t>
+            </a:r>
+            <a:r>
+              <a:rPr lang="en-US" sz="2400" dirty="0" smtClean="0"/>
+              <a:t>Merge</a:t>
+            </a:r>
+          </a:p>
+          <a:p>
+            <a:r>
+              <a:rPr lang="en-US" sz="2400" dirty="0" smtClean="0"/>
+              <a:t>7.  Reverse Parking in lane</a:t>
+            </a:r>
+            <a:endParaRPr lang="en-US" sz="2400" dirty="0"/>
           </a:p>
         </p:txBody>
       </p:sp>
@@ -13185,20 +13344,19 @@
   <p:clrMapOvr>
     <a:masterClrMapping/>
   </p:clrMapOvr>
+  <p:timing>
+    <p:tnLst>
+      <p:par>
+        <p:cTn id="1" dur="indefinite" restart="never" nodeType="tmRoot"/>
+      </p:par>
+    </p:tnLst>
+  </p:timing>
 </p:sld>
 </file>
 
 <file path=ppt/slides/slide5.xml><?xml version="1.0" encoding="utf-8"?>
 <p:sld xmlns:a="http://schemas.openxmlformats.org/drawingml/2006/main" xmlns:r="http://schemas.openxmlformats.org/officeDocument/2006/relationships" xmlns:p="http://schemas.openxmlformats.org/presentationml/2006/main">
   <p:cSld>
-    <p:bg>
-      <p:bgPr>
-        <a:solidFill>
-          <a:schemeClr val="bg1"/>
-        </a:solidFill>
-        <a:effectLst/>
-      </p:bgPr>
-    </p:bg>
     <p:spTree>
       <p:nvGrpSpPr>
         <p:cNvPr id="1" name=""/>
@@ -13213,121 +13371,6 @@
           <a:chExt cx="0" cy="0"/>
         </a:xfrm>
       </p:grpSpPr>
-      <p:sp useBgFill="1">
-        <p:nvSpPr>
-          <p:cNvPr id="41" name="Rectangle 30">
-            <a:extLst>
-              <a:ext uri="{FF2B5EF4-FFF2-40B4-BE49-F238E27FC236}">
-                <a16:creationId xmlns:a16="http://schemas.microsoft.com/office/drawing/2014/main" id="{1A1C6406-8520-4CCB-B38F-6D4DAC19EC30}"/>
-              </a:ext>
-              <a:ext uri="{C183D7F6-B498-43B3-948B-1728B52AA6E4}">
-                <adec:decorative xmlns:adec="http://schemas.microsoft.com/office/drawing/2017/decorative" val="1"/>
-              </a:ext>
-            </a:extLst>
-          </p:cNvPr>
-          <p:cNvSpPr>
-            <a:spLocks noGrp="1" noRot="1" noChangeAspect="1" noMove="1" noResize="1" noEditPoints="1" noAdjustHandles="1" noChangeArrowheads="1" noChangeShapeType="1" noTextEdit="1"/>
-          </p:cNvSpPr>
-          <p:nvPr>
-            <p:extLst>
-              <p:ext uri="{386F3935-93C4-4BCD-93E2-E3B085C9AB24}">
-                <p16:designElem xmlns:p16="http://schemas.microsoft.com/office/powerpoint/2015/main" val="1"/>
-              </p:ext>
-            </p:extLst>
-          </p:nvPr>
-        </p:nvSpPr>
-        <p:spPr>
-          <a:xfrm>
-            <a:off x="0" y="0"/>
-            <a:ext cx="12186315" cy="6858000"/>
-          </a:xfrm>
-          <a:prstGeom prst="rect">
-            <a:avLst/>
-          </a:prstGeom>
-          <a:ln>
-            <a:noFill/>
-          </a:ln>
-        </p:spPr>
-        <p:style>
-          <a:lnRef idx="2">
-            <a:schemeClr val="accent6">
-              <a:shade val="50000"/>
-            </a:schemeClr>
-          </a:lnRef>
-          <a:fillRef idx="1001">
-            <a:schemeClr val="lt1"/>
-          </a:fillRef>
-          <a:effectRef idx="0">
-            <a:schemeClr val="accent6"/>
-          </a:effectRef>
-          <a:fontRef idx="minor">
-            <a:schemeClr val="lt1"/>
-          </a:fontRef>
-        </p:style>
-        <p:txBody>
-          <a:bodyPr rtlCol="0" anchor="ctr"/>
-          <a:lstStyle/>
-          <a:p>
-            <a:pPr algn="ctr"/>
-            <a:endParaRPr lang="en-US"/>
-          </a:p>
-        </p:txBody>
-      </p:sp>
-      <p:sp>
-        <p:nvSpPr>
-          <p:cNvPr id="33" name="Rectangle 32">
-            <a:extLst>
-              <a:ext uri="{FF2B5EF4-FFF2-40B4-BE49-F238E27FC236}">
-                <a16:creationId xmlns:a16="http://schemas.microsoft.com/office/drawing/2014/main" id="{D2893A1F-D5D8-4034-A28F-4D8F18C46BCC}"/>
-              </a:ext>
-              <a:ext uri="{C183D7F6-B498-43B3-948B-1728B52AA6E4}">
-                <adec:decorative xmlns:adec="http://schemas.microsoft.com/office/drawing/2017/decorative" val="1"/>
-              </a:ext>
-            </a:extLst>
-          </p:cNvPr>
-          <p:cNvSpPr>
-            <a:spLocks noGrp="1" noRot="1" noChangeAspect="1" noMove="1" noResize="1" noEditPoints="1" noAdjustHandles="1" noChangeArrowheads="1" noChangeShapeType="1" noTextEdit="1"/>
-          </p:cNvSpPr>
-          <p:nvPr>
-            <p:extLst>
-              <p:ext uri="{386F3935-93C4-4BCD-93E2-E3B085C9AB24}">
-                <p16:designElem xmlns:p16="http://schemas.microsoft.com/office/powerpoint/2015/main" val="1"/>
-              </p:ext>
-            </p:extLst>
-          </p:nvPr>
-        </p:nvSpPr>
-        <p:spPr>
-          <a:xfrm>
-            <a:off x="16" y="0"/>
-            <a:ext cx="4590273" cy="6858000"/>
-          </a:xfrm>
-          <a:prstGeom prst="rect">
-            <a:avLst/>
-          </a:prstGeom>
-          <a:solidFill>
-            <a:schemeClr val="accent2"/>
-          </a:solidFill>
-          <a:ln>
-            <a:noFill/>
-          </a:ln>
-        </p:spPr>
-        <p:style>
-          <a:lnRef idx="2">
-            <a:schemeClr val="accent1">
-              <a:shade val="50000"/>
-            </a:schemeClr>
-          </a:lnRef>
-          <a:fillRef idx="1">
-            <a:schemeClr val="accent1"/>
-          </a:fillRef>
-          <a:effectRef idx="0">
-            <a:schemeClr val="accent1"/>
-          </a:effectRef>
-          <a:fontRef idx="minor">
-            <a:schemeClr val="lt1"/>
-          </a:fontRef>
-        </p:style>
-      </p:sp>
       <p:sp>
         <p:nvSpPr>
           <p:cNvPr id="2" name="Title 1"/>
@@ -13338,126 +13381,98 @@
             <p:ph type="title"/>
           </p:nvPr>
         </p:nvSpPr>
-        <p:spPr>
-          <a:xfrm>
-            <a:off x="492369" y="516835"/>
-            <a:ext cx="3735502" cy="2103875"/>
-          </a:xfrm>
-        </p:spPr>
+        <p:spPr/>
         <p:txBody>
           <a:bodyPr>
-            <a:normAutofit/>
+            <a:normAutofit fontScale="90000"/>
           </a:bodyPr>
           <a:lstStyle/>
           <a:p>
             <a:r>
-              <a:rPr lang="en-US" sz="2500" b="1">
-                <a:solidFill>
-                  <a:srgbClr val="FFFFFF"/>
-                </a:solidFill>
-              </a:rPr>
+              <a:rPr lang="en-US" sz="2800" b="1" dirty="0"/>
               <a:t>Model Based Autonomous Vehicle Control Design </a:t>
             </a:r>
+            <a:r>
+              <a:rPr lang="en-US" sz="2800" b="1" dirty="0" smtClean="0"/>
+              <a:t/>
+            </a:r>
             <a:br>
-              <a:rPr lang="en-US" sz="2500" b="1">
-                <a:solidFill>
-                  <a:srgbClr val="FFFFFF"/>
-                </a:solidFill>
-              </a:rPr>
+              <a:rPr lang="en-US" sz="2800" b="1" dirty="0" smtClean="0"/>
             </a:br>
+            <a:r>
+              <a:rPr lang="en-US" sz="2800" b="1" dirty="0"/>
+              <a:t/>
+            </a:r>
             <a:br>
-              <a:rPr lang="en-US" sz="2500" b="1">
-                <a:solidFill>
-                  <a:srgbClr val="FFFFFF"/>
-                </a:solidFill>
-              </a:rPr>
+              <a:rPr lang="en-US" sz="2800" b="1" dirty="0"/>
             </a:br>
             <a:r>
-              <a:rPr lang="en-US" sz="2500" b="1" i="1">
-                <a:solidFill>
-                  <a:srgbClr val="FFFFFF"/>
-                </a:solidFill>
-              </a:rPr>
+              <a:rPr lang="en-US" sz="2800" i="1" dirty="0"/>
               <a:t>Car Simulation Model – Block Diagram</a:t>
             </a:r>
-            <a:endParaRPr lang="en-IN" sz="2500" b="1" i="1">
-              <a:solidFill>
-                <a:srgbClr val="FFFFFF"/>
-              </a:solidFill>
-            </a:endParaRPr>
+            <a:r>
+              <a:rPr lang="en-IN" sz="2800" dirty="0"/>
+              <a:t/>
+            </a:r>
+            <a:br>
+              <a:rPr lang="en-IN" sz="2800" dirty="0"/>
+            </a:br>
+            <a:r>
+              <a:rPr lang="en-US" sz="2800" b="1" dirty="0"/>
+              <a:t/>
+            </a:r>
+            <a:br>
+              <a:rPr lang="en-US" sz="2800" b="1" dirty="0"/>
+            </a:br>
+            <a:endParaRPr lang="en-IN" sz="2800" dirty="0"/>
           </a:p>
         </p:txBody>
       </p:sp>
       <p:sp>
         <p:nvSpPr>
-          <p:cNvPr id="10" name="Content Placeholder 9">
-            <a:extLst>
-              <a:ext uri="{FF2B5EF4-FFF2-40B4-BE49-F238E27FC236}">
-                <a16:creationId xmlns:a16="http://schemas.microsoft.com/office/drawing/2014/main" id="{00C40D61-6993-2251-C065-402973F12657}"/>
-              </a:ext>
-            </a:extLst>
-          </p:cNvPr>
+          <p:cNvPr id="4" name="Text Placeholder 3"/>
           <p:cNvSpPr>
             <a:spLocks noGrp="1"/>
           </p:cNvSpPr>
           <p:nvPr>
-            <p:ph idx="1"/>
+            <p:ph type="body" sz="half" idx="2"/>
           </p:nvPr>
         </p:nvSpPr>
         <p:spPr>
           <a:xfrm>
-            <a:off x="492371" y="2653800"/>
-            <a:ext cx="3735500" cy="3335519"/>
+            <a:off x="457200" y="2631440"/>
+            <a:ext cx="3200400" cy="3673764"/>
           </a:xfrm>
         </p:spPr>
         <p:txBody>
-          <a:bodyPr>
-            <a:normAutofit/>
-          </a:bodyPr>
+          <a:bodyPr/>
           <a:lstStyle/>
           <a:p>
             <a:r>
-              <a:rPr lang="en-US" sz="1500">
-                <a:solidFill>
-                  <a:srgbClr val="FFFFFF"/>
-                </a:solidFill>
-              </a:rPr>
+              <a:rPr lang="en-US" dirty="0"/>
               <a:t>Physics-oriented, using stacked integration to calculate the position, velocity, and acceleration from an input force.</a:t>
             </a:r>
           </a:p>
           <a:p>
             <a:r>
-              <a:rPr lang="en-US" sz="1500">
-                <a:solidFill>
-                  <a:srgbClr val="FFFFFF"/>
-                </a:solidFill>
-              </a:rPr>
-              <a:t>Based on the equations present in “</a:t>
-            </a:r>
-            <a:r>
-              <a:rPr lang="en-US" sz="1500" b="0" i="0" u="none" strike="noStrike" baseline="0">
-                <a:solidFill>
-                  <a:srgbClr val="FFFFFF"/>
-                </a:solidFill>
-              </a:rPr>
-              <a:t>Kinematic and Dynamic Vehicle Models for Autonomous Driving Control Design”</a:t>
-            </a:r>
-          </a:p>
-          <a:p>
-            <a:r>
-              <a:rPr lang="en-US" sz="1500">
-                <a:solidFill>
-                  <a:srgbClr val="FFFFFF"/>
-                </a:solidFill>
-              </a:rPr>
+              <a:rPr lang="en-US" dirty="0"/>
+              <a:t>Based on the equations present in “Kinematic and Dynamic Vehicle Models for Autonomous Driving Control Design”</a:t>
+            </a:r>
+          </a:p>
+          <a:p>
+            <a:r>
+              <a:rPr lang="en-US" dirty="0"/>
               <a:t>Provides physical variables of the autonomous vehicle as a result of the inputs over time.</a:t>
             </a:r>
+          </a:p>
+          <a:p>
+            <a:endParaRPr lang="en-IN" dirty="0"/>
           </a:p>
         </p:txBody>
       </p:sp>
       <p:sp>
         <p:nvSpPr>
-          <p:cNvPr id="4" name="Slide Number Placeholder 3"/>
+          <p:cNvPr id="5" name="Slide Number Placeholder 4"/>
           <p:cNvSpPr>
             <a:spLocks noGrp="1"/>
           </p:cNvSpPr>
@@ -13465,94 +13480,53 @@
             <p:ph type="sldNum" sz="quarter" idx="12"/>
           </p:nvPr>
         </p:nvSpPr>
-        <p:spPr>
-          <a:xfrm>
-            <a:off x="205852" y="6459785"/>
-            <a:ext cx="1312025" cy="365125"/>
-          </a:xfrm>
-        </p:spPr>
+        <p:spPr/>
         <p:txBody>
-          <a:bodyPr>
-            <a:normAutofit/>
-          </a:bodyPr>
+          <a:bodyPr/>
           <a:lstStyle/>
           <a:p>
-            <a:pPr algn="l">
-              <a:spcAft>
-                <a:spcPts val="600"/>
-              </a:spcAft>
-            </a:pPr>
             <a:fld id="{14DE990B-4FB7-4A7F-817E-CABDB30FA765}" type="slidenum">
-              <a:rPr lang="en-IN"/>
-              <a:pPr algn="l">
-                <a:spcAft>
-                  <a:spcPts val="600"/>
-                </a:spcAft>
-              </a:pPr>
+              <a:rPr lang="en-IN" smtClean="0"/>
               <a:t>5</a:t>
             </a:fld>
             <a:endParaRPr lang="en-IN"/>
           </a:p>
         </p:txBody>
       </p:sp>
-      <p:sp>
-        <p:nvSpPr>
-          <p:cNvPr id="35" name="Rectangle 34">
+      <p:pic>
+        <p:nvPicPr>
+          <p:cNvPr id="6" name="Content Placeholder 5">
             <a:extLst>
               <a:ext uri="{FF2B5EF4-FFF2-40B4-BE49-F238E27FC236}">
-                <a16:creationId xmlns:a16="http://schemas.microsoft.com/office/drawing/2014/main" id="{A108754F-0BAB-43E5-8CCC-828C2FC9B2A2}"/>
-              </a:ext>
-              <a:ext uri="{C183D7F6-B498-43B3-948B-1728B52AA6E4}">
-                <adec:decorative xmlns:adec="http://schemas.microsoft.com/office/drawing/2017/decorative" val="1"/>
+                <a16:creationId xmlns:a16="http://schemas.microsoft.com/office/drawing/2014/main" id="{B090C5BC-30C9-4F3C-8355-F2EE4A7D0470}"/>
               </a:ext>
             </a:extLst>
           </p:cNvPr>
-          <p:cNvSpPr>
-            <a:spLocks noGrp="1" noRot="1" noChangeAspect="1" noMove="1" noResize="1" noEditPoints="1" noAdjustHandles="1" noChangeArrowheads="1" noChangeShapeType="1" noTextEdit="1"/>
-          </p:cNvSpPr>
+          <p:cNvPicPr>
+            <a:picLocks noGrp="1" noChangeAspect="1"/>
+          </p:cNvPicPr>
           <p:nvPr>
-            <p:extLst>
-              <p:ext uri="{386F3935-93C4-4BCD-93E2-E3B085C9AB24}">
-                <p16:designElem xmlns:p16="http://schemas.microsoft.com/office/powerpoint/2015/main" val="1"/>
-              </p:ext>
-            </p:extLst>
+            <p:ph idx="1"/>
           </p:nvPr>
-        </p:nvSpPr>
+        </p:nvPicPr>
+        <p:blipFill rotWithShape="1">
+          <a:blip r:embed="rId2"/>
+          <a:srcRect t="6374" r="2" b="1372"/>
+          <a:stretch/>
+        </p:blipFill>
         <p:spPr>
           <a:xfrm>
-            <a:off x="4590679" y="0"/>
-            <a:ext cx="64008" cy="6858000"/>
+            <a:off x="4719608" y="264983"/>
+            <a:ext cx="6492875" cy="2944752"/>
           </a:xfrm>
           <a:prstGeom prst="rect">
             <a:avLst/>
           </a:prstGeom>
-          <a:solidFill>
-            <a:schemeClr val="accent1"/>
-          </a:solidFill>
-          <a:ln>
-            <a:noFill/>
-          </a:ln>
         </p:spPr>
-        <p:style>
-          <a:lnRef idx="2">
-            <a:schemeClr val="accent1">
-              <a:shade val="50000"/>
-            </a:schemeClr>
-          </a:lnRef>
-          <a:fillRef idx="1">
-            <a:schemeClr val="accent1"/>
-          </a:fillRef>
-          <a:effectRef idx="0">
-            <a:schemeClr val="accent1"/>
-          </a:effectRef>
-          <a:fontRef idx="minor">
-            <a:schemeClr val="lt1"/>
-          </a:fontRef>
-        </p:style>
-      </p:sp>
+      </p:pic>
       <p:pic>
         <p:nvPicPr>
-          <p:cNvPr id="8" name="Picture 7">
+          <p:cNvPr id="7" name="Picture 6">
             <a:extLst>
               <a:ext uri="{FF2B5EF4-FFF2-40B4-BE49-F238E27FC236}">
                 <a16:creationId xmlns:a16="http://schemas.microsoft.com/office/drawing/2014/main" id="{EB105DBE-8FCC-40DF-9066-8CD770BD8305}"/>
@@ -13565,106 +13539,14 @@
           <p:nvPr/>
         </p:nvPicPr>
         <p:blipFill rotWithShape="1">
-          <a:blip r:embed="rId2"/>
+          <a:blip r:embed="rId3"/>
           <a:srcRect r="4" b="6414"/>
           <a:stretch/>
         </p:blipFill>
         <p:spPr>
           <a:xfrm>
-            <a:off x="4895437" y="0"/>
-            <a:ext cx="3606643" cy="3358597"/>
-          </a:xfrm>
-          <a:prstGeom prst="rect">
-            <a:avLst/>
-          </a:prstGeom>
-        </p:spPr>
-      </p:pic>
-      <p:sp>
-        <p:nvSpPr>
-          <p:cNvPr id="42" name="Rectangle 36">
-            <a:extLst>
-              <a:ext uri="{FF2B5EF4-FFF2-40B4-BE49-F238E27FC236}">
-                <a16:creationId xmlns:a16="http://schemas.microsoft.com/office/drawing/2014/main" id="{6FBFE7E1-0D9B-4B97-B754-C685448793B7}"/>
-              </a:ext>
-              <a:ext uri="{C183D7F6-B498-43B3-948B-1728B52AA6E4}">
-                <adec:decorative xmlns:adec="http://schemas.microsoft.com/office/drawing/2017/decorative" val="1"/>
-              </a:ext>
-            </a:extLst>
-          </p:cNvPr>
-          <p:cNvSpPr>
-            <a:spLocks noGrp="1" noRot="1" noChangeAspect="1" noMove="1" noResize="1" noEditPoints="1" noAdjustHandles="1" noChangeArrowheads="1" noChangeShapeType="1" noTextEdit="1"/>
-          </p:cNvSpPr>
-          <p:nvPr>
-            <p:extLst>
-              <p:ext uri="{386F3935-93C4-4BCD-93E2-E3B085C9AB24}">
-                <p16:designElem xmlns:p16="http://schemas.microsoft.com/office/powerpoint/2015/main" val="1"/>
-              </p:ext>
-            </p:extLst>
-          </p:nvPr>
-        </p:nvSpPr>
-        <p:spPr>
-          <a:xfrm>
-            <a:off x="8576279" y="0"/>
-            <a:ext cx="3610035" cy="3355942"/>
-          </a:xfrm>
-          <a:prstGeom prst="rect">
-            <a:avLst/>
-          </a:prstGeom>
-          <a:solidFill>
-            <a:schemeClr val="accent1"/>
-          </a:solidFill>
-          <a:ln>
-            <a:noFill/>
-          </a:ln>
-        </p:spPr>
-        <p:style>
-          <a:lnRef idx="2">
-            <a:schemeClr val="accent1">
-              <a:shade val="50000"/>
-            </a:schemeClr>
-          </a:lnRef>
-          <a:fillRef idx="1">
-            <a:schemeClr val="accent1"/>
-          </a:fillRef>
-          <a:effectRef idx="0">
-            <a:schemeClr val="accent1"/>
-          </a:effectRef>
-          <a:fontRef idx="minor">
-            <a:schemeClr val="lt1"/>
-          </a:fontRef>
-        </p:style>
-        <p:txBody>
-          <a:bodyPr rtlCol="0" anchor="ctr"/>
-          <a:lstStyle/>
-          <a:p>
-            <a:pPr algn="ctr"/>
-            <a:endParaRPr lang="en-US"/>
-          </a:p>
-        </p:txBody>
-      </p:sp>
-      <p:pic>
-        <p:nvPicPr>
-          <p:cNvPr id="6" name="Content Placeholder 5">
-            <a:extLst>
-              <a:ext uri="{FF2B5EF4-FFF2-40B4-BE49-F238E27FC236}">
-                <a16:creationId xmlns:a16="http://schemas.microsoft.com/office/drawing/2014/main" id="{B090C5BC-30C9-4F3C-8355-F2EE4A7D0470}"/>
-              </a:ext>
-            </a:extLst>
-          </p:cNvPr>
-          <p:cNvPicPr>
-            <a:picLocks noChangeAspect="1"/>
-          </p:cNvPicPr>
-          <p:nvPr/>
-        </p:nvPicPr>
-        <p:blipFill rotWithShape="1">
-          <a:blip r:embed="rId3"/>
-          <a:srcRect t="6374" r="2" b="1372"/>
-          <a:stretch/>
-        </p:blipFill>
-        <p:spPr>
-          <a:xfrm>
-            <a:off x="4812160" y="3504904"/>
-            <a:ext cx="7379840" cy="3353096"/>
+            <a:off x="6134957" y="3283750"/>
+            <a:ext cx="4238403" cy="3358597"/>
           </a:xfrm>
           <a:prstGeom prst="rect">
             <a:avLst/>
@@ -13674,13 +13556,20 @@
     </p:spTree>
     <p:extLst>
       <p:ext uri="{BB962C8B-B14F-4D97-AF65-F5344CB8AC3E}">
-        <p14:creationId xmlns:p14="http://schemas.microsoft.com/office/powerpoint/2010/main" val="3611492434"/>
+        <p14:creationId xmlns:p14="http://schemas.microsoft.com/office/powerpoint/2010/main" val="475589002"/>
       </p:ext>
     </p:extLst>
   </p:cSld>
   <p:clrMapOvr>
     <a:masterClrMapping/>
   </p:clrMapOvr>
+  <p:timing>
+    <p:tnLst>
+      <p:par>
+        <p:cTn id="1" dur="indefinite" restart="never" nodeType="tmRoot"/>
+      </p:par>
+    </p:tnLst>
+  </p:timing>
 </p:sld>
 </file>
 
@@ -13717,7 +13606,7 @@
                 <a16:creationId xmlns:a16="http://schemas.microsoft.com/office/drawing/2014/main" id="{E48D01E3-AED1-46C9-B523-17A9461C00EB}"/>
               </a:ext>
               <a:ext uri="{C183D7F6-B498-43B3-948B-1728B52AA6E4}">
-                <adec:decorative xmlns:adec="http://schemas.microsoft.com/office/drawing/2017/decorative" val="1"/>
+                <adec:decorative xmlns:adec="http://schemas.microsoft.com/office/drawing/2017/decorative" xmlns="" val="1"/>
               </a:ext>
             </a:extLst>
           </p:cNvPr>
@@ -13777,7 +13666,7 @@
                 <a16:creationId xmlns:a16="http://schemas.microsoft.com/office/drawing/2014/main" id="{7695FC05-2594-4673-AAC8-0FD2D0413A4F}"/>
               </a:ext>
               <a:ext uri="{C183D7F6-B498-43B3-948B-1728B52AA6E4}">
-                <adec:decorative xmlns:adec="http://schemas.microsoft.com/office/drawing/2017/decorative" val="1"/>
+                <adec:decorative xmlns:adec="http://schemas.microsoft.com/office/drawing/2017/decorative" xmlns="" val="1"/>
               </a:ext>
             </a:extLst>
           </p:cNvPr>
@@ -13896,7 +13785,7 @@
                 <a16:creationId xmlns:a16="http://schemas.microsoft.com/office/drawing/2014/main" id="{DF327FF0-C38E-4831-A8A2-BD705672D281}"/>
               </a:ext>
               <a:ext uri="{C183D7F6-B498-43B3-948B-1728B52AA6E4}">
-                <adec:decorative xmlns:adec="http://schemas.microsoft.com/office/drawing/2017/decorative" val="1"/>
+                <adec:decorative xmlns:adec="http://schemas.microsoft.com/office/drawing/2017/decorative" xmlns="" val="1"/>
               </a:ext>
             </a:extLst>
           </p:cNvPr>
@@ -13975,7 +13864,7 @@
                 <a16:creationId xmlns:a16="http://schemas.microsoft.com/office/drawing/2014/main" id="{13AC83F2-62BC-408B-8009-1BF496146533}"/>
               </a:ext>
               <a:ext uri="{C183D7F6-B498-43B3-948B-1728B52AA6E4}">
-                <adec:decorative xmlns:adec="http://schemas.microsoft.com/office/drawing/2017/decorative" val="1"/>
+                <adec:decorative xmlns:adec="http://schemas.microsoft.com/office/drawing/2017/decorative" xmlns="" val="1"/>
               </a:ext>
             </a:extLst>
           </p:cNvPr>
@@ -14102,6 +13991,30 @@
           </a:p>
         </p:txBody>
       </p:sp>
+      <p:pic>
+        <p:nvPicPr>
+          <p:cNvPr id="11" name="Content Placeholder 3"/>
+          <p:cNvPicPr>
+            <a:picLocks noChangeAspect="1"/>
+          </p:cNvPicPr>
+          <p:nvPr/>
+        </p:nvPicPr>
+        <p:blipFill>
+          <a:blip r:embed="rId7"/>
+          <a:stretch>
+            <a:fillRect/>
+          </a:stretch>
+        </p:blipFill>
+        <p:spPr>
+          <a:xfrm>
+            <a:off x="8236979" y="1115745"/>
+            <a:ext cx="3609294" cy="1633205"/>
+          </a:xfrm>
+          <a:prstGeom prst="rect">
+            <a:avLst/>
+          </a:prstGeom>
+        </p:spPr>
+      </p:pic>
     </p:spTree>
     <p:extLst>
       <p:ext uri="{BB962C8B-B14F-4D97-AF65-F5344CB8AC3E}">
@@ -14112,6 +14025,13 @@
   <p:clrMapOvr>
     <a:masterClrMapping/>
   </p:clrMapOvr>
+  <p:timing>
+    <p:tnLst>
+      <p:par>
+        <p:cTn id="1" dur="indefinite" restart="never" nodeType="tmRoot"/>
+      </p:par>
+    </p:tnLst>
+  </p:timing>
 </p:sld>
 </file>
 
@@ -14148,7 +14068,7 @@
                 <a16:creationId xmlns:a16="http://schemas.microsoft.com/office/drawing/2014/main" id="{605A42EF-68E6-4808-81CD-E5ABD0ED92CA}"/>
               </a:ext>
               <a:ext uri="{C183D7F6-B498-43B3-948B-1728B52AA6E4}">
-                <adec:decorative xmlns:adec="http://schemas.microsoft.com/office/drawing/2017/decorative" val="1"/>
+                <adec:decorative xmlns:adec="http://schemas.microsoft.com/office/drawing/2017/decorative" xmlns="" val="1"/>
               </a:ext>
             </a:extLst>
           </p:cNvPr>
@@ -14223,10 +14143,10 @@
           <a:lstStyle/>
           <a:p>
             <a:r>
-              <a:rPr lang="en-US" sz="4400" b="1"/>
+              <a:rPr lang="en-US" sz="4400" b="1" dirty="0"/>
               <a:t>Top Level- Verification Dashboard</a:t>
             </a:r>
-            <a:endParaRPr lang="en-IN" sz="4400" b="1"/>
+            <a:endParaRPr lang="en-IN" sz="4400" b="1" dirty="0"/>
           </a:p>
         </p:txBody>
       </p:sp>
@@ -14268,7 +14188,7 @@
                 <a16:creationId xmlns:a16="http://schemas.microsoft.com/office/drawing/2014/main" id="{3C4A154E-1950-4755-A5FC-5998EE0CC14B}"/>
               </a:ext>
               <a:ext uri="{C183D7F6-B498-43B3-948B-1728B52AA6E4}">
-                <adec:decorative xmlns:adec="http://schemas.microsoft.com/office/drawing/2017/decorative" val="1"/>
+                <adec:decorative xmlns:adec="http://schemas.microsoft.com/office/drawing/2017/decorative" xmlns="" val="1"/>
               </a:ext>
             </a:extLst>
           </p:cNvPr>
@@ -14371,7 +14291,7 @@
                 <a16:creationId xmlns:a16="http://schemas.microsoft.com/office/drawing/2014/main" id="{3FE9C285-56FB-4B36-8ECA-C2D6596AA906}"/>
               </a:ext>
               <a:ext uri="{C183D7F6-B498-43B3-948B-1728B52AA6E4}">
-                <adec:decorative xmlns:adec="http://schemas.microsoft.com/office/drawing/2017/decorative" val="1"/>
+                <adec:decorative xmlns:adec="http://schemas.microsoft.com/office/drawing/2017/decorative" xmlns="" val="1"/>
               </a:ext>
             </a:extLst>
           </p:cNvPr>
@@ -14426,7 +14346,7 @@
                 <a16:creationId xmlns:a16="http://schemas.microsoft.com/office/drawing/2014/main" id="{937C076B-00B1-4629-B27F-A86F9885FB4D}"/>
               </a:ext>
               <a:ext uri="{C183D7F6-B498-43B3-948B-1728B52AA6E4}">
-                <adec:decorative xmlns:adec="http://schemas.microsoft.com/office/drawing/2017/decorative" val="1"/>
+                <adec:decorative xmlns:adec="http://schemas.microsoft.com/office/drawing/2017/decorative" xmlns="" val="1"/>
               </a:ext>
             </a:extLst>
           </p:cNvPr>
@@ -14523,20 +14443,19 @@
   <p:clrMapOvr>
     <a:masterClrMapping/>
   </p:clrMapOvr>
+  <p:timing>
+    <p:tnLst>
+      <p:par>
+        <p:cTn id="1" dur="indefinite" restart="never" nodeType="tmRoot"/>
+      </p:par>
+    </p:tnLst>
+  </p:timing>
 </p:sld>
 </file>
 
 <file path=ppt/slides/slide8.xml><?xml version="1.0" encoding="utf-8"?>
 <p:sld xmlns:a="http://schemas.openxmlformats.org/drawingml/2006/main" xmlns:r="http://schemas.openxmlformats.org/officeDocument/2006/relationships" xmlns:p="http://schemas.openxmlformats.org/presentationml/2006/main">
   <p:cSld>
-    <p:bg>
-      <p:bgPr>
-        <a:solidFill>
-          <a:schemeClr val="bg1"/>
-        </a:solidFill>
-        <a:effectLst/>
-      </p:bgPr>
-    </p:bg>
     <p:spTree>
       <p:nvGrpSpPr>
         <p:cNvPr id="1" name=""/>
@@ -14551,66 +14470,6 @@
           <a:chExt cx="0" cy="0"/>
         </a:xfrm>
       </p:grpSpPr>
-      <p:sp useBgFill="1">
-        <p:nvSpPr>
-          <p:cNvPr id="11" name="Rectangle 10">
-            <a:extLst>
-              <a:ext uri="{FF2B5EF4-FFF2-40B4-BE49-F238E27FC236}">
-                <a16:creationId xmlns:a16="http://schemas.microsoft.com/office/drawing/2014/main" id="{605A42EF-68E6-4808-81CD-E5ABD0ED92CA}"/>
-              </a:ext>
-              <a:ext uri="{C183D7F6-B498-43B3-948B-1728B52AA6E4}">
-                <adec:decorative xmlns:adec="http://schemas.microsoft.com/office/drawing/2017/decorative" val="1"/>
-              </a:ext>
-            </a:extLst>
-          </p:cNvPr>
-          <p:cNvSpPr>
-            <a:spLocks noGrp="1" noRot="1" noChangeAspect="1" noMove="1" noResize="1" noEditPoints="1" noAdjustHandles="1" noChangeArrowheads="1" noChangeShapeType="1" noTextEdit="1"/>
-          </p:cNvSpPr>
-          <p:nvPr>
-            <p:extLst>
-              <p:ext uri="{386F3935-93C4-4BCD-93E2-E3B085C9AB24}">
-                <p16:designElem xmlns:p16="http://schemas.microsoft.com/office/powerpoint/2015/main" val="1"/>
-              </p:ext>
-            </p:extLst>
-          </p:nvPr>
-        </p:nvSpPr>
-        <p:spPr>
-          <a:xfrm>
-            <a:off x="0" y="0"/>
-            <a:ext cx="12192001" cy="6334316"/>
-          </a:xfrm>
-          <a:prstGeom prst="rect">
-            <a:avLst/>
-          </a:prstGeom>
-          <a:ln>
-            <a:noFill/>
-          </a:ln>
-        </p:spPr>
-        <p:style>
-          <a:lnRef idx="2">
-            <a:schemeClr val="accent1">
-              <a:shade val="50000"/>
-            </a:schemeClr>
-          </a:lnRef>
-          <a:fillRef idx="1">
-            <a:schemeClr val="accent1"/>
-          </a:fillRef>
-          <a:effectRef idx="0">
-            <a:schemeClr val="accent1"/>
-          </a:effectRef>
-          <a:fontRef idx="minor">
-            <a:schemeClr val="lt1"/>
-          </a:fontRef>
-        </p:style>
-        <p:txBody>
-          <a:bodyPr rtlCol="0" anchor="ctr"/>
-          <a:lstStyle/>
-          <a:p>
-            <a:pPr algn="ctr"/>
-            <a:endParaRPr lang="en-US"/>
-          </a:p>
-        </p:txBody>
-      </p:sp>
       <p:sp>
         <p:nvSpPr>
           <p:cNvPr id="2" name="Title 1"/>
@@ -14623,8 +14482,8 @@
         </p:nvSpPr>
         <p:spPr>
           <a:xfrm>
-            <a:off x="6411685" y="634946"/>
-            <a:ext cx="5127171" cy="1450757"/>
+            <a:off x="457200" y="594359"/>
+            <a:ext cx="3200400" cy="1854201"/>
           </a:xfrm>
         </p:spPr>
         <p:txBody>
@@ -14634,16 +14493,84 @@
           <a:lstStyle/>
           <a:p>
             <a:r>
-              <a:rPr lang="en-US" b="1"/>
+              <a:rPr lang="en-US" sz="3200" b="1" dirty="0"/>
               <a:t>Drive Straight Ahead at 60 MPH</a:t>
             </a:r>
-            <a:endParaRPr lang="en-IN" b="1" dirty="0"/>
+            <a:endParaRPr lang="en-IN" sz="3200" dirty="0"/>
+          </a:p>
+        </p:txBody>
+      </p:sp>
+      <p:sp>
+        <p:nvSpPr>
+          <p:cNvPr id="5" name="Slide Number Placeholder 4"/>
+          <p:cNvSpPr>
+            <a:spLocks noGrp="1"/>
+          </p:cNvSpPr>
+          <p:nvPr>
+            <p:ph type="sldNum" sz="quarter" idx="12"/>
+          </p:nvPr>
+        </p:nvSpPr>
+        <p:spPr/>
+        <p:txBody>
+          <a:bodyPr/>
+          <a:lstStyle/>
+          <a:p>
+            <a:fld id="{14DE990B-4FB7-4A7F-817E-CABDB30FA765}" type="slidenum">
+              <a:rPr lang="en-IN" smtClean="0"/>
+              <a:t>8</a:t>
+            </a:fld>
+            <a:endParaRPr lang="en-IN"/>
+          </a:p>
+        </p:txBody>
+      </p:sp>
+      <p:sp>
+        <p:nvSpPr>
+          <p:cNvPr id="6" name="Content Placeholder 2"/>
+          <p:cNvSpPr>
+            <a:spLocks noGrp="1"/>
+          </p:cNvSpPr>
+          <p:nvPr>
+            <p:ph type="body" sz="half" idx="2"/>
+          </p:nvPr>
+        </p:nvSpPr>
+        <p:spPr/>
+        <p:txBody>
+          <a:bodyPr>
+            <a:normAutofit/>
+          </a:bodyPr>
+          <a:lstStyle/>
+          <a:p>
+            <a:r>
+              <a:rPr lang="en-IN" sz="2000" dirty="0"/>
+              <a:t>Models entering highway from on-ramp.</a:t>
+            </a:r>
+          </a:p>
+          <a:p>
+            <a:r>
+              <a:rPr lang="en-IN" sz="2000" dirty="0"/>
+              <a:t>Ensures vehicle accelerates at an acceptable rate.</a:t>
+            </a:r>
+          </a:p>
+          <a:p>
+            <a:r>
+              <a:rPr lang="en-IN" sz="2000" dirty="0"/>
+              <a:t>Ensures the vehicle can maintain a speed.</a:t>
+            </a:r>
+          </a:p>
+          <a:p>
+            <a:r>
+              <a:rPr lang="en-IN" sz="2000" dirty="0"/>
+              <a:t>Ensures vehicle can drive straight.</a:t>
+            </a:r>
+          </a:p>
+          <a:p>
+            <a:endParaRPr lang="en-IN" dirty="0"/>
           </a:p>
         </p:txBody>
       </p:sp>
       <p:pic>
         <p:nvPicPr>
-          <p:cNvPr id="6" name="Picture 5">
+          <p:cNvPr id="7" name="Content Placeholder 6">
             <a:extLst>
               <a:ext uri="{FF2B5EF4-FFF2-40B4-BE49-F238E27FC236}">
                 <a16:creationId xmlns:a16="http://schemas.microsoft.com/office/drawing/2014/main" id="{EEBDA16B-1DED-4708-97A7-9E2E814AE7E8}"/>
@@ -14651,9 +14578,11 @@
             </a:extLst>
           </p:cNvPr>
           <p:cNvPicPr>
-            <a:picLocks noChangeAspect="1"/>
+            <a:picLocks noGrp="1" noChangeAspect="1"/>
           </p:cNvPicPr>
-          <p:nvPr/>
+          <p:nvPr>
+            <p:ph idx="1"/>
+          </p:nvPr>
         </p:nvPicPr>
         <p:blipFill>
           <a:blip r:embed="rId2"/>
@@ -14663,280 +14592,31 @@
         </p:blipFill>
         <p:spPr>
           <a:xfrm>
-            <a:off x="212115" y="1541326"/>
-            <a:ext cx="5987453" cy="3203287"/>
+            <a:off x="4445000" y="1534026"/>
+            <a:ext cx="7147208" cy="3820293"/>
           </a:xfrm>
           <a:prstGeom prst="rect">
             <a:avLst/>
           </a:prstGeom>
         </p:spPr>
       </p:pic>
-      <p:cxnSp>
-        <p:nvCxnSpPr>
-          <p:cNvPr id="13" name="Straight Connector 12">
-            <a:extLst>
-              <a:ext uri="{FF2B5EF4-FFF2-40B4-BE49-F238E27FC236}">
-                <a16:creationId xmlns:a16="http://schemas.microsoft.com/office/drawing/2014/main" id="{3C4A154E-1950-4755-A5FC-5998EE0CC14B}"/>
-              </a:ext>
-              <a:ext uri="{C183D7F6-B498-43B3-948B-1728B52AA6E4}">
-                <adec:decorative xmlns:adec="http://schemas.microsoft.com/office/drawing/2017/decorative" val="1"/>
-              </a:ext>
-            </a:extLst>
-          </p:cNvPr>
-          <p:cNvCxnSpPr>
-            <a:cxnSpLocks noGrp="1" noRot="1" noChangeAspect="1" noMove="1" noResize="1" noEditPoints="1" noAdjustHandles="1" noChangeArrowheads="1" noChangeShapeType="1"/>
-          </p:cNvCxnSpPr>
-          <p:nvPr>
-            <p:extLst>
-              <p:ext uri="{386F3935-93C4-4BCD-93E2-E3B085C9AB24}">
-                <p16:designElem xmlns:p16="http://schemas.microsoft.com/office/powerpoint/2015/main" val="1"/>
-              </p:ext>
-            </p:extLst>
-          </p:nvPr>
-        </p:nvCxnSpPr>
-        <p:spPr>
-          <a:xfrm>
-            <a:off x="6411684" y="2086188"/>
-            <a:ext cx="4748808" cy="0"/>
-          </a:xfrm>
-          <a:prstGeom prst="line">
-            <a:avLst/>
-          </a:prstGeom>
-          <a:ln w="6350">
-            <a:solidFill>
-              <a:schemeClr val="tx1">
-                <a:lumMod val="50000"/>
-                <a:lumOff val="50000"/>
-                <a:alpha val="90000"/>
-              </a:schemeClr>
-            </a:solidFill>
-          </a:ln>
-        </p:spPr>
-        <p:style>
-          <a:lnRef idx="1">
-            <a:schemeClr val="accent1"/>
-          </a:lnRef>
-          <a:fillRef idx="0">
-            <a:schemeClr val="accent1"/>
-          </a:fillRef>
-          <a:effectRef idx="0">
-            <a:schemeClr val="accent1"/>
-          </a:effectRef>
-          <a:fontRef idx="minor">
-            <a:schemeClr val="tx1"/>
-          </a:fontRef>
-        </p:style>
-      </p:cxnSp>
-      <p:sp>
-        <p:nvSpPr>
-          <p:cNvPr id="3" name="Content Placeholder 2"/>
-          <p:cNvSpPr>
-            <a:spLocks noGrp="1"/>
-          </p:cNvSpPr>
-          <p:nvPr>
-            <p:ph idx="1"/>
-          </p:nvPr>
-        </p:nvSpPr>
-        <p:spPr>
-          <a:xfrm>
-            <a:off x="6411684" y="2198914"/>
-            <a:ext cx="5127172" cy="3670180"/>
-          </a:xfrm>
-        </p:spPr>
-        <p:txBody>
-          <a:bodyPr>
-            <a:normAutofit/>
-          </a:bodyPr>
-          <a:lstStyle/>
-          <a:p>
-            <a:r>
-              <a:rPr lang="en-IN" dirty="0"/>
-              <a:t>Models entering highway from on-ramp.</a:t>
-            </a:r>
-          </a:p>
-          <a:p>
-            <a:r>
-              <a:rPr lang="en-IN" dirty="0"/>
-              <a:t>Ensures vehicle accelerates at an acceptable rate.</a:t>
-            </a:r>
-          </a:p>
-          <a:p>
-            <a:r>
-              <a:rPr lang="en-IN" dirty="0"/>
-              <a:t>Ensures the vehicle can maintain a speed.</a:t>
-            </a:r>
-          </a:p>
-          <a:p>
-            <a:r>
-              <a:rPr lang="en-IN" dirty="0"/>
-              <a:t>Ensures vehicle can drive straight.</a:t>
-            </a:r>
-          </a:p>
-          <a:p>
-            <a:endParaRPr lang="en-IN" dirty="0"/>
-          </a:p>
-        </p:txBody>
-      </p:sp>
-      <p:sp>
-        <p:nvSpPr>
-          <p:cNvPr id="15" name="Rectangle 14">
-            <a:extLst>
-              <a:ext uri="{FF2B5EF4-FFF2-40B4-BE49-F238E27FC236}">
-                <a16:creationId xmlns:a16="http://schemas.microsoft.com/office/drawing/2014/main" id="{3FE9C285-56FB-4B36-8ECA-C2D6596AA906}"/>
-              </a:ext>
-              <a:ext uri="{C183D7F6-B498-43B3-948B-1728B52AA6E4}">
-                <adec:decorative xmlns:adec="http://schemas.microsoft.com/office/drawing/2017/decorative" val="1"/>
-              </a:ext>
-            </a:extLst>
-          </p:cNvPr>
-          <p:cNvSpPr>
-            <a:spLocks noGrp="1" noRot="1" noChangeAspect="1" noMove="1" noResize="1" noEditPoints="1" noAdjustHandles="1" noChangeArrowheads="1" noChangeShapeType="1" noTextEdit="1"/>
-          </p:cNvSpPr>
-          <p:nvPr>
-            <p:extLst>
-              <p:ext uri="{386F3935-93C4-4BCD-93E2-E3B085C9AB24}">
-                <p16:designElem xmlns:p16="http://schemas.microsoft.com/office/powerpoint/2015/main" val="1"/>
-              </p:ext>
-            </p:extLst>
-          </p:nvPr>
-        </p:nvSpPr>
-        <p:spPr>
-          <a:xfrm>
-            <a:off x="15" y="6334316"/>
-            <a:ext cx="12191985" cy="66484"/>
-          </a:xfrm>
-          <a:prstGeom prst="rect">
-            <a:avLst/>
-          </a:prstGeom>
-          <a:solidFill>
-            <a:schemeClr val="accent1"/>
-          </a:solidFill>
-          <a:ln>
-            <a:noFill/>
-          </a:ln>
-        </p:spPr>
-        <p:style>
-          <a:lnRef idx="2">
-            <a:schemeClr val="accent1">
-              <a:shade val="50000"/>
-            </a:schemeClr>
-          </a:lnRef>
-          <a:fillRef idx="1">
-            <a:schemeClr val="accent1"/>
-          </a:fillRef>
-          <a:effectRef idx="0">
-            <a:schemeClr val="accent1"/>
-          </a:effectRef>
-          <a:fontRef idx="minor">
-            <a:schemeClr val="lt1"/>
-          </a:fontRef>
-        </p:style>
-      </p:sp>
-      <p:sp>
-        <p:nvSpPr>
-          <p:cNvPr id="17" name="Rectangle 16">
-            <a:extLst>
-              <a:ext uri="{FF2B5EF4-FFF2-40B4-BE49-F238E27FC236}">
-                <a16:creationId xmlns:a16="http://schemas.microsoft.com/office/drawing/2014/main" id="{937C076B-00B1-4629-B27F-A86F9885FB4D}"/>
-              </a:ext>
-              <a:ext uri="{C183D7F6-B498-43B3-948B-1728B52AA6E4}">
-                <adec:decorative xmlns:adec="http://schemas.microsoft.com/office/drawing/2017/decorative" val="1"/>
-              </a:ext>
-            </a:extLst>
-          </p:cNvPr>
-          <p:cNvSpPr>
-            <a:spLocks noGrp="1" noRot="1" noChangeAspect="1" noMove="1" noResize="1" noEditPoints="1" noAdjustHandles="1" noChangeArrowheads="1" noChangeShapeType="1" noTextEdit="1"/>
-          </p:cNvSpPr>
-          <p:nvPr>
-            <p:extLst>
-              <p:ext uri="{386F3935-93C4-4BCD-93E2-E3B085C9AB24}">
-                <p16:designElem xmlns:p16="http://schemas.microsoft.com/office/powerpoint/2015/main" val="1"/>
-              </p:ext>
-            </p:extLst>
-          </p:nvPr>
-        </p:nvSpPr>
-        <p:spPr>
-          <a:xfrm>
-            <a:off x="1" y="6400800"/>
-            <a:ext cx="12192000" cy="457200"/>
-          </a:xfrm>
-          <a:prstGeom prst="rect">
-            <a:avLst/>
-          </a:prstGeom>
-          <a:solidFill>
-            <a:schemeClr val="accent2"/>
-          </a:solidFill>
-          <a:ln>
-            <a:noFill/>
-          </a:ln>
-        </p:spPr>
-        <p:style>
-          <a:lnRef idx="2">
-            <a:schemeClr val="accent1">
-              <a:shade val="50000"/>
-            </a:schemeClr>
-          </a:lnRef>
-          <a:fillRef idx="1">
-            <a:schemeClr val="accent1"/>
-          </a:fillRef>
-          <a:effectRef idx="0">
-            <a:schemeClr val="accent1"/>
-          </a:effectRef>
-          <a:fontRef idx="minor">
-            <a:schemeClr val="lt1"/>
-          </a:fontRef>
-        </p:style>
-      </p:sp>
-      <p:sp>
-        <p:nvSpPr>
-          <p:cNvPr id="4" name="Slide Number Placeholder 3"/>
-          <p:cNvSpPr>
-            <a:spLocks noGrp="1"/>
-          </p:cNvSpPr>
-          <p:nvPr>
-            <p:ph type="sldNum" sz="quarter" idx="12"/>
-          </p:nvPr>
-        </p:nvSpPr>
-        <p:spPr>
-          <a:xfrm>
-            <a:off x="9900458" y="6459785"/>
-            <a:ext cx="1312025" cy="365125"/>
-          </a:xfrm>
-        </p:spPr>
-        <p:txBody>
-          <a:bodyPr>
-            <a:normAutofit/>
-          </a:bodyPr>
-          <a:lstStyle/>
-          <a:p>
-            <a:pPr>
-              <a:spcAft>
-                <a:spcPts val="600"/>
-              </a:spcAft>
-            </a:pPr>
-            <a:fld id="{14DE990B-4FB7-4A7F-817E-CABDB30FA765}" type="slidenum">
-              <a:rPr lang="en-IN" smtClean="0"/>
-              <a:pPr>
-                <a:spcAft>
-                  <a:spcPts val="600"/>
-                </a:spcAft>
-              </a:pPr>
-              <a:t>8</a:t>
-            </a:fld>
-            <a:endParaRPr lang="en-IN"/>
-          </a:p>
-        </p:txBody>
-      </p:sp>
     </p:spTree>
     <p:extLst>
       <p:ext uri="{BB962C8B-B14F-4D97-AF65-F5344CB8AC3E}">
-        <p14:creationId xmlns:p14="http://schemas.microsoft.com/office/powerpoint/2010/main" val="1781863224"/>
+        <p14:creationId xmlns:p14="http://schemas.microsoft.com/office/powerpoint/2010/main" val="3397245783"/>
       </p:ext>
     </p:extLst>
   </p:cSld>
   <p:clrMapOvr>
     <a:masterClrMapping/>
   </p:clrMapOvr>
+  <p:timing>
+    <p:tnLst>
+      <p:par>
+        <p:cTn id="1" dur="indefinite" restart="never" nodeType="tmRoot"/>
+      </p:par>
+    </p:tnLst>
+  </p:timing>
 </p:sld>
 </file>
 
@@ -14973,7 +14653,7 @@
                 <a16:creationId xmlns:a16="http://schemas.microsoft.com/office/drawing/2014/main" id="{038B8727-D318-4B70-B353-C390602FF311}"/>
               </a:ext>
               <a:ext uri="{C183D7F6-B498-43B3-948B-1728B52AA6E4}">
-                <adec:decorative xmlns:adec="http://schemas.microsoft.com/office/drawing/2017/decorative" val="1"/>
+                <adec:decorative xmlns:adec="http://schemas.microsoft.com/office/drawing/2017/decorative" xmlns="" val="1"/>
               </a:ext>
             </a:extLst>
           </p:cNvPr>
@@ -15033,7 +14713,7 @@
                 <a16:creationId xmlns:a16="http://schemas.microsoft.com/office/drawing/2014/main" id="{1B0C8367-28B6-4EF1-B182-01BEC98727DB}"/>
               </a:ext>
               <a:ext uri="{C183D7F6-B498-43B3-948B-1728B52AA6E4}">
-                <adec:decorative xmlns:adec="http://schemas.microsoft.com/office/drawing/2017/decorative" val="1"/>
+                <adec:decorative xmlns:adec="http://schemas.microsoft.com/office/drawing/2017/decorative" xmlns="" val="1"/>
               </a:ext>
             </a:extLst>
           </p:cNvPr>
@@ -15093,7 +14773,7 @@
         <p:spPr>
           <a:xfrm>
             <a:off x="492370" y="516835"/>
-            <a:ext cx="3084844" cy="2103875"/>
+            <a:ext cx="3084844" cy="1860605"/>
           </a:xfrm>
         </p:spPr>
         <p:txBody>
@@ -15103,14 +14783,14 @@
           <a:lstStyle/>
           <a:p>
             <a:r>
-              <a:rPr lang="en-US" sz="3600" b="1">
+              <a:rPr lang="en-US" sz="3600" b="1" dirty="0">
                 <a:solidFill>
                   <a:srgbClr val="FFFFFF"/>
                 </a:solidFill>
               </a:rPr>
               <a:t>Speed up and Speed Down Test </a:t>
             </a:r>
-            <a:endParaRPr lang="en-IN" sz="3600" b="1">
+            <a:endParaRPr lang="en-IN" sz="3600" b="1" dirty="0">
               <a:solidFill>
                 <a:srgbClr val="FFFFFF"/>
               </a:solidFill>
@@ -15147,7 +14827,7 @@
           <a:lstStyle/>
           <a:p>
             <a:r>
-              <a:rPr lang="en-US" sz="1500" dirty="0">
+              <a:rPr lang="en-US" dirty="0">
                 <a:solidFill>
                   <a:srgbClr val="FFFFFF"/>
                 </a:solidFill>
@@ -15157,7 +14837,7 @@
           </a:p>
           <a:p>
             <a:r>
-              <a:rPr lang="en-US" sz="1500" dirty="0">
+              <a:rPr lang="en-US" dirty="0">
                 <a:solidFill>
                   <a:srgbClr val="FFFFFF"/>
                 </a:solidFill>
@@ -15167,7 +14847,7 @@
           </a:p>
           <a:p>
             <a:r>
-              <a:rPr lang="en-US" sz="1500" dirty="0">
+              <a:rPr lang="en-US" dirty="0">
                 <a:solidFill>
                   <a:srgbClr val="FFFFFF"/>
                 </a:solidFill>
@@ -15185,7 +14865,7 @@
                 <a16:creationId xmlns:a16="http://schemas.microsoft.com/office/drawing/2014/main" id="{649E3F4C-17F5-49E4-B05F-80C6B348AF28}"/>
               </a:ext>
               <a:ext uri="{C183D7F6-B498-43B3-948B-1728B52AA6E4}">
-                <adec:decorative xmlns:adec="http://schemas.microsoft.com/office/drawing/2017/decorative" val="1"/>
+                <adec:decorative xmlns:adec="http://schemas.microsoft.com/office/drawing/2017/decorative" xmlns="" val="1"/>
               </a:ext>
             </a:extLst>
           </p:cNvPr>
@@ -15320,6 +15000,13 @@
   <p:clrMapOvr>
     <a:masterClrMapping/>
   </p:clrMapOvr>
+  <p:timing>
+    <p:tnLst>
+      <p:par>
+        <p:cTn id="1" dur="indefinite" restart="never" nodeType="tmRoot"/>
+      </p:par>
+    </p:tnLst>
+  </p:timing>
 </p:sld>
 </file>
 
